--- a/prezentace/xnovm288-obhajoba (sablona urna).pptx
+++ b/prezentace/xnovm288-obhajoba (sablona urna).pptx
@@ -5596,7 +5596,16 @@
           <a:bodyPr wrap="none" anchor="ctr"/>
           <a:lstStyle/>
           <a:p>
-            <a:endParaRPr lang="cs-CZ" altLang="cs-CZ" dirty="0"/>
+            <a:r>
+              <a:rPr lang="cs-CZ" altLang="cs-CZ" dirty="0"/>
+              <a:t>Při návrhu je počítáno s tím, že jeden uzel může být součástí více systémů. Například optická závora na hranici dvou procesů. Z tohoto důvodu je iniciátorem komunikace hlavní uzel.</a:t>
+            </a:r>
+          </a:p>
+          <a:p>
+            <a:r>
+              <a:rPr lang="cs-CZ" altLang="cs-CZ" dirty="0"/>
+              <a:t>Pro komunikaci s uzly vytvořenými v této práci je použita kombinace HTTP a JSON.</a:t>
+            </a:r>
           </a:p>
         </p:txBody>
       </p:sp>
@@ -6366,7 +6375,34 @@
           <a:bodyPr wrap="none" anchor="ctr"/>
           <a:lstStyle/>
           <a:p>
-            <a:endParaRPr lang="cs-CZ" altLang="cs-CZ" dirty="0"/>
+            <a:r>
+              <a:rPr lang="cs-CZ" altLang="cs-CZ" dirty="0"/>
+              <a:t>Jelikož uzly mohou mít rozdílný počet </a:t>
+            </a:r>
+            <a:r>
+              <a:rPr lang="cs-CZ" altLang="cs-CZ" dirty="0" err="1"/>
+              <a:t>endpointů</a:t>
+            </a:r>
+            <a:r>
+              <a:rPr lang="cs-CZ" altLang="cs-CZ" dirty="0"/>
+              <a:t>, v závislosti na připojených sensorech a akčních členech, je při přidávání nového uzlu do systému zjistit seznam </a:t>
+            </a:r>
+            <a:r>
+              <a:rPr lang="cs-CZ" altLang="cs-CZ" dirty="0" err="1"/>
+              <a:t>endpointů</a:t>
+            </a:r>
+            <a:r>
+              <a:rPr lang="cs-CZ" altLang="cs-CZ" dirty="0"/>
+              <a:t> včetně hodnot a argumentů. K tomu slouží </a:t>
+            </a:r>
+            <a:r>
+              <a:rPr lang="cs-CZ" altLang="cs-CZ" dirty="0" err="1"/>
+              <a:t>getInfo</a:t>
+            </a:r>
+            <a:r>
+              <a:rPr lang="cs-CZ" altLang="cs-CZ" dirty="0"/>
+              <a:t>.</a:t>
+            </a:r>
           </a:p>
         </p:txBody>
       </p:sp>
@@ -7136,7 +7172,24 @@
           <a:bodyPr wrap="none" anchor="ctr"/>
           <a:lstStyle/>
           <a:p>
-            <a:endParaRPr lang="cs-CZ" altLang="cs-CZ" dirty="0"/>
+            <a:r>
+              <a:rPr lang="cs-CZ" altLang="cs-CZ" dirty="0"/>
+              <a:t>	Při tvorbě hlavního uzlu byl použit vrstvený model. Kdy je aplikace rozdělena na uživatelské rozhraní, logickou a komunikační vrstvu. Na tomto obrázku levý sloupec s sytými bloky je realizován a popsán v této práci. Světlejší bloky jsou možná rozšíření, se kterými je počítáno. </a:t>
+            </a:r>
+          </a:p>
+          <a:p>
+            <a:r>
+              <a:rPr lang="cs-CZ" altLang="cs-CZ" dirty="0"/>
+              <a:t>	Fialové bloky jsou části hlavního uzlu programované v C# a v dolní řádce jsou jednotlivé platformy pro uzly, kde je tedy ESP8266 s Wi-Fi a HTTP, STM32 připojené pomocí virtuální sériové linky a Samsung </a:t>
+            </a:r>
+            <a:r>
+              <a:rPr lang="cs-CZ" altLang="cs-CZ" dirty="0" err="1"/>
+              <a:t>SmartThings</a:t>
+            </a:r>
+            <a:r>
+              <a:rPr lang="cs-CZ" altLang="cs-CZ" dirty="0"/>
+              <a:t>, které má veřejně dostupné API.</a:t>
+            </a:r>
           </a:p>
         </p:txBody>
       </p:sp>
@@ -27013,7 +27066,7 @@
         <p:spPr bwMode="auto">
           <a:xfrm>
             <a:off x="827088" y="1800000"/>
-            <a:ext cx="6913562" cy="1007393"/>
+            <a:ext cx="6913562" cy="1438280"/>
           </a:xfrm>
           <a:prstGeom prst="rect">
             <a:avLst/>
@@ -27500,6 +27553,45 @@
               </a:rPr>
               <a:t>Vrstvený model</a:t>
             </a:r>
+          </a:p>
+          <a:p>
+            <a:pPr marL="285750" indent="-285750" algn="just" eaLnBrk="1" hangingPunct="1">
+              <a:lnSpc>
+                <a:spcPct val="150000"/>
+              </a:lnSpc>
+              <a:spcBef>
+                <a:spcPct val="50000"/>
+              </a:spcBef>
+            </a:pPr>
+            <a:r>
+              <a:rPr lang="cs-CZ" altLang="cs-CZ" sz="1400" b="1" dirty="0" err="1">
+                <a:solidFill>
+                  <a:schemeClr val="tx1"/>
+                </a:solidFill>
+              </a:rPr>
+              <a:t>Dependency</a:t>
+            </a:r>
+            <a:r>
+              <a:rPr lang="cs-CZ" altLang="cs-CZ" sz="1400" b="1" dirty="0">
+                <a:solidFill>
+                  <a:schemeClr val="tx1"/>
+                </a:solidFill>
+              </a:rPr>
+              <a:t> </a:t>
+            </a:r>
+            <a:r>
+              <a:rPr lang="cs-CZ" altLang="cs-CZ" sz="1400" b="1" dirty="0" err="1">
+                <a:solidFill>
+                  <a:schemeClr val="tx1"/>
+                </a:solidFill>
+              </a:rPr>
+              <a:t>injection</a:t>
+            </a:r>
+            <a:endParaRPr lang="cs-CZ" altLang="cs-CZ" sz="1400" b="1" dirty="0">
+              <a:solidFill>
+                <a:schemeClr val="tx1"/>
+              </a:solidFill>
+            </a:endParaRPr>
           </a:p>
           <a:p>
             <a:pPr algn="just" eaLnBrk="1" hangingPunct="1">
@@ -28525,8 +28617,8 @@
         </p:blipFill>
         <p:spPr>
           <a:xfrm>
-            <a:off x="2828208" y="1249933"/>
-            <a:ext cx="6182588" cy="4982270"/>
+            <a:off x="3119638" y="1484783"/>
+            <a:ext cx="5891157" cy="4747419"/>
           </a:xfrm>
           <a:prstGeom prst="rect">
             <a:avLst/>

--- a/prezentace/xnovm288-obhajoba (sablona urna).pptx
+++ b/prezentace/xnovm288-obhajoba (sablona urna).pptx
@@ -5,7 +5,7 @@
     <p:sldMasterId id="2147483648" r:id="rId1"/>
   </p:sldMasterIdLst>
   <p:notesMasterIdLst>
-    <p:notesMasterId r:id="rId14"/>
+    <p:notesMasterId r:id="rId15"/>
   </p:notesMasterIdLst>
   <p:sldIdLst>
     <p:sldId id="256" r:id="rId2"/>
@@ -17,9 +17,10 @@
     <p:sldId id="288" r:id="rId8"/>
     <p:sldId id="289" r:id="rId9"/>
     <p:sldId id="292" r:id="rId10"/>
-    <p:sldId id="290" r:id="rId11"/>
+    <p:sldId id="283" r:id="rId11"/>
     <p:sldId id="291" r:id="rId12"/>
-    <p:sldId id="283" r:id="rId13"/>
+    <p:sldId id="295" r:id="rId13"/>
+    <p:sldId id="296" r:id="rId14"/>
   </p:sldIdLst>
   <p:sldSz cx="9144000" cy="6858000" type="screen4x3"/>
   <p:notesSz cx="6858000" cy="9144000"/>
@@ -2527,13 +2528,7 @@
     </p:bg>
     <p:spTree>
       <p:nvGrpSpPr>
-        <p:cNvPr id="1" name="">
-          <a:extLst>
-            <a:ext uri="{FF2B5EF4-FFF2-40B4-BE49-F238E27FC236}">
-              <a16:creationId xmlns:a16="http://schemas.microsoft.com/office/drawing/2014/main" id="{68F62B73-BDC8-F98E-E147-E48892FF9E35}"/>
-            </a:ext>
-          </a:extLst>
-        </p:cNvPr>
+        <p:cNvPr id="1" name=""/>
         <p:cNvGrpSpPr/>
         <p:nvPr/>
       </p:nvGrpSpPr>
@@ -2547,10 +2542,10 @@
       </p:grpSpPr>
       <p:sp>
         <p:nvSpPr>
-          <p:cNvPr id="6146" name="Rectangle 10">
+          <p:cNvPr id="8194" name="Rectangle 10">
             <a:extLst>
               <a:ext uri="{FF2B5EF4-FFF2-40B4-BE49-F238E27FC236}">
-                <a16:creationId xmlns:a16="http://schemas.microsoft.com/office/drawing/2014/main" id="{54773D17-9E18-6FFB-D8DC-6A479D22065E}"/>
+                <a16:creationId xmlns:a16="http://schemas.microsoft.com/office/drawing/2014/main" id="{5A8AA0D7-D585-1F77-5116-17C938F66FEA}"/>
               </a:ext>
             </a:extLst>
           </p:cNvPr>
@@ -2967,7 +2962,7 @@
               <a:buFont typeface="Arial" panose="020B0604020202020204" pitchFamily="34" charset="0"/>
               <a:buNone/>
             </a:pPr>
-            <a:fld id="{6E7D7114-AFAB-4A56-8F9A-8252A9CDBE28}" type="slidenum">
+            <a:fld id="{D8E15C6D-5862-44D0-A43B-A65EFD58BFB5}" type="slidenum">
               <a:rPr lang="en-GB" altLang="cs-CZ">
                 <a:latin typeface="Arial" panose="020B0604020202020204" pitchFamily="34" charset="0"/>
               </a:rPr>
@@ -2988,10 +2983,10 @@
       </p:sp>
       <p:sp>
         <p:nvSpPr>
-          <p:cNvPr id="6147" name="Text Box 2">
+          <p:cNvPr id="8195" name="Text Box 2">
             <a:extLst>
               <a:ext uri="{FF2B5EF4-FFF2-40B4-BE49-F238E27FC236}">
-                <a16:creationId xmlns:a16="http://schemas.microsoft.com/office/drawing/2014/main" id="{F2AC0596-6D28-D372-11FC-72B2F5A0738B}"/>
+                <a16:creationId xmlns:a16="http://schemas.microsoft.com/office/drawing/2014/main" id="{0E2458EB-57D0-05C8-6BE4-1CFA7C9DD90C}"/>
               </a:ext>
             </a:extLst>
           </p:cNvPr>
@@ -3214,10 +3209,10 @@
       </p:sp>
       <p:sp>
         <p:nvSpPr>
-          <p:cNvPr id="6148" name="Rectangle 3">
+          <p:cNvPr id="8196" name="Rectangle 3">
             <a:extLst>
               <a:ext uri="{FF2B5EF4-FFF2-40B4-BE49-F238E27FC236}">
-                <a16:creationId xmlns:a16="http://schemas.microsoft.com/office/drawing/2014/main" id="{E9CF8D2F-2DB4-DD61-108A-498BABC4067F}"/>
+                <a16:creationId xmlns:a16="http://schemas.microsoft.com/office/drawing/2014/main" id="{0FBB0E0D-43F3-E1A6-3734-C8470433BA3A}"/>
               </a:ext>
             </a:extLst>
           </p:cNvPr>
@@ -3267,16 +3262,11 @@
           <a:bodyPr wrap="none" anchor="ctr"/>
           <a:lstStyle/>
           <a:p>
-            <a:endParaRPr lang="cs-CZ" altLang="cs-CZ" dirty="0"/>
+            <a:endParaRPr lang="cs-CZ" altLang="cs-CZ"/>
           </a:p>
         </p:txBody>
       </p:sp>
     </p:spTree>
-    <p:extLst>
-      <p:ext uri="{BB962C8B-B14F-4D97-AF65-F5344CB8AC3E}">
-        <p14:creationId xmlns:p14="http://schemas.microsoft.com/office/powerpoint/2010/main" val="684018103"/>
-      </p:ext>
-    </p:extLst>
   </p:cSld>
   <p:clrMapOvr>
     <a:masterClrMapping/>
@@ -4067,7 +4057,13 @@
     </p:bg>
     <p:spTree>
       <p:nvGrpSpPr>
-        <p:cNvPr id="1" name=""/>
+        <p:cNvPr id="1" name="">
+          <a:extLst>
+            <a:ext uri="{FF2B5EF4-FFF2-40B4-BE49-F238E27FC236}">
+              <a16:creationId xmlns:a16="http://schemas.microsoft.com/office/drawing/2014/main" id="{9C94CA7C-79BB-1D8B-93DB-AA5E6AABDD4D}"/>
+            </a:ext>
+          </a:extLst>
+        </p:cNvPr>
         <p:cNvGrpSpPr/>
         <p:nvPr/>
       </p:nvGrpSpPr>
@@ -4081,10 +4077,10 @@
       </p:grpSpPr>
       <p:sp>
         <p:nvSpPr>
-          <p:cNvPr id="8194" name="Rectangle 10">
+          <p:cNvPr id="6146" name="Rectangle 10">
             <a:extLst>
               <a:ext uri="{FF2B5EF4-FFF2-40B4-BE49-F238E27FC236}">
-                <a16:creationId xmlns:a16="http://schemas.microsoft.com/office/drawing/2014/main" id="{5A8AA0D7-D585-1F77-5116-17C938F66FEA}"/>
+                <a16:creationId xmlns:a16="http://schemas.microsoft.com/office/drawing/2014/main" id="{AD472541-1C44-4943-4EA6-FF6C4FEFF508}"/>
               </a:ext>
             </a:extLst>
           </p:cNvPr>
@@ -4501,7 +4497,7 @@
               <a:buFont typeface="Arial" panose="020B0604020202020204" pitchFamily="34" charset="0"/>
               <a:buNone/>
             </a:pPr>
-            <a:fld id="{D8E15C6D-5862-44D0-A43B-A65EFD58BFB5}" type="slidenum">
+            <a:fld id="{6E7D7114-AFAB-4A56-8F9A-8252A9CDBE28}" type="slidenum">
               <a:rPr lang="en-GB" altLang="cs-CZ">
                 <a:latin typeface="Arial" panose="020B0604020202020204" pitchFamily="34" charset="0"/>
               </a:rPr>
@@ -4522,10 +4518,10 @@
       </p:sp>
       <p:sp>
         <p:nvSpPr>
-          <p:cNvPr id="8195" name="Text Box 2">
+          <p:cNvPr id="6147" name="Text Box 2">
             <a:extLst>
               <a:ext uri="{FF2B5EF4-FFF2-40B4-BE49-F238E27FC236}">
-                <a16:creationId xmlns:a16="http://schemas.microsoft.com/office/drawing/2014/main" id="{0E2458EB-57D0-05C8-6BE4-1CFA7C9DD90C}"/>
+                <a16:creationId xmlns:a16="http://schemas.microsoft.com/office/drawing/2014/main" id="{BEC14B86-1D44-06D6-C044-AC1FE1379647}"/>
               </a:ext>
             </a:extLst>
           </p:cNvPr>
@@ -4748,10 +4744,10 @@
       </p:sp>
       <p:sp>
         <p:nvSpPr>
-          <p:cNvPr id="8196" name="Rectangle 3">
+          <p:cNvPr id="6148" name="Rectangle 3">
             <a:extLst>
               <a:ext uri="{FF2B5EF4-FFF2-40B4-BE49-F238E27FC236}">
-                <a16:creationId xmlns:a16="http://schemas.microsoft.com/office/drawing/2014/main" id="{0FBB0E0D-43F3-E1A6-3734-C8470433BA3A}"/>
+                <a16:creationId xmlns:a16="http://schemas.microsoft.com/office/drawing/2014/main" id="{01EC45A8-D397-E55D-34FF-78A046A38A32}"/>
               </a:ext>
             </a:extLst>
           </p:cNvPr>
@@ -4801,11 +4797,786 @@
           <a:bodyPr wrap="none" anchor="ctr"/>
           <a:lstStyle/>
           <a:p>
-            <a:endParaRPr lang="cs-CZ" altLang="cs-CZ"/>
+            <a:endParaRPr lang="cs-CZ" altLang="cs-CZ" dirty="0"/>
           </a:p>
         </p:txBody>
       </p:sp>
     </p:spTree>
+    <p:extLst>
+      <p:ext uri="{BB962C8B-B14F-4D97-AF65-F5344CB8AC3E}">
+        <p14:creationId xmlns:p14="http://schemas.microsoft.com/office/powerpoint/2010/main" val="315061054"/>
+      </p:ext>
+    </p:extLst>
+  </p:cSld>
+  <p:clrMapOvr>
+    <a:masterClrMapping/>
+  </p:clrMapOvr>
+</p:notes>
+</file>
+
+<file path=ppt/notesSlides/notesSlide13.xml><?xml version="1.0" encoding="utf-8"?>
+<p:notes xmlns:a="http://schemas.openxmlformats.org/drawingml/2006/main" xmlns:r="http://schemas.openxmlformats.org/officeDocument/2006/relationships" xmlns:p="http://schemas.openxmlformats.org/presentationml/2006/main">
+  <p:cSld>
+    <p:bg>
+      <p:bgPr>
+        <a:solidFill>
+          <a:srgbClr val="FFFFFF"/>
+        </a:solidFill>
+        <a:effectLst/>
+      </p:bgPr>
+    </p:bg>
+    <p:spTree>
+      <p:nvGrpSpPr>
+        <p:cNvPr id="1" name="">
+          <a:extLst>
+            <a:ext uri="{FF2B5EF4-FFF2-40B4-BE49-F238E27FC236}">
+              <a16:creationId xmlns:a16="http://schemas.microsoft.com/office/drawing/2014/main" id="{A21AD4D8-83C5-2306-40C1-87C6CDC616FE}"/>
+            </a:ext>
+          </a:extLst>
+        </p:cNvPr>
+        <p:cNvGrpSpPr/>
+        <p:nvPr/>
+      </p:nvGrpSpPr>
+      <p:grpSpPr>
+        <a:xfrm>
+          <a:off x="0" y="0"/>
+          <a:ext cx="0" cy="0"/>
+          <a:chOff x="0" y="0"/>
+          <a:chExt cx="0" cy="0"/>
+        </a:xfrm>
+      </p:grpSpPr>
+      <p:sp>
+        <p:nvSpPr>
+          <p:cNvPr id="6146" name="Rectangle 10">
+            <a:extLst>
+              <a:ext uri="{FF2B5EF4-FFF2-40B4-BE49-F238E27FC236}">
+                <a16:creationId xmlns:a16="http://schemas.microsoft.com/office/drawing/2014/main" id="{89DDBAB2-AA93-511B-43C2-84523579A3B1}"/>
+              </a:ext>
+            </a:extLst>
+          </p:cNvPr>
+          <p:cNvSpPr>
+            <a:spLocks noGrp="1" noChangeArrowheads="1"/>
+          </p:cNvSpPr>
+          <p:nvPr>
+            <p:ph type="sldNum" sz="quarter"/>
+          </p:nvPr>
+        </p:nvSpPr>
+        <p:spPr>
+          <a:noFill/>
+          <a:extLst>
+            <a:ext uri="{909E8E84-426E-40DD-AFC4-6F175D3DCCD1}">
+              <a14:hiddenFill xmlns:a14="http://schemas.microsoft.com/office/drawing/2010/main">
+                <a:solidFill>
+                  <a:srgbClr val="FFFFFF"/>
+                </a:solidFill>
+              </a14:hiddenFill>
+            </a:ext>
+            <a:ext uri="{91240B29-F687-4F45-9708-019B960494DF}">
+              <a14:hiddenLine xmlns:a14="http://schemas.microsoft.com/office/drawing/2010/main" w="9525">
+                <a:solidFill>
+                  <a:srgbClr val="000000"/>
+                </a:solidFill>
+                <a:round/>
+                <a:headEnd/>
+                <a:tailEnd/>
+              </a14:hiddenLine>
+            </a:ext>
+            <a:ext uri="{AF507438-7753-43E0-B8FC-AC1667EBCBE1}">
+              <a14:hiddenEffects xmlns:a14="http://schemas.microsoft.com/office/drawing/2010/main">
+                <a:effectLst>
+                  <a:outerShdw dist="35921" dir="2700000" algn="ctr" rotWithShape="0">
+                    <a:schemeClr val="bg2"/>
+                  </a:outerShdw>
+                </a:effectLst>
+              </a14:hiddenEffects>
+            </a:ext>
+          </a:extLst>
+        </p:spPr>
+        <p:txBody>
+          <a:bodyPr/>
+          <a:lstStyle>
+            <a:lvl1pPr>
+              <a:spcBef>
+                <a:spcPct val="30000"/>
+              </a:spcBef>
+              <a:buClr>
+                <a:srgbClr val="000000"/>
+              </a:buClr>
+              <a:buSzPct val="100000"/>
+              <a:buFont typeface="Times New Roman" panose="02020603050405020304" pitchFamily="18" charset="0"/>
+              <a:tabLst>
+                <a:tab pos="0" algn="l"/>
+                <a:tab pos="447675" algn="l"/>
+                <a:tab pos="896938" algn="l"/>
+                <a:tab pos="1346200" algn="l"/>
+                <a:tab pos="1795463" algn="l"/>
+                <a:tab pos="2244725" algn="l"/>
+                <a:tab pos="2693988" algn="l"/>
+                <a:tab pos="3143250" algn="l"/>
+                <a:tab pos="3592513" algn="l"/>
+                <a:tab pos="4041775" algn="l"/>
+                <a:tab pos="4491038" algn="l"/>
+                <a:tab pos="4940300" algn="l"/>
+                <a:tab pos="5389563" algn="l"/>
+                <a:tab pos="5838825" algn="l"/>
+                <a:tab pos="6288088" algn="l"/>
+                <a:tab pos="6737350" algn="l"/>
+                <a:tab pos="7186613" algn="l"/>
+                <a:tab pos="7635875" algn="l"/>
+                <a:tab pos="8085138" algn="l"/>
+                <a:tab pos="8534400" algn="l"/>
+                <a:tab pos="8983663" algn="l"/>
+              </a:tabLst>
+              <a:defRPr sz="1200">
+                <a:solidFill>
+                  <a:srgbClr val="000000"/>
+                </a:solidFill>
+                <a:latin typeface="Times New Roman" panose="02020603050405020304" pitchFamily="18" charset="0"/>
+              </a:defRPr>
+            </a:lvl1pPr>
+            <a:lvl2pPr marL="742950" indent="-285750">
+              <a:spcBef>
+                <a:spcPct val="30000"/>
+              </a:spcBef>
+              <a:buClr>
+                <a:srgbClr val="000000"/>
+              </a:buClr>
+              <a:buSzPct val="100000"/>
+              <a:buFont typeface="Times New Roman" panose="02020603050405020304" pitchFamily="18" charset="0"/>
+              <a:tabLst>
+                <a:tab pos="0" algn="l"/>
+                <a:tab pos="447675" algn="l"/>
+                <a:tab pos="896938" algn="l"/>
+                <a:tab pos="1346200" algn="l"/>
+                <a:tab pos="1795463" algn="l"/>
+                <a:tab pos="2244725" algn="l"/>
+                <a:tab pos="2693988" algn="l"/>
+                <a:tab pos="3143250" algn="l"/>
+                <a:tab pos="3592513" algn="l"/>
+                <a:tab pos="4041775" algn="l"/>
+                <a:tab pos="4491038" algn="l"/>
+                <a:tab pos="4940300" algn="l"/>
+                <a:tab pos="5389563" algn="l"/>
+                <a:tab pos="5838825" algn="l"/>
+                <a:tab pos="6288088" algn="l"/>
+                <a:tab pos="6737350" algn="l"/>
+                <a:tab pos="7186613" algn="l"/>
+                <a:tab pos="7635875" algn="l"/>
+                <a:tab pos="8085138" algn="l"/>
+                <a:tab pos="8534400" algn="l"/>
+                <a:tab pos="8983663" algn="l"/>
+              </a:tabLst>
+              <a:defRPr sz="1200">
+                <a:solidFill>
+                  <a:srgbClr val="000000"/>
+                </a:solidFill>
+                <a:latin typeface="Times New Roman" panose="02020603050405020304" pitchFamily="18" charset="0"/>
+              </a:defRPr>
+            </a:lvl2pPr>
+            <a:lvl3pPr marL="1143000" indent="-228600">
+              <a:spcBef>
+                <a:spcPct val="30000"/>
+              </a:spcBef>
+              <a:buClr>
+                <a:srgbClr val="000000"/>
+              </a:buClr>
+              <a:buSzPct val="100000"/>
+              <a:buFont typeface="Times New Roman" panose="02020603050405020304" pitchFamily="18" charset="0"/>
+              <a:tabLst>
+                <a:tab pos="0" algn="l"/>
+                <a:tab pos="447675" algn="l"/>
+                <a:tab pos="896938" algn="l"/>
+                <a:tab pos="1346200" algn="l"/>
+                <a:tab pos="1795463" algn="l"/>
+                <a:tab pos="2244725" algn="l"/>
+                <a:tab pos="2693988" algn="l"/>
+                <a:tab pos="3143250" algn="l"/>
+                <a:tab pos="3592513" algn="l"/>
+                <a:tab pos="4041775" algn="l"/>
+                <a:tab pos="4491038" algn="l"/>
+                <a:tab pos="4940300" algn="l"/>
+                <a:tab pos="5389563" algn="l"/>
+                <a:tab pos="5838825" algn="l"/>
+                <a:tab pos="6288088" algn="l"/>
+                <a:tab pos="6737350" algn="l"/>
+                <a:tab pos="7186613" algn="l"/>
+                <a:tab pos="7635875" algn="l"/>
+                <a:tab pos="8085138" algn="l"/>
+                <a:tab pos="8534400" algn="l"/>
+                <a:tab pos="8983663" algn="l"/>
+              </a:tabLst>
+              <a:defRPr sz="1200">
+                <a:solidFill>
+                  <a:srgbClr val="000000"/>
+                </a:solidFill>
+                <a:latin typeface="Times New Roman" panose="02020603050405020304" pitchFamily="18" charset="0"/>
+              </a:defRPr>
+            </a:lvl3pPr>
+            <a:lvl4pPr marL="1600200" indent="-228600">
+              <a:spcBef>
+                <a:spcPct val="30000"/>
+              </a:spcBef>
+              <a:buClr>
+                <a:srgbClr val="000000"/>
+              </a:buClr>
+              <a:buSzPct val="100000"/>
+              <a:buFont typeface="Times New Roman" panose="02020603050405020304" pitchFamily="18" charset="0"/>
+              <a:tabLst>
+                <a:tab pos="0" algn="l"/>
+                <a:tab pos="447675" algn="l"/>
+                <a:tab pos="896938" algn="l"/>
+                <a:tab pos="1346200" algn="l"/>
+                <a:tab pos="1795463" algn="l"/>
+                <a:tab pos="2244725" algn="l"/>
+                <a:tab pos="2693988" algn="l"/>
+                <a:tab pos="3143250" algn="l"/>
+                <a:tab pos="3592513" algn="l"/>
+                <a:tab pos="4041775" algn="l"/>
+                <a:tab pos="4491038" algn="l"/>
+                <a:tab pos="4940300" algn="l"/>
+                <a:tab pos="5389563" algn="l"/>
+                <a:tab pos="5838825" algn="l"/>
+                <a:tab pos="6288088" algn="l"/>
+                <a:tab pos="6737350" algn="l"/>
+                <a:tab pos="7186613" algn="l"/>
+                <a:tab pos="7635875" algn="l"/>
+                <a:tab pos="8085138" algn="l"/>
+                <a:tab pos="8534400" algn="l"/>
+                <a:tab pos="8983663" algn="l"/>
+              </a:tabLst>
+              <a:defRPr sz="1200">
+                <a:solidFill>
+                  <a:srgbClr val="000000"/>
+                </a:solidFill>
+                <a:latin typeface="Times New Roman" panose="02020603050405020304" pitchFamily="18" charset="0"/>
+              </a:defRPr>
+            </a:lvl4pPr>
+            <a:lvl5pPr marL="2057400" indent="-228600">
+              <a:spcBef>
+                <a:spcPct val="30000"/>
+              </a:spcBef>
+              <a:buClr>
+                <a:srgbClr val="000000"/>
+              </a:buClr>
+              <a:buSzPct val="100000"/>
+              <a:buFont typeface="Times New Roman" panose="02020603050405020304" pitchFamily="18" charset="0"/>
+              <a:tabLst>
+                <a:tab pos="0" algn="l"/>
+                <a:tab pos="447675" algn="l"/>
+                <a:tab pos="896938" algn="l"/>
+                <a:tab pos="1346200" algn="l"/>
+                <a:tab pos="1795463" algn="l"/>
+                <a:tab pos="2244725" algn="l"/>
+                <a:tab pos="2693988" algn="l"/>
+                <a:tab pos="3143250" algn="l"/>
+                <a:tab pos="3592513" algn="l"/>
+                <a:tab pos="4041775" algn="l"/>
+                <a:tab pos="4491038" algn="l"/>
+                <a:tab pos="4940300" algn="l"/>
+                <a:tab pos="5389563" algn="l"/>
+                <a:tab pos="5838825" algn="l"/>
+                <a:tab pos="6288088" algn="l"/>
+                <a:tab pos="6737350" algn="l"/>
+                <a:tab pos="7186613" algn="l"/>
+                <a:tab pos="7635875" algn="l"/>
+                <a:tab pos="8085138" algn="l"/>
+                <a:tab pos="8534400" algn="l"/>
+                <a:tab pos="8983663" algn="l"/>
+              </a:tabLst>
+              <a:defRPr sz="1200">
+                <a:solidFill>
+                  <a:srgbClr val="000000"/>
+                </a:solidFill>
+                <a:latin typeface="Times New Roman" panose="02020603050405020304" pitchFamily="18" charset="0"/>
+              </a:defRPr>
+            </a:lvl5pPr>
+            <a:lvl6pPr marL="2514600" indent="-228600" defTabSz="449263" eaLnBrk="0" fontAlgn="base" hangingPunct="0">
+              <a:spcBef>
+                <a:spcPct val="30000"/>
+              </a:spcBef>
+              <a:spcAft>
+                <a:spcPct val="0"/>
+              </a:spcAft>
+              <a:buClr>
+                <a:srgbClr val="000000"/>
+              </a:buClr>
+              <a:buSzPct val="100000"/>
+              <a:buFont typeface="Times New Roman" panose="02020603050405020304" pitchFamily="18" charset="0"/>
+              <a:tabLst>
+                <a:tab pos="0" algn="l"/>
+                <a:tab pos="447675" algn="l"/>
+                <a:tab pos="896938" algn="l"/>
+                <a:tab pos="1346200" algn="l"/>
+                <a:tab pos="1795463" algn="l"/>
+                <a:tab pos="2244725" algn="l"/>
+                <a:tab pos="2693988" algn="l"/>
+                <a:tab pos="3143250" algn="l"/>
+                <a:tab pos="3592513" algn="l"/>
+                <a:tab pos="4041775" algn="l"/>
+                <a:tab pos="4491038" algn="l"/>
+                <a:tab pos="4940300" algn="l"/>
+                <a:tab pos="5389563" algn="l"/>
+                <a:tab pos="5838825" algn="l"/>
+                <a:tab pos="6288088" algn="l"/>
+                <a:tab pos="6737350" algn="l"/>
+                <a:tab pos="7186613" algn="l"/>
+                <a:tab pos="7635875" algn="l"/>
+                <a:tab pos="8085138" algn="l"/>
+                <a:tab pos="8534400" algn="l"/>
+                <a:tab pos="8983663" algn="l"/>
+              </a:tabLst>
+              <a:defRPr sz="1200">
+                <a:solidFill>
+                  <a:srgbClr val="000000"/>
+                </a:solidFill>
+                <a:latin typeface="Times New Roman" panose="02020603050405020304" pitchFamily="18" charset="0"/>
+              </a:defRPr>
+            </a:lvl6pPr>
+            <a:lvl7pPr marL="2971800" indent="-228600" defTabSz="449263" eaLnBrk="0" fontAlgn="base" hangingPunct="0">
+              <a:spcBef>
+                <a:spcPct val="30000"/>
+              </a:spcBef>
+              <a:spcAft>
+                <a:spcPct val="0"/>
+              </a:spcAft>
+              <a:buClr>
+                <a:srgbClr val="000000"/>
+              </a:buClr>
+              <a:buSzPct val="100000"/>
+              <a:buFont typeface="Times New Roman" panose="02020603050405020304" pitchFamily="18" charset="0"/>
+              <a:tabLst>
+                <a:tab pos="0" algn="l"/>
+                <a:tab pos="447675" algn="l"/>
+                <a:tab pos="896938" algn="l"/>
+                <a:tab pos="1346200" algn="l"/>
+                <a:tab pos="1795463" algn="l"/>
+                <a:tab pos="2244725" algn="l"/>
+                <a:tab pos="2693988" algn="l"/>
+                <a:tab pos="3143250" algn="l"/>
+                <a:tab pos="3592513" algn="l"/>
+                <a:tab pos="4041775" algn="l"/>
+                <a:tab pos="4491038" algn="l"/>
+                <a:tab pos="4940300" algn="l"/>
+                <a:tab pos="5389563" algn="l"/>
+                <a:tab pos="5838825" algn="l"/>
+                <a:tab pos="6288088" algn="l"/>
+                <a:tab pos="6737350" algn="l"/>
+                <a:tab pos="7186613" algn="l"/>
+                <a:tab pos="7635875" algn="l"/>
+                <a:tab pos="8085138" algn="l"/>
+                <a:tab pos="8534400" algn="l"/>
+                <a:tab pos="8983663" algn="l"/>
+              </a:tabLst>
+              <a:defRPr sz="1200">
+                <a:solidFill>
+                  <a:srgbClr val="000000"/>
+                </a:solidFill>
+                <a:latin typeface="Times New Roman" panose="02020603050405020304" pitchFamily="18" charset="0"/>
+              </a:defRPr>
+            </a:lvl7pPr>
+            <a:lvl8pPr marL="3429000" indent="-228600" defTabSz="449263" eaLnBrk="0" fontAlgn="base" hangingPunct="0">
+              <a:spcBef>
+                <a:spcPct val="30000"/>
+              </a:spcBef>
+              <a:spcAft>
+                <a:spcPct val="0"/>
+              </a:spcAft>
+              <a:buClr>
+                <a:srgbClr val="000000"/>
+              </a:buClr>
+              <a:buSzPct val="100000"/>
+              <a:buFont typeface="Times New Roman" panose="02020603050405020304" pitchFamily="18" charset="0"/>
+              <a:tabLst>
+                <a:tab pos="0" algn="l"/>
+                <a:tab pos="447675" algn="l"/>
+                <a:tab pos="896938" algn="l"/>
+                <a:tab pos="1346200" algn="l"/>
+                <a:tab pos="1795463" algn="l"/>
+                <a:tab pos="2244725" algn="l"/>
+                <a:tab pos="2693988" algn="l"/>
+                <a:tab pos="3143250" algn="l"/>
+                <a:tab pos="3592513" algn="l"/>
+                <a:tab pos="4041775" algn="l"/>
+                <a:tab pos="4491038" algn="l"/>
+                <a:tab pos="4940300" algn="l"/>
+                <a:tab pos="5389563" algn="l"/>
+                <a:tab pos="5838825" algn="l"/>
+                <a:tab pos="6288088" algn="l"/>
+                <a:tab pos="6737350" algn="l"/>
+                <a:tab pos="7186613" algn="l"/>
+                <a:tab pos="7635875" algn="l"/>
+                <a:tab pos="8085138" algn="l"/>
+                <a:tab pos="8534400" algn="l"/>
+                <a:tab pos="8983663" algn="l"/>
+              </a:tabLst>
+              <a:defRPr sz="1200">
+                <a:solidFill>
+                  <a:srgbClr val="000000"/>
+                </a:solidFill>
+                <a:latin typeface="Times New Roman" panose="02020603050405020304" pitchFamily="18" charset="0"/>
+              </a:defRPr>
+            </a:lvl8pPr>
+            <a:lvl9pPr marL="3886200" indent="-228600" defTabSz="449263" eaLnBrk="0" fontAlgn="base" hangingPunct="0">
+              <a:spcBef>
+                <a:spcPct val="30000"/>
+              </a:spcBef>
+              <a:spcAft>
+                <a:spcPct val="0"/>
+              </a:spcAft>
+              <a:buClr>
+                <a:srgbClr val="000000"/>
+              </a:buClr>
+              <a:buSzPct val="100000"/>
+              <a:buFont typeface="Times New Roman" panose="02020603050405020304" pitchFamily="18" charset="0"/>
+              <a:tabLst>
+                <a:tab pos="0" algn="l"/>
+                <a:tab pos="447675" algn="l"/>
+                <a:tab pos="896938" algn="l"/>
+                <a:tab pos="1346200" algn="l"/>
+                <a:tab pos="1795463" algn="l"/>
+                <a:tab pos="2244725" algn="l"/>
+                <a:tab pos="2693988" algn="l"/>
+                <a:tab pos="3143250" algn="l"/>
+                <a:tab pos="3592513" algn="l"/>
+                <a:tab pos="4041775" algn="l"/>
+                <a:tab pos="4491038" algn="l"/>
+                <a:tab pos="4940300" algn="l"/>
+                <a:tab pos="5389563" algn="l"/>
+                <a:tab pos="5838825" algn="l"/>
+                <a:tab pos="6288088" algn="l"/>
+                <a:tab pos="6737350" algn="l"/>
+                <a:tab pos="7186613" algn="l"/>
+                <a:tab pos="7635875" algn="l"/>
+                <a:tab pos="8085138" algn="l"/>
+                <a:tab pos="8534400" algn="l"/>
+                <a:tab pos="8983663" algn="l"/>
+              </a:tabLst>
+              <a:defRPr sz="1200">
+                <a:solidFill>
+                  <a:srgbClr val="000000"/>
+                </a:solidFill>
+                <a:latin typeface="Times New Roman" panose="02020603050405020304" pitchFamily="18" charset="0"/>
+              </a:defRPr>
+            </a:lvl9pPr>
+          </a:lstStyle>
+          <a:p>
+            <a:pPr>
+              <a:spcBef>
+                <a:spcPct val="0"/>
+              </a:spcBef>
+              <a:buFont typeface="Arial" panose="020B0604020202020204" pitchFamily="34" charset="0"/>
+              <a:buNone/>
+            </a:pPr>
+            <a:fld id="{6E7D7114-AFAB-4A56-8F9A-8252A9CDBE28}" type="slidenum">
+              <a:rPr lang="en-GB" altLang="cs-CZ">
+                <a:latin typeface="Arial" panose="020B0604020202020204" pitchFamily="34" charset="0"/>
+              </a:rPr>
+              <a:pPr>
+                <a:spcBef>
+                  <a:spcPct val="0"/>
+                </a:spcBef>
+                <a:buFont typeface="Arial" panose="020B0604020202020204" pitchFamily="34" charset="0"/>
+                <a:buNone/>
+              </a:pPr>
+              <a:t>13</a:t>
+            </a:fld>
+            <a:endParaRPr lang="en-GB" altLang="cs-CZ">
+              <a:latin typeface="Arial" panose="020B0604020202020204" pitchFamily="34" charset="0"/>
+            </a:endParaRPr>
+          </a:p>
+        </p:txBody>
+      </p:sp>
+      <p:sp>
+        <p:nvSpPr>
+          <p:cNvPr id="6147" name="Text Box 2">
+            <a:extLst>
+              <a:ext uri="{FF2B5EF4-FFF2-40B4-BE49-F238E27FC236}">
+                <a16:creationId xmlns:a16="http://schemas.microsoft.com/office/drawing/2014/main" id="{53F9FD87-AC75-E868-D8C3-B626A71331DB}"/>
+              </a:ext>
+            </a:extLst>
+          </p:cNvPr>
+          <p:cNvSpPr txBox="1">
+            <a:spLocks noChangeArrowheads="1"/>
+          </p:cNvSpPr>
+          <p:nvPr/>
+        </p:nvSpPr>
+        <p:spPr bwMode="auto">
+          <a:xfrm>
+            <a:off x="1143000" y="685800"/>
+            <a:ext cx="4572000" cy="3429000"/>
+          </a:xfrm>
+          <a:prstGeom prst="rect">
+            <a:avLst/>
+          </a:prstGeom>
+          <a:solidFill>
+            <a:srgbClr val="FFFFFF"/>
+          </a:solidFill>
+          <a:ln w="9360">
+            <a:solidFill>
+              <a:srgbClr val="000000"/>
+            </a:solidFill>
+            <a:miter lim="800000"/>
+            <a:headEnd/>
+            <a:tailEnd/>
+          </a:ln>
+          <a:effectLst/>
+          <a:extLst>
+            <a:ext uri="{AF507438-7753-43E0-B8FC-AC1667EBCBE1}">
+              <a14:hiddenEffects xmlns:a14="http://schemas.microsoft.com/office/drawing/2010/main">
+                <a:effectLst>
+                  <a:outerShdw dist="35921" dir="2700000" algn="ctr" rotWithShape="0">
+                    <a:srgbClr val="808080"/>
+                  </a:outerShdw>
+                </a:effectLst>
+              </a14:hiddenEffects>
+            </a:ext>
+          </a:extLst>
+        </p:spPr>
+        <p:txBody>
+          <a:bodyPr wrap="none" anchor="ctr"/>
+          <a:lstStyle>
+            <a:lvl1pPr>
+              <a:spcBef>
+                <a:spcPct val="30000"/>
+              </a:spcBef>
+              <a:buClr>
+                <a:srgbClr val="000000"/>
+              </a:buClr>
+              <a:buSzPct val="100000"/>
+              <a:buFont typeface="Times New Roman" panose="02020603050405020304" pitchFamily="18" charset="0"/>
+              <a:defRPr sz="1200">
+                <a:solidFill>
+                  <a:srgbClr val="000000"/>
+                </a:solidFill>
+                <a:latin typeface="Times New Roman" panose="02020603050405020304" pitchFamily="18" charset="0"/>
+              </a:defRPr>
+            </a:lvl1pPr>
+            <a:lvl2pPr marL="742950" indent="-285750">
+              <a:spcBef>
+                <a:spcPct val="30000"/>
+              </a:spcBef>
+              <a:buClr>
+                <a:srgbClr val="000000"/>
+              </a:buClr>
+              <a:buSzPct val="100000"/>
+              <a:buFont typeface="Times New Roman" panose="02020603050405020304" pitchFamily="18" charset="0"/>
+              <a:defRPr sz="1200">
+                <a:solidFill>
+                  <a:srgbClr val="000000"/>
+                </a:solidFill>
+                <a:latin typeface="Times New Roman" panose="02020603050405020304" pitchFamily="18" charset="0"/>
+              </a:defRPr>
+            </a:lvl2pPr>
+            <a:lvl3pPr marL="1143000" indent="-228600">
+              <a:spcBef>
+                <a:spcPct val="30000"/>
+              </a:spcBef>
+              <a:buClr>
+                <a:srgbClr val="000000"/>
+              </a:buClr>
+              <a:buSzPct val="100000"/>
+              <a:buFont typeface="Times New Roman" panose="02020603050405020304" pitchFamily="18" charset="0"/>
+              <a:defRPr sz="1200">
+                <a:solidFill>
+                  <a:srgbClr val="000000"/>
+                </a:solidFill>
+                <a:latin typeface="Times New Roman" panose="02020603050405020304" pitchFamily="18" charset="0"/>
+              </a:defRPr>
+            </a:lvl3pPr>
+            <a:lvl4pPr marL="1600200" indent="-228600">
+              <a:spcBef>
+                <a:spcPct val="30000"/>
+              </a:spcBef>
+              <a:buClr>
+                <a:srgbClr val="000000"/>
+              </a:buClr>
+              <a:buSzPct val="100000"/>
+              <a:buFont typeface="Times New Roman" panose="02020603050405020304" pitchFamily="18" charset="0"/>
+              <a:defRPr sz="1200">
+                <a:solidFill>
+                  <a:srgbClr val="000000"/>
+                </a:solidFill>
+                <a:latin typeface="Times New Roman" panose="02020603050405020304" pitchFamily="18" charset="0"/>
+              </a:defRPr>
+            </a:lvl4pPr>
+            <a:lvl5pPr marL="2057400" indent="-228600">
+              <a:spcBef>
+                <a:spcPct val="30000"/>
+              </a:spcBef>
+              <a:buClr>
+                <a:srgbClr val="000000"/>
+              </a:buClr>
+              <a:buSzPct val="100000"/>
+              <a:buFont typeface="Times New Roman" panose="02020603050405020304" pitchFamily="18" charset="0"/>
+              <a:defRPr sz="1200">
+                <a:solidFill>
+                  <a:srgbClr val="000000"/>
+                </a:solidFill>
+                <a:latin typeface="Times New Roman" panose="02020603050405020304" pitchFamily="18" charset="0"/>
+              </a:defRPr>
+            </a:lvl5pPr>
+            <a:lvl6pPr marL="2514600" indent="-228600" defTabSz="449263" eaLnBrk="0" fontAlgn="base" hangingPunct="0">
+              <a:spcBef>
+                <a:spcPct val="30000"/>
+              </a:spcBef>
+              <a:spcAft>
+                <a:spcPct val="0"/>
+              </a:spcAft>
+              <a:buClr>
+                <a:srgbClr val="000000"/>
+              </a:buClr>
+              <a:buSzPct val="100000"/>
+              <a:buFont typeface="Times New Roman" panose="02020603050405020304" pitchFamily="18" charset="0"/>
+              <a:defRPr sz="1200">
+                <a:solidFill>
+                  <a:srgbClr val="000000"/>
+                </a:solidFill>
+                <a:latin typeface="Times New Roman" panose="02020603050405020304" pitchFamily="18" charset="0"/>
+              </a:defRPr>
+            </a:lvl6pPr>
+            <a:lvl7pPr marL="2971800" indent="-228600" defTabSz="449263" eaLnBrk="0" fontAlgn="base" hangingPunct="0">
+              <a:spcBef>
+                <a:spcPct val="30000"/>
+              </a:spcBef>
+              <a:spcAft>
+                <a:spcPct val="0"/>
+              </a:spcAft>
+              <a:buClr>
+                <a:srgbClr val="000000"/>
+              </a:buClr>
+              <a:buSzPct val="100000"/>
+              <a:buFont typeface="Times New Roman" panose="02020603050405020304" pitchFamily="18" charset="0"/>
+              <a:defRPr sz="1200">
+                <a:solidFill>
+                  <a:srgbClr val="000000"/>
+                </a:solidFill>
+                <a:latin typeface="Times New Roman" panose="02020603050405020304" pitchFamily="18" charset="0"/>
+              </a:defRPr>
+            </a:lvl7pPr>
+            <a:lvl8pPr marL="3429000" indent="-228600" defTabSz="449263" eaLnBrk="0" fontAlgn="base" hangingPunct="0">
+              <a:spcBef>
+                <a:spcPct val="30000"/>
+              </a:spcBef>
+              <a:spcAft>
+                <a:spcPct val="0"/>
+              </a:spcAft>
+              <a:buClr>
+                <a:srgbClr val="000000"/>
+              </a:buClr>
+              <a:buSzPct val="100000"/>
+              <a:buFont typeface="Times New Roman" panose="02020603050405020304" pitchFamily="18" charset="0"/>
+              <a:defRPr sz="1200">
+                <a:solidFill>
+                  <a:srgbClr val="000000"/>
+                </a:solidFill>
+                <a:latin typeface="Times New Roman" panose="02020603050405020304" pitchFamily="18" charset="0"/>
+              </a:defRPr>
+            </a:lvl8pPr>
+            <a:lvl9pPr marL="3886200" indent="-228600" defTabSz="449263" eaLnBrk="0" fontAlgn="base" hangingPunct="0">
+              <a:spcBef>
+                <a:spcPct val="30000"/>
+              </a:spcBef>
+              <a:spcAft>
+                <a:spcPct val="0"/>
+              </a:spcAft>
+              <a:buClr>
+                <a:srgbClr val="000000"/>
+              </a:buClr>
+              <a:buSzPct val="100000"/>
+              <a:buFont typeface="Times New Roman" panose="02020603050405020304" pitchFamily="18" charset="0"/>
+              <a:defRPr sz="1200">
+                <a:solidFill>
+                  <a:srgbClr val="000000"/>
+                </a:solidFill>
+                <a:latin typeface="Times New Roman" panose="02020603050405020304" pitchFamily="18" charset="0"/>
+              </a:defRPr>
+            </a:lvl9pPr>
+          </a:lstStyle>
+          <a:p>
+            <a:pPr algn="just" eaLnBrk="1" hangingPunct="1">
+              <a:lnSpc>
+                <a:spcPct val="76000"/>
+              </a:lnSpc>
+              <a:spcBef>
+                <a:spcPct val="50000"/>
+              </a:spcBef>
+              <a:buFont typeface="Arial" panose="020B0604020202020204" pitchFamily="34" charset="0"/>
+              <a:buNone/>
+            </a:pPr>
+            <a:endParaRPr lang="cs-CZ" altLang="cs-CZ" sz="1600">
+              <a:solidFill>
+                <a:schemeClr val="tx1"/>
+              </a:solidFill>
+              <a:latin typeface="Arial" panose="020B0604020202020204" pitchFamily="34" charset="0"/>
+            </a:endParaRPr>
+          </a:p>
+        </p:txBody>
+      </p:sp>
+      <p:sp>
+        <p:nvSpPr>
+          <p:cNvPr id="6148" name="Rectangle 3">
+            <a:extLst>
+              <a:ext uri="{FF2B5EF4-FFF2-40B4-BE49-F238E27FC236}">
+                <a16:creationId xmlns:a16="http://schemas.microsoft.com/office/drawing/2014/main" id="{9D60AF50-64BC-0780-8EDC-A7E649CAB42B}"/>
+              </a:ext>
+            </a:extLst>
+          </p:cNvPr>
+          <p:cNvSpPr>
+            <a:spLocks noGrp="1" noChangeArrowheads="1"/>
+          </p:cNvSpPr>
+          <p:nvPr>
+            <p:ph type="body"/>
+          </p:nvPr>
+        </p:nvSpPr>
+        <p:spPr>
+          <a:xfrm>
+            <a:off x="685800" y="4343400"/>
+            <a:ext cx="5481638" cy="4114800"/>
+          </a:xfrm>
+          <a:noFill/>
+          <a:extLst>
+            <a:ext uri="{909E8E84-426E-40DD-AFC4-6F175D3DCCD1}">
+              <a14:hiddenFill xmlns:a14="http://schemas.microsoft.com/office/drawing/2010/main">
+                <a:solidFill>
+                  <a:srgbClr val="FFFFFF"/>
+                </a:solidFill>
+              </a14:hiddenFill>
+            </a:ext>
+            <a:ext uri="{91240B29-F687-4F45-9708-019B960494DF}">
+              <a14:hiddenLine xmlns:a14="http://schemas.microsoft.com/office/drawing/2010/main" w="9525">
+                <a:solidFill>
+                  <a:srgbClr val="000000"/>
+                </a:solidFill>
+                <a:miter lim="800000"/>
+                <a:headEnd/>
+                <a:tailEnd/>
+              </a14:hiddenLine>
+            </a:ext>
+            <a:ext uri="{AF507438-7753-43E0-B8FC-AC1667EBCBE1}">
+              <a14:hiddenEffects xmlns:a14="http://schemas.microsoft.com/office/drawing/2010/main">
+                <a:effectLst>
+                  <a:outerShdw dist="35921" dir="2700000" algn="ctr" rotWithShape="0">
+                    <a:schemeClr val="bg2"/>
+                  </a:outerShdw>
+                </a:effectLst>
+              </a14:hiddenEffects>
+            </a:ext>
+          </a:extLst>
+        </p:spPr>
+        <p:txBody>
+          <a:bodyPr wrap="none" anchor="ctr"/>
+          <a:lstStyle/>
+          <a:p>
+            <a:endParaRPr lang="cs-CZ" altLang="cs-CZ" dirty="0"/>
+          </a:p>
+        </p:txBody>
+      </p:sp>
+    </p:spTree>
+    <p:extLst>
+      <p:ext uri="{BB962C8B-B14F-4D97-AF65-F5344CB8AC3E}">
+        <p14:creationId xmlns:p14="http://schemas.microsoft.com/office/powerpoint/2010/main" val="2172882285"/>
+      </p:ext>
+    </p:extLst>
   </p:cSld>
   <p:clrMapOvr>
     <a:masterClrMapping/>
@@ -10263,7 +11034,7 @@
           <a:p>
             <a:r>
               <a:rPr lang="cs-CZ" altLang="cs-CZ" dirty="0"/>
-              <a:t>	aby bylo možné </a:t>
+              <a:t>	Logika je zadávána v textové podobě, aby byl proces stejný bez ohledu na to, zda je na vyšší vrstvě grafické uživatelské rozhraní nebo webové API. Tím je minimalizováno riziko, že by implementace vytvářela neočekávané stavy, protože pokud programátor, který vytváří vyšší vrstvu, neobejde třídu na zpracování vstupu, budou neočekávané operace zachyceny. Pro převod textového řetězce do podoby, kterou je možné zpracovat systémem je využit konečný automat.</a:t>
             </a:r>
           </a:p>
         </p:txBody>
@@ -11034,7 +11805,18 @@
           <a:bodyPr wrap="none" anchor="ctr"/>
           <a:lstStyle/>
           <a:p>
-            <a:endParaRPr lang="cs-CZ" altLang="cs-CZ" dirty="0"/>
+            <a:r>
+              <a:rPr lang="cs-CZ" altLang="cs-CZ" dirty="0"/>
+              <a:t>	pro realizaci uzlů byli využity vývojové desky </a:t>
+            </a:r>
+            <a:r>
+              <a:rPr lang="cs-CZ" altLang="cs-CZ" dirty="0" err="1"/>
+              <a:t>NodeMCU</a:t>
+            </a:r>
+            <a:r>
+              <a:rPr lang="cs-CZ" altLang="cs-CZ" dirty="0"/>
+              <a:t> pro ESP8266. Ten pracuje na frekvenci 80MHz a má k dispozici 11 digitálních I/O, jeden ADC, I2C a SPI a Wi-Fi.</a:t>
+            </a:r>
           </a:p>
         </p:txBody>
       </p:sp>
@@ -16943,13 +17725,7 @@
   <p:cSld>
     <p:spTree>
       <p:nvGrpSpPr>
-        <p:cNvPr id="1" name="">
-          <a:extLst>
-            <a:ext uri="{FF2B5EF4-FFF2-40B4-BE49-F238E27FC236}">
-              <a16:creationId xmlns:a16="http://schemas.microsoft.com/office/drawing/2014/main" id="{FC893748-566D-C57F-4483-B872FF9A5256}"/>
-            </a:ext>
-          </a:extLst>
-        </p:cNvPr>
+        <p:cNvPr id="1" name=""/>
         <p:cNvGrpSpPr/>
         <p:nvPr/>
       </p:nvGrpSpPr>
@@ -16963,10 +17739,10 @@
       </p:grpSpPr>
       <p:pic>
         <p:nvPicPr>
-          <p:cNvPr id="5122" name="Picture 3" descr="pozadi">
+          <p:cNvPr id="7170" name="Picture 2" descr="pozadi">
             <a:extLst>
               <a:ext uri="{FF2B5EF4-FFF2-40B4-BE49-F238E27FC236}">
-                <a16:creationId xmlns:a16="http://schemas.microsoft.com/office/drawing/2014/main" id="{FF3DA88E-AD9E-ADC1-BFBE-FDD05AE81BD3}"/>
+                <a16:creationId xmlns:a16="http://schemas.microsoft.com/office/drawing/2014/main" id="{4F0A0EC0-5FBC-AA40-C6DC-3036F149EB03}"/>
               </a:ext>
             </a:extLst>
           </p:cNvPr>
@@ -17023,10 +17799,10 @@
       </p:pic>
       <p:pic>
         <p:nvPicPr>
-          <p:cNvPr id="5123" name="Picture 5" descr="pozadi">
+          <p:cNvPr id="7171" name="Picture 4" descr="pozadi">
             <a:extLst>
               <a:ext uri="{FF2B5EF4-FFF2-40B4-BE49-F238E27FC236}">
-                <a16:creationId xmlns:a16="http://schemas.microsoft.com/office/drawing/2014/main" id="{D28D55BE-82DD-EBBF-C445-B3D16A4252D0}"/>
+                <a16:creationId xmlns:a16="http://schemas.microsoft.com/office/drawing/2014/main" id="{86F36C96-871A-9241-C100-D9DC338E9209}"/>
               </a:ext>
             </a:extLst>
           </p:cNvPr>
@@ -17083,10 +17859,10 @@
       </p:pic>
       <p:sp>
         <p:nvSpPr>
-          <p:cNvPr id="5124" name="Text Box 7">
+          <p:cNvPr id="7172" name="Text Box 6">
             <a:extLst>
               <a:ext uri="{FF2B5EF4-FFF2-40B4-BE49-F238E27FC236}">
-                <a16:creationId xmlns:a16="http://schemas.microsoft.com/office/drawing/2014/main" id="{80623F59-6473-95CC-F0F3-EB1ADE861AE5}"/>
+                <a16:creationId xmlns:a16="http://schemas.microsoft.com/office/drawing/2014/main" id="{BAEE6ED6-BAF4-6E33-0E55-07D097C72562}"/>
               </a:ext>
             </a:extLst>
           </p:cNvPr>
@@ -17097,8 +17873,8 @@
         </p:nvSpPr>
         <p:spPr bwMode="auto">
           <a:xfrm>
-            <a:off x="4356100" y="908050"/>
-            <a:ext cx="4537075" cy="279400"/>
+            <a:off x="1979613" y="3573463"/>
+            <a:ext cx="5545137" cy="354012"/>
           </a:xfrm>
           <a:prstGeom prst="rect">
             <a:avLst/>
@@ -17138,7 +17914,494 @@
           </a:extLst>
         </p:spPr>
         <p:txBody>
-          <a:bodyPr lIns="90000" tIns="46800" rIns="90000" bIns="46800">
+          <a:bodyPr wrap="none" lIns="90000" tIns="45000" rIns="90000" bIns="45000"/>
+          <a:lstStyle>
+            <a:lvl1pPr>
+              <a:lnSpc>
+                <a:spcPct val="76000"/>
+              </a:lnSpc>
+              <a:spcBef>
+                <a:spcPts val="800"/>
+              </a:spcBef>
+              <a:buClr>
+                <a:srgbClr val="000000"/>
+              </a:buClr>
+              <a:buSzPct val="100000"/>
+              <a:buFont typeface="Arial" panose="020B0604020202020204" pitchFamily="34" charset="0"/>
+              <a:buChar char="•"/>
+              <a:tabLst>
+                <a:tab pos="0" algn="l"/>
+                <a:tab pos="447675" algn="l"/>
+                <a:tab pos="896938" algn="l"/>
+                <a:tab pos="1346200" algn="l"/>
+                <a:tab pos="1795463" algn="l"/>
+                <a:tab pos="2244725" algn="l"/>
+                <a:tab pos="2693988" algn="l"/>
+                <a:tab pos="3143250" algn="l"/>
+                <a:tab pos="3592513" algn="l"/>
+                <a:tab pos="4041775" algn="l"/>
+                <a:tab pos="4491038" algn="l"/>
+                <a:tab pos="4940300" algn="l"/>
+                <a:tab pos="5389563" algn="l"/>
+                <a:tab pos="5838825" algn="l"/>
+                <a:tab pos="6288088" algn="l"/>
+                <a:tab pos="6737350" algn="l"/>
+                <a:tab pos="7186613" algn="l"/>
+                <a:tab pos="7635875" algn="l"/>
+                <a:tab pos="8085138" algn="l"/>
+                <a:tab pos="8534400" algn="l"/>
+                <a:tab pos="8983663" algn="l"/>
+              </a:tabLst>
+              <a:defRPr sz="3200">
+                <a:solidFill>
+                  <a:srgbClr val="000000"/>
+                </a:solidFill>
+                <a:latin typeface="Arial" panose="020B0604020202020204" pitchFamily="34" charset="0"/>
+                <a:ea typeface="MS Gothic" panose="020B0609070205080204" pitchFamily="49" charset="-128"/>
+              </a:defRPr>
+            </a:lvl1pPr>
+            <a:lvl2pPr marL="742950" indent="-285750">
+              <a:lnSpc>
+                <a:spcPct val="76000"/>
+              </a:lnSpc>
+              <a:spcBef>
+                <a:spcPts val="700"/>
+              </a:spcBef>
+              <a:buClr>
+                <a:srgbClr val="000000"/>
+              </a:buClr>
+              <a:buSzPct val="100000"/>
+              <a:buFont typeface="Arial" panose="020B0604020202020204" pitchFamily="34" charset="0"/>
+              <a:buChar char="–"/>
+              <a:tabLst>
+                <a:tab pos="0" algn="l"/>
+                <a:tab pos="447675" algn="l"/>
+                <a:tab pos="896938" algn="l"/>
+                <a:tab pos="1346200" algn="l"/>
+                <a:tab pos="1795463" algn="l"/>
+                <a:tab pos="2244725" algn="l"/>
+                <a:tab pos="2693988" algn="l"/>
+                <a:tab pos="3143250" algn="l"/>
+                <a:tab pos="3592513" algn="l"/>
+                <a:tab pos="4041775" algn="l"/>
+                <a:tab pos="4491038" algn="l"/>
+                <a:tab pos="4940300" algn="l"/>
+                <a:tab pos="5389563" algn="l"/>
+                <a:tab pos="5838825" algn="l"/>
+                <a:tab pos="6288088" algn="l"/>
+                <a:tab pos="6737350" algn="l"/>
+                <a:tab pos="7186613" algn="l"/>
+                <a:tab pos="7635875" algn="l"/>
+                <a:tab pos="8085138" algn="l"/>
+                <a:tab pos="8534400" algn="l"/>
+                <a:tab pos="8983663" algn="l"/>
+              </a:tabLst>
+              <a:defRPr sz="2800">
+                <a:solidFill>
+                  <a:srgbClr val="000000"/>
+                </a:solidFill>
+                <a:latin typeface="Arial" panose="020B0604020202020204" pitchFamily="34" charset="0"/>
+                <a:ea typeface="MS Gothic" panose="020B0609070205080204" pitchFamily="49" charset="-128"/>
+              </a:defRPr>
+            </a:lvl2pPr>
+            <a:lvl3pPr marL="1143000" indent="-228600">
+              <a:lnSpc>
+                <a:spcPct val="76000"/>
+              </a:lnSpc>
+              <a:spcBef>
+                <a:spcPts val="600"/>
+              </a:spcBef>
+              <a:buClr>
+                <a:srgbClr val="000000"/>
+              </a:buClr>
+              <a:buSzPct val="100000"/>
+              <a:buFont typeface="Arial" panose="020B0604020202020204" pitchFamily="34" charset="0"/>
+              <a:buChar char="•"/>
+              <a:tabLst>
+                <a:tab pos="0" algn="l"/>
+                <a:tab pos="447675" algn="l"/>
+                <a:tab pos="896938" algn="l"/>
+                <a:tab pos="1346200" algn="l"/>
+                <a:tab pos="1795463" algn="l"/>
+                <a:tab pos="2244725" algn="l"/>
+                <a:tab pos="2693988" algn="l"/>
+                <a:tab pos="3143250" algn="l"/>
+                <a:tab pos="3592513" algn="l"/>
+                <a:tab pos="4041775" algn="l"/>
+                <a:tab pos="4491038" algn="l"/>
+                <a:tab pos="4940300" algn="l"/>
+                <a:tab pos="5389563" algn="l"/>
+                <a:tab pos="5838825" algn="l"/>
+                <a:tab pos="6288088" algn="l"/>
+                <a:tab pos="6737350" algn="l"/>
+                <a:tab pos="7186613" algn="l"/>
+                <a:tab pos="7635875" algn="l"/>
+                <a:tab pos="8085138" algn="l"/>
+                <a:tab pos="8534400" algn="l"/>
+                <a:tab pos="8983663" algn="l"/>
+              </a:tabLst>
+              <a:defRPr sz="2400">
+                <a:solidFill>
+                  <a:srgbClr val="000000"/>
+                </a:solidFill>
+                <a:latin typeface="Arial" panose="020B0604020202020204" pitchFamily="34" charset="0"/>
+                <a:ea typeface="MS Gothic" panose="020B0609070205080204" pitchFamily="49" charset="-128"/>
+              </a:defRPr>
+            </a:lvl3pPr>
+            <a:lvl4pPr marL="1600200" indent="-228600">
+              <a:lnSpc>
+                <a:spcPct val="76000"/>
+              </a:lnSpc>
+              <a:spcBef>
+                <a:spcPts val="500"/>
+              </a:spcBef>
+              <a:buClr>
+                <a:srgbClr val="000000"/>
+              </a:buClr>
+              <a:buSzPct val="100000"/>
+              <a:buFont typeface="Arial" panose="020B0604020202020204" pitchFamily="34" charset="0"/>
+              <a:buChar char="–"/>
+              <a:tabLst>
+                <a:tab pos="0" algn="l"/>
+                <a:tab pos="447675" algn="l"/>
+                <a:tab pos="896938" algn="l"/>
+                <a:tab pos="1346200" algn="l"/>
+                <a:tab pos="1795463" algn="l"/>
+                <a:tab pos="2244725" algn="l"/>
+                <a:tab pos="2693988" algn="l"/>
+                <a:tab pos="3143250" algn="l"/>
+                <a:tab pos="3592513" algn="l"/>
+                <a:tab pos="4041775" algn="l"/>
+                <a:tab pos="4491038" algn="l"/>
+                <a:tab pos="4940300" algn="l"/>
+                <a:tab pos="5389563" algn="l"/>
+                <a:tab pos="5838825" algn="l"/>
+                <a:tab pos="6288088" algn="l"/>
+                <a:tab pos="6737350" algn="l"/>
+                <a:tab pos="7186613" algn="l"/>
+                <a:tab pos="7635875" algn="l"/>
+                <a:tab pos="8085138" algn="l"/>
+                <a:tab pos="8534400" algn="l"/>
+                <a:tab pos="8983663" algn="l"/>
+              </a:tabLst>
+              <a:defRPr sz="2000">
+                <a:solidFill>
+                  <a:srgbClr val="000000"/>
+                </a:solidFill>
+                <a:latin typeface="Arial" panose="020B0604020202020204" pitchFamily="34" charset="0"/>
+                <a:ea typeface="MS Gothic" panose="020B0609070205080204" pitchFamily="49" charset="-128"/>
+              </a:defRPr>
+            </a:lvl4pPr>
+            <a:lvl5pPr marL="2057400" indent="-228600">
+              <a:lnSpc>
+                <a:spcPct val="76000"/>
+              </a:lnSpc>
+              <a:spcBef>
+                <a:spcPts val="500"/>
+              </a:spcBef>
+              <a:buClr>
+                <a:srgbClr val="000000"/>
+              </a:buClr>
+              <a:buSzPct val="100000"/>
+              <a:buFont typeface="Arial" panose="020B0604020202020204" pitchFamily="34" charset="0"/>
+              <a:buChar char="»"/>
+              <a:tabLst>
+                <a:tab pos="0" algn="l"/>
+                <a:tab pos="447675" algn="l"/>
+                <a:tab pos="896938" algn="l"/>
+                <a:tab pos="1346200" algn="l"/>
+                <a:tab pos="1795463" algn="l"/>
+                <a:tab pos="2244725" algn="l"/>
+                <a:tab pos="2693988" algn="l"/>
+                <a:tab pos="3143250" algn="l"/>
+                <a:tab pos="3592513" algn="l"/>
+                <a:tab pos="4041775" algn="l"/>
+                <a:tab pos="4491038" algn="l"/>
+                <a:tab pos="4940300" algn="l"/>
+                <a:tab pos="5389563" algn="l"/>
+                <a:tab pos="5838825" algn="l"/>
+                <a:tab pos="6288088" algn="l"/>
+                <a:tab pos="6737350" algn="l"/>
+                <a:tab pos="7186613" algn="l"/>
+                <a:tab pos="7635875" algn="l"/>
+                <a:tab pos="8085138" algn="l"/>
+                <a:tab pos="8534400" algn="l"/>
+                <a:tab pos="8983663" algn="l"/>
+              </a:tabLst>
+              <a:defRPr sz="2000">
+                <a:solidFill>
+                  <a:srgbClr val="000000"/>
+                </a:solidFill>
+                <a:latin typeface="Arial" panose="020B0604020202020204" pitchFamily="34" charset="0"/>
+                <a:ea typeface="MS Gothic" panose="020B0609070205080204" pitchFamily="49" charset="-128"/>
+              </a:defRPr>
+            </a:lvl5pPr>
+            <a:lvl6pPr marL="2514600" indent="-228600" defTabSz="449263" eaLnBrk="0" fontAlgn="base" hangingPunct="0">
+              <a:lnSpc>
+                <a:spcPct val="76000"/>
+              </a:lnSpc>
+              <a:spcBef>
+                <a:spcPts val="500"/>
+              </a:spcBef>
+              <a:spcAft>
+                <a:spcPct val="0"/>
+              </a:spcAft>
+              <a:buClr>
+                <a:srgbClr val="000000"/>
+              </a:buClr>
+              <a:buSzPct val="100000"/>
+              <a:buFont typeface="Arial" panose="020B0604020202020204" pitchFamily="34" charset="0"/>
+              <a:buChar char="»"/>
+              <a:tabLst>
+                <a:tab pos="0" algn="l"/>
+                <a:tab pos="447675" algn="l"/>
+                <a:tab pos="896938" algn="l"/>
+                <a:tab pos="1346200" algn="l"/>
+                <a:tab pos="1795463" algn="l"/>
+                <a:tab pos="2244725" algn="l"/>
+                <a:tab pos="2693988" algn="l"/>
+                <a:tab pos="3143250" algn="l"/>
+                <a:tab pos="3592513" algn="l"/>
+                <a:tab pos="4041775" algn="l"/>
+                <a:tab pos="4491038" algn="l"/>
+                <a:tab pos="4940300" algn="l"/>
+                <a:tab pos="5389563" algn="l"/>
+                <a:tab pos="5838825" algn="l"/>
+                <a:tab pos="6288088" algn="l"/>
+                <a:tab pos="6737350" algn="l"/>
+                <a:tab pos="7186613" algn="l"/>
+                <a:tab pos="7635875" algn="l"/>
+                <a:tab pos="8085138" algn="l"/>
+                <a:tab pos="8534400" algn="l"/>
+                <a:tab pos="8983663" algn="l"/>
+              </a:tabLst>
+              <a:defRPr sz="2000">
+                <a:solidFill>
+                  <a:srgbClr val="000000"/>
+                </a:solidFill>
+                <a:latin typeface="Arial" panose="020B0604020202020204" pitchFamily="34" charset="0"/>
+                <a:ea typeface="MS Gothic" panose="020B0609070205080204" pitchFamily="49" charset="-128"/>
+              </a:defRPr>
+            </a:lvl6pPr>
+            <a:lvl7pPr marL="2971800" indent="-228600" defTabSz="449263" eaLnBrk="0" fontAlgn="base" hangingPunct="0">
+              <a:lnSpc>
+                <a:spcPct val="76000"/>
+              </a:lnSpc>
+              <a:spcBef>
+                <a:spcPts val="500"/>
+              </a:spcBef>
+              <a:spcAft>
+                <a:spcPct val="0"/>
+              </a:spcAft>
+              <a:buClr>
+                <a:srgbClr val="000000"/>
+              </a:buClr>
+              <a:buSzPct val="100000"/>
+              <a:buFont typeface="Arial" panose="020B0604020202020204" pitchFamily="34" charset="0"/>
+              <a:buChar char="»"/>
+              <a:tabLst>
+                <a:tab pos="0" algn="l"/>
+                <a:tab pos="447675" algn="l"/>
+                <a:tab pos="896938" algn="l"/>
+                <a:tab pos="1346200" algn="l"/>
+                <a:tab pos="1795463" algn="l"/>
+                <a:tab pos="2244725" algn="l"/>
+                <a:tab pos="2693988" algn="l"/>
+                <a:tab pos="3143250" algn="l"/>
+                <a:tab pos="3592513" algn="l"/>
+                <a:tab pos="4041775" algn="l"/>
+                <a:tab pos="4491038" algn="l"/>
+                <a:tab pos="4940300" algn="l"/>
+                <a:tab pos="5389563" algn="l"/>
+                <a:tab pos="5838825" algn="l"/>
+                <a:tab pos="6288088" algn="l"/>
+                <a:tab pos="6737350" algn="l"/>
+                <a:tab pos="7186613" algn="l"/>
+                <a:tab pos="7635875" algn="l"/>
+                <a:tab pos="8085138" algn="l"/>
+                <a:tab pos="8534400" algn="l"/>
+                <a:tab pos="8983663" algn="l"/>
+              </a:tabLst>
+              <a:defRPr sz="2000">
+                <a:solidFill>
+                  <a:srgbClr val="000000"/>
+                </a:solidFill>
+                <a:latin typeface="Arial" panose="020B0604020202020204" pitchFamily="34" charset="0"/>
+                <a:ea typeface="MS Gothic" panose="020B0609070205080204" pitchFamily="49" charset="-128"/>
+              </a:defRPr>
+            </a:lvl7pPr>
+            <a:lvl8pPr marL="3429000" indent="-228600" defTabSz="449263" eaLnBrk="0" fontAlgn="base" hangingPunct="0">
+              <a:lnSpc>
+                <a:spcPct val="76000"/>
+              </a:lnSpc>
+              <a:spcBef>
+                <a:spcPts val="500"/>
+              </a:spcBef>
+              <a:spcAft>
+                <a:spcPct val="0"/>
+              </a:spcAft>
+              <a:buClr>
+                <a:srgbClr val="000000"/>
+              </a:buClr>
+              <a:buSzPct val="100000"/>
+              <a:buFont typeface="Arial" panose="020B0604020202020204" pitchFamily="34" charset="0"/>
+              <a:buChar char="»"/>
+              <a:tabLst>
+                <a:tab pos="0" algn="l"/>
+                <a:tab pos="447675" algn="l"/>
+                <a:tab pos="896938" algn="l"/>
+                <a:tab pos="1346200" algn="l"/>
+                <a:tab pos="1795463" algn="l"/>
+                <a:tab pos="2244725" algn="l"/>
+                <a:tab pos="2693988" algn="l"/>
+                <a:tab pos="3143250" algn="l"/>
+                <a:tab pos="3592513" algn="l"/>
+                <a:tab pos="4041775" algn="l"/>
+                <a:tab pos="4491038" algn="l"/>
+                <a:tab pos="4940300" algn="l"/>
+                <a:tab pos="5389563" algn="l"/>
+                <a:tab pos="5838825" algn="l"/>
+                <a:tab pos="6288088" algn="l"/>
+                <a:tab pos="6737350" algn="l"/>
+                <a:tab pos="7186613" algn="l"/>
+                <a:tab pos="7635875" algn="l"/>
+                <a:tab pos="8085138" algn="l"/>
+                <a:tab pos="8534400" algn="l"/>
+                <a:tab pos="8983663" algn="l"/>
+              </a:tabLst>
+              <a:defRPr sz="2000">
+                <a:solidFill>
+                  <a:srgbClr val="000000"/>
+                </a:solidFill>
+                <a:latin typeface="Arial" panose="020B0604020202020204" pitchFamily="34" charset="0"/>
+                <a:ea typeface="MS Gothic" panose="020B0609070205080204" pitchFamily="49" charset="-128"/>
+              </a:defRPr>
+            </a:lvl8pPr>
+            <a:lvl9pPr marL="3886200" indent="-228600" defTabSz="449263" eaLnBrk="0" fontAlgn="base" hangingPunct="0">
+              <a:lnSpc>
+                <a:spcPct val="76000"/>
+              </a:lnSpc>
+              <a:spcBef>
+                <a:spcPts val="500"/>
+              </a:spcBef>
+              <a:spcAft>
+                <a:spcPct val="0"/>
+              </a:spcAft>
+              <a:buClr>
+                <a:srgbClr val="000000"/>
+              </a:buClr>
+              <a:buSzPct val="100000"/>
+              <a:buFont typeface="Arial" panose="020B0604020202020204" pitchFamily="34" charset="0"/>
+              <a:buChar char="»"/>
+              <a:tabLst>
+                <a:tab pos="0" algn="l"/>
+                <a:tab pos="447675" algn="l"/>
+                <a:tab pos="896938" algn="l"/>
+                <a:tab pos="1346200" algn="l"/>
+                <a:tab pos="1795463" algn="l"/>
+                <a:tab pos="2244725" algn="l"/>
+                <a:tab pos="2693988" algn="l"/>
+                <a:tab pos="3143250" algn="l"/>
+                <a:tab pos="3592513" algn="l"/>
+                <a:tab pos="4041775" algn="l"/>
+                <a:tab pos="4491038" algn="l"/>
+                <a:tab pos="4940300" algn="l"/>
+                <a:tab pos="5389563" algn="l"/>
+                <a:tab pos="5838825" algn="l"/>
+                <a:tab pos="6288088" algn="l"/>
+                <a:tab pos="6737350" algn="l"/>
+                <a:tab pos="7186613" algn="l"/>
+                <a:tab pos="7635875" algn="l"/>
+                <a:tab pos="8085138" algn="l"/>
+                <a:tab pos="8534400" algn="l"/>
+                <a:tab pos="8983663" algn="l"/>
+              </a:tabLst>
+              <a:defRPr sz="2000">
+                <a:solidFill>
+                  <a:srgbClr val="000000"/>
+                </a:solidFill>
+                <a:latin typeface="Arial" panose="020B0604020202020204" pitchFamily="34" charset="0"/>
+                <a:ea typeface="MS Gothic" panose="020B0609070205080204" pitchFamily="49" charset="-128"/>
+              </a:defRPr>
+            </a:lvl9pPr>
+          </a:lstStyle>
+          <a:p>
+            <a:pPr algn="ctr" eaLnBrk="1" hangingPunct="1">
+              <a:lnSpc>
+                <a:spcPct val="87000"/>
+              </a:lnSpc>
+              <a:spcBef>
+                <a:spcPct val="0"/>
+              </a:spcBef>
+              <a:buFont typeface="Arial" panose="020B0604020202020204" pitchFamily="34" charset="0"/>
+              <a:buNone/>
+            </a:pPr>
+            <a:r>
+              <a:rPr lang="cs-CZ" altLang="cs-CZ" sz="1800" b="1"/>
+              <a:t>Děkuji za pozornost</a:t>
+            </a:r>
+            <a:endParaRPr lang="en-GB" altLang="cs-CZ" sz="1600" b="1"/>
+          </a:p>
+        </p:txBody>
+      </p:sp>
+      <p:sp>
+        <p:nvSpPr>
+          <p:cNvPr id="7173" name="Text Box 8">
+            <a:extLst>
+              <a:ext uri="{FF2B5EF4-FFF2-40B4-BE49-F238E27FC236}">
+                <a16:creationId xmlns:a16="http://schemas.microsoft.com/office/drawing/2014/main" id="{E252102F-B912-30DD-C2A4-CAB4190B8445}"/>
+              </a:ext>
+            </a:extLst>
+          </p:cNvPr>
+          <p:cNvSpPr txBox="1">
+            <a:spLocks noChangeArrowheads="1"/>
+          </p:cNvSpPr>
+          <p:nvPr/>
+        </p:nvSpPr>
+        <p:spPr bwMode="auto">
+          <a:xfrm>
+            <a:off x="4932040" y="908050"/>
+            <a:ext cx="3961135" cy="279180"/>
+          </a:xfrm>
+          <a:prstGeom prst="rect">
+            <a:avLst/>
+          </a:prstGeom>
+          <a:noFill/>
+          <a:ln>
+            <a:noFill/>
+          </a:ln>
+          <a:effectLst/>
+          <a:extLst>
+            <a:ext uri="{909E8E84-426E-40DD-AFC4-6F175D3DCCD1}">
+              <a14:hiddenFill xmlns:a14="http://schemas.microsoft.com/office/drawing/2010/main">
+                <a:solidFill>
+                  <a:srgbClr val="FFFFFF"/>
+                </a:solidFill>
+              </a14:hiddenFill>
+            </a:ext>
+            <a:ext uri="{91240B29-F687-4F45-9708-019B960494DF}">
+              <a14:hiddenLine xmlns:a14="http://schemas.microsoft.com/office/drawing/2010/main" w="9525">
+                <a:solidFill>
+                  <a:srgbClr val="000000"/>
+                </a:solidFill>
+                <a:round/>
+                <a:headEnd/>
+                <a:tailEnd/>
+              </a14:hiddenLine>
+            </a:ext>
+            <a:ext uri="{AF507438-7753-43E0-B8FC-AC1667EBCBE1}">
+              <a14:hiddenEffects xmlns:a14="http://schemas.microsoft.com/office/drawing/2010/main">
+                <a:effectLst>
+                  <a:outerShdw dist="35921" dir="2700000" algn="ctr" rotWithShape="0">
+                    <a:srgbClr val="808080"/>
+                  </a:outerShdw>
+                </a:effectLst>
+              </a14:hiddenEffects>
+            </a:ext>
+          </a:extLst>
+        </p:spPr>
+        <p:txBody>
+          <a:bodyPr wrap="square" lIns="90000" tIns="46800" rIns="90000" bIns="46800">
             <a:spAutoFit/>
           </a:bodyPr>
           <a:lstStyle>
@@ -17186,7 +18449,7 @@
                 <a:ea typeface="MS Gothic" panose="020B0609070205080204" pitchFamily="49" charset="-128"/>
               </a:defRPr>
             </a:lvl1pPr>
-            <a:lvl2pPr marL="736600" indent="-279400">
+            <a:lvl2pPr marL="742950" indent="-285750">
               <a:lnSpc>
                 <a:spcPct val="76000"/>
               </a:lnSpc>
@@ -17572,10 +18835,10 @@
       </p:sp>
       <p:sp>
         <p:nvSpPr>
-          <p:cNvPr id="5125" name="Text Box 8">
+          <p:cNvPr id="7174" name="Text Box 8">
             <a:extLst>
               <a:ext uri="{FF2B5EF4-FFF2-40B4-BE49-F238E27FC236}">
-                <a16:creationId xmlns:a16="http://schemas.microsoft.com/office/drawing/2014/main" id="{2A3D8EEE-88D8-9A10-DCA4-D1592107C920}"/>
+                <a16:creationId xmlns:a16="http://schemas.microsoft.com/office/drawing/2014/main" id="{18F40569-1679-069B-EDCF-CBAB0D0F1A37}"/>
               </a:ext>
             </a:extLst>
           </p:cNvPr>
@@ -17586,8 +18849,8 @@
         </p:nvSpPr>
         <p:spPr bwMode="auto">
           <a:xfrm>
-            <a:off x="827088" y="1800000"/>
-            <a:ext cx="6913562" cy="1007393"/>
+            <a:off x="6877050" y="6524625"/>
+            <a:ext cx="2160588" cy="211138"/>
           </a:xfrm>
           <a:prstGeom prst="rect">
             <a:avLst/>
@@ -18041,7 +19304,7 @@
             </a:lvl9pPr>
           </a:lstStyle>
           <a:p>
-            <a:pPr algn="just" eaLnBrk="1" hangingPunct="1">
+            <a:pPr algn="r" eaLnBrk="1" hangingPunct="1">
               <a:spcBef>
                 <a:spcPct val="50000"/>
               </a:spcBef>
@@ -18049,54 +19312,22 @@
               <a:buNone/>
             </a:pPr>
             <a:r>
-              <a:rPr lang="cs-CZ" altLang="cs-CZ" sz="1800" b="1" dirty="0">
-                <a:solidFill>
-                  <a:schemeClr val="tx1"/>
+              <a:rPr lang="cs-CZ" altLang="cs-CZ" sz="1000" dirty="0">
+                <a:solidFill>
+                  <a:schemeClr val="bg1"/>
                 </a:solidFill>
               </a:rPr>
-              <a:t>Metodika</a:t>
+              <a:t>Bc. Martin Novák</a:t>
             </a:r>
-          </a:p>
-          <a:p>
-            <a:pPr marL="285750" indent="-285750" algn="just" eaLnBrk="1" hangingPunct="1">
-              <a:lnSpc>
-                <a:spcPct val="150000"/>
-              </a:lnSpc>
-              <a:spcBef>
-                <a:spcPct val="50000"/>
-              </a:spcBef>
-            </a:pPr>
-            <a:r>
-              <a:rPr lang="cs-CZ" altLang="cs-CZ" sz="1400" b="1" dirty="0">
-                <a:solidFill>
-                  <a:schemeClr val="tx1"/>
-                </a:solidFill>
-              </a:rPr>
-              <a:t>?</a:t>
-            </a:r>
-          </a:p>
-          <a:p>
-            <a:pPr algn="just" eaLnBrk="1" hangingPunct="1">
-              <a:spcBef>
-                <a:spcPct val="50000"/>
-              </a:spcBef>
-              <a:buFont typeface="Arial" panose="020B0604020202020204" pitchFamily="34" charset="0"/>
-              <a:buNone/>
-            </a:pPr>
-            <a:endParaRPr lang="cs-CZ" altLang="cs-CZ" sz="1400" dirty="0">
-              <a:solidFill>
-                <a:schemeClr val="tx1"/>
-              </a:solidFill>
-            </a:endParaRPr>
           </a:p>
         </p:txBody>
       </p:sp>
       <p:sp>
         <p:nvSpPr>
-          <p:cNvPr id="5126" name="Text Box 10">
+          <p:cNvPr id="7175" name="Text Box 10">
             <a:extLst>
               <a:ext uri="{FF2B5EF4-FFF2-40B4-BE49-F238E27FC236}">
-                <a16:creationId xmlns:a16="http://schemas.microsoft.com/office/drawing/2014/main" id="{5D9B0FCE-EF35-216F-AEA5-86F0707B40CD}"/>
+                <a16:creationId xmlns:a16="http://schemas.microsoft.com/office/drawing/2014/main" id="{56BB1A5E-12EF-2101-45A0-15D5B50FAF08}"/>
               </a:ext>
             </a:extLst>
           </p:cNvPr>
@@ -18588,501 +19819,7 @@
           </a:p>
         </p:txBody>
       </p:sp>
-      <p:sp>
-        <p:nvSpPr>
-          <p:cNvPr id="5128" name="Text Box 8">
-            <a:extLst>
-              <a:ext uri="{FF2B5EF4-FFF2-40B4-BE49-F238E27FC236}">
-                <a16:creationId xmlns:a16="http://schemas.microsoft.com/office/drawing/2014/main" id="{825FE8B5-59B5-E287-25AE-1078CBB3A6CD}"/>
-              </a:ext>
-            </a:extLst>
-          </p:cNvPr>
-          <p:cNvSpPr txBox="1">
-            <a:spLocks noChangeArrowheads="1"/>
-          </p:cNvSpPr>
-          <p:nvPr/>
-        </p:nvSpPr>
-        <p:spPr bwMode="auto">
-          <a:xfrm>
-            <a:off x="6877050" y="6524625"/>
-            <a:ext cx="2160588" cy="211138"/>
-          </a:xfrm>
-          <a:prstGeom prst="rect">
-            <a:avLst/>
-          </a:prstGeom>
-          <a:noFill/>
-          <a:ln>
-            <a:noFill/>
-          </a:ln>
-          <a:effectLst/>
-          <a:extLst>
-            <a:ext uri="{909E8E84-426E-40DD-AFC4-6F175D3DCCD1}">
-              <a14:hiddenFill xmlns:a14="http://schemas.microsoft.com/office/drawing/2010/main">
-                <a:solidFill>
-                  <a:srgbClr val="FFFFFF"/>
-                </a:solidFill>
-              </a14:hiddenFill>
-            </a:ext>
-            <a:ext uri="{91240B29-F687-4F45-9708-019B960494DF}">
-              <a14:hiddenLine xmlns:a14="http://schemas.microsoft.com/office/drawing/2010/main" w="9525" algn="ctr">
-                <a:solidFill>
-                  <a:srgbClr val="000000"/>
-                </a:solidFill>
-                <a:miter lim="800000"/>
-                <a:headEnd/>
-                <a:tailEnd/>
-              </a14:hiddenLine>
-            </a:ext>
-            <a:ext uri="{AF507438-7753-43E0-B8FC-AC1667EBCBE1}">
-              <a14:hiddenEffects xmlns:a14="http://schemas.microsoft.com/office/drawing/2010/main">
-                <a:effectLst>
-                  <a:outerShdw dist="35921" dir="2700000" algn="ctr" rotWithShape="0">
-                    <a:srgbClr val="808080"/>
-                  </a:outerShdw>
-                </a:effectLst>
-              </a14:hiddenEffects>
-            </a:ext>
-          </a:extLst>
-        </p:spPr>
-        <p:txBody>
-          <a:bodyPr lIns="90000" tIns="46800" rIns="90000" bIns="46800">
-            <a:spAutoFit/>
-          </a:bodyPr>
-          <a:lstStyle>
-            <a:lvl1pPr>
-              <a:lnSpc>
-                <a:spcPct val="76000"/>
-              </a:lnSpc>
-              <a:spcBef>
-                <a:spcPts val="800"/>
-              </a:spcBef>
-              <a:buClr>
-                <a:srgbClr val="000000"/>
-              </a:buClr>
-              <a:buSzPct val="100000"/>
-              <a:buFont typeface="Arial" panose="020B0604020202020204" pitchFamily="34" charset="0"/>
-              <a:buChar char="•"/>
-              <a:tabLst>
-                <a:tab pos="0" algn="l"/>
-                <a:tab pos="447675" algn="l"/>
-                <a:tab pos="896938" algn="l"/>
-                <a:tab pos="1346200" algn="l"/>
-                <a:tab pos="1795463" algn="l"/>
-                <a:tab pos="2244725" algn="l"/>
-                <a:tab pos="2693988" algn="l"/>
-                <a:tab pos="3143250" algn="l"/>
-                <a:tab pos="3592513" algn="l"/>
-                <a:tab pos="4041775" algn="l"/>
-                <a:tab pos="4491038" algn="l"/>
-                <a:tab pos="4940300" algn="l"/>
-                <a:tab pos="5389563" algn="l"/>
-                <a:tab pos="5838825" algn="l"/>
-                <a:tab pos="6288088" algn="l"/>
-                <a:tab pos="6737350" algn="l"/>
-                <a:tab pos="7186613" algn="l"/>
-                <a:tab pos="7635875" algn="l"/>
-                <a:tab pos="8085138" algn="l"/>
-                <a:tab pos="8534400" algn="l"/>
-                <a:tab pos="8983663" algn="l"/>
-              </a:tabLst>
-              <a:defRPr sz="3200">
-                <a:solidFill>
-                  <a:srgbClr val="000000"/>
-                </a:solidFill>
-                <a:latin typeface="Arial" panose="020B0604020202020204" pitchFamily="34" charset="0"/>
-                <a:ea typeface="MS Gothic" panose="020B0609070205080204" pitchFamily="49" charset="-128"/>
-              </a:defRPr>
-            </a:lvl1pPr>
-            <a:lvl2pPr marL="736600" indent="-279400">
-              <a:lnSpc>
-                <a:spcPct val="76000"/>
-              </a:lnSpc>
-              <a:spcBef>
-                <a:spcPts val="700"/>
-              </a:spcBef>
-              <a:buClr>
-                <a:srgbClr val="000000"/>
-              </a:buClr>
-              <a:buSzPct val="100000"/>
-              <a:buFont typeface="Arial" panose="020B0604020202020204" pitchFamily="34" charset="0"/>
-              <a:buChar char="–"/>
-              <a:tabLst>
-                <a:tab pos="0" algn="l"/>
-                <a:tab pos="447675" algn="l"/>
-                <a:tab pos="896938" algn="l"/>
-                <a:tab pos="1346200" algn="l"/>
-                <a:tab pos="1795463" algn="l"/>
-                <a:tab pos="2244725" algn="l"/>
-                <a:tab pos="2693988" algn="l"/>
-                <a:tab pos="3143250" algn="l"/>
-                <a:tab pos="3592513" algn="l"/>
-                <a:tab pos="4041775" algn="l"/>
-                <a:tab pos="4491038" algn="l"/>
-                <a:tab pos="4940300" algn="l"/>
-                <a:tab pos="5389563" algn="l"/>
-                <a:tab pos="5838825" algn="l"/>
-                <a:tab pos="6288088" algn="l"/>
-                <a:tab pos="6737350" algn="l"/>
-                <a:tab pos="7186613" algn="l"/>
-                <a:tab pos="7635875" algn="l"/>
-                <a:tab pos="8085138" algn="l"/>
-                <a:tab pos="8534400" algn="l"/>
-                <a:tab pos="8983663" algn="l"/>
-              </a:tabLst>
-              <a:defRPr sz="2800">
-                <a:solidFill>
-                  <a:srgbClr val="000000"/>
-                </a:solidFill>
-                <a:latin typeface="Arial" panose="020B0604020202020204" pitchFamily="34" charset="0"/>
-                <a:ea typeface="MS Gothic" panose="020B0609070205080204" pitchFamily="49" charset="-128"/>
-              </a:defRPr>
-            </a:lvl2pPr>
-            <a:lvl3pPr marL="1143000" indent="-228600">
-              <a:lnSpc>
-                <a:spcPct val="76000"/>
-              </a:lnSpc>
-              <a:spcBef>
-                <a:spcPts val="600"/>
-              </a:spcBef>
-              <a:buClr>
-                <a:srgbClr val="000000"/>
-              </a:buClr>
-              <a:buSzPct val="100000"/>
-              <a:buFont typeface="Arial" panose="020B0604020202020204" pitchFamily="34" charset="0"/>
-              <a:buChar char="•"/>
-              <a:tabLst>
-                <a:tab pos="0" algn="l"/>
-                <a:tab pos="447675" algn="l"/>
-                <a:tab pos="896938" algn="l"/>
-                <a:tab pos="1346200" algn="l"/>
-                <a:tab pos="1795463" algn="l"/>
-                <a:tab pos="2244725" algn="l"/>
-                <a:tab pos="2693988" algn="l"/>
-                <a:tab pos="3143250" algn="l"/>
-                <a:tab pos="3592513" algn="l"/>
-                <a:tab pos="4041775" algn="l"/>
-                <a:tab pos="4491038" algn="l"/>
-                <a:tab pos="4940300" algn="l"/>
-                <a:tab pos="5389563" algn="l"/>
-                <a:tab pos="5838825" algn="l"/>
-                <a:tab pos="6288088" algn="l"/>
-                <a:tab pos="6737350" algn="l"/>
-                <a:tab pos="7186613" algn="l"/>
-                <a:tab pos="7635875" algn="l"/>
-                <a:tab pos="8085138" algn="l"/>
-                <a:tab pos="8534400" algn="l"/>
-                <a:tab pos="8983663" algn="l"/>
-              </a:tabLst>
-              <a:defRPr sz="2400">
-                <a:solidFill>
-                  <a:srgbClr val="000000"/>
-                </a:solidFill>
-                <a:latin typeface="Arial" panose="020B0604020202020204" pitchFamily="34" charset="0"/>
-                <a:ea typeface="MS Gothic" panose="020B0609070205080204" pitchFamily="49" charset="-128"/>
-              </a:defRPr>
-            </a:lvl3pPr>
-            <a:lvl4pPr marL="1600200" indent="-228600">
-              <a:lnSpc>
-                <a:spcPct val="76000"/>
-              </a:lnSpc>
-              <a:spcBef>
-                <a:spcPts val="500"/>
-              </a:spcBef>
-              <a:buClr>
-                <a:srgbClr val="000000"/>
-              </a:buClr>
-              <a:buSzPct val="100000"/>
-              <a:buFont typeface="Arial" panose="020B0604020202020204" pitchFamily="34" charset="0"/>
-              <a:buChar char="–"/>
-              <a:tabLst>
-                <a:tab pos="0" algn="l"/>
-                <a:tab pos="447675" algn="l"/>
-                <a:tab pos="896938" algn="l"/>
-                <a:tab pos="1346200" algn="l"/>
-                <a:tab pos="1795463" algn="l"/>
-                <a:tab pos="2244725" algn="l"/>
-                <a:tab pos="2693988" algn="l"/>
-                <a:tab pos="3143250" algn="l"/>
-                <a:tab pos="3592513" algn="l"/>
-                <a:tab pos="4041775" algn="l"/>
-                <a:tab pos="4491038" algn="l"/>
-                <a:tab pos="4940300" algn="l"/>
-                <a:tab pos="5389563" algn="l"/>
-                <a:tab pos="5838825" algn="l"/>
-                <a:tab pos="6288088" algn="l"/>
-                <a:tab pos="6737350" algn="l"/>
-                <a:tab pos="7186613" algn="l"/>
-                <a:tab pos="7635875" algn="l"/>
-                <a:tab pos="8085138" algn="l"/>
-                <a:tab pos="8534400" algn="l"/>
-                <a:tab pos="8983663" algn="l"/>
-              </a:tabLst>
-              <a:defRPr sz="2000">
-                <a:solidFill>
-                  <a:srgbClr val="000000"/>
-                </a:solidFill>
-                <a:latin typeface="Arial" panose="020B0604020202020204" pitchFamily="34" charset="0"/>
-                <a:ea typeface="MS Gothic" panose="020B0609070205080204" pitchFamily="49" charset="-128"/>
-              </a:defRPr>
-            </a:lvl4pPr>
-            <a:lvl5pPr marL="2057400" indent="-228600">
-              <a:lnSpc>
-                <a:spcPct val="76000"/>
-              </a:lnSpc>
-              <a:spcBef>
-                <a:spcPts val="500"/>
-              </a:spcBef>
-              <a:buClr>
-                <a:srgbClr val="000000"/>
-              </a:buClr>
-              <a:buSzPct val="100000"/>
-              <a:buFont typeface="Arial" panose="020B0604020202020204" pitchFamily="34" charset="0"/>
-              <a:buChar char="»"/>
-              <a:tabLst>
-                <a:tab pos="0" algn="l"/>
-                <a:tab pos="447675" algn="l"/>
-                <a:tab pos="896938" algn="l"/>
-                <a:tab pos="1346200" algn="l"/>
-                <a:tab pos="1795463" algn="l"/>
-                <a:tab pos="2244725" algn="l"/>
-                <a:tab pos="2693988" algn="l"/>
-                <a:tab pos="3143250" algn="l"/>
-                <a:tab pos="3592513" algn="l"/>
-                <a:tab pos="4041775" algn="l"/>
-                <a:tab pos="4491038" algn="l"/>
-                <a:tab pos="4940300" algn="l"/>
-                <a:tab pos="5389563" algn="l"/>
-                <a:tab pos="5838825" algn="l"/>
-                <a:tab pos="6288088" algn="l"/>
-                <a:tab pos="6737350" algn="l"/>
-                <a:tab pos="7186613" algn="l"/>
-                <a:tab pos="7635875" algn="l"/>
-                <a:tab pos="8085138" algn="l"/>
-                <a:tab pos="8534400" algn="l"/>
-                <a:tab pos="8983663" algn="l"/>
-              </a:tabLst>
-              <a:defRPr sz="2000">
-                <a:solidFill>
-                  <a:srgbClr val="000000"/>
-                </a:solidFill>
-                <a:latin typeface="Arial" panose="020B0604020202020204" pitchFamily="34" charset="0"/>
-                <a:ea typeface="MS Gothic" panose="020B0609070205080204" pitchFamily="49" charset="-128"/>
-              </a:defRPr>
-            </a:lvl5pPr>
-            <a:lvl6pPr marL="2514600" indent="-228600" defTabSz="449263" eaLnBrk="0" fontAlgn="base" hangingPunct="0">
-              <a:lnSpc>
-                <a:spcPct val="76000"/>
-              </a:lnSpc>
-              <a:spcBef>
-                <a:spcPts val="500"/>
-              </a:spcBef>
-              <a:spcAft>
-                <a:spcPct val="0"/>
-              </a:spcAft>
-              <a:buClr>
-                <a:srgbClr val="000000"/>
-              </a:buClr>
-              <a:buSzPct val="100000"/>
-              <a:buFont typeface="Arial" panose="020B0604020202020204" pitchFamily="34" charset="0"/>
-              <a:buChar char="»"/>
-              <a:tabLst>
-                <a:tab pos="0" algn="l"/>
-                <a:tab pos="447675" algn="l"/>
-                <a:tab pos="896938" algn="l"/>
-                <a:tab pos="1346200" algn="l"/>
-                <a:tab pos="1795463" algn="l"/>
-                <a:tab pos="2244725" algn="l"/>
-                <a:tab pos="2693988" algn="l"/>
-                <a:tab pos="3143250" algn="l"/>
-                <a:tab pos="3592513" algn="l"/>
-                <a:tab pos="4041775" algn="l"/>
-                <a:tab pos="4491038" algn="l"/>
-                <a:tab pos="4940300" algn="l"/>
-                <a:tab pos="5389563" algn="l"/>
-                <a:tab pos="5838825" algn="l"/>
-                <a:tab pos="6288088" algn="l"/>
-                <a:tab pos="6737350" algn="l"/>
-                <a:tab pos="7186613" algn="l"/>
-                <a:tab pos="7635875" algn="l"/>
-                <a:tab pos="8085138" algn="l"/>
-                <a:tab pos="8534400" algn="l"/>
-                <a:tab pos="8983663" algn="l"/>
-              </a:tabLst>
-              <a:defRPr sz="2000">
-                <a:solidFill>
-                  <a:srgbClr val="000000"/>
-                </a:solidFill>
-                <a:latin typeface="Arial" panose="020B0604020202020204" pitchFamily="34" charset="0"/>
-                <a:ea typeface="MS Gothic" panose="020B0609070205080204" pitchFamily="49" charset="-128"/>
-              </a:defRPr>
-            </a:lvl6pPr>
-            <a:lvl7pPr marL="2971800" indent="-228600" defTabSz="449263" eaLnBrk="0" fontAlgn="base" hangingPunct="0">
-              <a:lnSpc>
-                <a:spcPct val="76000"/>
-              </a:lnSpc>
-              <a:spcBef>
-                <a:spcPts val="500"/>
-              </a:spcBef>
-              <a:spcAft>
-                <a:spcPct val="0"/>
-              </a:spcAft>
-              <a:buClr>
-                <a:srgbClr val="000000"/>
-              </a:buClr>
-              <a:buSzPct val="100000"/>
-              <a:buFont typeface="Arial" panose="020B0604020202020204" pitchFamily="34" charset="0"/>
-              <a:buChar char="»"/>
-              <a:tabLst>
-                <a:tab pos="0" algn="l"/>
-                <a:tab pos="447675" algn="l"/>
-                <a:tab pos="896938" algn="l"/>
-                <a:tab pos="1346200" algn="l"/>
-                <a:tab pos="1795463" algn="l"/>
-                <a:tab pos="2244725" algn="l"/>
-                <a:tab pos="2693988" algn="l"/>
-                <a:tab pos="3143250" algn="l"/>
-                <a:tab pos="3592513" algn="l"/>
-                <a:tab pos="4041775" algn="l"/>
-                <a:tab pos="4491038" algn="l"/>
-                <a:tab pos="4940300" algn="l"/>
-                <a:tab pos="5389563" algn="l"/>
-                <a:tab pos="5838825" algn="l"/>
-                <a:tab pos="6288088" algn="l"/>
-                <a:tab pos="6737350" algn="l"/>
-                <a:tab pos="7186613" algn="l"/>
-                <a:tab pos="7635875" algn="l"/>
-                <a:tab pos="8085138" algn="l"/>
-                <a:tab pos="8534400" algn="l"/>
-                <a:tab pos="8983663" algn="l"/>
-              </a:tabLst>
-              <a:defRPr sz="2000">
-                <a:solidFill>
-                  <a:srgbClr val="000000"/>
-                </a:solidFill>
-                <a:latin typeface="Arial" panose="020B0604020202020204" pitchFamily="34" charset="0"/>
-                <a:ea typeface="MS Gothic" panose="020B0609070205080204" pitchFamily="49" charset="-128"/>
-              </a:defRPr>
-            </a:lvl7pPr>
-            <a:lvl8pPr marL="3429000" indent="-228600" defTabSz="449263" eaLnBrk="0" fontAlgn="base" hangingPunct="0">
-              <a:lnSpc>
-                <a:spcPct val="76000"/>
-              </a:lnSpc>
-              <a:spcBef>
-                <a:spcPts val="500"/>
-              </a:spcBef>
-              <a:spcAft>
-                <a:spcPct val="0"/>
-              </a:spcAft>
-              <a:buClr>
-                <a:srgbClr val="000000"/>
-              </a:buClr>
-              <a:buSzPct val="100000"/>
-              <a:buFont typeface="Arial" panose="020B0604020202020204" pitchFamily="34" charset="0"/>
-              <a:buChar char="»"/>
-              <a:tabLst>
-                <a:tab pos="0" algn="l"/>
-                <a:tab pos="447675" algn="l"/>
-                <a:tab pos="896938" algn="l"/>
-                <a:tab pos="1346200" algn="l"/>
-                <a:tab pos="1795463" algn="l"/>
-                <a:tab pos="2244725" algn="l"/>
-                <a:tab pos="2693988" algn="l"/>
-                <a:tab pos="3143250" algn="l"/>
-                <a:tab pos="3592513" algn="l"/>
-                <a:tab pos="4041775" algn="l"/>
-                <a:tab pos="4491038" algn="l"/>
-                <a:tab pos="4940300" algn="l"/>
-                <a:tab pos="5389563" algn="l"/>
-                <a:tab pos="5838825" algn="l"/>
-                <a:tab pos="6288088" algn="l"/>
-                <a:tab pos="6737350" algn="l"/>
-                <a:tab pos="7186613" algn="l"/>
-                <a:tab pos="7635875" algn="l"/>
-                <a:tab pos="8085138" algn="l"/>
-                <a:tab pos="8534400" algn="l"/>
-                <a:tab pos="8983663" algn="l"/>
-              </a:tabLst>
-              <a:defRPr sz="2000">
-                <a:solidFill>
-                  <a:srgbClr val="000000"/>
-                </a:solidFill>
-                <a:latin typeface="Arial" panose="020B0604020202020204" pitchFamily="34" charset="0"/>
-                <a:ea typeface="MS Gothic" panose="020B0609070205080204" pitchFamily="49" charset="-128"/>
-              </a:defRPr>
-            </a:lvl8pPr>
-            <a:lvl9pPr marL="3886200" indent="-228600" defTabSz="449263" eaLnBrk="0" fontAlgn="base" hangingPunct="0">
-              <a:lnSpc>
-                <a:spcPct val="76000"/>
-              </a:lnSpc>
-              <a:spcBef>
-                <a:spcPts val="500"/>
-              </a:spcBef>
-              <a:spcAft>
-                <a:spcPct val="0"/>
-              </a:spcAft>
-              <a:buClr>
-                <a:srgbClr val="000000"/>
-              </a:buClr>
-              <a:buSzPct val="100000"/>
-              <a:buFont typeface="Arial" panose="020B0604020202020204" pitchFamily="34" charset="0"/>
-              <a:buChar char="»"/>
-              <a:tabLst>
-                <a:tab pos="0" algn="l"/>
-                <a:tab pos="447675" algn="l"/>
-                <a:tab pos="896938" algn="l"/>
-                <a:tab pos="1346200" algn="l"/>
-                <a:tab pos="1795463" algn="l"/>
-                <a:tab pos="2244725" algn="l"/>
-                <a:tab pos="2693988" algn="l"/>
-                <a:tab pos="3143250" algn="l"/>
-                <a:tab pos="3592513" algn="l"/>
-                <a:tab pos="4041775" algn="l"/>
-                <a:tab pos="4491038" algn="l"/>
-                <a:tab pos="4940300" algn="l"/>
-                <a:tab pos="5389563" algn="l"/>
-                <a:tab pos="5838825" algn="l"/>
-                <a:tab pos="6288088" algn="l"/>
-                <a:tab pos="6737350" algn="l"/>
-                <a:tab pos="7186613" algn="l"/>
-                <a:tab pos="7635875" algn="l"/>
-                <a:tab pos="8085138" algn="l"/>
-                <a:tab pos="8534400" algn="l"/>
-                <a:tab pos="8983663" algn="l"/>
-              </a:tabLst>
-              <a:defRPr sz="2000">
-                <a:solidFill>
-                  <a:srgbClr val="000000"/>
-                </a:solidFill>
-                <a:latin typeface="Arial" panose="020B0604020202020204" pitchFamily="34" charset="0"/>
-                <a:ea typeface="MS Gothic" panose="020B0609070205080204" pitchFamily="49" charset="-128"/>
-              </a:defRPr>
-            </a:lvl9pPr>
-          </a:lstStyle>
-          <a:p>
-            <a:pPr algn="r" eaLnBrk="1" hangingPunct="1">
-              <a:spcBef>
-                <a:spcPct val="50000"/>
-              </a:spcBef>
-              <a:buFont typeface="Arial" panose="020B0604020202020204" pitchFamily="34" charset="0"/>
-              <a:buNone/>
-            </a:pPr>
-            <a:r>
-              <a:rPr lang="cs-CZ" altLang="cs-CZ" sz="1000" dirty="0">
-                <a:solidFill>
-                  <a:schemeClr val="bg1"/>
-                </a:solidFill>
-              </a:rPr>
-              <a:t>Bc. Martin Novák</a:t>
-            </a:r>
-          </a:p>
-        </p:txBody>
-      </p:sp>
     </p:spTree>
-    <p:extLst>
-      <p:ext uri="{BB962C8B-B14F-4D97-AF65-F5344CB8AC3E}">
-        <p14:creationId xmlns:p14="http://schemas.microsoft.com/office/powerpoint/2010/main" val="154003219"/>
-      </p:ext>
-    </p:extLst>
   </p:cSld>
   <p:clrMapOvr>
     <a:masterClrMapping/>
@@ -19769,7 +20506,7 @@
         <p:spPr bwMode="auto">
           <a:xfrm>
             <a:off x="827088" y="1800000"/>
-            <a:ext cx="6913562" cy="1007393"/>
+            <a:ext cx="7561336" cy="2069798"/>
           </a:xfrm>
           <a:prstGeom prst="rect">
             <a:avLst/>
@@ -19809,7 +20546,7 @@
           </a:extLst>
         </p:spPr>
         <p:txBody>
-          <a:bodyPr lIns="90000" tIns="46800" rIns="90000" bIns="46800">
+          <a:bodyPr wrap="square" lIns="90000" tIns="46800" rIns="90000" bIns="46800">
             <a:spAutoFit/>
           </a:bodyPr>
           <a:lstStyle>
@@ -20236,7 +20973,71 @@
                   <a:schemeClr val="tx1"/>
                 </a:solidFill>
               </a:rPr>
-              <a:t>Metodika</a:t>
+              <a:t>Otázka 1: Na str. 49 je uvedeno: „</a:t>
+            </a:r>
+            <a:r>
+              <a:rPr lang="cs-CZ" altLang="cs-CZ" sz="1800" b="1" dirty="0" err="1">
+                <a:solidFill>
+                  <a:schemeClr val="tx1"/>
+                </a:solidFill>
+              </a:rPr>
+              <a:t>For</a:t>
+            </a:r>
+            <a:r>
+              <a:rPr lang="cs-CZ" altLang="cs-CZ" sz="1800" b="1" dirty="0">
+                <a:solidFill>
+                  <a:schemeClr val="tx1"/>
+                </a:solidFill>
+              </a:rPr>
+              <a:t> byl zvolen místo </a:t>
+            </a:r>
+            <a:r>
+              <a:rPr lang="cs-CZ" altLang="cs-CZ" sz="1800" b="1" dirty="0" err="1">
+                <a:solidFill>
+                  <a:schemeClr val="tx1"/>
+                </a:solidFill>
+              </a:rPr>
+              <a:t>foreach</a:t>
+            </a:r>
+            <a:r>
+              <a:rPr lang="cs-CZ" altLang="cs-CZ" sz="1800" b="1" dirty="0">
+                <a:solidFill>
+                  <a:schemeClr val="tx1"/>
+                </a:solidFill>
+              </a:rPr>
+              <a:t> proto, aby bylo možné v chybové hlášce přesně určit místo, kde nastal problém.“ Vysvětlete rozdíl mezi příkazy </a:t>
+            </a:r>
+            <a:r>
+              <a:rPr lang="cs-CZ" altLang="cs-CZ" sz="1800" b="1" dirty="0" err="1">
+                <a:solidFill>
+                  <a:schemeClr val="tx1"/>
+                </a:solidFill>
+              </a:rPr>
+              <a:t>for</a:t>
+            </a:r>
+            <a:r>
+              <a:rPr lang="cs-CZ" altLang="cs-CZ" sz="1800" b="1" dirty="0">
+                <a:solidFill>
+                  <a:schemeClr val="tx1"/>
+                </a:solidFill>
+              </a:rPr>
+              <a:t> a </a:t>
+            </a:r>
+            <a:r>
+              <a:rPr lang="cs-CZ" altLang="cs-CZ" sz="1800" b="1" dirty="0" err="1">
+                <a:solidFill>
+                  <a:schemeClr val="tx1"/>
+                </a:solidFill>
+              </a:rPr>
+              <a:t>foreach</a:t>
+            </a:r>
+            <a:r>
+              <a:rPr lang="cs-CZ" altLang="cs-CZ" sz="1800" b="1" dirty="0">
+                <a:solidFill>
+                  <a:schemeClr val="tx1"/>
+                </a:solidFill>
+              </a:rPr>
+              <a:t> a proč druhý z nich neumožňuje přesné určení místa výskytu chyby.</a:t>
             </a:r>
           </a:p>
           <a:p>
@@ -20249,12 +21050,46 @@
               </a:spcBef>
             </a:pPr>
             <a:r>
+              <a:rPr lang="cs-CZ" altLang="cs-CZ" sz="1400" b="1" dirty="0" err="1">
+                <a:solidFill>
+                  <a:schemeClr val="tx1"/>
+                </a:solidFill>
+              </a:rPr>
+              <a:t>For</a:t>
+            </a:r>
+            <a:r>
               <a:rPr lang="cs-CZ" altLang="cs-CZ" sz="1400" b="1" dirty="0">
                 <a:solidFill>
                   <a:schemeClr val="tx1"/>
                 </a:solidFill>
               </a:rPr>
-              <a:t>?</a:t>
+              <a:t> = je k dispozici index</a:t>
+            </a:r>
+          </a:p>
+          <a:p>
+            <a:pPr marL="285750" indent="-285750" algn="just" eaLnBrk="1" hangingPunct="1">
+              <a:lnSpc>
+                <a:spcPct val="150000"/>
+              </a:lnSpc>
+              <a:spcBef>
+                <a:spcPct val="50000"/>
+              </a:spcBef>
+            </a:pPr>
+            <a:r>
+              <a:rPr lang="cs-CZ" altLang="cs-CZ" sz="1400" b="1" dirty="0" err="1">
+                <a:solidFill>
+                  <a:schemeClr val="tx1"/>
+                </a:solidFill>
+              </a:rPr>
+              <a:t>Foreach</a:t>
+            </a:r>
+            <a:r>
+              <a:rPr lang="cs-CZ" altLang="cs-CZ" sz="1400" b="1" dirty="0">
+                <a:solidFill>
+                  <a:schemeClr val="tx1"/>
+                </a:solidFill>
+              </a:rPr>
+              <a:t> = je k dispozici aktuální prvek kolekce</a:t>
             </a:r>
           </a:p>
           <a:p>
@@ -21307,7 +22142,13 @@
   <p:cSld>
     <p:spTree>
       <p:nvGrpSpPr>
-        <p:cNvPr id="1" name=""/>
+        <p:cNvPr id="1" name="">
+          <a:extLst>
+            <a:ext uri="{FF2B5EF4-FFF2-40B4-BE49-F238E27FC236}">
+              <a16:creationId xmlns:a16="http://schemas.microsoft.com/office/drawing/2014/main" id="{CD334F36-20E2-CEB1-206A-A1CE35A3E73E}"/>
+            </a:ext>
+          </a:extLst>
+        </p:cNvPr>
         <p:cNvGrpSpPr/>
         <p:nvPr/>
       </p:nvGrpSpPr>
@@ -21321,10 +22162,10 @@
       </p:grpSpPr>
       <p:pic>
         <p:nvPicPr>
-          <p:cNvPr id="7170" name="Picture 2" descr="pozadi">
+          <p:cNvPr id="5122" name="Picture 3" descr="pozadi">
             <a:extLst>
               <a:ext uri="{FF2B5EF4-FFF2-40B4-BE49-F238E27FC236}">
-                <a16:creationId xmlns:a16="http://schemas.microsoft.com/office/drawing/2014/main" id="{4F0A0EC0-5FBC-AA40-C6DC-3036F149EB03}"/>
+                <a16:creationId xmlns:a16="http://schemas.microsoft.com/office/drawing/2014/main" id="{15DA1BF3-D0BE-F41A-889E-628D4DB37B95}"/>
               </a:ext>
             </a:extLst>
           </p:cNvPr>
@@ -21381,10 +22222,10 @@
       </p:pic>
       <p:pic>
         <p:nvPicPr>
-          <p:cNvPr id="7171" name="Picture 4" descr="pozadi">
+          <p:cNvPr id="5123" name="Picture 5" descr="pozadi">
             <a:extLst>
               <a:ext uri="{FF2B5EF4-FFF2-40B4-BE49-F238E27FC236}">
-                <a16:creationId xmlns:a16="http://schemas.microsoft.com/office/drawing/2014/main" id="{86F36C96-871A-9241-C100-D9DC338E9209}"/>
+                <a16:creationId xmlns:a16="http://schemas.microsoft.com/office/drawing/2014/main" id="{3718FB18-43F3-C4E5-940E-E18E22939605}"/>
               </a:ext>
             </a:extLst>
           </p:cNvPr>
@@ -21441,10 +22282,10 @@
       </p:pic>
       <p:sp>
         <p:nvSpPr>
-          <p:cNvPr id="7172" name="Text Box 6">
+          <p:cNvPr id="5124" name="Text Box 7">
             <a:extLst>
               <a:ext uri="{FF2B5EF4-FFF2-40B4-BE49-F238E27FC236}">
-                <a16:creationId xmlns:a16="http://schemas.microsoft.com/office/drawing/2014/main" id="{BAEE6ED6-BAF4-6E33-0E55-07D097C72562}"/>
+                <a16:creationId xmlns:a16="http://schemas.microsoft.com/office/drawing/2014/main" id="{EC754F17-5985-A0B6-D2DD-E096EF447EC9}"/>
               </a:ext>
             </a:extLst>
           </p:cNvPr>
@@ -21455,8 +22296,8 @@
         </p:nvSpPr>
         <p:spPr bwMode="auto">
           <a:xfrm>
-            <a:off x="1979613" y="3573463"/>
-            <a:ext cx="5545137" cy="354012"/>
+            <a:off x="4356100" y="908050"/>
+            <a:ext cx="4537075" cy="279400"/>
           </a:xfrm>
           <a:prstGeom prst="rect">
             <a:avLst/>
@@ -21496,7 +22337,9 @@
           </a:extLst>
         </p:spPr>
         <p:txBody>
-          <a:bodyPr wrap="none" lIns="90000" tIns="45000" rIns="90000" bIns="45000"/>
+          <a:bodyPr lIns="90000" tIns="46800" rIns="90000" bIns="46800">
+            <a:spAutoFit/>
+          </a:bodyPr>
           <a:lstStyle>
             <a:lvl1pPr>
               <a:lnSpc>
@@ -21542,7 +22385,7 @@
                 <a:ea typeface="MS Gothic" panose="020B0609070205080204" pitchFamily="49" charset="-128"/>
               </a:defRPr>
             </a:lvl1pPr>
-            <a:lvl2pPr marL="742950" indent="-285750">
+            <a:lvl2pPr marL="736600" indent="-279400">
               <a:lnSpc>
                 <a:spcPct val="76000"/>
               </a:lnSpc>
@@ -21908,30 +22751,30 @@
             </a:lvl9pPr>
           </a:lstStyle>
           <a:p>
-            <a:pPr algn="ctr" eaLnBrk="1" hangingPunct="1">
-              <a:lnSpc>
-                <a:spcPct val="87000"/>
-              </a:lnSpc>
-              <a:spcBef>
-                <a:spcPct val="0"/>
+            <a:pPr algn="r" eaLnBrk="1" hangingPunct="1">
+              <a:lnSpc>
+                <a:spcPct val="100000"/>
+              </a:lnSpc>
+              <a:spcBef>
+                <a:spcPts val="750"/>
               </a:spcBef>
               <a:buFont typeface="Arial" panose="020B0604020202020204" pitchFamily="34" charset="0"/>
               <a:buNone/>
             </a:pPr>
             <a:r>
-              <a:rPr lang="cs-CZ" altLang="cs-CZ" sz="1800" b="1"/>
-              <a:t>Děkuji za pozornost</a:t>
+              <a:rPr lang="pl-PL" altLang="cs-CZ" sz="1200" b="1" dirty="0"/>
+              <a:t>Návrh a realizace kontrolního systému na WiFi síti</a:t>
             </a:r>
-            <a:endParaRPr lang="en-GB" altLang="cs-CZ" sz="1600" b="1"/>
+            <a:endParaRPr lang="en-GB" altLang="cs-CZ" sz="1200" dirty="0"/>
           </a:p>
         </p:txBody>
       </p:sp>
       <p:sp>
         <p:nvSpPr>
-          <p:cNvPr id="7173" name="Text Box 8">
+          <p:cNvPr id="5125" name="Text Box 8">
             <a:extLst>
               <a:ext uri="{FF2B5EF4-FFF2-40B4-BE49-F238E27FC236}">
-                <a16:creationId xmlns:a16="http://schemas.microsoft.com/office/drawing/2014/main" id="{E252102F-B912-30DD-C2A4-CAB4190B8445}"/>
+                <a16:creationId xmlns:a16="http://schemas.microsoft.com/office/drawing/2014/main" id="{8119A323-6F6E-33EF-C74F-1B17309D5AB3}"/>
               </a:ext>
             </a:extLst>
           </p:cNvPr>
@@ -21942,8 +22785,8 @@
         </p:nvSpPr>
         <p:spPr bwMode="auto">
           <a:xfrm>
-            <a:off x="4932040" y="908050"/>
-            <a:ext cx="3961135" cy="279180"/>
+            <a:off x="827088" y="1800000"/>
+            <a:ext cx="7561336" cy="2290180"/>
           </a:xfrm>
           <a:prstGeom prst="rect">
             <a:avLst/>
@@ -21962,11 +22805,11 @@
               </a14:hiddenFill>
             </a:ext>
             <a:ext uri="{91240B29-F687-4F45-9708-019B960494DF}">
-              <a14:hiddenLine xmlns:a14="http://schemas.microsoft.com/office/drawing/2010/main" w="9525">
-                <a:solidFill>
-                  <a:srgbClr val="000000"/>
-                </a:solidFill>
-                <a:round/>
+              <a14:hiddenLine xmlns:a14="http://schemas.microsoft.com/office/drawing/2010/main" w="9525" algn="ctr">
+                <a:solidFill>
+                  <a:srgbClr val="000000"/>
+                </a:solidFill>
+                <a:miter lim="800000"/>
                 <a:headEnd/>
                 <a:tailEnd/>
               </a14:hiddenLine>
@@ -22031,7 +22874,7 @@
                 <a:ea typeface="MS Gothic" panose="020B0609070205080204" pitchFamily="49" charset="-128"/>
               </a:defRPr>
             </a:lvl1pPr>
-            <a:lvl2pPr marL="742950" indent="-285750">
+            <a:lvl2pPr marL="736600" indent="-279400">
               <a:lnSpc>
                 <a:spcPct val="76000"/>
               </a:lnSpc>
@@ -22397,30 +23240,595 @@
             </a:lvl9pPr>
           </a:lstStyle>
           <a:p>
-            <a:pPr algn="r" eaLnBrk="1" hangingPunct="1">
-              <a:lnSpc>
-                <a:spcPct val="100000"/>
-              </a:lnSpc>
-              <a:spcBef>
-                <a:spcPts val="750"/>
+            <a:pPr algn="just" eaLnBrk="1" hangingPunct="1">
+              <a:spcBef>
+                <a:spcPct val="50000"/>
               </a:spcBef>
               <a:buFont typeface="Arial" panose="020B0604020202020204" pitchFamily="34" charset="0"/>
               <a:buNone/>
             </a:pPr>
             <a:r>
-              <a:rPr lang="pl-PL" altLang="cs-CZ" sz="1200" b="1" dirty="0"/>
-              <a:t>Návrh a realizace kontrolního systému na WiFi síti</a:t>
+              <a:rPr lang="cs-CZ" altLang="cs-CZ" sz="1800" b="1" dirty="0">
+                <a:solidFill>
+                  <a:schemeClr val="tx1"/>
+                </a:solidFill>
+              </a:rPr>
+              <a:t> Otázka 2: Na str. 43, a poté několikrát dále v práci, zmiňujete „výsledek, levou a pravou hodnotu“ datového toku. Vysvětlete blíže význam těchto hodnot.</a:t>
             </a:r>
-            <a:endParaRPr lang="en-GB" altLang="cs-CZ" sz="1200" dirty="0"/>
+          </a:p>
+          <a:p>
+            <a:pPr marL="285750" indent="-285750" algn="just" eaLnBrk="1" hangingPunct="1">
+              <a:lnSpc>
+                <a:spcPct val="150000"/>
+              </a:lnSpc>
+              <a:spcBef>
+                <a:spcPct val="50000"/>
+              </a:spcBef>
+            </a:pPr>
+            <a:r>
+              <a:rPr lang="cs-CZ" altLang="cs-CZ" sz="1400" b="1" dirty="0">
+                <a:solidFill>
+                  <a:schemeClr val="tx1"/>
+                </a:solidFill>
+              </a:rPr>
+              <a:t>Levá hodnota = hodnota nalevo od operátoru</a:t>
+            </a:r>
+          </a:p>
+          <a:p>
+            <a:pPr marL="285750" indent="-285750" algn="just" eaLnBrk="1" hangingPunct="1">
+              <a:lnSpc>
+                <a:spcPct val="150000"/>
+              </a:lnSpc>
+              <a:spcBef>
+                <a:spcPct val="50000"/>
+              </a:spcBef>
+            </a:pPr>
+            <a:r>
+              <a:rPr lang="cs-CZ" altLang="cs-CZ" sz="1400" b="1" dirty="0">
+                <a:solidFill>
+                  <a:schemeClr val="tx1"/>
+                </a:solidFill>
+              </a:rPr>
+              <a:t>Pravá hodnota = hodnota napravo od operátoru</a:t>
+            </a:r>
+          </a:p>
+          <a:p>
+            <a:pPr marL="285750" indent="-285750" algn="just" eaLnBrk="1" hangingPunct="1">
+              <a:lnSpc>
+                <a:spcPct val="150000"/>
+              </a:lnSpc>
+              <a:spcBef>
+                <a:spcPct val="50000"/>
+              </a:spcBef>
+            </a:pPr>
+            <a:r>
+              <a:rPr lang="cs-CZ" altLang="cs-CZ" sz="1400" b="1" dirty="0">
+                <a:solidFill>
+                  <a:schemeClr val="tx1"/>
+                </a:solidFill>
+              </a:rPr>
+              <a:t>Výsledek = výsledek operace</a:t>
+            </a:r>
+          </a:p>
+          <a:p>
+            <a:pPr algn="just" eaLnBrk="1" hangingPunct="1">
+              <a:spcBef>
+                <a:spcPct val="50000"/>
+              </a:spcBef>
+              <a:buFont typeface="Arial" panose="020B0604020202020204" pitchFamily="34" charset="0"/>
+              <a:buNone/>
+            </a:pPr>
+            <a:endParaRPr lang="cs-CZ" altLang="cs-CZ" sz="1400" dirty="0">
+              <a:solidFill>
+                <a:schemeClr val="tx1"/>
+              </a:solidFill>
+            </a:endParaRPr>
           </a:p>
         </p:txBody>
       </p:sp>
       <p:sp>
         <p:nvSpPr>
-          <p:cNvPr id="7174" name="Text Box 8">
+          <p:cNvPr id="5126" name="Text Box 10">
             <a:extLst>
               <a:ext uri="{FF2B5EF4-FFF2-40B4-BE49-F238E27FC236}">
-                <a16:creationId xmlns:a16="http://schemas.microsoft.com/office/drawing/2014/main" id="{18F40569-1679-069B-EDCF-CBAB0D0F1A37}"/>
+                <a16:creationId xmlns:a16="http://schemas.microsoft.com/office/drawing/2014/main" id="{67FCE585-57D7-D490-EA8D-69E1B5B27618}"/>
+              </a:ext>
+            </a:extLst>
+          </p:cNvPr>
+          <p:cNvSpPr txBox="1">
+            <a:spLocks noChangeArrowheads="1"/>
+          </p:cNvSpPr>
+          <p:nvPr/>
+        </p:nvSpPr>
+        <p:spPr bwMode="auto">
+          <a:xfrm>
+            <a:off x="4648200" y="500063"/>
+            <a:ext cx="4244975" cy="341312"/>
+          </a:xfrm>
+          <a:prstGeom prst="rect">
+            <a:avLst/>
+          </a:prstGeom>
+          <a:noFill/>
+          <a:ln>
+            <a:noFill/>
+          </a:ln>
+          <a:effectLst/>
+          <a:extLst>
+            <a:ext uri="{909E8E84-426E-40DD-AFC4-6F175D3DCCD1}">
+              <a14:hiddenFill xmlns:a14="http://schemas.microsoft.com/office/drawing/2010/main">
+                <a:solidFill>
+                  <a:srgbClr val="FFFFFF"/>
+                </a:solidFill>
+              </a14:hiddenFill>
+            </a:ext>
+            <a:ext uri="{91240B29-F687-4F45-9708-019B960494DF}">
+              <a14:hiddenLine xmlns:a14="http://schemas.microsoft.com/office/drawing/2010/main" w="9525">
+                <a:solidFill>
+                  <a:srgbClr val="000000"/>
+                </a:solidFill>
+                <a:round/>
+                <a:headEnd/>
+                <a:tailEnd/>
+              </a14:hiddenLine>
+            </a:ext>
+            <a:ext uri="{AF507438-7753-43E0-B8FC-AC1667EBCBE1}">
+              <a14:hiddenEffects xmlns:a14="http://schemas.microsoft.com/office/drawing/2010/main">
+                <a:effectLst>
+                  <a:outerShdw dist="35921" dir="2700000" algn="ctr" rotWithShape="0">
+                    <a:srgbClr val="808080"/>
+                  </a:outerShdw>
+                </a:effectLst>
+              </a14:hiddenEffects>
+            </a:ext>
+          </a:extLst>
+        </p:spPr>
+        <p:txBody>
+          <a:bodyPr lIns="90000" tIns="46800" rIns="90000" bIns="46800">
+            <a:spAutoFit/>
+          </a:bodyPr>
+          <a:lstStyle>
+            <a:lvl1pPr>
+              <a:lnSpc>
+                <a:spcPct val="76000"/>
+              </a:lnSpc>
+              <a:spcBef>
+                <a:spcPts val="800"/>
+              </a:spcBef>
+              <a:buClr>
+                <a:srgbClr val="000000"/>
+              </a:buClr>
+              <a:buSzPct val="100000"/>
+              <a:buFont typeface="Arial" panose="020B0604020202020204" pitchFamily="34" charset="0"/>
+              <a:buChar char="•"/>
+              <a:tabLst>
+                <a:tab pos="0" algn="l"/>
+                <a:tab pos="447675" algn="l"/>
+                <a:tab pos="896938" algn="l"/>
+                <a:tab pos="1346200" algn="l"/>
+                <a:tab pos="1795463" algn="l"/>
+                <a:tab pos="2244725" algn="l"/>
+                <a:tab pos="2693988" algn="l"/>
+                <a:tab pos="3143250" algn="l"/>
+                <a:tab pos="3592513" algn="l"/>
+                <a:tab pos="4041775" algn="l"/>
+                <a:tab pos="4491038" algn="l"/>
+                <a:tab pos="4940300" algn="l"/>
+                <a:tab pos="5389563" algn="l"/>
+                <a:tab pos="5838825" algn="l"/>
+                <a:tab pos="6288088" algn="l"/>
+                <a:tab pos="6737350" algn="l"/>
+                <a:tab pos="7186613" algn="l"/>
+                <a:tab pos="7635875" algn="l"/>
+                <a:tab pos="8085138" algn="l"/>
+                <a:tab pos="8534400" algn="l"/>
+                <a:tab pos="8983663" algn="l"/>
+              </a:tabLst>
+              <a:defRPr sz="3200">
+                <a:solidFill>
+                  <a:srgbClr val="000000"/>
+                </a:solidFill>
+                <a:latin typeface="Arial" panose="020B0604020202020204" pitchFamily="34" charset="0"/>
+                <a:ea typeface="MS Gothic" panose="020B0609070205080204" pitchFamily="49" charset="-128"/>
+              </a:defRPr>
+            </a:lvl1pPr>
+            <a:lvl2pPr marL="736600" indent="-279400">
+              <a:lnSpc>
+                <a:spcPct val="76000"/>
+              </a:lnSpc>
+              <a:spcBef>
+                <a:spcPts val="700"/>
+              </a:spcBef>
+              <a:buClr>
+                <a:srgbClr val="000000"/>
+              </a:buClr>
+              <a:buSzPct val="100000"/>
+              <a:buFont typeface="Arial" panose="020B0604020202020204" pitchFamily="34" charset="0"/>
+              <a:buChar char="–"/>
+              <a:tabLst>
+                <a:tab pos="0" algn="l"/>
+                <a:tab pos="447675" algn="l"/>
+                <a:tab pos="896938" algn="l"/>
+                <a:tab pos="1346200" algn="l"/>
+                <a:tab pos="1795463" algn="l"/>
+                <a:tab pos="2244725" algn="l"/>
+                <a:tab pos="2693988" algn="l"/>
+                <a:tab pos="3143250" algn="l"/>
+                <a:tab pos="3592513" algn="l"/>
+                <a:tab pos="4041775" algn="l"/>
+                <a:tab pos="4491038" algn="l"/>
+                <a:tab pos="4940300" algn="l"/>
+                <a:tab pos="5389563" algn="l"/>
+                <a:tab pos="5838825" algn="l"/>
+                <a:tab pos="6288088" algn="l"/>
+                <a:tab pos="6737350" algn="l"/>
+                <a:tab pos="7186613" algn="l"/>
+                <a:tab pos="7635875" algn="l"/>
+                <a:tab pos="8085138" algn="l"/>
+                <a:tab pos="8534400" algn="l"/>
+                <a:tab pos="8983663" algn="l"/>
+              </a:tabLst>
+              <a:defRPr sz="2800">
+                <a:solidFill>
+                  <a:srgbClr val="000000"/>
+                </a:solidFill>
+                <a:latin typeface="Arial" panose="020B0604020202020204" pitchFamily="34" charset="0"/>
+                <a:ea typeface="MS Gothic" panose="020B0609070205080204" pitchFamily="49" charset="-128"/>
+              </a:defRPr>
+            </a:lvl2pPr>
+            <a:lvl3pPr marL="1143000" indent="-228600">
+              <a:lnSpc>
+                <a:spcPct val="76000"/>
+              </a:lnSpc>
+              <a:spcBef>
+                <a:spcPts val="600"/>
+              </a:spcBef>
+              <a:buClr>
+                <a:srgbClr val="000000"/>
+              </a:buClr>
+              <a:buSzPct val="100000"/>
+              <a:buFont typeface="Arial" panose="020B0604020202020204" pitchFamily="34" charset="0"/>
+              <a:buChar char="•"/>
+              <a:tabLst>
+                <a:tab pos="0" algn="l"/>
+                <a:tab pos="447675" algn="l"/>
+                <a:tab pos="896938" algn="l"/>
+                <a:tab pos="1346200" algn="l"/>
+                <a:tab pos="1795463" algn="l"/>
+                <a:tab pos="2244725" algn="l"/>
+                <a:tab pos="2693988" algn="l"/>
+                <a:tab pos="3143250" algn="l"/>
+                <a:tab pos="3592513" algn="l"/>
+                <a:tab pos="4041775" algn="l"/>
+                <a:tab pos="4491038" algn="l"/>
+                <a:tab pos="4940300" algn="l"/>
+                <a:tab pos="5389563" algn="l"/>
+                <a:tab pos="5838825" algn="l"/>
+                <a:tab pos="6288088" algn="l"/>
+                <a:tab pos="6737350" algn="l"/>
+                <a:tab pos="7186613" algn="l"/>
+                <a:tab pos="7635875" algn="l"/>
+                <a:tab pos="8085138" algn="l"/>
+                <a:tab pos="8534400" algn="l"/>
+                <a:tab pos="8983663" algn="l"/>
+              </a:tabLst>
+              <a:defRPr sz="2400">
+                <a:solidFill>
+                  <a:srgbClr val="000000"/>
+                </a:solidFill>
+                <a:latin typeface="Arial" panose="020B0604020202020204" pitchFamily="34" charset="0"/>
+                <a:ea typeface="MS Gothic" panose="020B0609070205080204" pitchFamily="49" charset="-128"/>
+              </a:defRPr>
+            </a:lvl3pPr>
+            <a:lvl4pPr marL="1600200" indent="-228600">
+              <a:lnSpc>
+                <a:spcPct val="76000"/>
+              </a:lnSpc>
+              <a:spcBef>
+                <a:spcPts val="500"/>
+              </a:spcBef>
+              <a:buClr>
+                <a:srgbClr val="000000"/>
+              </a:buClr>
+              <a:buSzPct val="100000"/>
+              <a:buFont typeface="Arial" panose="020B0604020202020204" pitchFamily="34" charset="0"/>
+              <a:buChar char="–"/>
+              <a:tabLst>
+                <a:tab pos="0" algn="l"/>
+                <a:tab pos="447675" algn="l"/>
+                <a:tab pos="896938" algn="l"/>
+                <a:tab pos="1346200" algn="l"/>
+                <a:tab pos="1795463" algn="l"/>
+                <a:tab pos="2244725" algn="l"/>
+                <a:tab pos="2693988" algn="l"/>
+                <a:tab pos="3143250" algn="l"/>
+                <a:tab pos="3592513" algn="l"/>
+                <a:tab pos="4041775" algn="l"/>
+                <a:tab pos="4491038" algn="l"/>
+                <a:tab pos="4940300" algn="l"/>
+                <a:tab pos="5389563" algn="l"/>
+                <a:tab pos="5838825" algn="l"/>
+                <a:tab pos="6288088" algn="l"/>
+                <a:tab pos="6737350" algn="l"/>
+                <a:tab pos="7186613" algn="l"/>
+                <a:tab pos="7635875" algn="l"/>
+                <a:tab pos="8085138" algn="l"/>
+                <a:tab pos="8534400" algn="l"/>
+                <a:tab pos="8983663" algn="l"/>
+              </a:tabLst>
+              <a:defRPr sz="2000">
+                <a:solidFill>
+                  <a:srgbClr val="000000"/>
+                </a:solidFill>
+                <a:latin typeface="Arial" panose="020B0604020202020204" pitchFamily="34" charset="0"/>
+                <a:ea typeface="MS Gothic" panose="020B0609070205080204" pitchFamily="49" charset="-128"/>
+              </a:defRPr>
+            </a:lvl4pPr>
+            <a:lvl5pPr marL="2057400" indent="-228600">
+              <a:lnSpc>
+                <a:spcPct val="76000"/>
+              </a:lnSpc>
+              <a:spcBef>
+                <a:spcPts val="500"/>
+              </a:spcBef>
+              <a:buClr>
+                <a:srgbClr val="000000"/>
+              </a:buClr>
+              <a:buSzPct val="100000"/>
+              <a:buFont typeface="Arial" panose="020B0604020202020204" pitchFamily="34" charset="0"/>
+              <a:buChar char="»"/>
+              <a:tabLst>
+                <a:tab pos="0" algn="l"/>
+                <a:tab pos="447675" algn="l"/>
+                <a:tab pos="896938" algn="l"/>
+                <a:tab pos="1346200" algn="l"/>
+                <a:tab pos="1795463" algn="l"/>
+                <a:tab pos="2244725" algn="l"/>
+                <a:tab pos="2693988" algn="l"/>
+                <a:tab pos="3143250" algn="l"/>
+                <a:tab pos="3592513" algn="l"/>
+                <a:tab pos="4041775" algn="l"/>
+                <a:tab pos="4491038" algn="l"/>
+                <a:tab pos="4940300" algn="l"/>
+                <a:tab pos="5389563" algn="l"/>
+                <a:tab pos="5838825" algn="l"/>
+                <a:tab pos="6288088" algn="l"/>
+                <a:tab pos="6737350" algn="l"/>
+                <a:tab pos="7186613" algn="l"/>
+                <a:tab pos="7635875" algn="l"/>
+                <a:tab pos="8085138" algn="l"/>
+                <a:tab pos="8534400" algn="l"/>
+                <a:tab pos="8983663" algn="l"/>
+              </a:tabLst>
+              <a:defRPr sz="2000">
+                <a:solidFill>
+                  <a:srgbClr val="000000"/>
+                </a:solidFill>
+                <a:latin typeface="Arial" panose="020B0604020202020204" pitchFamily="34" charset="0"/>
+                <a:ea typeface="MS Gothic" panose="020B0609070205080204" pitchFamily="49" charset="-128"/>
+              </a:defRPr>
+            </a:lvl5pPr>
+            <a:lvl6pPr marL="2514600" indent="-228600" defTabSz="449263" eaLnBrk="0" fontAlgn="base" hangingPunct="0">
+              <a:lnSpc>
+                <a:spcPct val="76000"/>
+              </a:lnSpc>
+              <a:spcBef>
+                <a:spcPts val="500"/>
+              </a:spcBef>
+              <a:spcAft>
+                <a:spcPct val="0"/>
+              </a:spcAft>
+              <a:buClr>
+                <a:srgbClr val="000000"/>
+              </a:buClr>
+              <a:buSzPct val="100000"/>
+              <a:buFont typeface="Arial" panose="020B0604020202020204" pitchFamily="34" charset="0"/>
+              <a:buChar char="»"/>
+              <a:tabLst>
+                <a:tab pos="0" algn="l"/>
+                <a:tab pos="447675" algn="l"/>
+                <a:tab pos="896938" algn="l"/>
+                <a:tab pos="1346200" algn="l"/>
+                <a:tab pos="1795463" algn="l"/>
+                <a:tab pos="2244725" algn="l"/>
+                <a:tab pos="2693988" algn="l"/>
+                <a:tab pos="3143250" algn="l"/>
+                <a:tab pos="3592513" algn="l"/>
+                <a:tab pos="4041775" algn="l"/>
+                <a:tab pos="4491038" algn="l"/>
+                <a:tab pos="4940300" algn="l"/>
+                <a:tab pos="5389563" algn="l"/>
+                <a:tab pos="5838825" algn="l"/>
+                <a:tab pos="6288088" algn="l"/>
+                <a:tab pos="6737350" algn="l"/>
+                <a:tab pos="7186613" algn="l"/>
+                <a:tab pos="7635875" algn="l"/>
+                <a:tab pos="8085138" algn="l"/>
+                <a:tab pos="8534400" algn="l"/>
+                <a:tab pos="8983663" algn="l"/>
+              </a:tabLst>
+              <a:defRPr sz="2000">
+                <a:solidFill>
+                  <a:srgbClr val="000000"/>
+                </a:solidFill>
+                <a:latin typeface="Arial" panose="020B0604020202020204" pitchFamily="34" charset="0"/>
+                <a:ea typeface="MS Gothic" panose="020B0609070205080204" pitchFamily="49" charset="-128"/>
+              </a:defRPr>
+            </a:lvl6pPr>
+            <a:lvl7pPr marL="2971800" indent="-228600" defTabSz="449263" eaLnBrk="0" fontAlgn="base" hangingPunct="0">
+              <a:lnSpc>
+                <a:spcPct val="76000"/>
+              </a:lnSpc>
+              <a:spcBef>
+                <a:spcPts val="500"/>
+              </a:spcBef>
+              <a:spcAft>
+                <a:spcPct val="0"/>
+              </a:spcAft>
+              <a:buClr>
+                <a:srgbClr val="000000"/>
+              </a:buClr>
+              <a:buSzPct val="100000"/>
+              <a:buFont typeface="Arial" panose="020B0604020202020204" pitchFamily="34" charset="0"/>
+              <a:buChar char="»"/>
+              <a:tabLst>
+                <a:tab pos="0" algn="l"/>
+                <a:tab pos="447675" algn="l"/>
+                <a:tab pos="896938" algn="l"/>
+                <a:tab pos="1346200" algn="l"/>
+                <a:tab pos="1795463" algn="l"/>
+                <a:tab pos="2244725" algn="l"/>
+                <a:tab pos="2693988" algn="l"/>
+                <a:tab pos="3143250" algn="l"/>
+                <a:tab pos="3592513" algn="l"/>
+                <a:tab pos="4041775" algn="l"/>
+                <a:tab pos="4491038" algn="l"/>
+                <a:tab pos="4940300" algn="l"/>
+                <a:tab pos="5389563" algn="l"/>
+                <a:tab pos="5838825" algn="l"/>
+                <a:tab pos="6288088" algn="l"/>
+                <a:tab pos="6737350" algn="l"/>
+                <a:tab pos="7186613" algn="l"/>
+                <a:tab pos="7635875" algn="l"/>
+                <a:tab pos="8085138" algn="l"/>
+                <a:tab pos="8534400" algn="l"/>
+                <a:tab pos="8983663" algn="l"/>
+              </a:tabLst>
+              <a:defRPr sz="2000">
+                <a:solidFill>
+                  <a:srgbClr val="000000"/>
+                </a:solidFill>
+                <a:latin typeface="Arial" panose="020B0604020202020204" pitchFamily="34" charset="0"/>
+                <a:ea typeface="MS Gothic" panose="020B0609070205080204" pitchFamily="49" charset="-128"/>
+              </a:defRPr>
+            </a:lvl7pPr>
+            <a:lvl8pPr marL="3429000" indent="-228600" defTabSz="449263" eaLnBrk="0" fontAlgn="base" hangingPunct="0">
+              <a:lnSpc>
+                <a:spcPct val="76000"/>
+              </a:lnSpc>
+              <a:spcBef>
+                <a:spcPts val="500"/>
+              </a:spcBef>
+              <a:spcAft>
+                <a:spcPct val="0"/>
+              </a:spcAft>
+              <a:buClr>
+                <a:srgbClr val="000000"/>
+              </a:buClr>
+              <a:buSzPct val="100000"/>
+              <a:buFont typeface="Arial" panose="020B0604020202020204" pitchFamily="34" charset="0"/>
+              <a:buChar char="»"/>
+              <a:tabLst>
+                <a:tab pos="0" algn="l"/>
+                <a:tab pos="447675" algn="l"/>
+                <a:tab pos="896938" algn="l"/>
+                <a:tab pos="1346200" algn="l"/>
+                <a:tab pos="1795463" algn="l"/>
+                <a:tab pos="2244725" algn="l"/>
+                <a:tab pos="2693988" algn="l"/>
+                <a:tab pos="3143250" algn="l"/>
+                <a:tab pos="3592513" algn="l"/>
+                <a:tab pos="4041775" algn="l"/>
+                <a:tab pos="4491038" algn="l"/>
+                <a:tab pos="4940300" algn="l"/>
+                <a:tab pos="5389563" algn="l"/>
+                <a:tab pos="5838825" algn="l"/>
+                <a:tab pos="6288088" algn="l"/>
+                <a:tab pos="6737350" algn="l"/>
+                <a:tab pos="7186613" algn="l"/>
+                <a:tab pos="7635875" algn="l"/>
+                <a:tab pos="8085138" algn="l"/>
+                <a:tab pos="8534400" algn="l"/>
+                <a:tab pos="8983663" algn="l"/>
+              </a:tabLst>
+              <a:defRPr sz="2000">
+                <a:solidFill>
+                  <a:srgbClr val="000000"/>
+                </a:solidFill>
+                <a:latin typeface="Arial" panose="020B0604020202020204" pitchFamily="34" charset="0"/>
+                <a:ea typeface="MS Gothic" panose="020B0609070205080204" pitchFamily="49" charset="-128"/>
+              </a:defRPr>
+            </a:lvl8pPr>
+            <a:lvl9pPr marL="3886200" indent="-228600" defTabSz="449263" eaLnBrk="0" fontAlgn="base" hangingPunct="0">
+              <a:lnSpc>
+                <a:spcPct val="76000"/>
+              </a:lnSpc>
+              <a:spcBef>
+                <a:spcPts val="500"/>
+              </a:spcBef>
+              <a:spcAft>
+                <a:spcPct val="0"/>
+              </a:spcAft>
+              <a:buClr>
+                <a:srgbClr val="000000"/>
+              </a:buClr>
+              <a:buSzPct val="100000"/>
+              <a:buFont typeface="Arial" panose="020B0604020202020204" pitchFamily="34" charset="0"/>
+              <a:buChar char="»"/>
+              <a:tabLst>
+                <a:tab pos="0" algn="l"/>
+                <a:tab pos="447675" algn="l"/>
+                <a:tab pos="896938" algn="l"/>
+                <a:tab pos="1346200" algn="l"/>
+                <a:tab pos="1795463" algn="l"/>
+                <a:tab pos="2244725" algn="l"/>
+                <a:tab pos="2693988" algn="l"/>
+                <a:tab pos="3143250" algn="l"/>
+                <a:tab pos="3592513" algn="l"/>
+                <a:tab pos="4041775" algn="l"/>
+                <a:tab pos="4491038" algn="l"/>
+                <a:tab pos="4940300" algn="l"/>
+                <a:tab pos="5389563" algn="l"/>
+                <a:tab pos="5838825" algn="l"/>
+                <a:tab pos="6288088" algn="l"/>
+                <a:tab pos="6737350" algn="l"/>
+                <a:tab pos="7186613" algn="l"/>
+                <a:tab pos="7635875" algn="l"/>
+                <a:tab pos="8085138" algn="l"/>
+                <a:tab pos="8534400" algn="l"/>
+                <a:tab pos="8983663" algn="l"/>
+              </a:tabLst>
+              <a:defRPr sz="2000">
+                <a:solidFill>
+                  <a:srgbClr val="000000"/>
+                </a:solidFill>
+                <a:latin typeface="Arial" panose="020B0604020202020204" pitchFamily="34" charset="0"/>
+                <a:ea typeface="MS Gothic" panose="020B0609070205080204" pitchFamily="49" charset="-128"/>
+              </a:defRPr>
+            </a:lvl9pPr>
+          </a:lstStyle>
+          <a:p>
+            <a:pPr algn="r" eaLnBrk="1" hangingPunct="1">
+              <a:lnSpc>
+                <a:spcPct val="100000"/>
+              </a:lnSpc>
+              <a:spcBef>
+                <a:spcPts val="1000"/>
+              </a:spcBef>
+              <a:buFont typeface="Arial" panose="020B0604020202020204" pitchFamily="34" charset="0"/>
+              <a:buNone/>
+            </a:pPr>
+            <a:r>
+              <a:rPr lang="cs-CZ" altLang="cs-CZ" sz="1600" b="1">
+                <a:solidFill>
+                  <a:schemeClr val="bg1"/>
+                </a:solidFill>
+              </a:rPr>
+              <a:t>Obhajoba diplomové práce</a:t>
+            </a:r>
+            <a:endParaRPr lang="en-GB" altLang="cs-CZ" sz="1600" b="1">
+              <a:solidFill>
+                <a:schemeClr val="bg1"/>
+              </a:solidFill>
+            </a:endParaRPr>
+          </a:p>
+        </p:txBody>
+      </p:sp>
+      <p:sp>
+        <p:nvSpPr>
+          <p:cNvPr id="5128" name="Text Box 8">
+            <a:extLst>
+              <a:ext uri="{FF2B5EF4-FFF2-40B4-BE49-F238E27FC236}">
+                <a16:creationId xmlns:a16="http://schemas.microsoft.com/office/drawing/2014/main" id="{02D14820-BC28-F984-F1E8-9577F27655C0}"/>
               </a:ext>
             </a:extLst>
           </p:cNvPr>
@@ -22904,12 +24312,1226 @@
           </a:p>
         </p:txBody>
       </p:sp>
+    </p:spTree>
+    <p:extLst>
+      <p:ext uri="{BB962C8B-B14F-4D97-AF65-F5344CB8AC3E}">
+        <p14:creationId xmlns:p14="http://schemas.microsoft.com/office/powerpoint/2010/main" val="3361119075"/>
+      </p:ext>
+    </p:extLst>
+  </p:cSld>
+  <p:clrMapOvr>
+    <a:masterClrMapping/>
+  </p:clrMapOvr>
+  <p:transition>
+    <p:fade/>
+  </p:transition>
+  <p:timing>
+    <p:tnLst>
+      <p:par>
+        <p:cTn id="1" dur="indefinite" restart="never" nodeType="tmRoot">
+          <p:childTnLst>
+            <p:seq concurrent="1" nextAc="seek">
+              <p:cTn id="2" dur="indefinite" nodeType="mainSeq"/>
+              <p:prevCondLst>
+                <p:cond evt="onPrev" delay="0">
+                  <p:tgtEl>
+                    <p:sldTgt/>
+                  </p:tgtEl>
+                </p:cond>
+              </p:prevCondLst>
+              <p:nextCondLst>
+                <p:cond evt="onNext" delay="0">
+                  <p:tgtEl>
+                    <p:sldTgt/>
+                  </p:tgtEl>
+                </p:cond>
+              </p:nextCondLst>
+            </p:seq>
+          </p:childTnLst>
+        </p:cTn>
+      </p:par>
+    </p:tnLst>
+  </p:timing>
+</p:sld>
+</file>
+
+<file path=ppt/slides/slide13.xml><?xml version="1.0" encoding="utf-8"?>
+<p:sld xmlns:a="http://schemas.openxmlformats.org/drawingml/2006/main" xmlns:r="http://schemas.openxmlformats.org/officeDocument/2006/relationships" xmlns:p="http://schemas.openxmlformats.org/presentationml/2006/main">
+  <p:cSld>
+    <p:spTree>
+      <p:nvGrpSpPr>
+        <p:cNvPr id="1" name="">
+          <a:extLst>
+            <a:ext uri="{FF2B5EF4-FFF2-40B4-BE49-F238E27FC236}">
+              <a16:creationId xmlns:a16="http://schemas.microsoft.com/office/drawing/2014/main" id="{976BF3E9-0E37-18EA-B9AC-4798AD6DBB1B}"/>
+            </a:ext>
+          </a:extLst>
+        </p:cNvPr>
+        <p:cNvGrpSpPr/>
+        <p:nvPr/>
+      </p:nvGrpSpPr>
+      <p:grpSpPr>
+        <a:xfrm>
+          <a:off x="0" y="0"/>
+          <a:ext cx="0" cy="0"/>
+          <a:chOff x="0" y="0"/>
+          <a:chExt cx="0" cy="0"/>
+        </a:xfrm>
+      </p:grpSpPr>
+      <p:pic>
+        <p:nvPicPr>
+          <p:cNvPr id="5122" name="Picture 3" descr="pozadi">
+            <a:extLst>
+              <a:ext uri="{FF2B5EF4-FFF2-40B4-BE49-F238E27FC236}">
+                <a16:creationId xmlns:a16="http://schemas.microsoft.com/office/drawing/2014/main" id="{22414228-51D2-A823-ABED-8345D6427D13}"/>
+              </a:ext>
+            </a:extLst>
+          </p:cNvPr>
+          <p:cNvPicPr>
+            <a:picLocks noChangeAspect="1" noChangeArrowheads="1"/>
+          </p:cNvPicPr>
+          <p:nvPr/>
+        </p:nvPicPr>
+        <p:blipFill>
+          <a:blip r:embed="rId3">
+            <a:extLst>
+              <a:ext uri="{28A0092B-C50C-407E-A947-70E740481C1C}">
+                <a14:useLocalDpi xmlns:a14="http://schemas.microsoft.com/office/drawing/2010/main" val="0"/>
+              </a:ext>
+            </a:extLst>
+          </a:blip>
+          <a:srcRect b="74619"/>
+          <a:stretch>
+            <a:fillRect/>
+          </a:stretch>
+        </p:blipFill>
+        <p:spPr bwMode="auto">
+          <a:xfrm>
+            <a:off x="0" y="6381750"/>
+            <a:ext cx="9144000" cy="476250"/>
+          </a:xfrm>
+          <a:prstGeom prst="rect">
+            <a:avLst/>
+          </a:prstGeom>
+          <a:noFill/>
+          <a:ln>
+            <a:noFill/>
+          </a:ln>
+          <a:extLst>
+            <a:ext uri="{909E8E84-426E-40DD-AFC4-6F175D3DCCD1}">
+              <a14:hiddenFill xmlns:a14="http://schemas.microsoft.com/office/drawing/2010/main">
+                <a:solidFill>
+                  <a:srgbClr val="FFFFFF"/>
+                </a:solidFill>
+              </a14:hiddenFill>
+            </a:ext>
+            <a:ext uri="{91240B29-F687-4F45-9708-019B960494DF}">
+              <a14:hiddenLine xmlns:a14="http://schemas.microsoft.com/office/drawing/2010/main" w="9525">
+                <a:solidFill>
+                  <a:srgbClr val="000000"/>
+                </a:solidFill>
+                <a:miter lim="800000"/>
+                <a:headEnd/>
+                <a:tailEnd/>
+              </a14:hiddenLine>
+            </a:ext>
+          </a:extLst>
+        </p:spPr>
+      </p:pic>
+      <p:pic>
+        <p:nvPicPr>
+          <p:cNvPr id="5123" name="Picture 5" descr="pozadi">
+            <a:extLst>
+              <a:ext uri="{FF2B5EF4-FFF2-40B4-BE49-F238E27FC236}">
+                <a16:creationId xmlns:a16="http://schemas.microsoft.com/office/drawing/2014/main" id="{4136B360-2156-8473-DFE9-3D933DCBA485}"/>
+              </a:ext>
+            </a:extLst>
+          </p:cNvPr>
+          <p:cNvPicPr>
+            <a:picLocks noChangeAspect="1" noChangeArrowheads="1"/>
+          </p:cNvPicPr>
+          <p:nvPr/>
+        </p:nvPicPr>
+        <p:blipFill>
+          <a:blip r:embed="rId3">
+            <a:extLst>
+              <a:ext uri="{28A0092B-C50C-407E-A947-70E740481C1C}">
+                <a14:useLocalDpi xmlns:a14="http://schemas.microsoft.com/office/drawing/2010/main" val="0"/>
+              </a:ext>
+            </a:extLst>
+          </a:blip>
+          <a:srcRect/>
+          <a:stretch>
+            <a:fillRect/>
+          </a:stretch>
+        </p:blipFill>
+        <p:spPr bwMode="auto">
+          <a:xfrm>
+            <a:off x="0" y="0"/>
+            <a:ext cx="9144000" cy="1876425"/>
+          </a:xfrm>
+          <a:prstGeom prst="rect">
+            <a:avLst/>
+          </a:prstGeom>
+          <a:noFill/>
+          <a:ln>
+            <a:noFill/>
+          </a:ln>
+          <a:extLst>
+            <a:ext uri="{909E8E84-426E-40DD-AFC4-6F175D3DCCD1}">
+              <a14:hiddenFill xmlns:a14="http://schemas.microsoft.com/office/drawing/2010/main">
+                <a:solidFill>
+                  <a:srgbClr val="FFFFFF"/>
+                </a:solidFill>
+              </a14:hiddenFill>
+            </a:ext>
+            <a:ext uri="{91240B29-F687-4F45-9708-019B960494DF}">
+              <a14:hiddenLine xmlns:a14="http://schemas.microsoft.com/office/drawing/2010/main" w="9525">
+                <a:solidFill>
+                  <a:srgbClr val="000000"/>
+                </a:solidFill>
+                <a:miter lim="800000"/>
+                <a:headEnd/>
+                <a:tailEnd/>
+              </a14:hiddenLine>
+            </a:ext>
+          </a:extLst>
+        </p:spPr>
+      </p:pic>
       <p:sp>
         <p:nvSpPr>
-          <p:cNvPr id="7175" name="Text Box 10">
+          <p:cNvPr id="5124" name="Text Box 7">
             <a:extLst>
               <a:ext uri="{FF2B5EF4-FFF2-40B4-BE49-F238E27FC236}">
-                <a16:creationId xmlns:a16="http://schemas.microsoft.com/office/drawing/2014/main" id="{56BB1A5E-12EF-2101-45A0-15D5B50FAF08}"/>
+                <a16:creationId xmlns:a16="http://schemas.microsoft.com/office/drawing/2014/main" id="{4D776D95-4927-0A06-38E8-69A1B3664A17}"/>
+              </a:ext>
+            </a:extLst>
+          </p:cNvPr>
+          <p:cNvSpPr txBox="1">
+            <a:spLocks noChangeArrowheads="1"/>
+          </p:cNvSpPr>
+          <p:nvPr/>
+        </p:nvSpPr>
+        <p:spPr bwMode="auto">
+          <a:xfrm>
+            <a:off x="4356100" y="908050"/>
+            <a:ext cx="4537075" cy="279400"/>
+          </a:xfrm>
+          <a:prstGeom prst="rect">
+            <a:avLst/>
+          </a:prstGeom>
+          <a:noFill/>
+          <a:ln>
+            <a:noFill/>
+          </a:ln>
+          <a:effectLst/>
+          <a:extLst>
+            <a:ext uri="{909E8E84-426E-40DD-AFC4-6F175D3DCCD1}">
+              <a14:hiddenFill xmlns:a14="http://schemas.microsoft.com/office/drawing/2010/main">
+                <a:solidFill>
+                  <a:srgbClr val="FFFFFF"/>
+                </a:solidFill>
+              </a14:hiddenFill>
+            </a:ext>
+            <a:ext uri="{91240B29-F687-4F45-9708-019B960494DF}">
+              <a14:hiddenLine xmlns:a14="http://schemas.microsoft.com/office/drawing/2010/main" w="9525">
+                <a:solidFill>
+                  <a:srgbClr val="000000"/>
+                </a:solidFill>
+                <a:round/>
+                <a:headEnd/>
+                <a:tailEnd/>
+              </a14:hiddenLine>
+            </a:ext>
+            <a:ext uri="{AF507438-7753-43E0-B8FC-AC1667EBCBE1}">
+              <a14:hiddenEffects xmlns:a14="http://schemas.microsoft.com/office/drawing/2010/main">
+                <a:effectLst>
+                  <a:outerShdw dist="35921" dir="2700000" algn="ctr" rotWithShape="0">
+                    <a:srgbClr val="808080"/>
+                  </a:outerShdw>
+                </a:effectLst>
+              </a14:hiddenEffects>
+            </a:ext>
+          </a:extLst>
+        </p:spPr>
+        <p:txBody>
+          <a:bodyPr lIns="90000" tIns="46800" rIns="90000" bIns="46800">
+            <a:spAutoFit/>
+          </a:bodyPr>
+          <a:lstStyle>
+            <a:lvl1pPr>
+              <a:lnSpc>
+                <a:spcPct val="76000"/>
+              </a:lnSpc>
+              <a:spcBef>
+                <a:spcPts val="800"/>
+              </a:spcBef>
+              <a:buClr>
+                <a:srgbClr val="000000"/>
+              </a:buClr>
+              <a:buSzPct val="100000"/>
+              <a:buFont typeface="Arial" panose="020B0604020202020204" pitchFamily="34" charset="0"/>
+              <a:buChar char="•"/>
+              <a:tabLst>
+                <a:tab pos="0" algn="l"/>
+                <a:tab pos="447675" algn="l"/>
+                <a:tab pos="896938" algn="l"/>
+                <a:tab pos="1346200" algn="l"/>
+                <a:tab pos="1795463" algn="l"/>
+                <a:tab pos="2244725" algn="l"/>
+                <a:tab pos="2693988" algn="l"/>
+                <a:tab pos="3143250" algn="l"/>
+                <a:tab pos="3592513" algn="l"/>
+                <a:tab pos="4041775" algn="l"/>
+                <a:tab pos="4491038" algn="l"/>
+                <a:tab pos="4940300" algn="l"/>
+                <a:tab pos="5389563" algn="l"/>
+                <a:tab pos="5838825" algn="l"/>
+                <a:tab pos="6288088" algn="l"/>
+                <a:tab pos="6737350" algn="l"/>
+                <a:tab pos="7186613" algn="l"/>
+                <a:tab pos="7635875" algn="l"/>
+                <a:tab pos="8085138" algn="l"/>
+                <a:tab pos="8534400" algn="l"/>
+                <a:tab pos="8983663" algn="l"/>
+              </a:tabLst>
+              <a:defRPr sz="3200">
+                <a:solidFill>
+                  <a:srgbClr val="000000"/>
+                </a:solidFill>
+                <a:latin typeface="Arial" panose="020B0604020202020204" pitchFamily="34" charset="0"/>
+                <a:ea typeface="MS Gothic" panose="020B0609070205080204" pitchFamily="49" charset="-128"/>
+              </a:defRPr>
+            </a:lvl1pPr>
+            <a:lvl2pPr marL="736600" indent="-279400">
+              <a:lnSpc>
+                <a:spcPct val="76000"/>
+              </a:lnSpc>
+              <a:spcBef>
+                <a:spcPts val="700"/>
+              </a:spcBef>
+              <a:buClr>
+                <a:srgbClr val="000000"/>
+              </a:buClr>
+              <a:buSzPct val="100000"/>
+              <a:buFont typeface="Arial" panose="020B0604020202020204" pitchFamily="34" charset="0"/>
+              <a:buChar char="–"/>
+              <a:tabLst>
+                <a:tab pos="0" algn="l"/>
+                <a:tab pos="447675" algn="l"/>
+                <a:tab pos="896938" algn="l"/>
+                <a:tab pos="1346200" algn="l"/>
+                <a:tab pos="1795463" algn="l"/>
+                <a:tab pos="2244725" algn="l"/>
+                <a:tab pos="2693988" algn="l"/>
+                <a:tab pos="3143250" algn="l"/>
+                <a:tab pos="3592513" algn="l"/>
+                <a:tab pos="4041775" algn="l"/>
+                <a:tab pos="4491038" algn="l"/>
+                <a:tab pos="4940300" algn="l"/>
+                <a:tab pos="5389563" algn="l"/>
+                <a:tab pos="5838825" algn="l"/>
+                <a:tab pos="6288088" algn="l"/>
+                <a:tab pos="6737350" algn="l"/>
+                <a:tab pos="7186613" algn="l"/>
+                <a:tab pos="7635875" algn="l"/>
+                <a:tab pos="8085138" algn="l"/>
+                <a:tab pos="8534400" algn="l"/>
+                <a:tab pos="8983663" algn="l"/>
+              </a:tabLst>
+              <a:defRPr sz="2800">
+                <a:solidFill>
+                  <a:srgbClr val="000000"/>
+                </a:solidFill>
+                <a:latin typeface="Arial" panose="020B0604020202020204" pitchFamily="34" charset="0"/>
+                <a:ea typeface="MS Gothic" panose="020B0609070205080204" pitchFamily="49" charset="-128"/>
+              </a:defRPr>
+            </a:lvl2pPr>
+            <a:lvl3pPr marL="1143000" indent="-228600">
+              <a:lnSpc>
+                <a:spcPct val="76000"/>
+              </a:lnSpc>
+              <a:spcBef>
+                <a:spcPts val="600"/>
+              </a:spcBef>
+              <a:buClr>
+                <a:srgbClr val="000000"/>
+              </a:buClr>
+              <a:buSzPct val="100000"/>
+              <a:buFont typeface="Arial" panose="020B0604020202020204" pitchFamily="34" charset="0"/>
+              <a:buChar char="•"/>
+              <a:tabLst>
+                <a:tab pos="0" algn="l"/>
+                <a:tab pos="447675" algn="l"/>
+                <a:tab pos="896938" algn="l"/>
+                <a:tab pos="1346200" algn="l"/>
+                <a:tab pos="1795463" algn="l"/>
+                <a:tab pos="2244725" algn="l"/>
+                <a:tab pos="2693988" algn="l"/>
+                <a:tab pos="3143250" algn="l"/>
+                <a:tab pos="3592513" algn="l"/>
+                <a:tab pos="4041775" algn="l"/>
+                <a:tab pos="4491038" algn="l"/>
+                <a:tab pos="4940300" algn="l"/>
+                <a:tab pos="5389563" algn="l"/>
+                <a:tab pos="5838825" algn="l"/>
+                <a:tab pos="6288088" algn="l"/>
+                <a:tab pos="6737350" algn="l"/>
+                <a:tab pos="7186613" algn="l"/>
+                <a:tab pos="7635875" algn="l"/>
+                <a:tab pos="8085138" algn="l"/>
+                <a:tab pos="8534400" algn="l"/>
+                <a:tab pos="8983663" algn="l"/>
+              </a:tabLst>
+              <a:defRPr sz="2400">
+                <a:solidFill>
+                  <a:srgbClr val="000000"/>
+                </a:solidFill>
+                <a:latin typeface="Arial" panose="020B0604020202020204" pitchFamily="34" charset="0"/>
+                <a:ea typeface="MS Gothic" panose="020B0609070205080204" pitchFamily="49" charset="-128"/>
+              </a:defRPr>
+            </a:lvl3pPr>
+            <a:lvl4pPr marL="1600200" indent="-228600">
+              <a:lnSpc>
+                <a:spcPct val="76000"/>
+              </a:lnSpc>
+              <a:spcBef>
+                <a:spcPts val="500"/>
+              </a:spcBef>
+              <a:buClr>
+                <a:srgbClr val="000000"/>
+              </a:buClr>
+              <a:buSzPct val="100000"/>
+              <a:buFont typeface="Arial" panose="020B0604020202020204" pitchFamily="34" charset="0"/>
+              <a:buChar char="–"/>
+              <a:tabLst>
+                <a:tab pos="0" algn="l"/>
+                <a:tab pos="447675" algn="l"/>
+                <a:tab pos="896938" algn="l"/>
+                <a:tab pos="1346200" algn="l"/>
+                <a:tab pos="1795463" algn="l"/>
+                <a:tab pos="2244725" algn="l"/>
+                <a:tab pos="2693988" algn="l"/>
+                <a:tab pos="3143250" algn="l"/>
+                <a:tab pos="3592513" algn="l"/>
+                <a:tab pos="4041775" algn="l"/>
+                <a:tab pos="4491038" algn="l"/>
+                <a:tab pos="4940300" algn="l"/>
+                <a:tab pos="5389563" algn="l"/>
+                <a:tab pos="5838825" algn="l"/>
+                <a:tab pos="6288088" algn="l"/>
+                <a:tab pos="6737350" algn="l"/>
+                <a:tab pos="7186613" algn="l"/>
+                <a:tab pos="7635875" algn="l"/>
+                <a:tab pos="8085138" algn="l"/>
+                <a:tab pos="8534400" algn="l"/>
+                <a:tab pos="8983663" algn="l"/>
+              </a:tabLst>
+              <a:defRPr sz="2000">
+                <a:solidFill>
+                  <a:srgbClr val="000000"/>
+                </a:solidFill>
+                <a:latin typeface="Arial" panose="020B0604020202020204" pitchFamily="34" charset="0"/>
+                <a:ea typeface="MS Gothic" panose="020B0609070205080204" pitchFamily="49" charset="-128"/>
+              </a:defRPr>
+            </a:lvl4pPr>
+            <a:lvl5pPr marL="2057400" indent="-228600">
+              <a:lnSpc>
+                <a:spcPct val="76000"/>
+              </a:lnSpc>
+              <a:spcBef>
+                <a:spcPts val="500"/>
+              </a:spcBef>
+              <a:buClr>
+                <a:srgbClr val="000000"/>
+              </a:buClr>
+              <a:buSzPct val="100000"/>
+              <a:buFont typeface="Arial" panose="020B0604020202020204" pitchFamily="34" charset="0"/>
+              <a:buChar char="»"/>
+              <a:tabLst>
+                <a:tab pos="0" algn="l"/>
+                <a:tab pos="447675" algn="l"/>
+                <a:tab pos="896938" algn="l"/>
+                <a:tab pos="1346200" algn="l"/>
+                <a:tab pos="1795463" algn="l"/>
+                <a:tab pos="2244725" algn="l"/>
+                <a:tab pos="2693988" algn="l"/>
+                <a:tab pos="3143250" algn="l"/>
+                <a:tab pos="3592513" algn="l"/>
+                <a:tab pos="4041775" algn="l"/>
+                <a:tab pos="4491038" algn="l"/>
+                <a:tab pos="4940300" algn="l"/>
+                <a:tab pos="5389563" algn="l"/>
+                <a:tab pos="5838825" algn="l"/>
+                <a:tab pos="6288088" algn="l"/>
+                <a:tab pos="6737350" algn="l"/>
+                <a:tab pos="7186613" algn="l"/>
+                <a:tab pos="7635875" algn="l"/>
+                <a:tab pos="8085138" algn="l"/>
+                <a:tab pos="8534400" algn="l"/>
+                <a:tab pos="8983663" algn="l"/>
+              </a:tabLst>
+              <a:defRPr sz="2000">
+                <a:solidFill>
+                  <a:srgbClr val="000000"/>
+                </a:solidFill>
+                <a:latin typeface="Arial" panose="020B0604020202020204" pitchFamily="34" charset="0"/>
+                <a:ea typeface="MS Gothic" panose="020B0609070205080204" pitchFamily="49" charset="-128"/>
+              </a:defRPr>
+            </a:lvl5pPr>
+            <a:lvl6pPr marL="2514600" indent="-228600" defTabSz="449263" eaLnBrk="0" fontAlgn="base" hangingPunct="0">
+              <a:lnSpc>
+                <a:spcPct val="76000"/>
+              </a:lnSpc>
+              <a:spcBef>
+                <a:spcPts val="500"/>
+              </a:spcBef>
+              <a:spcAft>
+                <a:spcPct val="0"/>
+              </a:spcAft>
+              <a:buClr>
+                <a:srgbClr val="000000"/>
+              </a:buClr>
+              <a:buSzPct val="100000"/>
+              <a:buFont typeface="Arial" panose="020B0604020202020204" pitchFamily="34" charset="0"/>
+              <a:buChar char="»"/>
+              <a:tabLst>
+                <a:tab pos="0" algn="l"/>
+                <a:tab pos="447675" algn="l"/>
+                <a:tab pos="896938" algn="l"/>
+                <a:tab pos="1346200" algn="l"/>
+                <a:tab pos="1795463" algn="l"/>
+                <a:tab pos="2244725" algn="l"/>
+                <a:tab pos="2693988" algn="l"/>
+                <a:tab pos="3143250" algn="l"/>
+                <a:tab pos="3592513" algn="l"/>
+                <a:tab pos="4041775" algn="l"/>
+                <a:tab pos="4491038" algn="l"/>
+                <a:tab pos="4940300" algn="l"/>
+                <a:tab pos="5389563" algn="l"/>
+                <a:tab pos="5838825" algn="l"/>
+                <a:tab pos="6288088" algn="l"/>
+                <a:tab pos="6737350" algn="l"/>
+                <a:tab pos="7186613" algn="l"/>
+                <a:tab pos="7635875" algn="l"/>
+                <a:tab pos="8085138" algn="l"/>
+                <a:tab pos="8534400" algn="l"/>
+                <a:tab pos="8983663" algn="l"/>
+              </a:tabLst>
+              <a:defRPr sz="2000">
+                <a:solidFill>
+                  <a:srgbClr val="000000"/>
+                </a:solidFill>
+                <a:latin typeface="Arial" panose="020B0604020202020204" pitchFamily="34" charset="0"/>
+                <a:ea typeface="MS Gothic" panose="020B0609070205080204" pitchFamily="49" charset="-128"/>
+              </a:defRPr>
+            </a:lvl6pPr>
+            <a:lvl7pPr marL="2971800" indent="-228600" defTabSz="449263" eaLnBrk="0" fontAlgn="base" hangingPunct="0">
+              <a:lnSpc>
+                <a:spcPct val="76000"/>
+              </a:lnSpc>
+              <a:spcBef>
+                <a:spcPts val="500"/>
+              </a:spcBef>
+              <a:spcAft>
+                <a:spcPct val="0"/>
+              </a:spcAft>
+              <a:buClr>
+                <a:srgbClr val="000000"/>
+              </a:buClr>
+              <a:buSzPct val="100000"/>
+              <a:buFont typeface="Arial" panose="020B0604020202020204" pitchFamily="34" charset="0"/>
+              <a:buChar char="»"/>
+              <a:tabLst>
+                <a:tab pos="0" algn="l"/>
+                <a:tab pos="447675" algn="l"/>
+                <a:tab pos="896938" algn="l"/>
+                <a:tab pos="1346200" algn="l"/>
+                <a:tab pos="1795463" algn="l"/>
+                <a:tab pos="2244725" algn="l"/>
+                <a:tab pos="2693988" algn="l"/>
+                <a:tab pos="3143250" algn="l"/>
+                <a:tab pos="3592513" algn="l"/>
+                <a:tab pos="4041775" algn="l"/>
+                <a:tab pos="4491038" algn="l"/>
+                <a:tab pos="4940300" algn="l"/>
+                <a:tab pos="5389563" algn="l"/>
+                <a:tab pos="5838825" algn="l"/>
+                <a:tab pos="6288088" algn="l"/>
+                <a:tab pos="6737350" algn="l"/>
+                <a:tab pos="7186613" algn="l"/>
+                <a:tab pos="7635875" algn="l"/>
+                <a:tab pos="8085138" algn="l"/>
+                <a:tab pos="8534400" algn="l"/>
+                <a:tab pos="8983663" algn="l"/>
+              </a:tabLst>
+              <a:defRPr sz="2000">
+                <a:solidFill>
+                  <a:srgbClr val="000000"/>
+                </a:solidFill>
+                <a:latin typeface="Arial" panose="020B0604020202020204" pitchFamily="34" charset="0"/>
+                <a:ea typeface="MS Gothic" panose="020B0609070205080204" pitchFamily="49" charset="-128"/>
+              </a:defRPr>
+            </a:lvl7pPr>
+            <a:lvl8pPr marL="3429000" indent="-228600" defTabSz="449263" eaLnBrk="0" fontAlgn="base" hangingPunct="0">
+              <a:lnSpc>
+                <a:spcPct val="76000"/>
+              </a:lnSpc>
+              <a:spcBef>
+                <a:spcPts val="500"/>
+              </a:spcBef>
+              <a:spcAft>
+                <a:spcPct val="0"/>
+              </a:spcAft>
+              <a:buClr>
+                <a:srgbClr val="000000"/>
+              </a:buClr>
+              <a:buSzPct val="100000"/>
+              <a:buFont typeface="Arial" panose="020B0604020202020204" pitchFamily="34" charset="0"/>
+              <a:buChar char="»"/>
+              <a:tabLst>
+                <a:tab pos="0" algn="l"/>
+                <a:tab pos="447675" algn="l"/>
+                <a:tab pos="896938" algn="l"/>
+                <a:tab pos="1346200" algn="l"/>
+                <a:tab pos="1795463" algn="l"/>
+                <a:tab pos="2244725" algn="l"/>
+                <a:tab pos="2693988" algn="l"/>
+                <a:tab pos="3143250" algn="l"/>
+                <a:tab pos="3592513" algn="l"/>
+                <a:tab pos="4041775" algn="l"/>
+                <a:tab pos="4491038" algn="l"/>
+                <a:tab pos="4940300" algn="l"/>
+                <a:tab pos="5389563" algn="l"/>
+                <a:tab pos="5838825" algn="l"/>
+                <a:tab pos="6288088" algn="l"/>
+                <a:tab pos="6737350" algn="l"/>
+                <a:tab pos="7186613" algn="l"/>
+                <a:tab pos="7635875" algn="l"/>
+                <a:tab pos="8085138" algn="l"/>
+                <a:tab pos="8534400" algn="l"/>
+                <a:tab pos="8983663" algn="l"/>
+              </a:tabLst>
+              <a:defRPr sz="2000">
+                <a:solidFill>
+                  <a:srgbClr val="000000"/>
+                </a:solidFill>
+                <a:latin typeface="Arial" panose="020B0604020202020204" pitchFamily="34" charset="0"/>
+                <a:ea typeface="MS Gothic" panose="020B0609070205080204" pitchFamily="49" charset="-128"/>
+              </a:defRPr>
+            </a:lvl8pPr>
+            <a:lvl9pPr marL="3886200" indent="-228600" defTabSz="449263" eaLnBrk="0" fontAlgn="base" hangingPunct="0">
+              <a:lnSpc>
+                <a:spcPct val="76000"/>
+              </a:lnSpc>
+              <a:spcBef>
+                <a:spcPts val="500"/>
+              </a:spcBef>
+              <a:spcAft>
+                <a:spcPct val="0"/>
+              </a:spcAft>
+              <a:buClr>
+                <a:srgbClr val="000000"/>
+              </a:buClr>
+              <a:buSzPct val="100000"/>
+              <a:buFont typeface="Arial" panose="020B0604020202020204" pitchFamily="34" charset="0"/>
+              <a:buChar char="»"/>
+              <a:tabLst>
+                <a:tab pos="0" algn="l"/>
+                <a:tab pos="447675" algn="l"/>
+                <a:tab pos="896938" algn="l"/>
+                <a:tab pos="1346200" algn="l"/>
+                <a:tab pos="1795463" algn="l"/>
+                <a:tab pos="2244725" algn="l"/>
+                <a:tab pos="2693988" algn="l"/>
+                <a:tab pos="3143250" algn="l"/>
+                <a:tab pos="3592513" algn="l"/>
+                <a:tab pos="4041775" algn="l"/>
+                <a:tab pos="4491038" algn="l"/>
+                <a:tab pos="4940300" algn="l"/>
+                <a:tab pos="5389563" algn="l"/>
+                <a:tab pos="5838825" algn="l"/>
+                <a:tab pos="6288088" algn="l"/>
+                <a:tab pos="6737350" algn="l"/>
+                <a:tab pos="7186613" algn="l"/>
+                <a:tab pos="7635875" algn="l"/>
+                <a:tab pos="8085138" algn="l"/>
+                <a:tab pos="8534400" algn="l"/>
+                <a:tab pos="8983663" algn="l"/>
+              </a:tabLst>
+              <a:defRPr sz="2000">
+                <a:solidFill>
+                  <a:srgbClr val="000000"/>
+                </a:solidFill>
+                <a:latin typeface="Arial" panose="020B0604020202020204" pitchFamily="34" charset="0"/>
+                <a:ea typeface="MS Gothic" panose="020B0609070205080204" pitchFamily="49" charset="-128"/>
+              </a:defRPr>
+            </a:lvl9pPr>
+          </a:lstStyle>
+          <a:p>
+            <a:pPr algn="r" eaLnBrk="1" hangingPunct="1">
+              <a:lnSpc>
+                <a:spcPct val="100000"/>
+              </a:lnSpc>
+              <a:spcBef>
+                <a:spcPts val="750"/>
+              </a:spcBef>
+              <a:buFont typeface="Arial" panose="020B0604020202020204" pitchFamily="34" charset="0"/>
+              <a:buNone/>
+            </a:pPr>
+            <a:r>
+              <a:rPr lang="pl-PL" altLang="cs-CZ" sz="1200" b="1" dirty="0"/>
+              <a:t>Návrh a realizace kontrolního systému na WiFi síti</a:t>
+            </a:r>
+            <a:endParaRPr lang="en-GB" altLang="cs-CZ" sz="1200" dirty="0"/>
+          </a:p>
+        </p:txBody>
+      </p:sp>
+      <p:sp>
+        <p:nvSpPr>
+          <p:cNvPr id="5125" name="Text Box 8">
+            <a:extLst>
+              <a:ext uri="{FF2B5EF4-FFF2-40B4-BE49-F238E27FC236}">
+                <a16:creationId xmlns:a16="http://schemas.microsoft.com/office/drawing/2014/main" id="{E69EC263-CEED-4BAA-9CF5-B4716D5723BA}"/>
+              </a:ext>
+            </a:extLst>
+          </p:cNvPr>
+          <p:cNvSpPr txBox="1">
+            <a:spLocks noChangeArrowheads="1"/>
+          </p:cNvSpPr>
+          <p:nvPr/>
+        </p:nvSpPr>
+        <p:spPr bwMode="auto">
+          <a:xfrm>
+            <a:off x="827088" y="1800000"/>
+            <a:ext cx="7561336" cy="1859293"/>
+          </a:xfrm>
+          <a:prstGeom prst="rect">
+            <a:avLst/>
+          </a:prstGeom>
+          <a:noFill/>
+          <a:ln>
+            <a:noFill/>
+          </a:ln>
+          <a:effectLst/>
+          <a:extLst>
+            <a:ext uri="{909E8E84-426E-40DD-AFC4-6F175D3DCCD1}">
+              <a14:hiddenFill xmlns:a14="http://schemas.microsoft.com/office/drawing/2010/main">
+                <a:solidFill>
+                  <a:srgbClr val="FFFFFF"/>
+                </a:solidFill>
+              </a14:hiddenFill>
+            </a:ext>
+            <a:ext uri="{91240B29-F687-4F45-9708-019B960494DF}">
+              <a14:hiddenLine xmlns:a14="http://schemas.microsoft.com/office/drawing/2010/main" w="9525" algn="ctr">
+                <a:solidFill>
+                  <a:srgbClr val="000000"/>
+                </a:solidFill>
+                <a:miter lim="800000"/>
+                <a:headEnd/>
+                <a:tailEnd/>
+              </a14:hiddenLine>
+            </a:ext>
+            <a:ext uri="{AF507438-7753-43E0-B8FC-AC1667EBCBE1}">
+              <a14:hiddenEffects xmlns:a14="http://schemas.microsoft.com/office/drawing/2010/main">
+                <a:effectLst>
+                  <a:outerShdw dist="35921" dir="2700000" algn="ctr" rotWithShape="0">
+                    <a:srgbClr val="808080"/>
+                  </a:outerShdw>
+                </a:effectLst>
+              </a14:hiddenEffects>
+            </a:ext>
+          </a:extLst>
+        </p:spPr>
+        <p:txBody>
+          <a:bodyPr wrap="square" lIns="90000" tIns="46800" rIns="90000" bIns="46800">
+            <a:spAutoFit/>
+          </a:bodyPr>
+          <a:lstStyle>
+            <a:lvl1pPr>
+              <a:lnSpc>
+                <a:spcPct val="76000"/>
+              </a:lnSpc>
+              <a:spcBef>
+                <a:spcPts val="800"/>
+              </a:spcBef>
+              <a:buClr>
+                <a:srgbClr val="000000"/>
+              </a:buClr>
+              <a:buSzPct val="100000"/>
+              <a:buFont typeface="Arial" panose="020B0604020202020204" pitchFamily="34" charset="0"/>
+              <a:buChar char="•"/>
+              <a:tabLst>
+                <a:tab pos="0" algn="l"/>
+                <a:tab pos="447675" algn="l"/>
+                <a:tab pos="896938" algn="l"/>
+                <a:tab pos="1346200" algn="l"/>
+                <a:tab pos="1795463" algn="l"/>
+                <a:tab pos="2244725" algn="l"/>
+                <a:tab pos="2693988" algn="l"/>
+                <a:tab pos="3143250" algn="l"/>
+                <a:tab pos="3592513" algn="l"/>
+                <a:tab pos="4041775" algn="l"/>
+                <a:tab pos="4491038" algn="l"/>
+                <a:tab pos="4940300" algn="l"/>
+                <a:tab pos="5389563" algn="l"/>
+                <a:tab pos="5838825" algn="l"/>
+                <a:tab pos="6288088" algn="l"/>
+                <a:tab pos="6737350" algn="l"/>
+                <a:tab pos="7186613" algn="l"/>
+                <a:tab pos="7635875" algn="l"/>
+                <a:tab pos="8085138" algn="l"/>
+                <a:tab pos="8534400" algn="l"/>
+                <a:tab pos="8983663" algn="l"/>
+              </a:tabLst>
+              <a:defRPr sz="3200">
+                <a:solidFill>
+                  <a:srgbClr val="000000"/>
+                </a:solidFill>
+                <a:latin typeface="Arial" panose="020B0604020202020204" pitchFamily="34" charset="0"/>
+                <a:ea typeface="MS Gothic" panose="020B0609070205080204" pitchFamily="49" charset="-128"/>
+              </a:defRPr>
+            </a:lvl1pPr>
+            <a:lvl2pPr marL="736600" indent="-279400">
+              <a:lnSpc>
+                <a:spcPct val="76000"/>
+              </a:lnSpc>
+              <a:spcBef>
+                <a:spcPts val="700"/>
+              </a:spcBef>
+              <a:buClr>
+                <a:srgbClr val="000000"/>
+              </a:buClr>
+              <a:buSzPct val="100000"/>
+              <a:buFont typeface="Arial" panose="020B0604020202020204" pitchFamily="34" charset="0"/>
+              <a:buChar char="–"/>
+              <a:tabLst>
+                <a:tab pos="0" algn="l"/>
+                <a:tab pos="447675" algn="l"/>
+                <a:tab pos="896938" algn="l"/>
+                <a:tab pos="1346200" algn="l"/>
+                <a:tab pos="1795463" algn="l"/>
+                <a:tab pos="2244725" algn="l"/>
+                <a:tab pos="2693988" algn="l"/>
+                <a:tab pos="3143250" algn="l"/>
+                <a:tab pos="3592513" algn="l"/>
+                <a:tab pos="4041775" algn="l"/>
+                <a:tab pos="4491038" algn="l"/>
+                <a:tab pos="4940300" algn="l"/>
+                <a:tab pos="5389563" algn="l"/>
+                <a:tab pos="5838825" algn="l"/>
+                <a:tab pos="6288088" algn="l"/>
+                <a:tab pos="6737350" algn="l"/>
+                <a:tab pos="7186613" algn="l"/>
+                <a:tab pos="7635875" algn="l"/>
+                <a:tab pos="8085138" algn="l"/>
+                <a:tab pos="8534400" algn="l"/>
+                <a:tab pos="8983663" algn="l"/>
+              </a:tabLst>
+              <a:defRPr sz="2800">
+                <a:solidFill>
+                  <a:srgbClr val="000000"/>
+                </a:solidFill>
+                <a:latin typeface="Arial" panose="020B0604020202020204" pitchFamily="34" charset="0"/>
+                <a:ea typeface="MS Gothic" panose="020B0609070205080204" pitchFamily="49" charset="-128"/>
+              </a:defRPr>
+            </a:lvl2pPr>
+            <a:lvl3pPr marL="1143000" indent="-228600">
+              <a:lnSpc>
+                <a:spcPct val="76000"/>
+              </a:lnSpc>
+              <a:spcBef>
+                <a:spcPts val="600"/>
+              </a:spcBef>
+              <a:buClr>
+                <a:srgbClr val="000000"/>
+              </a:buClr>
+              <a:buSzPct val="100000"/>
+              <a:buFont typeface="Arial" panose="020B0604020202020204" pitchFamily="34" charset="0"/>
+              <a:buChar char="•"/>
+              <a:tabLst>
+                <a:tab pos="0" algn="l"/>
+                <a:tab pos="447675" algn="l"/>
+                <a:tab pos="896938" algn="l"/>
+                <a:tab pos="1346200" algn="l"/>
+                <a:tab pos="1795463" algn="l"/>
+                <a:tab pos="2244725" algn="l"/>
+                <a:tab pos="2693988" algn="l"/>
+                <a:tab pos="3143250" algn="l"/>
+                <a:tab pos="3592513" algn="l"/>
+                <a:tab pos="4041775" algn="l"/>
+                <a:tab pos="4491038" algn="l"/>
+                <a:tab pos="4940300" algn="l"/>
+                <a:tab pos="5389563" algn="l"/>
+                <a:tab pos="5838825" algn="l"/>
+                <a:tab pos="6288088" algn="l"/>
+                <a:tab pos="6737350" algn="l"/>
+                <a:tab pos="7186613" algn="l"/>
+                <a:tab pos="7635875" algn="l"/>
+                <a:tab pos="8085138" algn="l"/>
+                <a:tab pos="8534400" algn="l"/>
+                <a:tab pos="8983663" algn="l"/>
+              </a:tabLst>
+              <a:defRPr sz="2400">
+                <a:solidFill>
+                  <a:srgbClr val="000000"/>
+                </a:solidFill>
+                <a:latin typeface="Arial" panose="020B0604020202020204" pitchFamily="34" charset="0"/>
+                <a:ea typeface="MS Gothic" panose="020B0609070205080204" pitchFamily="49" charset="-128"/>
+              </a:defRPr>
+            </a:lvl3pPr>
+            <a:lvl4pPr marL="1600200" indent="-228600">
+              <a:lnSpc>
+                <a:spcPct val="76000"/>
+              </a:lnSpc>
+              <a:spcBef>
+                <a:spcPts val="500"/>
+              </a:spcBef>
+              <a:buClr>
+                <a:srgbClr val="000000"/>
+              </a:buClr>
+              <a:buSzPct val="100000"/>
+              <a:buFont typeface="Arial" panose="020B0604020202020204" pitchFamily="34" charset="0"/>
+              <a:buChar char="–"/>
+              <a:tabLst>
+                <a:tab pos="0" algn="l"/>
+                <a:tab pos="447675" algn="l"/>
+                <a:tab pos="896938" algn="l"/>
+                <a:tab pos="1346200" algn="l"/>
+                <a:tab pos="1795463" algn="l"/>
+                <a:tab pos="2244725" algn="l"/>
+                <a:tab pos="2693988" algn="l"/>
+                <a:tab pos="3143250" algn="l"/>
+                <a:tab pos="3592513" algn="l"/>
+                <a:tab pos="4041775" algn="l"/>
+                <a:tab pos="4491038" algn="l"/>
+                <a:tab pos="4940300" algn="l"/>
+                <a:tab pos="5389563" algn="l"/>
+                <a:tab pos="5838825" algn="l"/>
+                <a:tab pos="6288088" algn="l"/>
+                <a:tab pos="6737350" algn="l"/>
+                <a:tab pos="7186613" algn="l"/>
+                <a:tab pos="7635875" algn="l"/>
+                <a:tab pos="8085138" algn="l"/>
+                <a:tab pos="8534400" algn="l"/>
+                <a:tab pos="8983663" algn="l"/>
+              </a:tabLst>
+              <a:defRPr sz="2000">
+                <a:solidFill>
+                  <a:srgbClr val="000000"/>
+                </a:solidFill>
+                <a:latin typeface="Arial" panose="020B0604020202020204" pitchFamily="34" charset="0"/>
+                <a:ea typeface="MS Gothic" panose="020B0609070205080204" pitchFamily="49" charset="-128"/>
+              </a:defRPr>
+            </a:lvl4pPr>
+            <a:lvl5pPr marL="2057400" indent="-228600">
+              <a:lnSpc>
+                <a:spcPct val="76000"/>
+              </a:lnSpc>
+              <a:spcBef>
+                <a:spcPts val="500"/>
+              </a:spcBef>
+              <a:buClr>
+                <a:srgbClr val="000000"/>
+              </a:buClr>
+              <a:buSzPct val="100000"/>
+              <a:buFont typeface="Arial" panose="020B0604020202020204" pitchFamily="34" charset="0"/>
+              <a:buChar char="»"/>
+              <a:tabLst>
+                <a:tab pos="0" algn="l"/>
+                <a:tab pos="447675" algn="l"/>
+                <a:tab pos="896938" algn="l"/>
+                <a:tab pos="1346200" algn="l"/>
+                <a:tab pos="1795463" algn="l"/>
+                <a:tab pos="2244725" algn="l"/>
+                <a:tab pos="2693988" algn="l"/>
+                <a:tab pos="3143250" algn="l"/>
+                <a:tab pos="3592513" algn="l"/>
+                <a:tab pos="4041775" algn="l"/>
+                <a:tab pos="4491038" algn="l"/>
+                <a:tab pos="4940300" algn="l"/>
+                <a:tab pos="5389563" algn="l"/>
+                <a:tab pos="5838825" algn="l"/>
+                <a:tab pos="6288088" algn="l"/>
+                <a:tab pos="6737350" algn="l"/>
+                <a:tab pos="7186613" algn="l"/>
+                <a:tab pos="7635875" algn="l"/>
+                <a:tab pos="8085138" algn="l"/>
+                <a:tab pos="8534400" algn="l"/>
+                <a:tab pos="8983663" algn="l"/>
+              </a:tabLst>
+              <a:defRPr sz="2000">
+                <a:solidFill>
+                  <a:srgbClr val="000000"/>
+                </a:solidFill>
+                <a:latin typeface="Arial" panose="020B0604020202020204" pitchFamily="34" charset="0"/>
+                <a:ea typeface="MS Gothic" panose="020B0609070205080204" pitchFamily="49" charset="-128"/>
+              </a:defRPr>
+            </a:lvl5pPr>
+            <a:lvl6pPr marL="2514600" indent="-228600" defTabSz="449263" eaLnBrk="0" fontAlgn="base" hangingPunct="0">
+              <a:lnSpc>
+                <a:spcPct val="76000"/>
+              </a:lnSpc>
+              <a:spcBef>
+                <a:spcPts val="500"/>
+              </a:spcBef>
+              <a:spcAft>
+                <a:spcPct val="0"/>
+              </a:spcAft>
+              <a:buClr>
+                <a:srgbClr val="000000"/>
+              </a:buClr>
+              <a:buSzPct val="100000"/>
+              <a:buFont typeface="Arial" panose="020B0604020202020204" pitchFamily="34" charset="0"/>
+              <a:buChar char="»"/>
+              <a:tabLst>
+                <a:tab pos="0" algn="l"/>
+                <a:tab pos="447675" algn="l"/>
+                <a:tab pos="896938" algn="l"/>
+                <a:tab pos="1346200" algn="l"/>
+                <a:tab pos="1795463" algn="l"/>
+                <a:tab pos="2244725" algn="l"/>
+                <a:tab pos="2693988" algn="l"/>
+                <a:tab pos="3143250" algn="l"/>
+                <a:tab pos="3592513" algn="l"/>
+                <a:tab pos="4041775" algn="l"/>
+                <a:tab pos="4491038" algn="l"/>
+                <a:tab pos="4940300" algn="l"/>
+                <a:tab pos="5389563" algn="l"/>
+                <a:tab pos="5838825" algn="l"/>
+                <a:tab pos="6288088" algn="l"/>
+                <a:tab pos="6737350" algn="l"/>
+                <a:tab pos="7186613" algn="l"/>
+                <a:tab pos="7635875" algn="l"/>
+                <a:tab pos="8085138" algn="l"/>
+                <a:tab pos="8534400" algn="l"/>
+                <a:tab pos="8983663" algn="l"/>
+              </a:tabLst>
+              <a:defRPr sz="2000">
+                <a:solidFill>
+                  <a:srgbClr val="000000"/>
+                </a:solidFill>
+                <a:latin typeface="Arial" panose="020B0604020202020204" pitchFamily="34" charset="0"/>
+                <a:ea typeface="MS Gothic" panose="020B0609070205080204" pitchFamily="49" charset="-128"/>
+              </a:defRPr>
+            </a:lvl6pPr>
+            <a:lvl7pPr marL="2971800" indent="-228600" defTabSz="449263" eaLnBrk="0" fontAlgn="base" hangingPunct="0">
+              <a:lnSpc>
+                <a:spcPct val="76000"/>
+              </a:lnSpc>
+              <a:spcBef>
+                <a:spcPts val="500"/>
+              </a:spcBef>
+              <a:spcAft>
+                <a:spcPct val="0"/>
+              </a:spcAft>
+              <a:buClr>
+                <a:srgbClr val="000000"/>
+              </a:buClr>
+              <a:buSzPct val="100000"/>
+              <a:buFont typeface="Arial" panose="020B0604020202020204" pitchFamily="34" charset="0"/>
+              <a:buChar char="»"/>
+              <a:tabLst>
+                <a:tab pos="0" algn="l"/>
+                <a:tab pos="447675" algn="l"/>
+                <a:tab pos="896938" algn="l"/>
+                <a:tab pos="1346200" algn="l"/>
+                <a:tab pos="1795463" algn="l"/>
+                <a:tab pos="2244725" algn="l"/>
+                <a:tab pos="2693988" algn="l"/>
+                <a:tab pos="3143250" algn="l"/>
+                <a:tab pos="3592513" algn="l"/>
+                <a:tab pos="4041775" algn="l"/>
+                <a:tab pos="4491038" algn="l"/>
+                <a:tab pos="4940300" algn="l"/>
+                <a:tab pos="5389563" algn="l"/>
+                <a:tab pos="5838825" algn="l"/>
+                <a:tab pos="6288088" algn="l"/>
+                <a:tab pos="6737350" algn="l"/>
+                <a:tab pos="7186613" algn="l"/>
+                <a:tab pos="7635875" algn="l"/>
+                <a:tab pos="8085138" algn="l"/>
+                <a:tab pos="8534400" algn="l"/>
+                <a:tab pos="8983663" algn="l"/>
+              </a:tabLst>
+              <a:defRPr sz="2000">
+                <a:solidFill>
+                  <a:srgbClr val="000000"/>
+                </a:solidFill>
+                <a:latin typeface="Arial" panose="020B0604020202020204" pitchFamily="34" charset="0"/>
+                <a:ea typeface="MS Gothic" panose="020B0609070205080204" pitchFamily="49" charset="-128"/>
+              </a:defRPr>
+            </a:lvl7pPr>
+            <a:lvl8pPr marL="3429000" indent="-228600" defTabSz="449263" eaLnBrk="0" fontAlgn="base" hangingPunct="0">
+              <a:lnSpc>
+                <a:spcPct val="76000"/>
+              </a:lnSpc>
+              <a:spcBef>
+                <a:spcPts val="500"/>
+              </a:spcBef>
+              <a:spcAft>
+                <a:spcPct val="0"/>
+              </a:spcAft>
+              <a:buClr>
+                <a:srgbClr val="000000"/>
+              </a:buClr>
+              <a:buSzPct val="100000"/>
+              <a:buFont typeface="Arial" panose="020B0604020202020204" pitchFamily="34" charset="0"/>
+              <a:buChar char="»"/>
+              <a:tabLst>
+                <a:tab pos="0" algn="l"/>
+                <a:tab pos="447675" algn="l"/>
+                <a:tab pos="896938" algn="l"/>
+                <a:tab pos="1346200" algn="l"/>
+                <a:tab pos="1795463" algn="l"/>
+                <a:tab pos="2244725" algn="l"/>
+                <a:tab pos="2693988" algn="l"/>
+                <a:tab pos="3143250" algn="l"/>
+                <a:tab pos="3592513" algn="l"/>
+                <a:tab pos="4041775" algn="l"/>
+                <a:tab pos="4491038" algn="l"/>
+                <a:tab pos="4940300" algn="l"/>
+                <a:tab pos="5389563" algn="l"/>
+                <a:tab pos="5838825" algn="l"/>
+                <a:tab pos="6288088" algn="l"/>
+                <a:tab pos="6737350" algn="l"/>
+                <a:tab pos="7186613" algn="l"/>
+                <a:tab pos="7635875" algn="l"/>
+                <a:tab pos="8085138" algn="l"/>
+                <a:tab pos="8534400" algn="l"/>
+                <a:tab pos="8983663" algn="l"/>
+              </a:tabLst>
+              <a:defRPr sz="2000">
+                <a:solidFill>
+                  <a:srgbClr val="000000"/>
+                </a:solidFill>
+                <a:latin typeface="Arial" panose="020B0604020202020204" pitchFamily="34" charset="0"/>
+                <a:ea typeface="MS Gothic" panose="020B0609070205080204" pitchFamily="49" charset="-128"/>
+              </a:defRPr>
+            </a:lvl8pPr>
+            <a:lvl9pPr marL="3886200" indent="-228600" defTabSz="449263" eaLnBrk="0" fontAlgn="base" hangingPunct="0">
+              <a:lnSpc>
+                <a:spcPct val="76000"/>
+              </a:lnSpc>
+              <a:spcBef>
+                <a:spcPts val="500"/>
+              </a:spcBef>
+              <a:spcAft>
+                <a:spcPct val="0"/>
+              </a:spcAft>
+              <a:buClr>
+                <a:srgbClr val="000000"/>
+              </a:buClr>
+              <a:buSzPct val="100000"/>
+              <a:buFont typeface="Arial" panose="020B0604020202020204" pitchFamily="34" charset="0"/>
+              <a:buChar char="»"/>
+              <a:tabLst>
+                <a:tab pos="0" algn="l"/>
+                <a:tab pos="447675" algn="l"/>
+                <a:tab pos="896938" algn="l"/>
+                <a:tab pos="1346200" algn="l"/>
+                <a:tab pos="1795463" algn="l"/>
+                <a:tab pos="2244725" algn="l"/>
+                <a:tab pos="2693988" algn="l"/>
+                <a:tab pos="3143250" algn="l"/>
+                <a:tab pos="3592513" algn="l"/>
+                <a:tab pos="4041775" algn="l"/>
+                <a:tab pos="4491038" algn="l"/>
+                <a:tab pos="4940300" algn="l"/>
+                <a:tab pos="5389563" algn="l"/>
+                <a:tab pos="5838825" algn="l"/>
+                <a:tab pos="6288088" algn="l"/>
+                <a:tab pos="6737350" algn="l"/>
+                <a:tab pos="7186613" algn="l"/>
+                <a:tab pos="7635875" algn="l"/>
+                <a:tab pos="8085138" algn="l"/>
+                <a:tab pos="8534400" algn="l"/>
+                <a:tab pos="8983663" algn="l"/>
+              </a:tabLst>
+              <a:defRPr sz="2000">
+                <a:solidFill>
+                  <a:srgbClr val="000000"/>
+                </a:solidFill>
+                <a:latin typeface="Arial" panose="020B0604020202020204" pitchFamily="34" charset="0"/>
+                <a:ea typeface="MS Gothic" panose="020B0609070205080204" pitchFamily="49" charset="-128"/>
+              </a:defRPr>
+            </a:lvl9pPr>
+          </a:lstStyle>
+          <a:p>
+            <a:pPr algn="just" eaLnBrk="1" hangingPunct="1">
+              <a:spcBef>
+                <a:spcPct val="50000"/>
+              </a:spcBef>
+              <a:buFont typeface="Arial" panose="020B0604020202020204" pitchFamily="34" charset="0"/>
+              <a:buNone/>
+            </a:pPr>
+            <a:r>
+              <a:rPr lang="cs-CZ" altLang="cs-CZ" sz="1800" b="1" dirty="0">
+                <a:solidFill>
+                  <a:schemeClr val="tx1"/>
+                </a:solidFill>
+              </a:rPr>
+              <a:t>Otázka 3: V závěru uvádíte, že vizualizace nebyla implementována. Jakým způsobem byste tuto vizualizaci realizoval a co by k tomu bylo potřeba?</a:t>
+            </a:r>
+          </a:p>
+          <a:p>
+            <a:pPr marL="285750" indent="-285750" algn="just" eaLnBrk="1" hangingPunct="1">
+              <a:lnSpc>
+                <a:spcPct val="150000"/>
+              </a:lnSpc>
+              <a:spcBef>
+                <a:spcPct val="50000"/>
+              </a:spcBef>
+            </a:pPr>
+            <a:r>
+              <a:rPr lang="cs-CZ" altLang="cs-CZ" sz="1400" b="1" dirty="0">
+                <a:solidFill>
+                  <a:schemeClr val="tx1"/>
+                </a:solidFill>
+              </a:rPr>
+              <a:t>Implementoval bych jí jako graf</a:t>
+            </a:r>
+          </a:p>
+          <a:p>
+            <a:pPr marL="285750" indent="-285750" algn="just" eaLnBrk="1" hangingPunct="1">
+              <a:lnSpc>
+                <a:spcPct val="150000"/>
+              </a:lnSpc>
+              <a:spcBef>
+                <a:spcPct val="50000"/>
+              </a:spcBef>
+            </a:pPr>
+            <a:r>
+              <a:rPr lang="cs-CZ" altLang="cs-CZ" sz="1400" b="1" dirty="0">
+                <a:solidFill>
+                  <a:schemeClr val="tx1"/>
+                </a:solidFill>
+              </a:rPr>
+              <a:t>Byla by potřeba knihovna třetí strany obsahující graf</a:t>
+            </a:r>
+          </a:p>
+          <a:p>
+            <a:pPr algn="just" eaLnBrk="1" hangingPunct="1">
+              <a:spcBef>
+                <a:spcPct val="50000"/>
+              </a:spcBef>
+              <a:buFont typeface="Arial" panose="020B0604020202020204" pitchFamily="34" charset="0"/>
+              <a:buNone/>
+            </a:pPr>
+            <a:endParaRPr lang="cs-CZ" altLang="cs-CZ" sz="1400" dirty="0">
+              <a:solidFill>
+                <a:schemeClr val="tx1"/>
+              </a:solidFill>
+            </a:endParaRPr>
+          </a:p>
+        </p:txBody>
+      </p:sp>
+      <p:sp>
+        <p:nvSpPr>
+          <p:cNvPr id="5126" name="Text Box 10">
+            <a:extLst>
+              <a:ext uri="{FF2B5EF4-FFF2-40B4-BE49-F238E27FC236}">
+                <a16:creationId xmlns:a16="http://schemas.microsoft.com/office/drawing/2014/main" id="{466E2CDD-EC12-72F5-E89C-09775B20225A}"/>
               </a:ext>
             </a:extLst>
           </p:cNvPr>
@@ -23401,7 +26023,501 @@
           </a:p>
         </p:txBody>
       </p:sp>
+      <p:sp>
+        <p:nvSpPr>
+          <p:cNvPr id="5128" name="Text Box 8">
+            <a:extLst>
+              <a:ext uri="{FF2B5EF4-FFF2-40B4-BE49-F238E27FC236}">
+                <a16:creationId xmlns:a16="http://schemas.microsoft.com/office/drawing/2014/main" id="{9069A6E0-B882-BCAC-8412-B2F13962EBC3}"/>
+              </a:ext>
+            </a:extLst>
+          </p:cNvPr>
+          <p:cNvSpPr txBox="1">
+            <a:spLocks noChangeArrowheads="1"/>
+          </p:cNvSpPr>
+          <p:nvPr/>
+        </p:nvSpPr>
+        <p:spPr bwMode="auto">
+          <a:xfrm>
+            <a:off x="6877050" y="6524625"/>
+            <a:ext cx="2160588" cy="211138"/>
+          </a:xfrm>
+          <a:prstGeom prst="rect">
+            <a:avLst/>
+          </a:prstGeom>
+          <a:noFill/>
+          <a:ln>
+            <a:noFill/>
+          </a:ln>
+          <a:effectLst/>
+          <a:extLst>
+            <a:ext uri="{909E8E84-426E-40DD-AFC4-6F175D3DCCD1}">
+              <a14:hiddenFill xmlns:a14="http://schemas.microsoft.com/office/drawing/2010/main">
+                <a:solidFill>
+                  <a:srgbClr val="FFFFFF"/>
+                </a:solidFill>
+              </a14:hiddenFill>
+            </a:ext>
+            <a:ext uri="{91240B29-F687-4F45-9708-019B960494DF}">
+              <a14:hiddenLine xmlns:a14="http://schemas.microsoft.com/office/drawing/2010/main" w="9525" algn="ctr">
+                <a:solidFill>
+                  <a:srgbClr val="000000"/>
+                </a:solidFill>
+                <a:miter lim="800000"/>
+                <a:headEnd/>
+                <a:tailEnd/>
+              </a14:hiddenLine>
+            </a:ext>
+            <a:ext uri="{AF507438-7753-43E0-B8FC-AC1667EBCBE1}">
+              <a14:hiddenEffects xmlns:a14="http://schemas.microsoft.com/office/drawing/2010/main">
+                <a:effectLst>
+                  <a:outerShdw dist="35921" dir="2700000" algn="ctr" rotWithShape="0">
+                    <a:srgbClr val="808080"/>
+                  </a:outerShdw>
+                </a:effectLst>
+              </a14:hiddenEffects>
+            </a:ext>
+          </a:extLst>
+        </p:spPr>
+        <p:txBody>
+          <a:bodyPr lIns="90000" tIns="46800" rIns="90000" bIns="46800">
+            <a:spAutoFit/>
+          </a:bodyPr>
+          <a:lstStyle>
+            <a:lvl1pPr>
+              <a:lnSpc>
+                <a:spcPct val="76000"/>
+              </a:lnSpc>
+              <a:spcBef>
+                <a:spcPts val="800"/>
+              </a:spcBef>
+              <a:buClr>
+                <a:srgbClr val="000000"/>
+              </a:buClr>
+              <a:buSzPct val="100000"/>
+              <a:buFont typeface="Arial" panose="020B0604020202020204" pitchFamily="34" charset="0"/>
+              <a:buChar char="•"/>
+              <a:tabLst>
+                <a:tab pos="0" algn="l"/>
+                <a:tab pos="447675" algn="l"/>
+                <a:tab pos="896938" algn="l"/>
+                <a:tab pos="1346200" algn="l"/>
+                <a:tab pos="1795463" algn="l"/>
+                <a:tab pos="2244725" algn="l"/>
+                <a:tab pos="2693988" algn="l"/>
+                <a:tab pos="3143250" algn="l"/>
+                <a:tab pos="3592513" algn="l"/>
+                <a:tab pos="4041775" algn="l"/>
+                <a:tab pos="4491038" algn="l"/>
+                <a:tab pos="4940300" algn="l"/>
+                <a:tab pos="5389563" algn="l"/>
+                <a:tab pos="5838825" algn="l"/>
+                <a:tab pos="6288088" algn="l"/>
+                <a:tab pos="6737350" algn="l"/>
+                <a:tab pos="7186613" algn="l"/>
+                <a:tab pos="7635875" algn="l"/>
+                <a:tab pos="8085138" algn="l"/>
+                <a:tab pos="8534400" algn="l"/>
+                <a:tab pos="8983663" algn="l"/>
+              </a:tabLst>
+              <a:defRPr sz="3200">
+                <a:solidFill>
+                  <a:srgbClr val="000000"/>
+                </a:solidFill>
+                <a:latin typeface="Arial" panose="020B0604020202020204" pitchFamily="34" charset="0"/>
+                <a:ea typeface="MS Gothic" panose="020B0609070205080204" pitchFamily="49" charset="-128"/>
+              </a:defRPr>
+            </a:lvl1pPr>
+            <a:lvl2pPr marL="736600" indent="-279400">
+              <a:lnSpc>
+                <a:spcPct val="76000"/>
+              </a:lnSpc>
+              <a:spcBef>
+                <a:spcPts val="700"/>
+              </a:spcBef>
+              <a:buClr>
+                <a:srgbClr val="000000"/>
+              </a:buClr>
+              <a:buSzPct val="100000"/>
+              <a:buFont typeface="Arial" panose="020B0604020202020204" pitchFamily="34" charset="0"/>
+              <a:buChar char="–"/>
+              <a:tabLst>
+                <a:tab pos="0" algn="l"/>
+                <a:tab pos="447675" algn="l"/>
+                <a:tab pos="896938" algn="l"/>
+                <a:tab pos="1346200" algn="l"/>
+                <a:tab pos="1795463" algn="l"/>
+                <a:tab pos="2244725" algn="l"/>
+                <a:tab pos="2693988" algn="l"/>
+                <a:tab pos="3143250" algn="l"/>
+                <a:tab pos="3592513" algn="l"/>
+                <a:tab pos="4041775" algn="l"/>
+                <a:tab pos="4491038" algn="l"/>
+                <a:tab pos="4940300" algn="l"/>
+                <a:tab pos="5389563" algn="l"/>
+                <a:tab pos="5838825" algn="l"/>
+                <a:tab pos="6288088" algn="l"/>
+                <a:tab pos="6737350" algn="l"/>
+                <a:tab pos="7186613" algn="l"/>
+                <a:tab pos="7635875" algn="l"/>
+                <a:tab pos="8085138" algn="l"/>
+                <a:tab pos="8534400" algn="l"/>
+                <a:tab pos="8983663" algn="l"/>
+              </a:tabLst>
+              <a:defRPr sz="2800">
+                <a:solidFill>
+                  <a:srgbClr val="000000"/>
+                </a:solidFill>
+                <a:latin typeface="Arial" panose="020B0604020202020204" pitchFamily="34" charset="0"/>
+                <a:ea typeface="MS Gothic" panose="020B0609070205080204" pitchFamily="49" charset="-128"/>
+              </a:defRPr>
+            </a:lvl2pPr>
+            <a:lvl3pPr marL="1143000" indent="-228600">
+              <a:lnSpc>
+                <a:spcPct val="76000"/>
+              </a:lnSpc>
+              <a:spcBef>
+                <a:spcPts val="600"/>
+              </a:spcBef>
+              <a:buClr>
+                <a:srgbClr val="000000"/>
+              </a:buClr>
+              <a:buSzPct val="100000"/>
+              <a:buFont typeface="Arial" panose="020B0604020202020204" pitchFamily="34" charset="0"/>
+              <a:buChar char="•"/>
+              <a:tabLst>
+                <a:tab pos="0" algn="l"/>
+                <a:tab pos="447675" algn="l"/>
+                <a:tab pos="896938" algn="l"/>
+                <a:tab pos="1346200" algn="l"/>
+                <a:tab pos="1795463" algn="l"/>
+                <a:tab pos="2244725" algn="l"/>
+                <a:tab pos="2693988" algn="l"/>
+                <a:tab pos="3143250" algn="l"/>
+                <a:tab pos="3592513" algn="l"/>
+                <a:tab pos="4041775" algn="l"/>
+                <a:tab pos="4491038" algn="l"/>
+                <a:tab pos="4940300" algn="l"/>
+                <a:tab pos="5389563" algn="l"/>
+                <a:tab pos="5838825" algn="l"/>
+                <a:tab pos="6288088" algn="l"/>
+                <a:tab pos="6737350" algn="l"/>
+                <a:tab pos="7186613" algn="l"/>
+                <a:tab pos="7635875" algn="l"/>
+                <a:tab pos="8085138" algn="l"/>
+                <a:tab pos="8534400" algn="l"/>
+                <a:tab pos="8983663" algn="l"/>
+              </a:tabLst>
+              <a:defRPr sz="2400">
+                <a:solidFill>
+                  <a:srgbClr val="000000"/>
+                </a:solidFill>
+                <a:latin typeface="Arial" panose="020B0604020202020204" pitchFamily="34" charset="0"/>
+                <a:ea typeface="MS Gothic" panose="020B0609070205080204" pitchFamily="49" charset="-128"/>
+              </a:defRPr>
+            </a:lvl3pPr>
+            <a:lvl4pPr marL="1600200" indent="-228600">
+              <a:lnSpc>
+                <a:spcPct val="76000"/>
+              </a:lnSpc>
+              <a:spcBef>
+                <a:spcPts val="500"/>
+              </a:spcBef>
+              <a:buClr>
+                <a:srgbClr val="000000"/>
+              </a:buClr>
+              <a:buSzPct val="100000"/>
+              <a:buFont typeface="Arial" panose="020B0604020202020204" pitchFamily="34" charset="0"/>
+              <a:buChar char="–"/>
+              <a:tabLst>
+                <a:tab pos="0" algn="l"/>
+                <a:tab pos="447675" algn="l"/>
+                <a:tab pos="896938" algn="l"/>
+                <a:tab pos="1346200" algn="l"/>
+                <a:tab pos="1795463" algn="l"/>
+                <a:tab pos="2244725" algn="l"/>
+                <a:tab pos="2693988" algn="l"/>
+                <a:tab pos="3143250" algn="l"/>
+                <a:tab pos="3592513" algn="l"/>
+                <a:tab pos="4041775" algn="l"/>
+                <a:tab pos="4491038" algn="l"/>
+                <a:tab pos="4940300" algn="l"/>
+                <a:tab pos="5389563" algn="l"/>
+                <a:tab pos="5838825" algn="l"/>
+                <a:tab pos="6288088" algn="l"/>
+                <a:tab pos="6737350" algn="l"/>
+                <a:tab pos="7186613" algn="l"/>
+                <a:tab pos="7635875" algn="l"/>
+                <a:tab pos="8085138" algn="l"/>
+                <a:tab pos="8534400" algn="l"/>
+                <a:tab pos="8983663" algn="l"/>
+              </a:tabLst>
+              <a:defRPr sz="2000">
+                <a:solidFill>
+                  <a:srgbClr val="000000"/>
+                </a:solidFill>
+                <a:latin typeface="Arial" panose="020B0604020202020204" pitchFamily="34" charset="0"/>
+                <a:ea typeface="MS Gothic" panose="020B0609070205080204" pitchFamily="49" charset="-128"/>
+              </a:defRPr>
+            </a:lvl4pPr>
+            <a:lvl5pPr marL="2057400" indent="-228600">
+              <a:lnSpc>
+                <a:spcPct val="76000"/>
+              </a:lnSpc>
+              <a:spcBef>
+                <a:spcPts val="500"/>
+              </a:spcBef>
+              <a:buClr>
+                <a:srgbClr val="000000"/>
+              </a:buClr>
+              <a:buSzPct val="100000"/>
+              <a:buFont typeface="Arial" panose="020B0604020202020204" pitchFamily="34" charset="0"/>
+              <a:buChar char="»"/>
+              <a:tabLst>
+                <a:tab pos="0" algn="l"/>
+                <a:tab pos="447675" algn="l"/>
+                <a:tab pos="896938" algn="l"/>
+                <a:tab pos="1346200" algn="l"/>
+                <a:tab pos="1795463" algn="l"/>
+                <a:tab pos="2244725" algn="l"/>
+                <a:tab pos="2693988" algn="l"/>
+                <a:tab pos="3143250" algn="l"/>
+                <a:tab pos="3592513" algn="l"/>
+                <a:tab pos="4041775" algn="l"/>
+                <a:tab pos="4491038" algn="l"/>
+                <a:tab pos="4940300" algn="l"/>
+                <a:tab pos="5389563" algn="l"/>
+                <a:tab pos="5838825" algn="l"/>
+                <a:tab pos="6288088" algn="l"/>
+                <a:tab pos="6737350" algn="l"/>
+                <a:tab pos="7186613" algn="l"/>
+                <a:tab pos="7635875" algn="l"/>
+                <a:tab pos="8085138" algn="l"/>
+                <a:tab pos="8534400" algn="l"/>
+                <a:tab pos="8983663" algn="l"/>
+              </a:tabLst>
+              <a:defRPr sz="2000">
+                <a:solidFill>
+                  <a:srgbClr val="000000"/>
+                </a:solidFill>
+                <a:latin typeface="Arial" panose="020B0604020202020204" pitchFamily="34" charset="0"/>
+                <a:ea typeface="MS Gothic" panose="020B0609070205080204" pitchFamily="49" charset="-128"/>
+              </a:defRPr>
+            </a:lvl5pPr>
+            <a:lvl6pPr marL="2514600" indent="-228600" defTabSz="449263" eaLnBrk="0" fontAlgn="base" hangingPunct="0">
+              <a:lnSpc>
+                <a:spcPct val="76000"/>
+              </a:lnSpc>
+              <a:spcBef>
+                <a:spcPts val="500"/>
+              </a:spcBef>
+              <a:spcAft>
+                <a:spcPct val="0"/>
+              </a:spcAft>
+              <a:buClr>
+                <a:srgbClr val="000000"/>
+              </a:buClr>
+              <a:buSzPct val="100000"/>
+              <a:buFont typeface="Arial" panose="020B0604020202020204" pitchFamily="34" charset="0"/>
+              <a:buChar char="»"/>
+              <a:tabLst>
+                <a:tab pos="0" algn="l"/>
+                <a:tab pos="447675" algn="l"/>
+                <a:tab pos="896938" algn="l"/>
+                <a:tab pos="1346200" algn="l"/>
+                <a:tab pos="1795463" algn="l"/>
+                <a:tab pos="2244725" algn="l"/>
+                <a:tab pos="2693988" algn="l"/>
+                <a:tab pos="3143250" algn="l"/>
+                <a:tab pos="3592513" algn="l"/>
+                <a:tab pos="4041775" algn="l"/>
+                <a:tab pos="4491038" algn="l"/>
+                <a:tab pos="4940300" algn="l"/>
+                <a:tab pos="5389563" algn="l"/>
+                <a:tab pos="5838825" algn="l"/>
+                <a:tab pos="6288088" algn="l"/>
+                <a:tab pos="6737350" algn="l"/>
+                <a:tab pos="7186613" algn="l"/>
+                <a:tab pos="7635875" algn="l"/>
+                <a:tab pos="8085138" algn="l"/>
+                <a:tab pos="8534400" algn="l"/>
+                <a:tab pos="8983663" algn="l"/>
+              </a:tabLst>
+              <a:defRPr sz="2000">
+                <a:solidFill>
+                  <a:srgbClr val="000000"/>
+                </a:solidFill>
+                <a:latin typeface="Arial" panose="020B0604020202020204" pitchFamily="34" charset="0"/>
+                <a:ea typeface="MS Gothic" panose="020B0609070205080204" pitchFamily="49" charset="-128"/>
+              </a:defRPr>
+            </a:lvl6pPr>
+            <a:lvl7pPr marL="2971800" indent="-228600" defTabSz="449263" eaLnBrk="0" fontAlgn="base" hangingPunct="0">
+              <a:lnSpc>
+                <a:spcPct val="76000"/>
+              </a:lnSpc>
+              <a:spcBef>
+                <a:spcPts val="500"/>
+              </a:spcBef>
+              <a:spcAft>
+                <a:spcPct val="0"/>
+              </a:spcAft>
+              <a:buClr>
+                <a:srgbClr val="000000"/>
+              </a:buClr>
+              <a:buSzPct val="100000"/>
+              <a:buFont typeface="Arial" panose="020B0604020202020204" pitchFamily="34" charset="0"/>
+              <a:buChar char="»"/>
+              <a:tabLst>
+                <a:tab pos="0" algn="l"/>
+                <a:tab pos="447675" algn="l"/>
+                <a:tab pos="896938" algn="l"/>
+                <a:tab pos="1346200" algn="l"/>
+                <a:tab pos="1795463" algn="l"/>
+                <a:tab pos="2244725" algn="l"/>
+                <a:tab pos="2693988" algn="l"/>
+                <a:tab pos="3143250" algn="l"/>
+                <a:tab pos="3592513" algn="l"/>
+                <a:tab pos="4041775" algn="l"/>
+                <a:tab pos="4491038" algn="l"/>
+                <a:tab pos="4940300" algn="l"/>
+                <a:tab pos="5389563" algn="l"/>
+                <a:tab pos="5838825" algn="l"/>
+                <a:tab pos="6288088" algn="l"/>
+                <a:tab pos="6737350" algn="l"/>
+                <a:tab pos="7186613" algn="l"/>
+                <a:tab pos="7635875" algn="l"/>
+                <a:tab pos="8085138" algn="l"/>
+                <a:tab pos="8534400" algn="l"/>
+                <a:tab pos="8983663" algn="l"/>
+              </a:tabLst>
+              <a:defRPr sz="2000">
+                <a:solidFill>
+                  <a:srgbClr val="000000"/>
+                </a:solidFill>
+                <a:latin typeface="Arial" panose="020B0604020202020204" pitchFamily="34" charset="0"/>
+                <a:ea typeface="MS Gothic" panose="020B0609070205080204" pitchFamily="49" charset="-128"/>
+              </a:defRPr>
+            </a:lvl7pPr>
+            <a:lvl8pPr marL="3429000" indent="-228600" defTabSz="449263" eaLnBrk="0" fontAlgn="base" hangingPunct="0">
+              <a:lnSpc>
+                <a:spcPct val="76000"/>
+              </a:lnSpc>
+              <a:spcBef>
+                <a:spcPts val="500"/>
+              </a:spcBef>
+              <a:spcAft>
+                <a:spcPct val="0"/>
+              </a:spcAft>
+              <a:buClr>
+                <a:srgbClr val="000000"/>
+              </a:buClr>
+              <a:buSzPct val="100000"/>
+              <a:buFont typeface="Arial" panose="020B0604020202020204" pitchFamily="34" charset="0"/>
+              <a:buChar char="»"/>
+              <a:tabLst>
+                <a:tab pos="0" algn="l"/>
+                <a:tab pos="447675" algn="l"/>
+                <a:tab pos="896938" algn="l"/>
+                <a:tab pos="1346200" algn="l"/>
+                <a:tab pos="1795463" algn="l"/>
+                <a:tab pos="2244725" algn="l"/>
+                <a:tab pos="2693988" algn="l"/>
+                <a:tab pos="3143250" algn="l"/>
+                <a:tab pos="3592513" algn="l"/>
+                <a:tab pos="4041775" algn="l"/>
+                <a:tab pos="4491038" algn="l"/>
+                <a:tab pos="4940300" algn="l"/>
+                <a:tab pos="5389563" algn="l"/>
+                <a:tab pos="5838825" algn="l"/>
+                <a:tab pos="6288088" algn="l"/>
+                <a:tab pos="6737350" algn="l"/>
+                <a:tab pos="7186613" algn="l"/>
+                <a:tab pos="7635875" algn="l"/>
+                <a:tab pos="8085138" algn="l"/>
+                <a:tab pos="8534400" algn="l"/>
+                <a:tab pos="8983663" algn="l"/>
+              </a:tabLst>
+              <a:defRPr sz="2000">
+                <a:solidFill>
+                  <a:srgbClr val="000000"/>
+                </a:solidFill>
+                <a:latin typeface="Arial" panose="020B0604020202020204" pitchFamily="34" charset="0"/>
+                <a:ea typeface="MS Gothic" panose="020B0609070205080204" pitchFamily="49" charset="-128"/>
+              </a:defRPr>
+            </a:lvl8pPr>
+            <a:lvl9pPr marL="3886200" indent="-228600" defTabSz="449263" eaLnBrk="0" fontAlgn="base" hangingPunct="0">
+              <a:lnSpc>
+                <a:spcPct val="76000"/>
+              </a:lnSpc>
+              <a:spcBef>
+                <a:spcPts val="500"/>
+              </a:spcBef>
+              <a:spcAft>
+                <a:spcPct val="0"/>
+              </a:spcAft>
+              <a:buClr>
+                <a:srgbClr val="000000"/>
+              </a:buClr>
+              <a:buSzPct val="100000"/>
+              <a:buFont typeface="Arial" panose="020B0604020202020204" pitchFamily="34" charset="0"/>
+              <a:buChar char="»"/>
+              <a:tabLst>
+                <a:tab pos="0" algn="l"/>
+                <a:tab pos="447675" algn="l"/>
+                <a:tab pos="896938" algn="l"/>
+                <a:tab pos="1346200" algn="l"/>
+                <a:tab pos="1795463" algn="l"/>
+                <a:tab pos="2244725" algn="l"/>
+                <a:tab pos="2693988" algn="l"/>
+                <a:tab pos="3143250" algn="l"/>
+                <a:tab pos="3592513" algn="l"/>
+                <a:tab pos="4041775" algn="l"/>
+                <a:tab pos="4491038" algn="l"/>
+                <a:tab pos="4940300" algn="l"/>
+                <a:tab pos="5389563" algn="l"/>
+                <a:tab pos="5838825" algn="l"/>
+                <a:tab pos="6288088" algn="l"/>
+                <a:tab pos="6737350" algn="l"/>
+                <a:tab pos="7186613" algn="l"/>
+                <a:tab pos="7635875" algn="l"/>
+                <a:tab pos="8085138" algn="l"/>
+                <a:tab pos="8534400" algn="l"/>
+                <a:tab pos="8983663" algn="l"/>
+              </a:tabLst>
+              <a:defRPr sz="2000">
+                <a:solidFill>
+                  <a:srgbClr val="000000"/>
+                </a:solidFill>
+                <a:latin typeface="Arial" panose="020B0604020202020204" pitchFamily="34" charset="0"/>
+                <a:ea typeface="MS Gothic" panose="020B0609070205080204" pitchFamily="49" charset="-128"/>
+              </a:defRPr>
+            </a:lvl9pPr>
+          </a:lstStyle>
+          <a:p>
+            <a:pPr algn="r" eaLnBrk="1" hangingPunct="1">
+              <a:spcBef>
+                <a:spcPct val="50000"/>
+              </a:spcBef>
+              <a:buFont typeface="Arial" panose="020B0604020202020204" pitchFamily="34" charset="0"/>
+              <a:buNone/>
+            </a:pPr>
+            <a:r>
+              <a:rPr lang="cs-CZ" altLang="cs-CZ" sz="1000" dirty="0">
+                <a:solidFill>
+                  <a:schemeClr val="bg1"/>
+                </a:solidFill>
+              </a:rPr>
+              <a:t>Bc. Martin Novák</a:t>
+            </a:r>
+          </a:p>
+        </p:txBody>
+      </p:sp>
     </p:spTree>
+    <p:extLst>
+      <p:ext uri="{BB962C8B-B14F-4D97-AF65-F5344CB8AC3E}">
+        <p14:creationId xmlns:p14="http://schemas.microsoft.com/office/powerpoint/2010/main" val="3683516004"/>
+      </p:ext>
+    </p:extLst>
   </p:cSld>
   <p:clrMapOvr>
     <a:masterClrMapping/>
@@ -28565,7 +31681,7 @@
         <p:spPr bwMode="auto">
           <a:xfrm>
             <a:off x="827088" y="1800000"/>
-            <a:ext cx="6913562" cy="1438280"/>
+            <a:ext cx="6913562" cy="1869167"/>
           </a:xfrm>
           <a:prstGeom prst="rect">
             <a:avLst/>
@@ -29069,6 +32185,24 @@
                 </a:solidFill>
               </a:rPr>
               <a:t>Specifikace funkcí systému podle cílů práce</a:t>
+            </a:r>
+          </a:p>
+          <a:p>
+            <a:pPr marL="285750" indent="-285750" algn="just" eaLnBrk="1" hangingPunct="1">
+              <a:lnSpc>
+                <a:spcPct val="150000"/>
+              </a:lnSpc>
+              <a:spcBef>
+                <a:spcPct val="50000"/>
+              </a:spcBef>
+            </a:pPr>
+            <a:r>
+              <a:rPr lang="cs-CZ" altLang="cs-CZ" sz="1400" b="1" dirty="0">
+                <a:solidFill>
+                  <a:schemeClr val="tx1"/>
+                </a:solidFill>
+              </a:rPr>
+              <a:t>Návrh a realizace</a:t>
             </a:r>
           </a:p>
           <a:p>
@@ -41897,7 +45031,7 @@
           <p:nvPr>
             <p:extLst>
               <p:ext uri="{D42A27DB-BD31-4B8C-83A1-F6EECF244321}">
-                <p14:modId xmlns:p14="http://schemas.microsoft.com/office/powerpoint/2010/main" val="3189218832"/>
+                <p14:modId xmlns:p14="http://schemas.microsoft.com/office/powerpoint/2010/main" val="1783720869"/>
               </p:ext>
             </p:extLst>
           </p:nvPr>
@@ -41982,7 +45116,7 @@
                     <a:p>
                       <a:r>
                         <a:rPr lang="cs-CZ" dirty="0"/>
-                        <a:t>1x 10b 0-3,3V</a:t>
+                        <a:t>1x 10b 0-3,3 V</a:t>
                       </a:r>
                     </a:p>
                   </a:txBody>
@@ -42048,7 +45182,7 @@
                     <a:p>
                       <a:r>
                         <a:rPr lang="cs-CZ" dirty="0"/>
-                        <a:t>80MHz</a:t>
+                        <a:t>80 MHz</a:t>
                       </a:r>
                     </a:p>
                   </a:txBody>
@@ -42082,7 +45216,7 @@
                     <a:p>
                       <a:r>
                         <a:rPr lang="cs-CZ" dirty="0"/>
-                        <a:t>4MB</a:t>
+                        <a:t>4 MB</a:t>
                       </a:r>
                     </a:p>
                   </a:txBody>
@@ -42115,7 +45249,7 @@
                     <a:p>
                       <a:r>
                         <a:rPr lang="cs-CZ" dirty="0"/>
-                        <a:t>64kB</a:t>
+                        <a:t>64 kB</a:t>
                       </a:r>
                     </a:p>
                   </a:txBody>

--- a/prezentace/xnovm288-obhajoba (sablona urna).pptx
+++ b/prezentace/xnovm288-obhajoba (sablona urna).pptx
@@ -5,7 +5,7 @@
     <p:sldMasterId id="2147483648" r:id="rId1"/>
   </p:sldMasterIdLst>
   <p:notesMasterIdLst>
-    <p:notesMasterId r:id="rId15"/>
+    <p:notesMasterId r:id="rId16"/>
   </p:notesMasterIdLst>
   <p:sldIdLst>
     <p:sldId id="256" r:id="rId2"/>
@@ -18,9 +18,10 @@
     <p:sldId id="289" r:id="rId9"/>
     <p:sldId id="292" r:id="rId10"/>
     <p:sldId id="283" r:id="rId11"/>
-    <p:sldId id="291" r:id="rId12"/>
-    <p:sldId id="295" r:id="rId13"/>
-    <p:sldId id="296" r:id="rId14"/>
+    <p:sldId id="297" r:id="rId12"/>
+    <p:sldId id="291" r:id="rId13"/>
+    <p:sldId id="295" r:id="rId14"/>
+    <p:sldId id="296" r:id="rId15"/>
   </p:sldIdLst>
   <p:sldSz cx="9144000" cy="6858000" type="screen4x3"/>
   <p:notesSz cx="6858000" cy="9144000"/>
@@ -3290,6 +3291,776 @@
         <p:cNvPr id="1" name="">
           <a:extLst>
             <a:ext uri="{FF2B5EF4-FFF2-40B4-BE49-F238E27FC236}">
+              <a16:creationId xmlns:a16="http://schemas.microsoft.com/office/drawing/2014/main" id="{D93C4828-C8EF-2026-F9C3-B4848D56221C}"/>
+            </a:ext>
+          </a:extLst>
+        </p:cNvPr>
+        <p:cNvGrpSpPr/>
+        <p:nvPr/>
+      </p:nvGrpSpPr>
+      <p:grpSpPr>
+        <a:xfrm>
+          <a:off x="0" y="0"/>
+          <a:ext cx="0" cy="0"/>
+          <a:chOff x="0" y="0"/>
+          <a:chExt cx="0" cy="0"/>
+        </a:xfrm>
+      </p:grpSpPr>
+      <p:sp>
+        <p:nvSpPr>
+          <p:cNvPr id="6146" name="Rectangle 10">
+            <a:extLst>
+              <a:ext uri="{FF2B5EF4-FFF2-40B4-BE49-F238E27FC236}">
+                <a16:creationId xmlns:a16="http://schemas.microsoft.com/office/drawing/2014/main" id="{89EDDCA8-A616-00C6-5DED-64FD68CC619F}"/>
+              </a:ext>
+            </a:extLst>
+          </p:cNvPr>
+          <p:cNvSpPr>
+            <a:spLocks noGrp="1" noChangeArrowheads="1"/>
+          </p:cNvSpPr>
+          <p:nvPr>
+            <p:ph type="sldNum" sz="quarter"/>
+          </p:nvPr>
+        </p:nvSpPr>
+        <p:spPr>
+          <a:noFill/>
+          <a:extLst>
+            <a:ext uri="{909E8E84-426E-40DD-AFC4-6F175D3DCCD1}">
+              <a14:hiddenFill xmlns:a14="http://schemas.microsoft.com/office/drawing/2010/main">
+                <a:solidFill>
+                  <a:srgbClr val="FFFFFF"/>
+                </a:solidFill>
+              </a14:hiddenFill>
+            </a:ext>
+            <a:ext uri="{91240B29-F687-4F45-9708-019B960494DF}">
+              <a14:hiddenLine xmlns:a14="http://schemas.microsoft.com/office/drawing/2010/main" w="9525">
+                <a:solidFill>
+                  <a:srgbClr val="000000"/>
+                </a:solidFill>
+                <a:round/>
+                <a:headEnd/>
+                <a:tailEnd/>
+              </a14:hiddenLine>
+            </a:ext>
+            <a:ext uri="{AF507438-7753-43E0-B8FC-AC1667EBCBE1}">
+              <a14:hiddenEffects xmlns:a14="http://schemas.microsoft.com/office/drawing/2010/main">
+                <a:effectLst>
+                  <a:outerShdw dist="35921" dir="2700000" algn="ctr" rotWithShape="0">
+                    <a:schemeClr val="bg2"/>
+                  </a:outerShdw>
+                </a:effectLst>
+              </a14:hiddenEffects>
+            </a:ext>
+          </a:extLst>
+        </p:spPr>
+        <p:txBody>
+          <a:bodyPr/>
+          <a:lstStyle>
+            <a:lvl1pPr>
+              <a:spcBef>
+                <a:spcPct val="30000"/>
+              </a:spcBef>
+              <a:buClr>
+                <a:srgbClr val="000000"/>
+              </a:buClr>
+              <a:buSzPct val="100000"/>
+              <a:buFont typeface="Times New Roman" panose="02020603050405020304" pitchFamily="18" charset="0"/>
+              <a:tabLst>
+                <a:tab pos="0" algn="l"/>
+                <a:tab pos="447675" algn="l"/>
+                <a:tab pos="896938" algn="l"/>
+                <a:tab pos="1346200" algn="l"/>
+                <a:tab pos="1795463" algn="l"/>
+                <a:tab pos="2244725" algn="l"/>
+                <a:tab pos="2693988" algn="l"/>
+                <a:tab pos="3143250" algn="l"/>
+                <a:tab pos="3592513" algn="l"/>
+                <a:tab pos="4041775" algn="l"/>
+                <a:tab pos="4491038" algn="l"/>
+                <a:tab pos="4940300" algn="l"/>
+                <a:tab pos="5389563" algn="l"/>
+                <a:tab pos="5838825" algn="l"/>
+                <a:tab pos="6288088" algn="l"/>
+                <a:tab pos="6737350" algn="l"/>
+                <a:tab pos="7186613" algn="l"/>
+                <a:tab pos="7635875" algn="l"/>
+                <a:tab pos="8085138" algn="l"/>
+                <a:tab pos="8534400" algn="l"/>
+                <a:tab pos="8983663" algn="l"/>
+              </a:tabLst>
+              <a:defRPr sz="1200">
+                <a:solidFill>
+                  <a:srgbClr val="000000"/>
+                </a:solidFill>
+                <a:latin typeface="Times New Roman" panose="02020603050405020304" pitchFamily="18" charset="0"/>
+              </a:defRPr>
+            </a:lvl1pPr>
+            <a:lvl2pPr marL="742950" indent="-285750">
+              <a:spcBef>
+                <a:spcPct val="30000"/>
+              </a:spcBef>
+              <a:buClr>
+                <a:srgbClr val="000000"/>
+              </a:buClr>
+              <a:buSzPct val="100000"/>
+              <a:buFont typeface="Times New Roman" panose="02020603050405020304" pitchFamily="18" charset="0"/>
+              <a:tabLst>
+                <a:tab pos="0" algn="l"/>
+                <a:tab pos="447675" algn="l"/>
+                <a:tab pos="896938" algn="l"/>
+                <a:tab pos="1346200" algn="l"/>
+                <a:tab pos="1795463" algn="l"/>
+                <a:tab pos="2244725" algn="l"/>
+                <a:tab pos="2693988" algn="l"/>
+                <a:tab pos="3143250" algn="l"/>
+                <a:tab pos="3592513" algn="l"/>
+                <a:tab pos="4041775" algn="l"/>
+                <a:tab pos="4491038" algn="l"/>
+                <a:tab pos="4940300" algn="l"/>
+                <a:tab pos="5389563" algn="l"/>
+                <a:tab pos="5838825" algn="l"/>
+                <a:tab pos="6288088" algn="l"/>
+                <a:tab pos="6737350" algn="l"/>
+                <a:tab pos="7186613" algn="l"/>
+                <a:tab pos="7635875" algn="l"/>
+                <a:tab pos="8085138" algn="l"/>
+                <a:tab pos="8534400" algn="l"/>
+                <a:tab pos="8983663" algn="l"/>
+              </a:tabLst>
+              <a:defRPr sz="1200">
+                <a:solidFill>
+                  <a:srgbClr val="000000"/>
+                </a:solidFill>
+                <a:latin typeface="Times New Roman" panose="02020603050405020304" pitchFamily="18" charset="0"/>
+              </a:defRPr>
+            </a:lvl2pPr>
+            <a:lvl3pPr marL="1143000" indent="-228600">
+              <a:spcBef>
+                <a:spcPct val="30000"/>
+              </a:spcBef>
+              <a:buClr>
+                <a:srgbClr val="000000"/>
+              </a:buClr>
+              <a:buSzPct val="100000"/>
+              <a:buFont typeface="Times New Roman" panose="02020603050405020304" pitchFamily="18" charset="0"/>
+              <a:tabLst>
+                <a:tab pos="0" algn="l"/>
+                <a:tab pos="447675" algn="l"/>
+                <a:tab pos="896938" algn="l"/>
+                <a:tab pos="1346200" algn="l"/>
+                <a:tab pos="1795463" algn="l"/>
+                <a:tab pos="2244725" algn="l"/>
+                <a:tab pos="2693988" algn="l"/>
+                <a:tab pos="3143250" algn="l"/>
+                <a:tab pos="3592513" algn="l"/>
+                <a:tab pos="4041775" algn="l"/>
+                <a:tab pos="4491038" algn="l"/>
+                <a:tab pos="4940300" algn="l"/>
+                <a:tab pos="5389563" algn="l"/>
+                <a:tab pos="5838825" algn="l"/>
+                <a:tab pos="6288088" algn="l"/>
+                <a:tab pos="6737350" algn="l"/>
+                <a:tab pos="7186613" algn="l"/>
+                <a:tab pos="7635875" algn="l"/>
+                <a:tab pos="8085138" algn="l"/>
+                <a:tab pos="8534400" algn="l"/>
+                <a:tab pos="8983663" algn="l"/>
+              </a:tabLst>
+              <a:defRPr sz="1200">
+                <a:solidFill>
+                  <a:srgbClr val="000000"/>
+                </a:solidFill>
+                <a:latin typeface="Times New Roman" panose="02020603050405020304" pitchFamily="18" charset="0"/>
+              </a:defRPr>
+            </a:lvl3pPr>
+            <a:lvl4pPr marL="1600200" indent="-228600">
+              <a:spcBef>
+                <a:spcPct val="30000"/>
+              </a:spcBef>
+              <a:buClr>
+                <a:srgbClr val="000000"/>
+              </a:buClr>
+              <a:buSzPct val="100000"/>
+              <a:buFont typeface="Times New Roman" panose="02020603050405020304" pitchFamily="18" charset="0"/>
+              <a:tabLst>
+                <a:tab pos="0" algn="l"/>
+                <a:tab pos="447675" algn="l"/>
+                <a:tab pos="896938" algn="l"/>
+                <a:tab pos="1346200" algn="l"/>
+                <a:tab pos="1795463" algn="l"/>
+                <a:tab pos="2244725" algn="l"/>
+                <a:tab pos="2693988" algn="l"/>
+                <a:tab pos="3143250" algn="l"/>
+                <a:tab pos="3592513" algn="l"/>
+                <a:tab pos="4041775" algn="l"/>
+                <a:tab pos="4491038" algn="l"/>
+                <a:tab pos="4940300" algn="l"/>
+                <a:tab pos="5389563" algn="l"/>
+                <a:tab pos="5838825" algn="l"/>
+                <a:tab pos="6288088" algn="l"/>
+                <a:tab pos="6737350" algn="l"/>
+                <a:tab pos="7186613" algn="l"/>
+                <a:tab pos="7635875" algn="l"/>
+                <a:tab pos="8085138" algn="l"/>
+                <a:tab pos="8534400" algn="l"/>
+                <a:tab pos="8983663" algn="l"/>
+              </a:tabLst>
+              <a:defRPr sz="1200">
+                <a:solidFill>
+                  <a:srgbClr val="000000"/>
+                </a:solidFill>
+                <a:latin typeface="Times New Roman" panose="02020603050405020304" pitchFamily="18" charset="0"/>
+              </a:defRPr>
+            </a:lvl4pPr>
+            <a:lvl5pPr marL="2057400" indent="-228600">
+              <a:spcBef>
+                <a:spcPct val="30000"/>
+              </a:spcBef>
+              <a:buClr>
+                <a:srgbClr val="000000"/>
+              </a:buClr>
+              <a:buSzPct val="100000"/>
+              <a:buFont typeface="Times New Roman" panose="02020603050405020304" pitchFamily="18" charset="0"/>
+              <a:tabLst>
+                <a:tab pos="0" algn="l"/>
+                <a:tab pos="447675" algn="l"/>
+                <a:tab pos="896938" algn="l"/>
+                <a:tab pos="1346200" algn="l"/>
+                <a:tab pos="1795463" algn="l"/>
+                <a:tab pos="2244725" algn="l"/>
+                <a:tab pos="2693988" algn="l"/>
+                <a:tab pos="3143250" algn="l"/>
+                <a:tab pos="3592513" algn="l"/>
+                <a:tab pos="4041775" algn="l"/>
+                <a:tab pos="4491038" algn="l"/>
+                <a:tab pos="4940300" algn="l"/>
+                <a:tab pos="5389563" algn="l"/>
+                <a:tab pos="5838825" algn="l"/>
+                <a:tab pos="6288088" algn="l"/>
+                <a:tab pos="6737350" algn="l"/>
+                <a:tab pos="7186613" algn="l"/>
+                <a:tab pos="7635875" algn="l"/>
+                <a:tab pos="8085138" algn="l"/>
+                <a:tab pos="8534400" algn="l"/>
+                <a:tab pos="8983663" algn="l"/>
+              </a:tabLst>
+              <a:defRPr sz="1200">
+                <a:solidFill>
+                  <a:srgbClr val="000000"/>
+                </a:solidFill>
+                <a:latin typeface="Times New Roman" panose="02020603050405020304" pitchFamily="18" charset="0"/>
+              </a:defRPr>
+            </a:lvl5pPr>
+            <a:lvl6pPr marL="2514600" indent="-228600" defTabSz="449263" eaLnBrk="0" fontAlgn="base" hangingPunct="0">
+              <a:spcBef>
+                <a:spcPct val="30000"/>
+              </a:spcBef>
+              <a:spcAft>
+                <a:spcPct val="0"/>
+              </a:spcAft>
+              <a:buClr>
+                <a:srgbClr val="000000"/>
+              </a:buClr>
+              <a:buSzPct val="100000"/>
+              <a:buFont typeface="Times New Roman" panose="02020603050405020304" pitchFamily="18" charset="0"/>
+              <a:tabLst>
+                <a:tab pos="0" algn="l"/>
+                <a:tab pos="447675" algn="l"/>
+                <a:tab pos="896938" algn="l"/>
+                <a:tab pos="1346200" algn="l"/>
+                <a:tab pos="1795463" algn="l"/>
+                <a:tab pos="2244725" algn="l"/>
+                <a:tab pos="2693988" algn="l"/>
+                <a:tab pos="3143250" algn="l"/>
+                <a:tab pos="3592513" algn="l"/>
+                <a:tab pos="4041775" algn="l"/>
+                <a:tab pos="4491038" algn="l"/>
+                <a:tab pos="4940300" algn="l"/>
+                <a:tab pos="5389563" algn="l"/>
+                <a:tab pos="5838825" algn="l"/>
+                <a:tab pos="6288088" algn="l"/>
+                <a:tab pos="6737350" algn="l"/>
+                <a:tab pos="7186613" algn="l"/>
+                <a:tab pos="7635875" algn="l"/>
+                <a:tab pos="8085138" algn="l"/>
+                <a:tab pos="8534400" algn="l"/>
+                <a:tab pos="8983663" algn="l"/>
+              </a:tabLst>
+              <a:defRPr sz="1200">
+                <a:solidFill>
+                  <a:srgbClr val="000000"/>
+                </a:solidFill>
+                <a:latin typeface="Times New Roman" panose="02020603050405020304" pitchFamily="18" charset="0"/>
+              </a:defRPr>
+            </a:lvl6pPr>
+            <a:lvl7pPr marL="2971800" indent="-228600" defTabSz="449263" eaLnBrk="0" fontAlgn="base" hangingPunct="0">
+              <a:spcBef>
+                <a:spcPct val="30000"/>
+              </a:spcBef>
+              <a:spcAft>
+                <a:spcPct val="0"/>
+              </a:spcAft>
+              <a:buClr>
+                <a:srgbClr val="000000"/>
+              </a:buClr>
+              <a:buSzPct val="100000"/>
+              <a:buFont typeface="Times New Roman" panose="02020603050405020304" pitchFamily="18" charset="0"/>
+              <a:tabLst>
+                <a:tab pos="0" algn="l"/>
+                <a:tab pos="447675" algn="l"/>
+                <a:tab pos="896938" algn="l"/>
+                <a:tab pos="1346200" algn="l"/>
+                <a:tab pos="1795463" algn="l"/>
+                <a:tab pos="2244725" algn="l"/>
+                <a:tab pos="2693988" algn="l"/>
+                <a:tab pos="3143250" algn="l"/>
+                <a:tab pos="3592513" algn="l"/>
+                <a:tab pos="4041775" algn="l"/>
+                <a:tab pos="4491038" algn="l"/>
+                <a:tab pos="4940300" algn="l"/>
+                <a:tab pos="5389563" algn="l"/>
+                <a:tab pos="5838825" algn="l"/>
+                <a:tab pos="6288088" algn="l"/>
+                <a:tab pos="6737350" algn="l"/>
+                <a:tab pos="7186613" algn="l"/>
+                <a:tab pos="7635875" algn="l"/>
+                <a:tab pos="8085138" algn="l"/>
+                <a:tab pos="8534400" algn="l"/>
+                <a:tab pos="8983663" algn="l"/>
+              </a:tabLst>
+              <a:defRPr sz="1200">
+                <a:solidFill>
+                  <a:srgbClr val="000000"/>
+                </a:solidFill>
+                <a:latin typeface="Times New Roman" panose="02020603050405020304" pitchFamily="18" charset="0"/>
+              </a:defRPr>
+            </a:lvl7pPr>
+            <a:lvl8pPr marL="3429000" indent="-228600" defTabSz="449263" eaLnBrk="0" fontAlgn="base" hangingPunct="0">
+              <a:spcBef>
+                <a:spcPct val="30000"/>
+              </a:spcBef>
+              <a:spcAft>
+                <a:spcPct val="0"/>
+              </a:spcAft>
+              <a:buClr>
+                <a:srgbClr val="000000"/>
+              </a:buClr>
+              <a:buSzPct val="100000"/>
+              <a:buFont typeface="Times New Roman" panose="02020603050405020304" pitchFamily="18" charset="0"/>
+              <a:tabLst>
+                <a:tab pos="0" algn="l"/>
+                <a:tab pos="447675" algn="l"/>
+                <a:tab pos="896938" algn="l"/>
+                <a:tab pos="1346200" algn="l"/>
+                <a:tab pos="1795463" algn="l"/>
+                <a:tab pos="2244725" algn="l"/>
+                <a:tab pos="2693988" algn="l"/>
+                <a:tab pos="3143250" algn="l"/>
+                <a:tab pos="3592513" algn="l"/>
+                <a:tab pos="4041775" algn="l"/>
+                <a:tab pos="4491038" algn="l"/>
+                <a:tab pos="4940300" algn="l"/>
+                <a:tab pos="5389563" algn="l"/>
+                <a:tab pos="5838825" algn="l"/>
+                <a:tab pos="6288088" algn="l"/>
+                <a:tab pos="6737350" algn="l"/>
+                <a:tab pos="7186613" algn="l"/>
+                <a:tab pos="7635875" algn="l"/>
+                <a:tab pos="8085138" algn="l"/>
+                <a:tab pos="8534400" algn="l"/>
+                <a:tab pos="8983663" algn="l"/>
+              </a:tabLst>
+              <a:defRPr sz="1200">
+                <a:solidFill>
+                  <a:srgbClr val="000000"/>
+                </a:solidFill>
+                <a:latin typeface="Times New Roman" panose="02020603050405020304" pitchFamily="18" charset="0"/>
+              </a:defRPr>
+            </a:lvl8pPr>
+            <a:lvl9pPr marL="3886200" indent="-228600" defTabSz="449263" eaLnBrk="0" fontAlgn="base" hangingPunct="0">
+              <a:spcBef>
+                <a:spcPct val="30000"/>
+              </a:spcBef>
+              <a:spcAft>
+                <a:spcPct val="0"/>
+              </a:spcAft>
+              <a:buClr>
+                <a:srgbClr val="000000"/>
+              </a:buClr>
+              <a:buSzPct val="100000"/>
+              <a:buFont typeface="Times New Roman" panose="02020603050405020304" pitchFamily="18" charset="0"/>
+              <a:tabLst>
+                <a:tab pos="0" algn="l"/>
+                <a:tab pos="447675" algn="l"/>
+                <a:tab pos="896938" algn="l"/>
+                <a:tab pos="1346200" algn="l"/>
+                <a:tab pos="1795463" algn="l"/>
+                <a:tab pos="2244725" algn="l"/>
+                <a:tab pos="2693988" algn="l"/>
+                <a:tab pos="3143250" algn="l"/>
+                <a:tab pos="3592513" algn="l"/>
+                <a:tab pos="4041775" algn="l"/>
+                <a:tab pos="4491038" algn="l"/>
+                <a:tab pos="4940300" algn="l"/>
+                <a:tab pos="5389563" algn="l"/>
+                <a:tab pos="5838825" algn="l"/>
+                <a:tab pos="6288088" algn="l"/>
+                <a:tab pos="6737350" algn="l"/>
+                <a:tab pos="7186613" algn="l"/>
+                <a:tab pos="7635875" algn="l"/>
+                <a:tab pos="8085138" algn="l"/>
+                <a:tab pos="8534400" algn="l"/>
+                <a:tab pos="8983663" algn="l"/>
+              </a:tabLst>
+              <a:defRPr sz="1200">
+                <a:solidFill>
+                  <a:srgbClr val="000000"/>
+                </a:solidFill>
+                <a:latin typeface="Times New Roman" panose="02020603050405020304" pitchFamily="18" charset="0"/>
+              </a:defRPr>
+            </a:lvl9pPr>
+          </a:lstStyle>
+          <a:p>
+            <a:pPr>
+              <a:spcBef>
+                <a:spcPct val="0"/>
+              </a:spcBef>
+              <a:buFont typeface="Arial" panose="020B0604020202020204" pitchFamily="34" charset="0"/>
+              <a:buNone/>
+            </a:pPr>
+            <a:fld id="{6E7D7114-AFAB-4A56-8F9A-8252A9CDBE28}" type="slidenum">
+              <a:rPr lang="en-GB" altLang="cs-CZ">
+                <a:latin typeface="Arial" panose="020B0604020202020204" pitchFamily="34" charset="0"/>
+              </a:rPr>
+              <a:pPr>
+                <a:spcBef>
+                  <a:spcPct val="0"/>
+                </a:spcBef>
+                <a:buFont typeface="Arial" panose="020B0604020202020204" pitchFamily="34" charset="0"/>
+                <a:buNone/>
+              </a:pPr>
+              <a:t>11</a:t>
+            </a:fld>
+            <a:endParaRPr lang="en-GB" altLang="cs-CZ">
+              <a:latin typeface="Arial" panose="020B0604020202020204" pitchFamily="34" charset="0"/>
+            </a:endParaRPr>
+          </a:p>
+        </p:txBody>
+      </p:sp>
+      <p:sp>
+        <p:nvSpPr>
+          <p:cNvPr id="6147" name="Text Box 2">
+            <a:extLst>
+              <a:ext uri="{FF2B5EF4-FFF2-40B4-BE49-F238E27FC236}">
+                <a16:creationId xmlns:a16="http://schemas.microsoft.com/office/drawing/2014/main" id="{1382447B-0C29-C9F1-C33C-717FE576427B}"/>
+              </a:ext>
+            </a:extLst>
+          </p:cNvPr>
+          <p:cNvSpPr txBox="1">
+            <a:spLocks noChangeArrowheads="1"/>
+          </p:cNvSpPr>
+          <p:nvPr/>
+        </p:nvSpPr>
+        <p:spPr bwMode="auto">
+          <a:xfrm>
+            <a:off x="1143000" y="685800"/>
+            <a:ext cx="4572000" cy="3429000"/>
+          </a:xfrm>
+          <a:prstGeom prst="rect">
+            <a:avLst/>
+          </a:prstGeom>
+          <a:solidFill>
+            <a:srgbClr val="FFFFFF"/>
+          </a:solidFill>
+          <a:ln w="9360">
+            <a:solidFill>
+              <a:srgbClr val="000000"/>
+            </a:solidFill>
+            <a:miter lim="800000"/>
+            <a:headEnd/>
+            <a:tailEnd/>
+          </a:ln>
+          <a:effectLst/>
+          <a:extLst>
+            <a:ext uri="{AF507438-7753-43E0-B8FC-AC1667EBCBE1}">
+              <a14:hiddenEffects xmlns:a14="http://schemas.microsoft.com/office/drawing/2010/main">
+                <a:effectLst>
+                  <a:outerShdw dist="35921" dir="2700000" algn="ctr" rotWithShape="0">
+                    <a:srgbClr val="808080"/>
+                  </a:outerShdw>
+                </a:effectLst>
+              </a14:hiddenEffects>
+            </a:ext>
+          </a:extLst>
+        </p:spPr>
+        <p:txBody>
+          <a:bodyPr wrap="none" anchor="ctr"/>
+          <a:lstStyle>
+            <a:lvl1pPr>
+              <a:spcBef>
+                <a:spcPct val="30000"/>
+              </a:spcBef>
+              <a:buClr>
+                <a:srgbClr val="000000"/>
+              </a:buClr>
+              <a:buSzPct val="100000"/>
+              <a:buFont typeface="Times New Roman" panose="02020603050405020304" pitchFamily="18" charset="0"/>
+              <a:defRPr sz="1200">
+                <a:solidFill>
+                  <a:srgbClr val="000000"/>
+                </a:solidFill>
+                <a:latin typeface="Times New Roman" panose="02020603050405020304" pitchFamily="18" charset="0"/>
+              </a:defRPr>
+            </a:lvl1pPr>
+            <a:lvl2pPr marL="742950" indent="-285750">
+              <a:spcBef>
+                <a:spcPct val="30000"/>
+              </a:spcBef>
+              <a:buClr>
+                <a:srgbClr val="000000"/>
+              </a:buClr>
+              <a:buSzPct val="100000"/>
+              <a:buFont typeface="Times New Roman" panose="02020603050405020304" pitchFamily="18" charset="0"/>
+              <a:defRPr sz="1200">
+                <a:solidFill>
+                  <a:srgbClr val="000000"/>
+                </a:solidFill>
+                <a:latin typeface="Times New Roman" panose="02020603050405020304" pitchFamily="18" charset="0"/>
+              </a:defRPr>
+            </a:lvl2pPr>
+            <a:lvl3pPr marL="1143000" indent="-228600">
+              <a:spcBef>
+                <a:spcPct val="30000"/>
+              </a:spcBef>
+              <a:buClr>
+                <a:srgbClr val="000000"/>
+              </a:buClr>
+              <a:buSzPct val="100000"/>
+              <a:buFont typeface="Times New Roman" panose="02020603050405020304" pitchFamily="18" charset="0"/>
+              <a:defRPr sz="1200">
+                <a:solidFill>
+                  <a:srgbClr val="000000"/>
+                </a:solidFill>
+                <a:latin typeface="Times New Roman" panose="02020603050405020304" pitchFamily="18" charset="0"/>
+              </a:defRPr>
+            </a:lvl3pPr>
+            <a:lvl4pPr marL="1600200" indent="-228600">
+              <a:spcBef>
+                <a:spcPct val="30000"/>
+              </a:spcBef>
+              <a:buClr>
+                <a:srgbClr val="000000"/>
+              </a:buClr>
+              <a:buSzPct val="100000"/>
+              <a:buFont typeface="Times New Roman" panose="02020603050405020304" pitchFamily="18" charset="0"/>
+              <a:defRPr sz="1200">
+                <a:solidFill>
+                  <a:srgbClr val="000000"/>
+                </a:solidFill>
+                <a:latin typeface="Times New Roman" panose="02020603050405020304" pitchFamily="18" charset="0"/>
+              </a:defRPr>
+            </a:lvl4pPr>
+            <a:lvl5pPr marL="2057400" indent="-228600">
+              <a:spcBef>
+                <a:spcPct val="30000"/>
+              </a:spcBef>
+              <a:buClr>
+                <a:srgbClr val="000000"/>
+              </a:buClr>
+              <a:buSzPct val="100000"/>
+              <a:buFont typeface="Times New Roman" panose="02020603050405020304" pitchFamily="18" charset="0"/>
+              <a:defRPr sz="1200">
+                <a:solidFill>
+                  <a:srgbClr val="000000"/>
+                </a:solidFill>
+                <a:latin typeface="Times New Roman" panose="02020603050405020304" pitchFamily="18" charset="0"/>
+              </a:defRPr>
+            </a:lvl5pPr>
+            <a:lvl6pPr marL="2514600" indent="-228600" defTabSz="449263" eaLnBrk="0" fontAlgn="base" hangingPunct="0">
+              <a:spcBef>
+                <a:spcPct val="30000"/>
+              </a:spcBef>
+              <a:spcAft>
+                <a:spcPct val="0"/>
+              </a:spcAft>
+              <a:buClr>
+                <a:srgbClr val="000000"/>
+              </a:buClr>
+              <a:buSzPct val="100000"/>
+              <a:buFont typeface="Times New Roman" panose="02020603050405020304" pitchFamily="18" charset="0"/>
+              <a:defRPr sz="1200">
+                <a:solidFill>
+                  <a:srgbClr val="000000"/>
+                </a:solidFill>
+                <a:latin typeface="Times New Roman" panose="02020603050405020304" pitchFamily="18" charset="0"/>
+              </a:defRPr>
+            </a:lvl6pPr>
+            <a:lvl7pPr marL="2971800" indent="-228600" defTabSz="449263" eaLnBrk="0" fontAlgn="base" hangingPunct="0">
+              <a:spcBef>
+                <a:spcPct val="30000"/>
+              </a:spcBef>
+              <a:spcAft>
+                <a:spcPct val="0"/>
+              </a:spcAft>
+              <a:buClr>
+                <a:srgbClr val="000000"/>
+              </a:buClr>
+              <a:buSzPct val="100000"/>
+              <a:buFont typeface="Times New Roman" panose="02020603050405020304" pitchFamily="18" charset="0"/>
+              <a:defRPr sz="1200">
+                <a:solidFill>
+                  <a:srgbClr val="000000"/>
+                </a:solidFill>
+                <a:latin typeface="Times New Roman" panose="02020603050405020304" pitchFamily="18" charset="0"/>
+              </a:defRPr>
+            </a:lvl7pPr>
+            <a:lvl8pPr marL="3429000" indent="-228600" defTabSz="449263" eaLnBrk="0" fontAlgn="base" hangingPunct="0">
+              <a:spcBef>
+                <a:spcPct val="30000"/>
+              </a:spcBef>
+              <a:spcAft>
+                <a:spcPct val="0"/>
+              </a:spcAft>
+              <a:buClr>
+                <a:srgbClr val="000000"/>
+              </a:buClr>
+              <a:buSzPct val="100000"/>
+              <a:buFont typeface="Times New Roman" panose="02020603050405020304" pitchFamily="18" charset="0"/>
+              <a:defRPr sz="1200">
+                <a:solidFill>
+                  <a:srgbClr val="000000"/>
+                </a:solidFill>
+                <a:latin typeface="Times New Roman" panose="02020603050405020304" pitchFamily="18" charset="0"/>
+              </a:defRPr>
+            </a:lvl8pPr>
+            <a:lvl9pPr marL="3886200" indent="-228600" defTabSz="449263" eaLnBrk="0" fontAlgn="base" hangingPunct="0">
+              <a:spcBef>
+                <a:spcPct val="30000"/>
+              </a:spcBef>
+              <a:spcAft>
+                <a:spcPct val="0"/>
+              </a:spcAft>
+              <a:buClr>
+                <a:srgbClr val="000000"/>
+              </a:buClr>
+              <a:buSzPct val="100000"/>
+              <a:buFont typeface="Times New Roman" panose="02020603050405020304" pitchFamily="18" charset="0"/>
+              <a:defRPr sz="1200">
+                <a:solidFill>
+                  <a:srgbClr val="000000"/>
+                </a:solidFill>
+                <a:latin typeface="Times New Roman" panose="02020603050405020304" pitchFamily="18" charset="0"/>
+              </a:defRPr>
+            </a:lvl9pPr>
+          </a:lstStyle>
+          <a:p>
+            <a:pPr algn="just" eaLnBrk="1" hangingPunct="1">
+              <a:lnSpc>
+                <a:spcPct val="76000"/>
+              </a:lnSpc>
+              <a:spcBef>
+                <a:spcPct val="50000"/>
+              </a:spcBef>
+              <a:buFont typeface="Arial" panose="020B0604020202020204" pitchFamily="34" charset="0"/>
+              <a:buNone/>
+            </a:pPr>
+            <a:endParaRPr lang="cs-CZ" altLang="cs-CZ" sz="1600">
+              <a:solidFill>
+                <a:schemeClr val="tx1"/>
+              </a:solidFill>
+              <a:latin typeface="Arial" panose="020B0604020202020204" pitchFamily="34" charset="0"/>
+            </a:endParaRPr>
+          </a:p>
+        </p:txBody>
+      </p:sp>
+      <p:sp>
+        <p:nvSpPr>
+          <p:cNvPr id="6148" name="Rectangle 3">
+            <a:extLst>
+              <a:ext uri="{FF2B5EF4-FFF2-40B4-BE49-F238E27FC236}">
+                <a16:creationId xmlns:a16="http://schemas.microsoft.com/office/drawing/2014/main" id="{371019AC-D0B1-FD57-FB23-2A75DB18926E}"/>
+              </a:ext>
+            </a:extLst>
+          </p:cNvPr>
+          <p:cNvSpPr>
+            <a:spLocks noGrp="1" noChangeArrowheads="1"/>
+          </p:cNvSpPr>
+          <p:nvPr>
+            <p:ph type="body"/>
+          </p:nvPr>
+        </p:nvSpPr>
+        <p:spPr>
+          <a:xfrm>
+            <a:off x="685800" y="4343400"/>
+            <a:ext cx="5481638" cy="4114800"/>
+          </a:xfrm>
+          <a:noFill/>
+          <a:extLst>
+            <a:ext uri="{909E8E84-426E-40DD-AFC4-6F175D3DCCD1}">
+              <a14:hiddenFill xmlns:a14="http://schemas.microsoft.com/office/drawing/2010/main">
+                <a:solidFill>
+                  <a:srgbClr val="FFFFFF"/>
+                </a:solidFill>
+              </a14:hiddenFill>
+            </a:ext>
+            <a:ext uri="{91240B29-F687-4F45-9708-019B960494DF}">
+              <a14:hiddenLine xmlns:a14="http://schemas.microsoft.com/office/drawing/2010/main" w="9525">
+                <a:solidFill>
+                  <a:srgbClr val="000000"/>
+                </a:solidFill>
+                <a:miter lim="800000"/>
+                <a:headEnd/>
+                <a:tailEnd/>
+              </a14:hiddenLine>
+            </a:ext>
+            <a:ext uri="{AF507438-7753-43E0-B8FC-AC1667EBCBE1}">
+              <a14:hiddenEffects xmlns:a14="http://schemas.microsoft.com/office/drawing/2010/main">
+                <a:effectLst>
+                  <a:outerShdw dist="35921" dir="2700000" algn="ctr" rotWithShape="0">
+                    <a:schemeClr val="bg2"/>
+                  </a:outerShdw>
+                </a:effectLst>
+              </a14:hiddenEffects>
+            </a:ext>
+          </a:extLst>
+        </p:spPr>
+        <p:txBody>
+          <a:bodyPr wrap="none" anchor="ctr"/>
+          <a:lstStyle/>
+          <a:p>
+            <a:endParaRPr lang="cs-CZ" altLang="cs-CZ" dirty="0"/>
+          </a:p>
+        </p:txBody>
+      </p:sp>
+    </p:spTree>
+    <p:extLst>
+      <p:ext uri="{BB962C8B-B14F-4D97-AF65-F5344CB8AC3E}">
+        <p14:creationId xmlns:p14="http://schemas.microsoft.com/office/powerpoint/2010/main" val="979973100"/>
+      </p:ext>
+    </p:extLst>
+  </p:cSld>
+  <p:clrMapOvr>
+    <a:masterClrMapping/>
+  </p:clrMapOvr>
+</p:notes>
+</file>
+
+<file path=ppt/notesSlides/notesSlide12.xml><?xml version="1.0" encoding="utf-8"?>
+<p:notes xmlns:a="http://schemas.openxmlformats.org/drawingml/2006/main" xmlns:r="http://schemas.openxmlformats.org/officeDocument/2006/relationships" xmlns:p="http://schemas.openxmlformats.org/presentationml/2006/main">
+  <p:cSld>
+    <p:bg>
+      <p:bgPr>
+        <a:solidFill>
+          <a:srgbClr val="FFFFFF"/>
+        </a:solidFill>
+        <a:effectLst/>
+      </p:bgPr>
+    </p:bg>
+    <p:spTree>
+      <p:nvGrpSpPr>
+        <p:cNvPr id="1" name="">
+          <a:extLst>
+            <a:ext uri="{FF2B5EF4-FFF2-40B4-BE49-F238E27FC236}">
               <a16:creationId xmlns:a16="http://schemas.microsoft.com/office/drawing/2014/main" id="{63288293-41C7-0809-9D41-58764A5FC401}"/>
             </a:ext>
           </a:extLst>
@@ -3738,7 +4509,7 @@
                 <a:buFont typeface="Arial" panose="020B0604020202020204" pitchFamily="34" charset="0"/>
                 <a:buNone/>
               </a:pPr>
-              <a:t>11</a:t>
+              <a:t>12</a:t>
             </a:fld>
             <a:endParaRPr lang="en-GB" altLang="cs-CZ">
               <a:latin typeface="Arial" panose="020B0604020202020204" pitchFamily="34" charset="0"/>
@@ -4044,7 +4815,7 @@
 </p:notes>
 </file>
 
-<file path=ppt/notesSlides/notesSlide12.xml><?xml version="1.0" encoding="utf-8"?>
+<file path=ppt/notesSlides/notesSlide13.xml><?xml version="1.0" encoding="utf-8"?>
 <p:notes xmlns:a="http://schemas.openxmlformats.org/drawingml/2006/main" xmlns:r="http://schemas.openxmlformats.org/officeDocument/2006/relationships" xmlns:p="http://schemas.openxmlformats.org/presentationml/2006/main">
   <p:cSld>
     <p:bg>
@@ -4508,7 +5279,7 @@
                 <a:buFont typeface="Arial" panose="020B0604020202020204" pitchFamily="34" charset="0"/>
                 <a:buNone/>
               </a:pPr>
-              <a:t>12</a:t>
+              <a:t>13</a:t>
             </a:fld>
             <a:endParaRPr lang="en-GB" altLang="cs-CZ">
               <a:latin typeface="Arial" panose="020B0604020202020204" pitchFamily="34" charset="0"/>
@@ -4814,7 +5585,7 @@
 </p:notes>
 </file>
 
-<file path=ppt/notesSlides/notesSlide13.xml><?xml version="1.0" encoding="utf-8"?>
+<file path=ppt/notesSlides/notesSlide14.xml><?xml version="1.0" encoding="utf-8"?>
 <p:notes xmlns:a="http://schemas.openxmlformats.org/drawingml/2006/main" xmlns:r="http://schemas.openxmlformats.org/officeDocument/2006/relationships" xmlns:p="http://schemas.openxmlformats.org/presentationml/2006/main">
   <p:cSld>
     <p:bg>
@@ -5278,7 +6049,7 @@
                 <a:buFont typeface="Arial" panose="020B0604020202020204" pitchFamily="34" charset="0"/>
                 <a:buNone/>
               </a:pPr>
-              <a:t>13</a:t>
+              <a:t>14</a:t>
             </a:fld>
             <a:endParaRPr lang="en-GB" altLang="cs-CZ">
               <a:latin typeface="Arial" panose="020B0604020202020204" pitchFamily="34" charset="0"/>
@@ -19865,6 +20636,3099 @@
         <p:cNvPr id="1" name="">
           <a:extLst>
             <a:ext uri="{FF2B5EF4-FFF2-40B4-BE49-F238E27FC236}">
+              <a16:creationId xmlns:a16="http://schemas.microsoft.com/office/drawing/2014/main" id="{08457D2E-CE77-1071-E854-5F79EFF60DDA}"/>
+            </a:ext>
+          </a:extLst>
+        </p:cNvPr>
+        <p:cNvGrpSpPr/>
+        <p:nvPr/>
+      </p:nvGrpSpPr>
+      <p:grpSpPr>
+        <a:xfrm>
+          <a:off x="0" y="0"/>
+          <a:ext cx="0" cy="0"/>
+          <a:chOff x="0" y="0"/>
+          <a:chExt cx="0" cy="0"/>
+        </a:xfrm>
+      </p:grpSpPr>
+      <p:pic>
+        <p:nvPicPr>
+          <p:cNvPr id="5122" name="Picture 3" descr="pozadi">
+            <a:extLst>
+              <a:ext uri="{FF2B5EF4-FFF2-40B4-BE49-F238E27FC236}">
+                <a16:creationId xmlns:a16="http://schemas.microsoft.com/office/drawing/2014/main" id="{E979E175-D328-D474-B9E3-90E2DD1451D4}"/>
+              </a:ext>
+            </a:extLst>
+          </p:cNvPr>
+          <p:cNvPicPr>
+            <a:picLocks noChangeAspect="1" noChangeArrowheads="1"/>
+          </p:cNvPicPr>
+          <p:nvPr/>
+        </p:nvPicPr>
+        <p:blipFill>
+          <a:blip r:embed="rId3">
+            <a:extLst>
+              <a:ext uri="{28A0092B-C50C-407E-A947-70E740481C1C}">
+                <a14:useLocalDpi xmlns:a14="http://schemas.microsoft.com/office/drawing/2010/main" val="0"/>
+              </a:ext>
+            </a:extLst>
+          </a:blip>
+          <a:srcRect b="74619"/>
+          <a:stretch>
+            <a:fillRect/>
+          </a:stretch>
+        </p:blipFill>
+        <p:spPr bwMode="auto">
+          <a:xfrm>
+            <a:off x="0" y="6381750"/>
+            <a:ext cx="9144000" cy="476250"/>
+          </a:xfrm>
+          <a:prstGeom prst="rect">
+            <a:avLst/>
+          </a:prstGeom>
+          <a:noFill/>
+          <a:ln>
+            <a:noFill/>
+          </a:ln>
+          <a:extLst>
+            <a:ext uri="{909E8E84-426E-40DD-AFC4-6F175D3DCCD1}">
+              <a14:hiddenFill xmlns:a14="http://schemas.microsoft.com/office/drawing/2010/main">
+                <a:solidFill>
+                  <a:srgbClr val="FFFFFF"/>
+                </a:solidFill>
+              </a14:hiddenFill>
+            </a:ext>
+            <a:ext uri="{91240B29-F687-4F45-9708-019B960494DF}">
+              <a14:hiddenLine xmlns:a14="http://schemas.microsoft.com/office/drawing/2010/main" w="9525">
+                <a:solidFill>
+                  <a:srgbClr val="000000"/>
+                </a:solidFill>
+                <a:miter lim="800000"/>
+                <a:headEnd/>
+                <a:tailEnd/>
+              </a14:hiddenLine>
+            </a:ext>
+          </a:extLst>
+        </p:spPr>
+      </p:pic>
+      <p:pic>
+        <p:nvPicPr>
+          <p:cNvPr id="5123" name="Picture 5" descr="pozadi">
+            <a:extLst>
+              <a:ext uri="{FF2B5EF4-FFF2-40B4-BE49-F238E27FC236}">
+                <a16:creationId xmlns:a16="http://schemas.microsoft.com/office/drawing/2014/main" id="{6341F02A-A901-32C0-B589-6EDBA17895E7}"/>
+              </a:ext>
+            </a:extLst>
+          </p:cNvPr>
+          <p:cNvPicPr>
+            <a:picLocks noChangeAspect="1" noChangeArrowheads="1"/>
+          </p:cNvPicPr>
+          <p:nvPr/>
+        </p:nvPicPr>
+        <p:blipFill>
+          <a:blip r:embed="rId3">
+            <a:extLst>
+              <a:ext uri="{28A0092B-C50C-407E-A947-70E740481C1C}">
+                <a14:useLocalDpi xmlns:a14="http://schemas.microsoft.com/office/drawing/2010/main" val="0"/>
+              </a:ext>
+            </a:extLst>
+          </a:blip>
+          <a:srcRect/>
+          <a:stretch>
+            <a:fillRect/>
+          </a:stretch>
+        </p:blipFill>
+        <p:spPr bwMode="auto">
+          <a:xfrm>
+            <a:off x="0" y="0"/>
+            <a:ext cx="9144000" cy="1876425"/>
+          </a:xfrm>
+          <a:prstGeom prst="rect">
+            <a:avLst/>
+          </a:prstGeom>
+          <a:noFill/>
+          <a:ln>
+            <a:noFill/>
+          </a:ln>
+          <a:extLst>
+            <a:ext uri="{909E8E84-426E-40DD-AFC4-6F175D3DCCD1}">
+              <a14:hiddenFill xmlns:a14="http://schemas.microsoft.com/office/drawing/2010/main">
+                <a:solidFill>
+                  <a:srgbClr val="FFFFFF"/>
+                </a:solidFill>
+              </a14:hiddenFill>
+            </a:ext>
+            <a:ext uri="{91240B29-F687-4F45-9708-019B960494DF}">
+              <a14:hiddenLine xmlns:a14="http://schemas.microsoft.com/office/drawing/2010/main" w="9525">
+                <a:solidFill>
+                  <a:srgbClr val="000000"/>
+                </a:solidFill>
+                <a:miter lim="800000"/>
+                <a:headEnd/>
+                <a:tailEnd/>
+              </a14:hiddenLine>
+            </a:ext>
+          </a:extLst>
+        </p:spPr>
+      </p:pic>
+      <p:sp>
+        <p:nvSpPr>
+          <p:cNvPr id="5124" name="Text Box 7">
+            <a:extLst>
+              <a:ext uri="{FF2B5EF4-FFF2-40B4-BE49-F238E27FC236}">
+                <a16:creationId xmlns:a16="http://schemas.microsoft.com/office/drawing/2014/main" id="{968A811C-E5D3-4795-8B32-0325D0471B61}"/>
+              </a:ext>
+            </a:extLst>
+          </p:cNvPr>
+          <p:cNvSpPr txBox="1">
+            <a:spLocks noChangeArrowheads="1"/>
+          </p:cNvSpPr>
+          <p:nvPr/>
+        </p:nvSpPr>
+        <p:spPr bwMode="auto">
+          <a:xfrm>
+            <a:off x="4356100" y="908050"/>
+            <a:ext cx="4537075" cy="279400"/>
+          </a:xfrm>
+          <a:prstGeom prst="rect">
+            <a:avLst/>
+          </a:prstGeom>
+          <a:noFill/>
+          <a:ln>
+            <a:noFill/>
+          </a:ln>
+          <a:effectLst/>
+          <a:extLst>
+            <a:ext uri="{909E8E84-426E-40DD-AFC4-6F175D3DCCD1}">
+              <a14:hiddenFill xmlns:a14="http://schemas.microsoft.com/office/drawing/2010/main">
+                <a:solidFill>
+                  <a:srgbClr val="FFFFFF"/>
+                </a:solidFill>
+              </a14:hiddenFill>
+            </a:ext>
+            <a:ext uri="{91240B29-F687-4F45-9708-019B960494DF}">
+              <a14:hiddenLine xmlns:a14="http://schemas.microsoft.com/office/drawing/2010/main" w="9525">
+                <a:solidFill>
+                  <a:srgbClr val="000000"/>
+                </a:solidFill>
+                <a:round/>
+                <a:headEnd/>
+                <a:tailEnd/>
+              </a14:hiddenLine>
+            </a:ext>
+            <a:ext uri="{AF507438-7753-43E0-B8FC-AC1667EBCBE1}">
+              <a14:hiddenEffects xmlns:a14="http://schemas.microsoft.com/office/drawing/2010/main">
+                <a:effectLst>
+                  <a:outerShdw dist="35921" dir="2700000" algn="ctr" rotWithShape="0">
+                    <a:srgbClr val="808080"/>
+                  </a:outerShdw>
+                </a:effectLst>
+              </a14:hiddenEffects>
+            </a:ext>
+          </a:extLst>
+        </p:spPr>
+        <p:txBody>
+          <a:bodyPr lIns="90000" tIns="46800" rIns="90000" bIns="46800">
+            <a:spAutoFit/>
+          </a:bodyPr>
+          <a:lstStyle>
+            <a:lvl1pPr>
+              <a:lnSpc>
+                <a:spcPct val="76000"/>
+              </a:lnSpc>
+              <a:spcBef>
+                <a:spcPts val="800"/>
+              </a:spcBef>
+              <a:buClr>
+                <a:srgbClr val="000000"/>
+              </a:buClr>
+              <a:buSzPct val="100000"/>
+              <a:buFont typeface="Arial" panose="020B0604020202020204" pitchFamily="34" charset="0"/>
+              <a:buChar char="•"/>
+              <a:tabLst>
+                <a:tab pos="0" algn="l"/>
+                <a:tab pos="447675" algn="l"/>
+                <a:tab pos="896938" algn="l"/>
+                <a:tab pos="1346200" algn="l"/>
+                <a:tab pos="1795463" algn="l"/>
+                <a:tab pos="2244725" algn="l"/>
+                <a:tab pos="2693988" algn="l"/>
+                <a:tab pos="3143250" algn="l"/>
+                <a:tab pos="3592513" algn="l"/>
+                <a:tab pos="4041775" algn="l"/>
+                <a:tab pos="4491038" algn="l"/>
+                <a:tab pos="4940300" algn="l"/>
+                <a:tab pos="5389563" algn="l"/>
+                <a:tab pos="5838825" algn="l"/>
+                <a:tab pos="6288088" algn="l"/>
+                <a:tab pos="6737350" algn="l"/>
+                <a:tab pos="7186613" algn="l"/>
+                <a:tab pos="7635875" algn="l"/>
+                <a:tab pos="8085138" algn="l"/>
+                <a:tab pos="8534400" algn="l"/>
+                <a:tab pos="8983663" algn="l"/>
+              </a:tabLst>
+              <a:defRPr sz="3200">
+                <a:solidFill>
+                  <a:srgbClr val="000000"/>
+                </a:solidFill>
+                <a:latin typeface="Arial" panose="020B0604020202020204" pitchFamily="34" charset="0"/>
+                <a:ea typeface="MS Gothic" panose="020B0609070205080204" pitchFamily="49" charset="-128"/>
+              </a:defRPr>
+            </a:lvl1pPr>
+            <a:lvl2pPr marL="736600" indent="-279400">
+              <a:lnSpc>
+                <a:spcPct val="76000"/>
+              </a:lnSpc>
+              <a:spcBef>
+                <a:spcPts val="700"/>
+              </a:spcBef>
+              <a:buClr>
+                <a:srgbClr val="000000"/>
+              </a:buClr>
+              <a:buSzPct val="100000"/>
+              <a:buFont typeface="Arial" panose="020B0604020202020204" pitchFamily="34" charset="0"/>
+              <a:buChar char="–"/>
+              <a:tabLst>
+                <a:tab pos="0" algn="l"/>
+                <a:tab pos="447675" algn="l"/>
+                <a:tab pos="896938" algn="l"/>
+                <a:tab pos="1346200" algn="l"/>
+                <a:tab pos="1795463" algn="l"/>
+                <a:tab pos="2244725" algn="l"/>
+                <a:tab pos="2693988" algn="l"/>
+                <a:tab pos="3143250" algn="l"/>
+                <a:tab pos="3592513" algn="l"/>
+                <a:tab pos="4041775" algn="l"/>
+                <a:tab pos="4491038" algn="l"/>
+                <a:tab pos="4940300" algn="l"/>
+                <a:tab pos="5389563" algn="l"/>
+                <a:tab pos="5838825" algn="l"/>
+                <a:tab pos="6288088" algn="l"/>
+                <a:tab pos="6737350" algn="l"/>
+                <a:tab pos="7186613" algn="l"/>
+                <a:tab pos="7635875" algn="l"/>
+                <a:tab pos="8085138" algn="l"/>
+                <a:tab pos="8534400" algn="l"/>
+                <a:tab pos="8983663" algn="l"/>
+              </a:tabLst>
+              <a:defRPr sz="2800">
+                <a:solidFill>
+                  <a:srgbClr val="000000"/>
+                </a:solidFill>
+                <a:latin typeface="Arial" panose="020B0604020202020204" pitchFamily="34" charset="0"/>
+                <a:ea typeface="MS Gothic" panose="020B0609070205080204" pitchFamily="49" charset="-128"/>
+              </a:defRPr>
+            </a:lvl2pPr>
+            <a:lvl3pPr marL="1143000" indent="-228600">
+              <a:lnSpc>
+                <a:spcPct val="76000"/>
+              </a:lnSpc>
+              <a:spcBef>
+                <a:spcPts val="600"/>
+              </a:spcBef>
+              <a:buClr>
+                <a:srgbClr val="000000"/>
+              </a:buClr>
+              <a:buSzPct val="100000"/>
+              <a:buFont typeface="Arial" panose="020B0604020202020204" pitchFamily="34" charset="0"/>
+              <a:buChar char="•"/>
+              <a:tabLst>
+                <a:tab pos="0" algn="l"/>
+                <a:tab pos="447675" algn="l"/>
+                <a:tab pos="896938" algn="l"/>
+                <a:tab pos="1346200" algn="l"/>
+                <a:tab pos="1795463" algn="l"/>
+                <a:tab pos="2244725" algn="l"/>
+                <a:tab pos="2693988" algn="l"/>
+                <a:tab pos="3143250" algn="l"/>
+                <a:tab pos="3592513" algn="l"/>
+                <a:tab pos="4041775" algn="l"/>
+                <a:tab pos="4491038" algn="l"/>
+                <a:tab pos="4940300" algn="l"/>
+                <a:tab pos="5389563" algn="l"/>
+                <a:tab pos="5838825" algn="l"/>
+                <a:tab pos="6288088" algn="l"/>
+                <a:tab pos="6737350" algn="l"/>
+                <a:tab pos="7186613" algn="l"/>
+                <a:tab pos="7635875" algn="l"/>
+                <a:tab pos="8085138" algn="l"/>
+                <a:tab pos="8534400" algn="l"/>
+                <a:tab pos="8983663" algn="l"/>
+              </a:tabLst>
+              <a:defRPr sz="2400">
+                <a:solidFill>
+                  <a:srgbClr val="000000"/>
+                </a:solidFill>
+                <a:latin typeface="Arial" panose="020B0604020202020204" pitchFamily="34" charset="0"/>
+                <a:ea typeface="MS Gothic" panose="020B0609070205080204" pitchFamily="49" charset="-128"/>
+              </a:defRPr>
+            </a:lvl3pPr>
+            <a:lvl4pPr marL="1600200" indent="-228600">
+              <a:lnSpc>
+                <a:spcPct val="76000"/>
+              </a:lnSpc>
+              <a:spcBef>
+                <a:spcPts val="500"/>
+              </a:spcBef>
+              <a:buClr>
+                <a:srgbClr val="000000"/>
+              </a:buClr>
+              <a:buSzPct val="100000"/>
+              <a:buFont typeface="Arial" panose="020B0604020202020204" pitchFamily="34" charset="0"/>
+              <a:buChar char="–"/>
+              <a:tabLst>
+                <a:tab pos="0" algn="l"/>
+                <a:tab pos="447675" algn="l"/>
+                <a:tab pos="896938" algn="l"/>
+                <a:tab pos="1346200" algn="l"/>
+                <a:tab pos="1795463" algn="l"/>
+                <a:tab pos="2244725" algn="l"/>
+                <a:tab pos="2693988" algn="l"/>
+                <a:tab pos="3143250" algn="l"/>
+                <a:tab pos="3592513" algn="l"/>
+                <a:tab pos="4041775" algn="l"/>
+                <a:tab pos="4491038" algn="l"/>
+                <a:tab pos="4940300" algn="l"/>
+                <a:tab pos="5389563" algn="l"/>
+                <a:tab pos="5838825" algn="l"/>
+                <a:tab pos="6288088" algn="l"/>
+                <a:tab pos="6737350" algn="l"/>
+                <a:tab pos="7186613" algn="l"/>
+                <a:tab pos="7635875" algn="l"/>
+                <a:tab pos="8085138" algn="l"/>
+                <a:tab pos="8534400" algn="l"/>
+                <a:tab pos="8983663" algn="l"/>
+              </a:tabLst>
+              <a:defRPr sz="2000">
+                <a:solidFill>
+                  <a:srgbClr val="000000"/>
+                </a:solidFill>
+                <a:latin typeface="Arial" panose="020B0604020202020204" pitchFamily="34" charset="0"/>
+                <a:ea typeface="MS Gothic" panose="020B0609070205080204" pitchFamily="49" charset="-128"/>
+              </a:defRPr>
+            </a:lvl4pPr>
+            <a:lvl5pPr marL="2057400" indent="-228600">
+              <a:lnSpc>
+                <a:spcPct val="76000"/>
+              </a:lnSpc>
+              <a:spcBef>
+                <a:spcPts val="500"/>
+              </a:spcBef>
+              <a:buClr>
+                <a:srgbClr val="000000"/>
+              </a:buClr>
+              <a:buSzPct val="100000"/>
+              <a:buFont typeface="Arial" panose="020B0604020202020204" pitchFamily="34" charset="0"/>
+              <a:buChar char="»"/>
+              <a:tabLst>
+                <a:tab pos="0" algn="l"/>
+                <a:tab pos="447675" algn="l"/>
+                <a:tab pos="896938" algn="l"/>
+                <a:tab pos="1346200" algn="l"/>
+                <a:tab pos="1795463" algn="l"/>
+                <a:tab pos="2244725" algn="l"/>
+                <a:tab pos="2693988" algn="l"/>
+                <a:tab pos="3143250" algn="l"/>
+                <a:tab pos="3592513" algn="l"/>
+                <a:tab pos="4041775" algn="l"/>
+                <a:tab pos="4491038" algn="l"/>
+                <a:tab pos="4940300" algn="l"/>
+                <a:tab pos="5389563" algn="l"/>
+                <a:tab pos="5838825" algn="l"/>
+                <a:tab pos="6288088" algn="l"/>
+                <a:tab pos="6737350" algn="l"/>
+                <a:tab pos="7186613" algn="l"/>
+                <a:tab pos="7635875" algn="l"/>
+                <a:tab pos="8085138" algn="l"/>
+                <a:tab pos="8534400" algn="l"/>
+                <a:tab pos="8983663" algn="l"/>
+              </a:tabLst>
+              <a:defRPr sz="2000">
+                <a:solidFill>
+                  <a:srgbClr val="000000"/>
+                </a:solidFill>
+                <a:latin typeface="Arial" panose="020B0604020202020204" pitchFamily="34" charset="0"/>
+                <a:ea typeface="MS Gothic" panose="020B0609070205080204" pitchFamily="49" charset="-128"/>
+              </a:defRPr>
+            </a:lvl5pPr>
+            <a:lvl6pPr marL="2514600" indent="-228600" defTabSz="449263" eaLnBrk="0" fontAlgn="base" hangingPunct="0">
+              <a:lnSpc>
+                <a:spcPct val="76000"/>
+              </a:lnSpc>
+              <a:spcBef>
+                <a:spcPts val="500"/>
+              </a:spcBef>
+              <a:spcAft>
+                <a:spcPct val="0"/>
+              </a:spcAft>
+              <a:buClr>
+                <a:srgbClr val="000000"/>
+              </a:buClr>
+              <a:buSzPct val="100000"/>
+              <a:buFont typeface="Arial" panose="020B0604020202020204" pitchFamily="34" charset="0"/>
+              <a:buChar char="»"/>
+              <a:tabLst>
+                <a:tab pos="0" algn="l"/>
+                <a:tab pos="447675" algn="l"/>
+                <a:tab pos="896938" algn="l"/>
+                <a:tab pos="1346200" algn="l"/>
+                <a:tab pos="1795463" algn="l"/>
+                <a:tab pos="2244725" algn="l"/>
+                <a:tab pos="2693988" algn="l"/>
+                <a:tab pos="3143250" algn="l"/>
+                <a:tab pos="3592513" algn="l"/>
+                <a:tab pos="4041775" algn="l"/>
+                <a:tab pos="4491038" algn="l"/>
+                <a:tab pos="4940300" algn="l"/>
+                <a:tab pos="5389563" algn="l"/>
+                <a:tab pos="5838825" algn="l"/>
+                <a:tab pos="6288088" algn="l"/>
+                <a:tab pos="6737350" algn="l"/>
+                <a:tab pos="7186613" algn="l"/>
+                <a:tab pos="7635875" algn="l"/>
+                <a:tab pos="8085138" algn="l"/>
+                <a:tab pos="8534400" algn="l"/>
+                <a:tab pos="8983663" algn="l"/>
+              </a:tabLst>
+              <a:defRPr sz="2000">
+                <a:solidFill>
+                  <a:srgbClr val="000000"/>
+                </a:solidFill>
+                <a:latin typeface="Arial" panose="020B0604020202020204" pitchFamily="34" charset="0"/>
+                <a:ea typeface="MS Gothic" panose="020B0609070205080204" pitchFamily="49" charset="-128"/>
+              </a:defRPr>
+            </a:lvl6pPr>
+            <a:lvl7pPr marL="2971800" indent="-228600" defTabSz="449263" eaLnBrk="0" fontAlgn="base" hangingPunct="0">
+              <a:lnSpc>
+                <a:spcPct val="76000"/>
+              </a:lnSpc>
+              <a:spcBef>
+                <a:spcPts val="500"/>
+              </a:spcBef>
+              <a:spcAft>
+                <a:spcPct val="0"/>
+              </a:spcAft>
+              <a:buClr>
+                <a:srgbClr val="000000"/>
+              </a:buClr>
+              <a:buSzPct val="100000"/>
+              <a:buFont typeface="Arial" panose="020B0604020202020204" pitchFamily="34" charset="0"/>
+              <a:buChar char="»"/>
+              <a:tabLst>
+                <a:tab pos="0" algn="l"/>
+                <a:tab pos="447675" algn="l"/>
+                <a:tab pos="896938" algn="l"/>
+                <a:tab pos="1346200" algn="l"/>
+                <a:tab pos="1795463" algn="l"/>
+                <a:tab pos="2244725" algn="l"/>
+                <a:tab pos="2693988" algn="l"/>
+                <a:tab pos="3143250" algn="l"/>
+                <a:tab pos="3592513" algn="l"/>
+                <a:tab pos="4041775" algn="l"/>
+                <a:tab pos="4491038" algn="l"/>
+                <a:tab pos="4940300" algn="l"/>
+                <a:tab pos="5389563" algn="l"/>
+                <a:tab pos="5838825" algn="l"/>
+                <a:tab pos="6288088" algn="l"/>
+                <a:tab pos="6737350" algn="l"/>
+                <a:tab pos="7186613" algn="l"/>
+                <a:tab pos="7635875" algn="l"/>
+                <a:tab pos="8085138" algn="l"/>
+                <a:tab pos="8534400" algn="l"/>
+                <a:tab pos="8983663" algn="l"/>
+              </a:tabLst>
+              <a:defRPr sz="2000">
+                <a:solidFill>
+                  <a:srgbClr val="000000"/>
+                </a:solidFill>
+                <a:latin typeface="Arial" panose="020B0604020202020204" pitchFamily="34" charset="0"/>
+                <a:ea typeface="MS Gothic" panose="020B0609070205080204" pitchFamily="49" charset="-128"/>
+              </a:defRPr>
+            </a:lvl7pPr>
+            <a:lvl8pPr marL="3429000" indent="-228600" defTabSz="449263" eaLnBrk="0" fontAlgn="base" hangingPunct="0">
+              <a:lnSpc>
+                <a:spcPct val="76000"/>
+              </a:lnSpc>
+              <a:spcBef>
+                <a:spcPts val="500"/>
+              </a:spcBef>
+              <a:spcAft>
+                <a:spcPct val="0"/>
+              </a:spcAft>
+              <a:buClr>
+                <a:srgbClr val="000000"/>
+              </a:buClr>
+              <a:buSzPct val="100000"/>
+              <a:buFont typeface="Arial" panose="020B0604020202020204" pitchFamily="34" charset="0"/>
+              <a:buChar char="»"/>
+              <a:tabLst>
+                <a:tab pos="0" algn="l"/>
+                <a:tab pos="447675" algn="l"/>
+                <a:tab pos="896938" algn="l"/>
+                <a:tab pos="1346200" algn="l"/>
+                <a:tab pos="1795463" algn="l"/>
+                <a:tab pos="2244725" algn="l"/>
+                <a:tab pos="2693988" algn="l"/>
+                <a:tab pos="3143250" algn="l"/>
+                <a:tab pos="3592513" algn="l"/>
+                <a:tab pos="4041775" algn="l"/>
+                <a:tab pos="4491038" algn="l"/>
+                <a:tab pos="4940300" algn="l"/>
+                <a:tab pos="5389563" algn="l"/>
+                <a:tab pos="5838825" algn="l"/>
+                <a:tab pos="6288088" algn="l"/>
+                <a:tab pos="6737350" algn="l"/>
+                <a:tab pos="7186613" algn="l"/>
+                <a:tab pos="7635875" algn="l"/>
+                <a:tab pos="8085138" algn="l"/>
+                <a:tab pos="8534400" algn="l"/>
+                <a:tab pos="8983663" algn="l"/>
+              </a:tabLst>
+              <a:defRPr sz="2000">
+                <a:solidFill>
+                  <a:srgbClr val="000000"/>
+                </a:solidFill>
+                <a:latin typeface="Arial" panose="020B0604020202020204" pitchFamily="34" charset="0"/>
+                <a:ea typeface="MS Gothic" panose="020B0609070205080204" pitchFamily="49" charset="-128"/>
+              </a:defRPr>
+            </a:lvl8pPr>
+            <a:lvl9pPr marL="3886200" indent="-228600" defTabSz="449263" eaLnBrk="0" fontAlgn="base" hangingPunct="0">
+              <a:lnSpc>
+                <a:spcPct val="76000"/>
+              </a:lnSpc>
+              <a:spcBef>
+                <a:spcPts val="500"/>
+              </a:spcBef>
+              <a:spcAft>
+                <a:spcPct val="0"/>
+              </a:spcAft>
+              <a:buClr>
+                <a:srgbClr val="000000"/>
+              </a:buClr>
+              <a:buSzPct val="100000"/>
+              <a:buFont typeface="Arial" panose="020B0604020202020204" pitchFamily="34" charset="0"/>
+              <a:buChar char="»"/>
+              <a:tabLst>
+                <a:tab pos="0" algn="l"/>
+                <a:tab pos="447675" algn="l"/>
+                <a:tab pos="896938" algn="l"/>
+                <a:tab pos="1346200" algn="l"/>
+                <a:tab pos="1795463" algn="l"/>
+                <a:tab pos="2244725" algn="l"/>
+                <a:tab pos="2693988" algn="l"/>
+                <a:tab pos="3143250" algn="l"/>
+                <a:tab pos="3592513" algn="l"/>
+                <a:tab pos="4041775" algn="l"/>
+                <a:tab pos="4491038" algn="l"/>
+                <a:tab pos="4940300" algn="l"/>
+                <a:tab pos="5389563" algn="l"/>
+                <a:tab pos="5838825" algn="l"/>
+                <a:tab pos="6288088" algn="l"/>
+                <a:tab pos="6737350" algn="l"/>
+                <a:tab pos="7186613" algn="l"/>
+                <a:tab pos="7635875" algn="l"/>
+                <a:tab pos="8085138" algn="l"/>
+                <a:tab pos="8534400" algn="l"/>
+                <a:tab pos="8983663" algn="l"/>
+              </a:tabLst>
+              <a:defRPr sz="2000">
+                <a:solidFill>
+                  <a:srgbClr val="000000"/>
+                </a:solidFill>
+                <a:latin typeface="Arial" panose="020B0604020202020204" pitchFamily="34" charset="0"/>
+                <a:ea typeface="MS Gothic" panose="020B0609070205080204" pitchFamily="49" charset="-128"/>
+              </a:defRPr>
+            </a:lvl9pPr>
+          </a:lstStyle>
+          <a:p>
+            <a:pPr algn="r" eaLnBrk="1" hangingPunct="1">
+              <a:lnSpc>
+                <a:spcPct val="100000"/>
+              </a:lnSpc>
+              <a:spcBef>
+                <a:spcPts val="750"/>
+              </a:spcBef>
+              <a:buFont typeface="Arial" panose="020B0604020202020204" pitchFamily="34" charset="0"/>
+              <a:buNone/>
+            </a:pPr>
+            <a:r>
+              <a:rPr lang="pl-PL" altLang="cs-CZ" sz="1200" b="1" dirty="0"/>
+              <a:t>Návrh a realizace kontrolního systému na WiFi síti</a:t>
+            </a:r>
+            <a:endParaRPr lang="en-GB" altLang="cs-CZ" sz="1200" dirty="0"/>
+          </a:p>
+        </p:txBody>
+      </p:sp>
+      <p:sp>
+        <p:nvSpPr>
+          <p:cNvPr id="5125" name="Text Box 8">
+            <a:extLst>
+              <a:ext uri="{FF2B5EF4-FFF2-40B4-BE49-F238E27FC236}">
+                <a16:creationId xmlns:a16="http://schemas.microsoft.com/office/drawing/2014/main" id="{A8CEAA5F-1C91-B04A-970C-12B98BD3D863}"/>
+              </a:ext>
+            </a:extLst>
+          </p:cNvPr>
+          <p:cNvSpPr txBox="1">
+            <a:spLocks noChangeArrowheads="1"/>
+          </p:cNvSpPr>
+          <p:nvPr/>
+        </p:nvSpPr>
+        <p:spPr bwMode="auto">
+          <a:xfrm>
+            <a:off x="827088" y="1800000"/>
+            <a:ext cx="6913562" cy="576505"/>
+          </a:xfrm>
+          <a:prstGeom prst="rect">
+            <a:avLst/>
+          </a:prstGeom>
+          <a:noFill/>
+          <a:ln>
+            <a:noFill/>
+          </a:ln>
+          <a:effectLst/>
+          <a:extLst>
+            <a:ext uri="{909E8E84-426E-40DD-AFC4-6F175D3DCCD1}">
+              <a14:hiddenFill xmlns:a14="http://schemas.microsoft.com/office/drawing/2010/main">
+                <a:solidFill>
+                  <a:srgbClr val="FFFFFF"/>
+                </a:solidFill>
+              </a14:hiddenFill>
+            </a:ext>
+            <a:ext uri="{91240B29-F687-4F45-9708-019B960494DF}">
+              <a14:hiddenLine xmlns:a14="http://schemas.microsoft.com/office/drawing/2010/main" w="9525" algn="ctr">
+                <a:solidFill>
+                  <a:srgbClr val="000000"/>
+                </a:solidFill>
+                <a:miter lim="800000"/>
+                <a:headEnd/>
+                <a:tailEnd/>
+              </a14:hiddenLine>
+            </a:ext>
+            <a:ext uri="{AF507438-7753-43E0-B8FC-AC1667EBCBE1}">
+              <a14:hiddenEffects xmlns:a14="http://schemas.microsoft.com/office/drawing/2010/main">
+                <a:effectLst>
+                  <a:outerShdw dist="35921" dir="2700000" algn="ctr" rotWithShape="0">
+                    <a:srgbClr val="808080"/>
+                  </a:outerShdw>
+                </a:effectLst>
+              </a14:hiddenEffects>
+            </a:ext>
+          </a:extLst>
+        </p:spPr>
+        <p:txBody>
+          <a:bodyPr lIns="90000" tIns="46800" rIns="90000" bIns="46800">
+            <a:spAutoFit/>
+          </a:bodyPr>
+          <a:lstStyle>
+            <a:lvl1pPr>
+              <a:lnSpc>
+                <a:spcPct val="76000"/>
+              </a:lnSpc>
+              <a:spcBef>
+                <a:spcPts val="800"/>
+              </a:spcBef>
+              <a:buClr>
+                <a:srgbClr val="000000"/>
+              </a:buClr>
+              <a:buSzPct val="100000"/>
+              <a:buFont typeface="Arial" panose="020B0604020202020204" pitchFamily="34" charset="0"/>
+              <a:buChar char="•"/>
+              <a:tabLst>
+                <a:tab pos="0" algn="l"/>
+                <a:tab pos="447675" algn="l"/>
+                <a:tab pos="896938" algn="l"/>
+                <a:tab pos="1346200" algn="l"/>
+                <a:tab pos="1795463" algn="l"/>
+                <a:tab pos="2244725" algn="l"/>
+                <a:tab pos="2693988" algn="l"/>
+                <a:tab pos="3143250" algn="l"/>
+                <a:tab pos="3592513" algn="l"/>
+                <a:tab pos="4041775" algn="l"/>
+                <a:tab pos="4491038" algn="l"/>
+                <a:tab pos="4940300" algn="l"/>
+                <a:tab pos="5389563" algn="l"/>
+                <a:tab pos="5838825" algn="l"/>
+                <a:tab pos="6288088" algn="l"/>
+                <a:tab pos="6737350" algn="l"/>
+                <a:tab pos="7186613" algn="l"/>
+                <a:tab pos="7635875" algn="l"/>
+                <a:tab pos="8085138" algn="l"/>
+                <a:tab pos="8534400" algn="l"/>
+                <a:tab pos="8983663" algn="l"/>
+              </a:tabLst>
+              <a:defRPr sz="3200">
+                <a:solidFill>
+                  <a:srgbClr val="000000"/>
+                </a:solidFill>
+                <a:latin typeface="Arial" panose="020B0604020202020204" pitchFamily="34" charset="0"/>
+                <a:ea typeface="MS Gothic" panose="020B0609070205080204" pitchFamily="49" charset="-128"/>
+              </a:defRPr>
+            </a:lvl1pPr>
+            <a:lvl2pPr marL="736600" indent="-279400">
+              <a:lnSpc>
+                <a:spcPct val="76000"/>
+              </a:lnSpc>
+              <a:spcBef>
+                <a:spcPts val="700"/>
+              </a:spcBef>
+              <a:buClr>
+                <a:srgbClr val="000000"/>
+              </a:buClr>
+              <a:buSzPct val="100000"/>
+              <a:buFont typeface="Arial" panose="020B0604020202020204" pitchFamily="34" charset="0"/>
+              <a:buChar char="–"/>
+              <a:tabLst>
+                <a:tab pos="0" algn="l"/>
+                <a:tab pos="447675" algn="l"/>
+                <a:tab pos="896938" algn="l"/>
+                <a:tab pos="1346200" algn="l"/>
+                <a:tab pos="1795463" algn="l"/>
+                <a:tab pos="2244725" algn="l"/>
+                <a:tab pos="2693988" algn="l"/>
+                <a:tab pos="3143250" algn="l"/>
+                <a:tab pos="3592513" algn="l"/>
+                <a:tab pos="4041775" algn="l"/>
+                <a:tab pos="4491038" algn="l"/>
+                <a:tab pos="4940300" algn="l"/>
+                <a:tab pos="5389563" algn="l"/>
+                <a:tab pos="5838825" algn="l"/>
+                <a:tab pos="6288088" algn="l"/>
+                <a:tab pos="6737350" algn="l"/>
+                <a:tab pos="7186613" algn="l"/>
+                <a:tab pos="7635875" algn="l"/>
+                <a:tab pos="8085138" algn="l"/>
+                <a:tab pos="8534400" algn="l"/>
+                <a:tab pos="8983663" algn="l"/>
+              </a:tabLst>
+              <a:defRPr sz="2800">
+                <a:solidFill>
+                  <a:srgbClr val="000000"/>
+                </a:solidFill>
+                <a:latin typeface="Arial" panose="020B0604020202020204" pitchFamily="34" charset="0"/>
+                <a:ea typeface="MS Gothic" panose="020B0609070205080204" pitchFamily="49" charset="-128"/>
+              </a:defRPr>
+            </a:lvl2pPr>
+            <a:lvl3pPr marL="1143000" indent="-228600">
+              <a:lnSpc>
+                <a:spcPct val="76000"/>
+              </a:lnSpc>
+              <a:spcBef>
+                <a:spcPts val="600"/>
+              </a:spcBef>
+              <a:buClr>
+                <a:srgbClr val="000000"/>
+              </a:buClr>
+              <a:buSzPct val="100000"/>
+              <a:buFont typeface="Arial" panose="020B0604020202020204" pitchFamily="34" charset="0"/>
+              <a:buChar char="•"/>
+              <a:tabLst>
+                <a:tab pos="0" algn="l"/>
+                <a:tab pos="447675" algn="l"/>
+                <a:tab pos="896938" algn="l"/>
+                <a:tab pos="1346200" algn="l"/>
+                <a:tab pos="1795463" algn="l"/>
+                <a:tab pos="2244725" algn="l"/>
+                <a:tab pos="2693988" algn="l"/>
+                <a:tab pos="3143250" algn="l"/>
+                <a:tab pos="3592513" algn="l"/>
+                <a:tab pos="4041775" algn="l"/>
+                <a:tab pos="4491038" algn="l"/>
+                <a:tab pos="4940300" algn="l"/>
+                <a:tab pos="5389563" algn="l"/>
+                <a:tab pos="5838825" algn="l"/>
+                <a:tab pos="6288088" algn="l"/>
+                <a:tab pos="6737350" algn="l"/>
+                <a:tab pos="7186613" algn="l"/>
+                <a:tab pos="7635875" algn="l"/>
+                <a:tab pos="8085138" algn="l"/>
+                <a:tab pos="8534400" algn="l"/>
+                <a:tab pos="8983663" algn="l"/>
+              </a:tabLst>
+              <a:defRPr sz="2400">
+                <a:solidFill>
+                  <a:srgbClr val="000000"/>
+                </a:solidFill>
+                <a:latin typeface="Arial" panose="020B0604020202020204" pitchFamily="34" charset="0"/>
+                <a:ea typeface="MS Gothic" panose="020B0609070205080204" pitchFamily="49" charset="-128"/>
+              </a:defRPr>
+            </a:lvl3pPr>
+            <a:lvl4pPr marL="1600200" indent="-228600">
+              <a:lnSpc>
+                <a:spcPct val="76000"/>
+              </a:lnSpc>
+              <a:spcBef>
+                <a:spcPts val="500"/>
+              </a:spcBef>
+              <a:buClr>
+                <a:srgbClr val="000000"/>
+              </a:buClr>
+              <a:buSzPct val="100000"/>
+              <a:buFont typeface="Arial" panose="020B0604020202020204" pitchFamily="34" charset="0"/>
+              <a:buChar char="–"/>
+              <a:tabLst>
+                <a:tab pos="0" algn="l"/>
+                <a:tab pos="447675" algn="l"/>
+                <a:tab pos="896938" algn="l"/>
+                <a:tab pos="1346200" algn="l"/>
+                <a:tab pos="1795463" algn="l"/>
+                <a:tab pos="2244725" algn="l"/>
+                <a:tab pos="2693988" algn="l"/>
+                <a:tab pos="3143250" algn="l"/>
+                <a:tab pos="3592513" algn="l"/>
+                <a:tab pos="4041775" algn="l"/>
+                <a:tab pos="4491038" algn="l"/>
+                <a:tab pos="4940300" algn="l"/>
+                <a:tab pos="5389563" algn="l"/>
+                <a:tab pos="5838825" algn="l"/>
+                <a:tab pos="6288088" algn="l"/>
+                <a:tab pos="6737350" algn="l"/>
+                <a:tab pos="7186613" algn="l"/>
+                <a:tab pos="7635875" algn="l"/>
+                <a:tab pos="8085138" algn="l"/>
+                <a:tab pos="8534400" algn="l"/>
+                <a:tab pos="8983663" algn="l"/>
+              </a:tabLst>
+              <a:defRPr sz="2000">
+                <a:solidFill>
+                  <a:srgbClr val="000000"/>
+                </a:solidFill>
+                <a:latin typeface="Arial" panose="020B0604020202020204" pitchFamily="34" charset="0"/>
+                <a:ea typeface="MS Gothic" panose="020B0609070205080204" pitchFamily="49" charset="-128"/>
+              </a:defRPr>
+            </a:lvl4pPr>
+            <a:lvl5pPr marL="2057400" indent="-228600">
+              <a:lnSpc>
+                <a:spcPct val="76000"/>
+              </a:lnSpc>
+              <a:spcBef>
+                <a:spcPts val="500"/>
+              </a:spcBef>
+              <a:buClr>
+                <a:srgbClr val="000000"/>
+              </a:buClr>
+              <a:buSzPct val="100000"/>
+              <a:buFont typeface="Arial" panose="020B0604020202020204" pitchFamily="34" charset="0"/>
+              <a:buChar char="»"/>
+              <a:tabLst>
+                <a:tab pos="0" algn="l"/>
+                <a:tab pos="447675" algn="l"/>
+                <a:tab pos="896938" algn="l"/>
+                <a:tab pos="1346200" algn="l"/>
+                <a:tab pos="1795463" algn="l"/>
+                <a:tab pos="2244725" algn="l"/>
+                <a:tab pos="2693988" algn="l"/>
+                <a:tab pos="3143250" algn="l"/>
+                <a:tab pos="3592513" algn="l"/>
+                <a:tab pos="4041775" algn="l"/>
+                <a:tab pos="4491038" algn="l"/>
+                <a:tab pos="4940300" algn="l"/>
+                <a:tab pos="5389563" algn="l"/>
+                <a:tab pos="5838825" algn="l"/>
+                <a:tab pos="6288088" algn="l"/>
+                <a:tab pos="6737350" algn="l"/>
+                <a:tab pos="7186613" algn="l"/>
+                <a:tab pos="7635875" algn="l"/>
+                <a:tab pos="8085138" algn="l"/>
+                <a:tab pos="8534400" algn="l"/>
+                <a:tab pos="8983663" algn="l"/>
+              </a:tabLst>
+              <a:defRPr sz="2000">
+                <a:solidFill>
+                  <a:srgbClr val="000000"/>
+                </a:solidFill>
+                <a:latin typeface="Arial" panose="020B0604020202020204" pitchFamily="34" charset="0"/>
+                <a:ea typeface="MS Gothic" panose="020B0609070205080204" pitchFamily="49" charset="-128"/>
+              </a:defRPr>
+            </a:lvl5pPr>
+            <a:lvl6pPr marL="2514600" indent="-228600" defTabSz="449263" eaLnBrk="0" fontAlgn="base" hangingPunct="0">
+              <a:lnSpc>
+                <a:spcPct val="76000"/>
+              </a:lnSpc>
+              <a:spcBef>
+                <a:spcPts val="500"/>
+              </a:spcBef>
+              <a:spcAft>
+                <a:spcPct val="0"/>
+              </a:spcAft>
+              <a:buClr>
+                <a:srgbClr val="000000"/>
+              </a:buClr>
+              <a:buSzPct val="100000"/>
+              <a:buFont typeface="Arial" panose="020B0604020202020204" pitchFamily="34" charset="0"/>
+              <a:buChar char="»"/>
+              <a:tabLst>
+                <a:tab pos="0" algn="l"/>
+                <a:tab pos="447675" algn="l"/>
+                <a:tab pos="896938" algn="l"/>
+                <a:tab pos="1346200" algn="l"/>
+                <a:tab pos="1795463" algn="l"/>
+                <a:tab pos="2244725" algn="l"/>
+                <a:tab pos="2693988" algn="l"/>
+                <a:tab pos="3143250" algn="l"/>
+                <a:tab pos="3592513" algn="l"/>
+                <a:tab pos="4041775" algn="l"/>
+                <a:tab pos="4491038" algn="l"/>
+                <a:tab pos="4940300" algn="l"/>
+                <a:tab pos="5389563" algn="l"/>
+                <a:tab pos="5838825" algn="l"/>
+                <a:tab pos="6288088" algn="l"/>
+                <a:tab pos="6737350" algn="l"/>
+                <a:tab pos="7186613" algn="l"/>
+                <a:tab pos="7635875" algn="l"/>
+                <a:tab pos="8085138" algn="l"/>
+                <a:tab pos="8534400" algn="l"/>
+                <a:tab pos="8983663" algn="l"/>
+              </a:tabLst>
+              <a:defRPr sz="2000">
+                <a:solidFill>
+                  <a:srgbClr val="000000"/>
+                </a:solidFill>
+                <a:latin typeface="Arial" panose="020B0604020202020204" pitchFamily="34" charset="0"/>
+                <a:ea typeface="MS Gothic" panose="020B0609070205080204" pitchFamily="49" charset="-128"/>
+              </a:defRPr>
+            </a:lvl6pPr>
+            <a:lvl7pPr marL="2971800" indent="-228600" defTabSz="449263" eaLnBrk="0" fontAlgn="base" hangingPunct="0">
+              <a:lnSpc>
+                <a:spcPct val="76000"/>
+              </a:lnSpc>
+              <a:spcBef>
+                <a:spcPts val="500"/>
+              </a:spcBef>
+              <a:spcAft>
+                <a:spcPct val="0"/>
+              </a:spcAft>
+              <a:buClr>
+                <a:srgbClr val="000000"/>
+              </a:buClr>
+              <a:buSzPct val="100000"/>
+              <a:buFont typeface="Arial" panose="020B0604020202020204" pitchFamily="34" charset="0"/>
+              <a:buChar char="»"/>
+              <a:tabLst>
+                <a:tab pos="0" algn="l"/>
+                <a:tab pos="447675" algn="l"/>
+                <a:tab pos="896938" algn="l"/>
+                <a:tab pos="1346200" algn="l"/>
+                <a:tab pos="1795463" algn="l"/>
+                <a:tab pos="2244725" algn="l"/>
+                <a:tab pos="2693988" algn="l"/>
+                <a:tab pos="3143250" algn="l"/>
+                <a:tab pos="3592513" algn="l"/>
+                <a:tab pos="4041775" algn="l"/>
+                <a:tab pos="4491038" algn="l"/>
+                <a:tab pos="4940300" algn="l"/>
+                <a:tab pos="5389563" algn="l"/>
+                <a:tab pos="5838825" algn="l"/>
+                <a:tab pos="6288088" algn="l"/>
+                <a:tab pos="6737350" algn="l"/>
+                <a:tab pos="7186613" algn="l"/>
+                <a:tab pos="7635875" algn="l"/>
+                <a:tab pos="8085138" algn="l"/>
+                <a:tab pos="8534400" algn="l"/>
+                <a:tab pos="8983663" algn="l"/>
+              </a:tabLst>
+              <a:defRPr sz="2000">
+                <a:solidFill>
+                  <a:srgbClr val="000000"/>
+                </a:solidFill>
+                <a:latin typeface="Arial" panose="020B0604020202020204" pitchFamily="34" charset="0"/>
+                <a:ea typeface="MS Gothic" panose="020B0609070205080204" pitchFamily="49" charset="-128"/>
+              </a:defRPr>
+            </a:lvl7pPr>
+            <a:lvl8pPr marL="3429000" indent="-228600" defTabSz="449263" eaLnBrk="0" fontAlgn="base" hangingPunct="0">
+              <a:lnSpc>
+                <a:spcPct val="76000"/>
+              </a:lnSpc>
+              <a:spcBef>
+                <a:spcPts val="500"/>
+              </a:spcBef>
+              <a:spcAft>
+                <a:spcPct val="0"/>
+              </a:spcAft>
+              <a:buClr>
+                <a:srgbClr val="000000"/>
+              </a:buClr>
+              <a:buSzPct val="100000"/>
+              <a:buFont typeface="Arial" panose="020B0604020202020204" pitchFamily="34" charset="0"/>
+              <a:buChar char="»"/>
+              <a:tabLst>
+                <a:tab pos="0" algn="l"/>
+                <a:tab pos="447675" algn="l"/>
+                <a:tab pos="896938" algn="l"/>
+                <a:tab pos="1346200" algn="l"/>
+                <a:tab pos="1795463" algn="l"/>
+                <a:tab pos="2244725" algn="l"/>
+                <a:tab pos="2693988" algn="l"/>
+                <a:tab pos="3143250" algn="l"/>
+                <a:tab pos="3592513" algn="l"/>
+                <a:tab pos="4041775" algn="l"/>
+                <a:tab pos="4491038" algn="l"/>
+                <a:tab pos="4940300" algn="l"/>
+                <a:tab pos="5389563" algn="l"/>
+                <a:tab pos="5838825" algn="l"/>
+                <a:tab pos="6288088" algn="l"/>
+                <a:tab pos="6737350" algn="l"/>
+                <a:tab pos="7186613" algn="l"/>
+                <a:tab pos="7635875" algn="l"/>
+                <a:tab pos="8085138" algn="l"/>
+                <a:tab pos="8534400" algn="l"/>
+                <a:tab pos="8983663" algn="l"/>
+              </a:tabLst>
+              <a:defRPr sz="2000">
+                <a:solidFill>
+                  <a:srgbClr val="000000"/>
+                </a:solidFill>
+                <a:latin typeface="Arial" panose="020B0604020202020204" pitchFamily="34" charset="0"/>
+                <a:ea typeface="MS Gothic" panose="020B0609070205080204" pitchFamily="49" charset="-128"/>
+              </a:defRPr>
+            </a:lvl8pPr>
+            <a:lvl9pPr marL="3886200" indent="-228600" defTabSz="449263" eaLnBrk="0" fontAlgn="base" hangingPunct="0">
+              <a:lnSpc>
+                <a:spcPct val="76000"/>
+              </a:lnSpc>
+              <a:spcBef>
+                <a:spcPts val="500"/>
+              </a:spcBef>
+              <a:spcAft>
+                <a:spcPct val="0"/>
+              </a:spcAft>
+              <a:buClr>
+                <a:srgbClr val="000000"/>
+              </a:buClr>
+              <a:buSzPct val="100000"/>
+              <a:buFont typeface="Arial" panose="020B0604020202020204" pitchFamily="34" charset="0"/>
+              <a:buChar char="»"/>
+              <a:tabLst>
+                <a:tab pos="0" algn="l"/>
+                <a:tab pos="447675" algn="l"/>
+                <a:tab pos="896938" algn="l"/>
+                <a:tab pos="1346200" algn="l"/>
+                <a:tab pos="1795463" algn="l"/>
+                <a:tab pos="2244725" algn="l"/>
+                <a:tab pos="2693988" algn="l"/>
+                <a:tab pos="3143250" algn="l"/>
+                <a:tab pos="3592513" algn="l"/>
+                <a:tab pos="4041775" algn="l"/>
+                <a:tab pos="4491038" algn="l"/>
+                <a:tab pos="4940300" algn="l"/>
+                <a:tab pos="5389563" algn="l"/>
+                <a:tab pos="5838825" algn="l"/>
+                <a:tab pos="6288088" algn="l"/>
+                <a:tab pos="6737350" algn="l"/>
+                <a:tab pos="7186613" algn="l"/>
+                <a:tab pos="7635875" algn="l"/>
+                <a:tab pos="8085138" algn="l"/>
+                <a:tab pos="8534400" algn="l"/>
+                <a:tab pos="8983663" algn="l"/>
+              </a:tabLst>
+              <a:defRPr sz="2000">
+                <a:solidFill>
+                  <a:srgbClr val="000000"/>
+                </a:solidFill>
+                <a:latin typeface="Arial" panose="020B0604020202020204" pitchFamily="34" charset="0"/>
+                <a:ea typeface="MS Gothic" panose="020B0609070205080204" pitchFamily="49" charset="-128"/>
+              </a:defRPr>
+            </a:lvl9pPr>
+          </a:lstStyle>
+          <a:p>
+            <a:pPr algn="just" eaLnBrk="1" hangingPunct="1">
+              <a:spcBef>
+                <a:spcPct val="50000"/>
+              </a:spcBef>
+              <a:buFont typeface="Arial" panose="020B0604020202020204" pitchFamily="34" charset="0"/>
+              <a:buNone/>
+            </a:pPr>
+            <a:r>
+              <a:rPr lang="cs-CZ" altLang="cs-CZ" sz="1800" b="1" dirty="0">
+                <a:solidFill>
+                  <a:schemeClr val="tx1"/>
+                </a:solidFill>
+              </a:rPr>
+              <a:t>zdroje</a:t>
+            </a:r>
+          </a:p>
+          <a:p>
+            <a:pPr algn="just" eaLnBrk="1" hangingPunct="1">
+              <a:spcBef>
+                <a:spcPct val="50000"/>
+              </a:spcBef>
+              <a:buFont typeface="Arial" panose="020B0604020202020204" pitchFamily="34" charset="0"/>
+              <a:buNone/>
+            </a:pPr>
+            <a:endParaRPr lang="cs-CZ" altLang="cs-CZ" sz="1400" dirty="0">
+              <a:solidFill>
+                <a:schemeClr val="tx1"/>
+              </a:solidFill>
+            </a:endParaRPr>
+          </a:p>
+        </p:txBody>
+      </p:sp>
+      <p:sp>
+        <p:nvSpPr>
+          <p:cNvPr id="5126" name="Text Box 10">
+            <a:extLst>
+              <a:ext uri="{FF2B5EF4-FFF2-40B4-BE49-F238E27FC236}">
+                <a16:creationId xmlns:a16="http://schemas.microsoft.com/office/drawing/2014/main" id="{D0973997-4C32-C3CE-2AC1-983D94EE8A50}"/>
+              </a:ext>
+            </a:extLst>
+          </p:cNvPr>
+          <p:cNvSpPr txBox="1">
+            <a:spLocks noChangeArrowheads="1"/>
+          </p:cNvSpPr>
+          <p:nvPr/>
+        </p:nvSpPr>
+        <p:spPr bwMode="auto">
+          <a:xfrm>
+            <a:off x="4648200" y="500063"/>
+            <a:ext cx="4244975" cy="341312"/>
+          </a:xfrm>
+          <a:prstGeom prst="rect">
+            <a:avLst/>
+          </a:prstGeom>
+          <a:noFill/>
+          <a:ln>
+            <a:noFill/>
+          </a:ln>
+          <a:effectLst/>
+          <a:extLst>
+            <a:ext uri="{909E8E84-426E-40DD-AFC4-6F175D3DCCD1}">
+              <a14:hiddenFill xmlns:a14="http://schemas.microsoft.com/office/drawing/2010/main">
+                <a:solidFill>
+                  <a:srgbClr val="FFFFFF"/>
+                </a:solidFill>
+              </a14:hiddenFill>
+            </a:ext>
+            <a:ext uri="{91240B29-F687-4F45-9708-019B960494DF}">
+              <a14:hiddenLine xmlns:a14="http://schemas.microsoft.com/office/drawing/2010/main" w="9525">
+                <a:solidFill>
+                  <a:srgbClr val="000000"/>
+                </a:solidFill>
+                <a:round/>
+                <a:headEnd/>
+                <a:tailEnd/>
+              </a14:hiddenLine>
+            </a:ext>
+            <a:ext uri="{AF507438-7753-43E0-B8FC-AC1667EBCBE1}">
+              <a14:hiddenEffects xmlns:a14="http://schemas.microsoft.com/office/drawing/2010/main">
+                <a:effectLst>
+                  <a:outerShdw dist="35921" dir="2700000" algn="ctr" rotWithShape="0">
+                    <a:srgbClr val="808080"/>
+                  </a:outerShdw>
+                </a:effectLst>
+              </a14:hiddenEffects>
+            </a:ext>
+          </a:extLst>
+        </p:spPr>
+        <p:txBody>
+          <a:bodyPr lIns="90000" tIns="46800" rIns="90000" bIns="46800">
+            <a:spAutoFit/>
+          </a:bodyPr>
+          <a:lstStyle>
+            <a:lvl1pPr>
+              <a:lnSpc>
+                <a:spcPct val="76000"/>
+              </a:lnSpc>
+              <a:spcBef>
+                <a:spcPts val="800"/>
+              </a:spcBef>
+              <a:buClr>
+                <a:srgbClr val="000000"/>
+              </a:buClr>
+              <a:buSzPct val="100000"/>
+              <a:buFont typeface="Arial" panose="020B0604020202020204" pitchFamily="34" charset="0"/>
+              <a:buChar char="•"/>
+              <a:tabLst>
+                <a:tab pos="0" algn="l"/>
+                <a:tab pos="447675" algn="l"/>
+                <a:tab pos="896938" algn="l"/>
+                <a:tab pos="1346200" algn="l"/>
+                <a:tab pos="1795463" algn="l"/>
+                <a:tab pos="2244725" algn="l"/>
+                <a:tab pos="2693988" algn="l"/>
+                <a:tab pos="3143250" algn="l"/>
+                <a:tab pos="3592513" algn="l"/>
+                <a:tab pos="4041775" algn="l"/>
+                <a:tab pos="4491038" algn="l"/>
+                <a:tab pos="4940300" algn="l"/>
+                <a:tab pos="5389563" algn="l"/>
+                <a:tab pos="5838825" algn="l"/>
+                <a:tab pos="6288088" algn="l"/>
+                <a:tab pos="6737350" algn="l"/>
+                <a:tab pos="7186613" algn="l"/>
+                <a:tab pos="7635875" algn="l"/>
+                <a:tab pos="8085138" algn="l"/>
+                <a:tab pos="8534400" algn="l"/>
+                <a:tab pos="8983663" algn="l"/>
+              </a:tabLst>
+              <a:defRPr sz="3200">
+                <a:solidFill>
+                  <a:srgbClr val="000000"/>
+                </a:solidFill>
+                <a:latin typeface="Arial" panose="020B0604020202020204" pitchFamily="34" charset="0"/>
+                <a:ea typeface="MS Gothic" panose="020B0609070205080204" pitchFamily="49" charset="-128"/>
+              </a:defRPr>
+            </a:lvl1pPr>
+            <a:lvl2pPr marL="736600" indent="-279400">
+              <a:lnSpc>
+                <a:spcPct val="76000"/>
+              </a:lnSpc>
+              <a:spcBef>
+                <a:spcPts val="700"/>
+              </a:spcBef>
+              <a:buClr>
+                <a:srgbClr val="000000"/>
+              </a:buClr>
+              <a:buSzPct val="100000"/>
+              <a:buFont typeface="Arial" panose="020B0604020202020204" pitchFamily="34" charset="0"/>
+              <a:buChar char="–"/>
+              <a:tabLst>
+                <a:tab pos="0" algn="l"/>
+                <a:tab pos="447675" algn="l"/>
+                <a:tab pos="896938" algn="l"/>
+                <a:tab pos="1346200" algn="l"/>
+                <a:tab pos="1795463" algn="l"/>
+                <a:tab pos="2244725" algn="l"/>
+                <a:tab pos="2693988" algn="l"/>
+                <a:tab pos="3143250" algn="l"/>
+                <a:tab pos="3592513" algn="l"/>
+                <a:tab pos="4041775" algn="l"/>
+                <a:tab pos="4491038" algn="l"/>
+                <a:tab pos="4940300" algn="l"/>
+                <a:tab pos="5389563" algn="l"/>
+                <a:tab pos="5838825" algn="l"/>
+                <a:tab pos="6288088" algn="l"/>
+                <a:tab pos="6737350" algn="l"/>
+                <a:tab pos="7186613" algn="l"/>
+                <a:tab pos="7635875" algn="l"/>
+                <a:tab pos="8085138" algn="l"/>
+                <a:tab pos="8534400" algn="l"/>
+                <a:tab pos="8983663" algn="l"/>
+              </a:tabLst>
+              <a:defRPr sz="2800">
+                <a:solidFill>
+                  <a:srgbClr val="000000"/>
+                </a:solidFill>
+                <a:latin typeface="Arial" panose="020B0604020202020204" pitchFamily="34" charset="0"/>
+                <a:ea typeface="MS Gothic" panose="020B0609070205080204" pitchFamily="49" charset="-128"/>
+              </a:defRPr>
+            </a:lvl2pPr>
+            <a:lvl3pPr marL="1143000" indent="-228600">
+              <a:lnSpc>
+                <a:spcPct val="76000"/>
+              </a:lnSpc>
+              <a:spcBef>
+                <a:spcPts val="600"/>
+              </a:spcBef>
+              <a:buClr>
+                <a:srgbClr val="000000"/>
+              </a:buClr>
+              <a:buSzPct val="100000"/>
+              <a:buFont typeface="Arial" panose="020B0604020202020204" pitchFamily="34" charset="0"/>
+              <a:buChar char="•"/>
+              <a:tabLst>
+                <a:tab pos="0" algn="l"/>
+                <a:tab pos="447675" algn="l"/>
+                <a:tab pos="896938" algn="l"/>
+                <a:tab pos="1346200" algn="l"/>
+                <a:tab pos="1795463" algn="l"/>
+                <a:tab pos="2244725" algn="l"/>
+                <a:tab pos="2693988" algn="l"/>
+                <a:tab pos="3143250" algn="l"/>
+                <a:tab pos="3592513" algn="l"/>
+                <a:tab pos="4041775" algn="l"/>
+                <a:tab pos="4491038" algn="l"/>
+                <a:tab pos="4940300" algn="l"/>
+                <a:tab pos="5389563" algn="l"/>
+                <a:tab pos="5838825" algn="l"/>
+                <a:tab pos="6288088" algn="l"/>
+                <a:tab pos="6737350" algn="l"/>
+                <a:tab pos="7186613" algn="l"/>
+                <a:tab pos="7635875" algn="l"/>
+                <a:tab pos="8085138" algn="l"/>
+                <a:tab pos="8534400" algn="l"/>
+                <a:tab pos="8983663" algn="l"/>
+              </a:tabLst>
+              <a:defRPr sz="2400">
+                <a:solidFill>
+                  <a:srgbClr val="000000"/>
+                </a:solidFill>
+                <a:latin typeface="Arial" panose="020B0604020202020204" pitchFamily="34" charset="0"/>
+                <a:ea typeface="MS Gothic" panose="020B0609070205080204" pitchFamily="49" charset="-128"/>
+              </a:defRPr>
+            </a:lvl3pPr>
+            <a:lvl4pPr marL="1600200" indent="-228600">
+              <a:lnSpc>
+                <a:spcPct val="76000"/>
+              </a:lnSpc>
+              <a:spcBef>
+                <a:spcPts val="500"/>
+              </a:spcBef>
+              <a:buClr>
+                <a:srgbClr val="000000"/>
+              </a:buClr>
+              <a:buSzPct val="100000"/>
+              <a:buFont typeface="Arial" panose="020B0604020202020204" pitchFamily="34" charset="0"/>
+              <a:buChar char="–"/>
+              <a:tabLst>
+                <a:tab pos="0" algn="l"/>
+                <a:tab pos="447675" algn="l"/>
+                <a:tab pos="896938" algn="l"/>
+                <a:tab pos="1346200" algn="l"/>
+                <a:tab pos="1795463" algn="l"/>
+                <a:tab pos="2244725" algn="l"/>
+                <a:tab pos="2693988" algn="l"/>
+                <a:tab pos="3143250" algn="l"/>
+                <a:tab pos="3592513" algn="l"/>
+                <a:tab pos="4041775" algn="l"/>
+                <a:tab pos="4491038" algn="l"/>
+                <a:tab pos="4940300" algn="l"/>
+                <a:tab pos="5389563" algn="l"/>
+                <a:tab pos="5838825" algn="l"/>
+                <a:tab pos="6288088" algn="l"/>
+                <a:tab pos="6737350" algn="l"/>
+                <a:tab pos="7186613" algn="l"/>
+                <a:tab pos="7635875" algn="l"/>
+                <a:tab pos="8085138" algn="l"/>
+                <a:tab pos="8534400" algn="l"/>
+                <a:tab pos="8983663" algn="l"/>
+              </a:tabLst>
+              <a:defRPr sz="2000">
+                <a:solidFill>
+                  <a:srgbClr val="000000"/>
+                </a:solidFill>
+                <a:latin typeface="Arial" panose="020B0604020202020204" pitchFamily="34" charset="0"/>
+                <a:ea typeface="MS Gothic" panose="020B0609070205080204" pitchFamily="49" charset="-128"/>
+              </a:defRPr>
+            </a:lvl4pPr>
+            <a:lvl5pPr marL="2057400" indent="-228600">
+              <a:lnSpc>
+                <a:spcPct val="76000"/>
+              </a:lnSpc>
+              <a:spcBef>
+                <a:spcPts val="500"/>
+              </a:spcBef>
+              <a:buClr>
+                <a:srgbClr val="000000"/>
+              </a:buClr>
+              <a:buSzPct val="100000"/>
+              <a:buFont typeface="Arial" panose="020B0604020202020204" pitchFamily="34" charset="0"/>
+              <a:buChar char="»"/>
+              <a:tabLst>
+                <a:tab pos="0" algn="l"/>
+                <a:tab pos="447675" algn="l"/>
+                <a:tab pos="896938" algn="l"/>
+                <a:tab pos="1346200" algn="l"/>
+                <a:tab pos="1795463" algn="l"/>
+                <a:tab pos="2244725" algn="l"/>
+                <a:tab pos="2693988" algn="l"/>
+                <a:tab pos="3143250" algn="l"/>
+                <a:tab pos="3592513" algn="l"/>
+                <a:tab pos="4041775" algn="l"/>
+                <a:tab pos="4491038" algn="l"/>
+                <a:tab pos="4940300" algn="l"/>
+                <a:tab pos="5389563" algn="l"/>
+                <a:tab pos="5838825" algn="l"/>
+                <a:tab pos="6288088" algn="l"/>
+                <a:tab pos="6737350" algn="l"/>
+                <a:tab pos="7186613" algn="l"/>
+                <a:tab pos="7635875" algn="l"/>
+                <a:tab pos="8085138" algn="l"/>
+                <a:tab pos="8534400" algn="l"/>
+                <a:tab pos="8983663" algn="l"/>
+              </a:tabLst>
+              <a:defRPr sz="2000">
+                <a:solidFill>
+                  <a:srgbClr val="000000"/>
+                </a:solidFill>
+                <a:latin typeface="Arial" panose="020B0604020202020204" pitchFamily="34" charset="0"/>
+                <a:ea typeface="MS Gothic" panose="020B0609070205080204" pitchFamily="49" charset="-128"/>
+              </a:defRPr>
+            </a:lvl5pPr>
+            <a:lvl6pPr marL="2514600" indent="-228600" defTabSz="449263" eaLnBrk="0" fontAlgn="base" hangingPunct="0">
+              <a:lnSpc>
+                <a:spcPct val="76000"/>
+              </a:lnSpc>
+              <a:spcBef>
+                <a:spcPts val="500"/>
+              </a:spcBef>
+              <a:spcAft>
+                <a:spcPct val="0"/>
+              </a:spcAft>
+              <a:buClr>
+                <a:srgbClr val="000000"/>
+              </a:buClr>
+              <a:buSzPct val="100000"/>
+              <a:buFont typeface="Arial" panose="020B0604020202020204" pitchFamily="34" charset="0"/>
+              <a:buChar char="»"/>
+              <a:tabLst>
+                <a:tab pos="0" algn="l"/>
+                <a:tab pos="447675" algn="l"/>
+                <a:tab pos="896938" algn="l"/>
+                <a:tab pos="1346200" algn="l"/>
+                <a:tab pos="1795463" algn="l"/>
+                <a:tab pos="2244725" algn="l"/>
+                <a:tab pos="2693988" algn="l"/>
+                <a:tab pos="3143250" algn="l"/>
+                <a:tab pos="3592513" algn="l"/>
+                <a:tab pos="4041775" algn="l"/>
+                <a:tab pos="4491038" algn="l"/>
+                <a:tab pos="4940300" algn="l"/>
+                <a:tab pos="5389563" algn="l"/>
+                <a:tab pos="5838825" algn="l"/>
+                <a:tab pos="6288088" algn="l"/>
+                <a:tab pos="6737350" algn="l"/>
+                <a:tab pos="7186613" algn="l"/>
+                <a:tab pos="7635875" algn="l"/>
+                <a:tab pos="8085138" algn="l"/>
+                <a:tab pos="8534400" algn="l"/>
+                <a:tab pos="8983663" algn="l"/>
+              </a:tabLst>
+              <a:defRPr sz="2000">
+                <a:solidFill>
+                  <a:srgbClr val="000000"/>
+                </a:solidFill>
+                <a:latin typeface="Arial" panose="020B0604020202020204" pitchFamily="34" charset="0"/>
+                <a:ea typeface="MS Gothic" panose="020B0609070205080204" pitchFamily="49" charset="-128"/>
+              </a:defRPr>
+            </a:lvl6pPr>
+            <a:lvl7pPr marL="2971800" indent="-228600" defTabSz="449263" eaLnBrk="0" fontAlgn="base" hangingPunct="0">
+              <a:lnSpc>
+                <a:spcPct val="76000"/>
+              </a:lnSpc>
+              <a:spcBef>
+                <a:spcPts val="500"/>
+              </a:spcBef>
+              <a:spcAft>
+                <a:spcPct val="0"/>
+              </a:spcAft>
+              <a:buClr>
+                <a:srgbClr val="000000"/>
+              </a:buClr>
+              <a:buSzPct val="100000"/>
+              <a:buFont typeface="Arial" panose="020B0604020202020204" pitchFamily="34" charset="0"/>
+              <a:buChar char="»"/>
+              <a:tabLst>
+                <a:tab pos="0" algn="l"/>
+                <a:tab pos="447675" algn="l"/>
+                <a:tab pos="896938" algn="l"/>
+                <a:tab pos="1346200" algn="l"/>
+                <a:tab pos="1795463" algn="l"/>
+                <a:tab pos="2244725" algn="l"/>
+                <a:tab pos="2693988" algn="l"/>
+                <a:tab pos="3143250" algn="l"/>
+                <a:tab pos="3592513" algn="l"/>
+                <a:tab pos="4041775" algn="l"/>
+                <a:tab pos="4491038" algn="l"/>
+                <a:tab pos="4940300" algn="l"/>
+                <a:tab pos="5389563" algn="l"/>
+                <a:tab pos="5838825" algn="l"/>
+                <a:tab pos="6288088" algn="l"/>
+                <a:tab pos="6737350" algn="l"/>
+                <a:tab pos="7186613" algn="l"/>
+                <a:tab pos="7635875" algn="l"/>
+                <a:tab pos="8085138" algn="l"/>
+                <a:tab pos="8534400" algn="l"/>
+                <a:tab pos="8983663" algn="l"/>
+              </a:tabLst>
+              <a:defRPr sz="2000">
+                <a:solidFill>
+                  <a:srgbClr val="000000"/>
+                </a:solidFill>
+                <a:latin typeface="Arial" panose="020B0604020202020204" pitchFamily="34" charset="0"/>
+                <a:ea typeface="MS Gothic" panose="020B0609070205080204" pitchFamily="49" charset="-128"/>
+              </a:defRPr>
+            </a:lvl7pPr>
+            <a:lvl8pPr marL="3429000" indent="-228600" defTabSz="449263" eaLnBrk="0" fontAlgn="base" hangingPunct="0">
+              <a:lnSpc>
+                <a:spcPct val="76000"/>
+              </a:lnSpc>
+              <a:spcBef>
+                <a:spcPts val="500"/>
+              </a:spcBef>
+              <a:spcAft>
+                <a:spcPct val="0"/>
+              </a:spcAft>
+              <a:buClr>
+                <a:srgbClr val="000000"/>
+              </a:buClr>
+              <a:buSzPct val="100000"/>
+              <a:buFont typeface="Arial" panose="020B0604020202020204" pitchFamily="34" charset="0"/>
+              <a:buChar char="»"/>
+              <a:tabLst>
+                <a:tab pos="0" algn="l"/>
+                <a:tab pos="447675" algn="l"/>
+                <a:tab pos="896938" algn="l"/>
+                <a:tab pos="1346200" algn="l"/>
+                <a:tab pos="1795463" algn="l"/>
+                <a:tab pos="2244725" algn="l"/>
+                <a:tab pos="2693988" algn="l"/>
+                <a:tab pos="3143250" algn="l"/>
+                <a:tab pos="3592513" algn="l"/>
+                <a:tab pos="4041775" algn="l"/>
+                <a:tab pos="4491038" algn="l"/>
+                <a:tab pos="4940300" algn="l"/>
+                <a:tab pos="5389563" algn="l"/>
+                <a:tab pos="5838825" algn="l"/>
+                <a:tab pos="6288088" algn="l"/>
+                <a:tab pos="6737350" algn="l"/>
+                <a:tab pos="7186613" algn="l"/>
+                <a:tab pos="7635875" algn="l"/>
+                <a:tab pos="8085138" algn="l"/>
+                <a:tab pos="8534400" algn="l"/>
+                <a:tab pos="8983663" algn="l"/>
+              </a:tabLst>
+              <a:defRPr sz="2000">
+                <a:solidFill>
+                  <a:srgbClr val="000000"/>
+                </a:solidFill>
+                <a:latin typeface="Arial" panose="020B0604020202020204" pitchFamily="34" charset="0"/>
+                <a:ea typeface="MS Gothic" panose="020B0609070205080204" pitchFamily="49" charset="-128"/>
+              </a:defRPr>
+            </a:lvl8pPr>
+            <a:lvl9pPr marL="3886200" indent="-228600" defTabSz="449263" eaLnBrk="0" fontAlgn="base" hangingPunct="0">
+              <a:lnSpc>
+                <a:spcPct val="76000"/>
+              </a:lnSpc>
+              <a:spcBef>
+                <a:spcPts val="500"/>
+              </a:spcBef>
+              <a:spcAft>
+                <a:spcPct val="0"/>
+              </a:spcAft>
+              <a:buClr>
+                <a:srgbClr val="000000"/>
+              </a:buClr>
+              <a:buSzPct val="100000"/>
+              <a:buFont typeface="Arial" panose="020B0604020202020204" pitchFamily="34" charset="0"/>
+              <a:buChar char="»"/>
+              <a:tabLst>
+                <a:tab pos="0" algn="l"/>
+                <a:tab pos="447675" algn="l"/>
+                <a:tab pos="896938" algn="l"/>
+                <a:tab pos="1346200" algn="l"/>
+                <a:tab pos="1795463" algn="l"/>
+                <a:tab pos="2244725" algn="l"/>
+                <a:tab pos="2693988" algn="l"/>
+                <a:tab pos="3143250" algn="l"/>
+                <a:tab pos="3592513" algn="l"/>
+                <a:tab pos="4041775" algn="l"/>
+                <a:tab pos="4491038" algn="l"/>
+                <a:tab pos="4940300" algn="l"/>
+                <a:tab pos="5389563" algn="l"/>
+                <a:tab pos="5838825" algn="l"/>
+                <a:tab pos="6288088" algn="l"/>
+                <a:tab pos="6737350" algn="l"/>
+                <a:tab pos="7186613" algn="l"/>
+                <a:tab pos="7635875" algn="l"/>
+                <a:tab pos="8085138" algn="l"/>
+                <a:tab pos="8534400" algn="l"/>
+                <a:tab pos="8983663" algn="l"/>
+              </a:tabLst>
+              <a:defRPr sz="2000">
+                <a:solidFill>
+                  <a:srgbClr val="000000"/>
+                </a:solidFill>
+                <a:latin typeface="Arial" panose="020B0604020202020204" pitchFamily="34" charset="0"/>
+                <a:ea typeface="MS Gothic" panose="020B0609070205080204" pitchFamily="49" charset="-128"/>
+              </a:defRPr>
+            </a:lvl9pPr>
+          </a:lstStyle>
+          <a:p>
+            <a:pPr algn="r" eaLnBrk="1" hangingPunct="1">
+              <a:lnSpc>
+                <a:spcPct val="100000"/>
+              </a:lnSpc>
+              <a:spcBef>
+                <a:spcPts val="1000"/>
+              </a:spcBef>
+              <a:buFont typeface="Arial" panose="020B0604020202020204" pitchFamily="34" charset="0"/>
+              <a:buNone/>
+            </a:pPr>
+            <a:r>
+              <a:rPr lang="cs-CZ" altLang="cs-CZ" sz="1600" b="1">
+                <a:solidFill>
+                  <a:schemeClr val="bg1"/>
+                </a:solidFill>
+              </a:rPr>
+              <a:t>Obhajoba diplomové práce</a:t>
+            </a:r>
+            <a:endParaRPr lang="en-GB" altLang="cs-CZ" sz="1600" b="1">
+              <a:solidFill>
+                <a:schemeClr val="bg1"/>
+              </a:solidFill>
+            </a:endParaRPr>
+          </a:p>
+        </p:txBody>
+      </p:sp>
+      <p:sp>
+        <p:nvSpPr>
+          <p:cNvPr id="5128" name="Text Box 8">
+            <a:extLst>
+              <a:ext uri="{FF2B5EF4-FFF2-40B4-BE49-F238E27FC236}">
+                <a16:creationId xmlns:a16="http://schemas.microsoft.com/office/drawing/2014/main" id="{2B71199D-DEB2-8ABC-17E1-A12C65D5D1E3}"/>
+              </a:ext>
+            </a:extLst>
+          </p:cNvPr>
+          <p:cNvSpPr txBox="1">
+            <a:spLocks noChangeArrowheads="1"/>
+          </p:cNvSpPr>
+          <p:nvPr/>
+        </p:nvSpPr>
+        <p:spPr bwMode="auto">
+          <a:xfrm>
+            <a:off x="6877050" y="6524625"/>
+            <a:ext cx="2160588" cy="211138"/>
+          </a:xfrm>
+          <a:prstGeom prst="rect">
+            <a:avLst/>
+          </a:prstGeom>
+          <a:noFill/>
+          <a:ln>
+            <a:noFill/>
+          </a:ln>
+          <a:effectLst/>
+          <a:extLst>
+            <a:ext uri="{909E8E84-426E-40DD-AFC4-6F175D3DCCD1}">
+              <a14:hiddenFill xmlns:a14="http://schemas.microsoft.com/office/drawing/2010/main">
+                <a:solidFill>
+                  <a:srgbClr val="FFFFFF"/>
+                </a:solidFill>
+              </a14:hiddenFill>
+            </a:ext>
+            <a:ext uri="{91240B29-F687-4F45-9708-019B960494DF}">
+              <a14:hiddenLine xmlns:a14="http://schemas.microsoft.com/office/drawing/2010/main" w="9525" algn="ctr">
+                <a:solidFill>
+                  <a:srgbClr val="000000"/>
+                </a:solidFill>
+                <a:miter lim="800000"/>
+                <a:headEnd/>
+                <a:tailEnd/>
+              </a14:hiddenLine>
+            </a:ext>
+            <a:ext uri="{AF507438-7753-43E0-B8FC-AC1667EBCBE1}">
+              <a14:hiddenEffects xmlns:a14="http://schemas.microsoft.com/office/drawing/2010/main">
+                <a:effectLst>
+                  <a:outerShdw dist="35921" dir="2700000" algn="ctr" rotWithShape="0">
+                    <a:srgbClr val="808080"/>
+                  </a:outerShdw>
+                </a:effectLst>
+              </a14:hiddenEffects>
+            </a:ext>
+          </a:extLst>
+        </p:spPr>
+        <p:txBody>
+          <a:bodyPr lIns="90000" tIns="46800" rIns="90000" bIns="46800">
+            <a:spAutoFit/>
+          </a:bodyPr>
+          <a:lstStyle>
+            <a:lvl1pPr>
+              <a:lnSpc>
+                <a:spcPct val="76000"/>
+              </a:lnSpc>
+              <a:spcBef>
+                <a:spcPts val="800"/>
+              </a:spcBef>
+              <a:buClr>
+                <a:srgbClr val="000000"/>
+              </a:buClr>
+              <a:buSzPct val="100000"/>
+              <a:buFont typeface="Arial" panose="020B0604020202020204" pitchFamily="34" charset="0"/>
+              <a:buChar char="•"/>
+              <a:tabLst>
+                <a:tab pos="0" algn="l"/>
+                <a:tab pos="447675" algn="l"/>
+                <a:tab pos="896938" algn="l"/>
+                <a:tab pos="1346200" algn="l"/>
+                <a:tab pos="1795463" algn="l"/>
+                <a:tab pos="2244725" algn="l"/>
+                <a:tab pos="2693988" algn="l"/>
+                <a:tab pos="3143250" algn="l"/>
+                <a:tab pos="3592513" algn="l"/>
+                <a:tab pos="4041775" algn="l"/>
+                <a:tab pos="4491038" algn="l"/>
+                <a:tab pos="4940300" algn="l"/>
+                <a:tab pos="5389563" algn="l"/>
+                <a:tab pos="5838825" algn="l"/>
+                <a:tab pos="6288088" algn="l"/>
+                <a:tab pos="6737350" algn="l"/>
+                <a:tab pos="7186613" algn="l"/>
+                <a:tab pos="7635875" algn="l"/>
+                <a:tab pos="8085138" algn="l"/>
+                <a:tab pos="8534400" algn="l"/>
+                <a:tab pos="8983663" algn="l"/>
+              </a:tabLst>
+              <a:defRPr sz="3200">
+                <a:solidFill>
+                  <a:srgbClr val="000000"/>
+                </a:solidFill>
+                <a:latin typeface="Arial" panose="020B0604020202020204" pitchFamily="34" charset="0"/>
+                <a:ea typeface="MS Gothic" panose="020B0609070205080204" pitchFamily="49" charset="-128"/>
+              </a:defRPr>
+            </a:lvl1pPr>
+            <a:lvl2pPr marL="736600" indent="-279400">
+              <a:lnSpc>
+                <a:spcPct val="76000"/>
+              </a:lnSpc>
+              <a:spcBef>
+                <a:spcPts val="700"/>
+              </a:spcBef>
+              <a:buClr>
+                <a:srgbClr val="000000"/>
+              </a:buClr>
+              <a:buSzPct val="100000"/>
+              <a:buFont typeface="Arial" panose="020B0604020202020204" pitchFamily="34" charset="0"/>
+              <a:buChar char="–"/>
+              <a:tabLst>
+                <a:tab pos="0" algn="l"/>
+                <a:tab pos="447675" algn="l"/>
+                <a:tab pos="896938" algn="l"/>
+                <a:tab pos="1346200" algn="l"/>
+                <a:tab pos="1795463" algn="l"/>
+                <a:tab pos="2244725" algn="l"/>
+                <a:tab pos="2693988" algn="l"/>
+                <a:tab pos="3143250" algn="l"/>
+                <a:tab pos="3592513" algn="l"/>
+                <a:tab pos="4041775" algn="l"/>
+                <a:tab pos="4491038" algn="l"/>
+                <a:tab pos="4940300" algn="l"/>
+                <a:tab pos="5389563" algn="l"/>
+                <a:tab pos="5838825" algn="l"/>
+                <a:tab pos="6288088" algn="l"/>
+                <a:tab pos="6737350" algn="l"/>
+                <a:tab pos="7186613" algn="l"/>
+                <a:tab pos="7635875" algn="l"/>
+                <a:tab pos="8085138" algn="l"/>
+                <a:tab pos="8534400" algn="l"/>
+                <a:tab pos="8983663" algn="l"/>
+              </a:tabLst>
+              <a:defRPr sz="2800">
+                <a:solidFill>
+                  <a:srgbClr val="000000"/>
+                </a:solidFill>
+                <a:latin typeface="Arial" panose="020B0604020202020204" pitchFamily="34" charset="0"/>
+                <a:ea typeface="MS Gothic" panose="020B0609070205080204" pitchFamily="49" charset="-128"/>
+              </a:defRPr>
+            </a:lvl2pPr>
+            <a:lvl3pPr marL="1143000" indent="-228600">
+              <a:lnSpc>
+                <a:spcPct val="76000"/>
+              </a:lnSpc>
+              <a:spcBef>
+                <a:spcPts val="600"/>
+              </a:spcBef>
+              <a:buClr>
+                <a:srgbClr val="000000"/>
+              </a:buClr>
+              <a:buSzPct val="100000"/>
+              <a:buFont typeface="Arial" panose="020B0604020202020204" pitchFamily="34" charset="0"/>
+              <a:buChar char="•"/>
+              <a:tabLst>
+                <a:tab pos="0" algn="l"/>
+                <a:tab pos="447675" algn="l"/>
+                <a:tab pos="896938" algn="l"/>
+                <a:tab pos="1346200" algn="l"/>
+                <a:tab pos="1795463" algn="l"/>
+                <a:tab pos="2244725" algn="l"/>
+                <a:tab pos="2693988" algn="l"/>
+                <a:tab pos="3143250" algn="l"/>
+                <a:tab pos="3592513" algn="l"/>
+                <a:tab pos="4041775" algn="l"/>
+                <a:tab pos="4491038" algn="l"/>
+                <a:tab pos="4940300" algn="l"/>
+                <a:tab pos="5389563" algn="l"/>
+                <a:tab pos="5838825" algn="l"/>
+                <a:tab pos="6288088" algn="l"/>
+                <a:tab pos="6737350" algn="l"/>
+                <a:tab pos="7186613" algn="l"/>
+                <a:tab pos="7635875" algn="l"/>
+                <a:tab pos="8085138" algn="l"/>
+                <a:tab pos="8534400" algn="l"/>
+                <a:tab pos="8983663" algn="l"/>
+              </a:tabLst>
+              <a:defRPr sz="2400">
+                <a:solidFill>
+                  <a:srgbClr val="000000"/>
+                </a:solidFill>
+                <a:latin typeface="Arial" panose="020B0604020202020204" pitchFamily="34" charset="0"/>
+                <a:ea typeface="MS Gothic" panose="020B0609070205080204" pitchFamily="49" charset="-128"/>
+              </a:defRPr>
+            </a:lvl3pPr>
+            <a:lvl4pPr marL="1600200" indent="-228600">
+              <a:lnSpc>
+                <a:spcPct val="76000"/>
+              </a:lnSpc>
+              <a:spcBef>
+                <a:spcPts val="500"/>
+              </a:spcBef>
+              <a:buClr>
+                <a:srgbClr val="000000"/>
+              </a:buClr>
+              <a:buSzPct val="100000"/>
+              <a:buFont typeface="Arial" panose="020B0604020202020204" pitchFamily="34" charset="0"/>
+              <a:buChar char="–"/>
+              <a:tabLst>
+                <a:tab pos="0" algn="l"/>
+                <a:tab pos="447675" algn="l"/>
+                <a:tab pos="896938" algn="l"/>
+                <a:tab pos="1346200" algn="l"/>
+                <a:tab pos="1795463" algn="l"/>
+                <a:tab pos="2244725" algn="l"/>
+                <a:tab pos="2693988" algn="l"/>
+                <a:tab pos="3143250" algn="l"/>
+                <a:tab pos="3592513" algn="l"/>
+                <a:tab pos="4041775" algn="l"/>
+                <a:tab pos="4491038" algn="l"/>
+                <a:tab pos="4940300" algn="l"/>
+                <a:tab pos="5389563" algn="l"/>
+                <a:tab pos="5838825" algn="l"/>
+                <a:tab pos="6288088" algn="l"/>
+                <a:tab pos="6737350" algn="l"/>
+                <a:tab pos="7186613" algn="l"/>
+                <a:tab pos="7635875" algn="l"/>
+                <a:tab pos="8085138" algn="l"/>
+                <a:tab pos="8534400" algn="l"/>
+                <a:tab pos="8983663" algn="l"/>
+              </a:tabLst>
+              <a:defRPr sz="2000">
+                <a:solidFill>
+                  <a:srgbClr val="000000"/>
+                </a:solidFill>
+                <a:latin typeface="Arial" panose="020B0604020202020204" pitchFamily="34" charset="0"/>
+                <a:ea typeface="MS Gothic" panose="020B0609070205080204" pitchFamily="49" charset="-128"/>
+              </a:defRPr>
+            </a:lvl4pPr>
+            <a:lvl5pPr marL="2057400" indent="-228600">
+              <a:lnSpc>
+                <a:spcPct val="76000"/>
+              </a:lnSpc>
+              <a:spcBef>
+                <a:spcPts val="500"/>
+              </a:spcBef>
+              <a:buClr>
+                <a:srgbClr val="000000"/>
+              </a:buClr>
+              <a:buSzPct val="100000"/>
+              <a:buFont typeface="Arial" panose="020B0604020202020204" pitchFamily="34" charset="0"/>
+              <a:buChar char="»"/>
+              <a:tabLst>
+                <a:tab pos="0" algn="l"/>
+                <a:tab pos="447675" algn="l"/>
+                <a:tab pos="896938" algn="l"/>
+                <a:tab pos="1346200" algn="l"/>
+                <a:tab pos="1795463" algn="l"/>
+                <a:tab pos="2244725" algn="l"/>
+                <a:tab pos="2693988" algn="l"/>
+                <a:tab pos="3143250" algn="l"/>
+                <a:tab pos="3592513" algn="l"/>
+                <a:tab pos="4041775" algn="l"/>
+                <a:tab pos="4491038" algn="l"/>
+                <a:tab pos="4940300" algn="l"/>
+                <a:tab pos="5389563" algn="l"/>
+                <a:tab pos="5838825" algn="l"/>
+                <a:tab pos="6288088" algn="l"/>
+                <a:tab pos="6737350" algn="l"/>
+                <a:tab pos="7186613" algn="l"/>
+                <a:tab pos="7635875" algn="l"/>
+                <a:tab pos="8085138" algn="l"/>
+                <a:tab pos="8534400" algn="l"/>
+                <a:tab pos="8983663" algn="l"/>
+              </a:tabLst>
+              <a:defRPr sz="2000">
+                <a:solidFill>
+                  <a:srgbClr val="000000"/>
+                </a:solidFill>
+                <a:latin typeface="Arial" panose="020B0604020202020204" pitchFamily="34" charset="0"/>
+                <a:ea typeface="MS Gothic" panose="020B0609070205080204" pitchFamily="49" charset="-128"/>
+              </a:defRPr>
+            </a:lvl5pPr>
+            <a:lvl6pPr marL="2514600" indent="-228600" defTabSz="449263" eaLnBrk="0" fontAlgn="base" hangingPunct="0">
+              <a:lnSpc>
+                <a:spcPct val="76000"/>
+              </a:lnSpc>
+              <a:spcBef>
+                <a:spcPts val="500"/>
+              </a:spcBef>
+              <a:spcAft>
+                <a:spcPct val="0"/>
+              </a:spcAft>
+              <a:buClr>
+                <a:srgbClr val="000000"/>
+              </a:buClr>
+              <a:buSzPct val="100000"/>
+              <a:buFont typeface="Arial" panose="020B0604020202020204" pitchFamily="34" charset="0"/>
+              <a:buChar char="»"/>
+              <a:tabLst>
+                <a:tab pos="0" algn="l"/>
+                <a:tab pos="447675" algn="l"/>
+                <a:tab pos="896938" algn="l"/>
+                <a:tab pos="1346200" algn="l"/>
+                <a:tab pos="1795463" algn="l"/>
+                <a:tab pos="2244725" algn="l"/>
+                <a:tab pos="2693988" algn="l"/>
+                <a:tab pos="3143250" algn="l"/>
+                <a:tab pos="3592513" algn="l"/>
+                <a:tab pos="4041775" algn="l"/>
+                <a:tab pos="4491038" algn="l"/>
+                <a:tab pos="4940300" algn="l"/>
+                <a:tab pos="5389563" algn="l"/>
+                <a:tab pos="5838825" algn="l"/>
+                <a:tab pos="6288088" algn="l"/>
+                <a:tab pos="6737350" algn="l"/>
+                <a:tab pos="7186613" algn="l"/>
+                <a:tab pos="7635875" algn="l"/>
+                <a:tab pos="8085138" algn="l"/>
+                <a:tab pos="8534400" algn="l"/>
+                <a:tab pos="8983663" algn="l"/>
+              </a:tabLst>
+              <a:defRPr sz="2000">
+                <a:solidFill>
+                  <a:srgbClr val="000000"/>
+                </a:solidFill>
+                <a:latin typeface="Arial" panose="020B0604020202020204" pitchFamily="34" charset="0"/>
+                <a:ea typeface="MS Gothic" panose="020B0609070205080204" pitchFamily="49" charset="-128"/>
+              </a:defRPr>
+            </a:lvl6pPr>
+            <a:lvl7pPr marL="2971800" indent="-228600" defTabSz="449263" eaLnBrk="0" fontAlgn="base" hangingPunct="0">
+              <a:lnSpc>
+                <a:spcPct val="76000"/>
+              </a:lnSpc>
+              <a:spcBef>
+                <a:spcPts val="500"/>
+              </a:spcBef>
+              <a:spcAft>
+                <a:spcPct val="0"/>
+              </a:spcAft>
+              <a:buClr>
+                <a:srgbClr val="000000"/>
+              </a:buClr>
+              <a:buSzPct val="100000"/>
+              <a:buFont typeface="Arial" panose="020B0604020202020204" pitchFamily="34" charset="0"/>
+              <a:buChar char="»"/>
+              <a:tabLst>
+                <a:tab pos="0" algn="l"/>
+                <a:tab pos="447675" algn="l"/>
+                <a:tab pos="896938" algn="l"/>
+                <a:tab pos="1346200" algn="l"/>
+                <a:tab pos="1795463" algn="l"/>
+                <a:tab pos="2244725" algn="l"/>
+                <a:tab pos="2693988" algn="l"/>
+                <a:tab pos="3143250" algn="l"/>
+                <a:tab pos="3592513" algn="l"/>
+                <a:tab pos="4041775" algn="l"/>
+                <a:tab pos="4491038" algn="l"/>
+                <a:tab pos="4940300" algn="l"/>
+                <a:tab pos="5389563" algn="l"/>
+                <a:tab pos="5838825" algn="l"/>
+                <a:tab pos="6288088" algn="l"/>
+                <a:tab pos="6737350" algn="l"/>
+                <a:tab pos="7186613" algn="l"/>
+                <a:tab pos="7635875" algn="l"/>
+                <a:tab pos="8085138" algn="l"/>
+                <a:tab pos="8534400" algn="l"/>
+                <a:tab pos="8983663" algn="l"/>
+              </a:tabLst>
+              <a:defRPr sz="2000">
+                <a:solidFill>
+                  <a:srgbClr val="000000"/>
+                </a:solidFill>
+                <a:latin typeface="Arial" panose="020B0604020202020204" pitchFamily="34" charset="0"/>
+                <a:ea typeface="MS Gothic" panose="020B0609070205080204" pitchFamily="49" charset="-128"/>
+              </a:defRPr>
+            </a:lvl7pPr>
+            <a:lvl8pPr marL="3429000" indent="-228600" defTabSz="449263" eaLnBrk="0" fontAlgn="base" hangingPunct="0">
+              <a:lnSpc>
+                <a:spcPct val="76000"/>
+              </a:lnSpc>
+              <a:spcBef>
+                <a:spcPts val="500"/>
+              </a:spcBef>
+              <a:spcAft>
+                <a:spcPct val="0"/>
+              </a:spcAft>
+              <a:buClr>
+                <a:srgbClr val="000000"/>
+              </a:buClr>
+              <a:buSzPct val="100000"/>
+              <a:buFont typeface="Arial" panose="020B0604020202020204" pitchFamily="34" charset="0"/>
+              <a:buChar char="»"/>
+              <a:tabLst>
+                <a:tab pos="0" algn="l"/>
+                <a:tab pos="447675" algn="l"/>
+                <a:tab pos="896938" algn="l"/>
+                <a:tab pos="1346200" algn="l"/>
+                <a:tab pos="1795463" algn="l"/>
+                <a:tab pos="2244725" algn="l"/>
+                <a:tab pos="2693988" algn="l"/>
+                <a:tab pos="3143250" algn="l"/>
+                <a:tab pos="3592513" algn="l"/>
+                <a:tab pos="4041775" algn="l"/>
+                <a:tab pos="4491038" algn="l"/>
+                <a:tab pos="4940300" algn="l"/>
+                <a:tab pos="5389563" algn="l"/>
+                <a:tab pos="5838825" algn="l"/>
+                <a:tab pos="6288088" algn="l"/>
+                <a:tab pos="6737350" algn="l"/>
+                <a:tab pos="7186613" algn="l"/>
+                <a:tab pos="7635875" algn="l"/>
+                <a:tab pos="8085138" algn="l"/>
+                <a:tab pos="8534400" algn="l"/>
+                <a:tab pos="8983663" algn="l"/>
+              </a:tabLst>
+              <a:defRPr sz="2000">
+                <a:solidFill>
+                  <a:srgbClr val="000000"/>
+                </a:solidFill>
+                <a:latin typeface="Arial" panose="020B0604020202020204" pitchFamily="34" charset="0"/>
+                <a:ea typeface="MS Gothic" panose="020B0609070205080204" pitchFamily="49" charset="-128"/>
+              </a:defRPr>
+            </a:lvl8pPr>
+            <a:lvl9pPr marL="3886200" indent="-228600" defTabSz="449263" eaLnBrk="0" fontAlgn="base" hangingPunct="0">
+              <a:lnSpc>
+                <a:spcPct val="76000"/>
+              </a:lnSpc>
+              <a:spcBef>
+                <a:spcPts val="500"/>
+              </a:spcBef>
+              <a:spcAft>
+                <a:spcPct val="0"/>
+              </a:spcAft>
+              <a:buClr>
+                <a:srgbClr val="000000"/>
+              </a:buClr>
+              <a:buSzPct val="100000"/>
+              <a:buFont typeface="Arial" panose="020B0604020202020204" pitchFamily="34" charset="0"/>
+              <a:buChar char="»"/>
+              <a:tabLst>
+                <a:tab pos="0" algn="l"/>
+                <a:tab pos="447675" algn="l"/>
+                <a:tab pos="896938" algn="l"/>
+                <a:tab pos="1346200" algn="l"/>
+                <a:tab pos="1795463" algn="l"/>
+                <a:tab pos="2244725" algn="l"/>
+                <a:tab pos="2693988" algn="l"/>
+                <a:tab pos="3143250" algn="l"/>
+                <a:tab pos="3592513" algn="l"/>
+                <a:tab pos="4041775" algn="l"/>
+                <a:tab pos="4491038" algn="l"/>
+                <a:tab pos="4940300" algn="l"/>
+                <a:tab pos="5389563" algn="l"/>
+                <a:tab pos="5838825" algn="l"/>
+                <a:tab pos="6288088" algn="l"/>
+                <a:tab pos="6737350" algn="l"/>
+                <a:tab pos="7186613" algn="l"/>
+                <a:tab pos="7635875" algn="l"/>
+                <a:tab pos="8085138" algn="l"/>
+                <a:tab pos="8534400" algn="l"/>
+                <a:tab pos="8983663" algn="l"/>
+              </a:tabLst>
+              <a:defRPr sz="2000">
+                <a:solidFill>
+                  <a:srgbClr val="000000"/>
+                </a:solidFill>
+                <a:latin typeface="Arial" panose="020B0604020202020204" pitchFamily="34" charset="0"/>
+                <a:ea typeface="MS Gothic" panose="020B0609070205080204" pitchFamily="49" charset="-128"/>
+              </a:defRPr>
+            </a:lvl9pPr>
+          </a:lstStyle>
+          <a:p>
+            <a:pPr algn="r" eaLnBrk="1" hangingPunct="1">
+              <a:spcBef>
+                <a:spcPct val="50000"/>
+              </a:spcBef>
+              <a:buFont typeface="Arial" panose="020B0604020202020204" pitchFamily="34" charset="0"/>
+              <a:buNone/>
+            </a:pPr>
+            <a:r>
+              <a:rPr lang="cs-CZ" altLang="cs-CZ" sz="1000" dirty="0">
+                <a:solidFill>
+                  <a:schemeClr val="bg1"/>
+                </a:solidFill>
+              </a:rPr>
+              <a:t>Bc. Martin Novák</a:t>
+            </a:r>
+          </a:p>
+        </p:txBody>
+      </p:sp>
+      <p:sp>
+        <p:nvSpPr>
+          <p:cNvPr id="2" name="Rectangle 1">
+            <a:extLst>
+              <a:ext uri="{FF2B5EF4-FFF2-40B4-BE49-F238E27FC236}">
+                <a16:creationId xmlns:a16="http://schemas.microsoft.com/office/drawing/2014/main" id="{66813A89-3E4E-DFB3-441A-E9C767F5504F}"/>
+              </a:ext>
+            </a:extLst>
+          </p:cNvPr>
+          <p:cNvSpPr>
+            <a:spLocks noChangeArrowheads="1"/>
+          </p:cNvSpPr>
+          <p:nvPr/>
+        </p:nvSpPr>
+        <p:spPr bwMode="auto">
+          <a:xfrm>
+            <a:off x="232916" y="2641375"/>
+            <a:ext cx="8804721" cy="2231380"/>
+          </a:xfrm>
+          <a:prstGeom prst="rect">
+            <a:avLst/>
+          </a:prstGeom>
+          <a:noFill/>
+          <a:ln>
+            <a:noFill/>
+          </a:ln>
+          <a:effectLst/>
+          <a:extLst>
+            <a:ext uri="{909E8E84-426E-40DD-AFC4-6F175D3DCCD1}">
+              <a14:hiddenFill xmlns:a14="http://schemas.microsoft.com/office/drawing/2010/main">
+                <a:solidFill>
+                  <a:schemeClr val="accent1"/>
+                </a:solidFill>
+              </a14:hiddenFill>
+            </a:ext>
+            <a:ext uri="{91240B29-F687-4F45-9708-019B960494DF}">
+              <a14:hiddenLine xmlns:a14="http://schemas.microsoft.com/office/drawing/2010/main" w="9525">
+                <a:solidFill>
+                  <a:schemeClr val="tx1"/>
+                </a:solidFill>
+                <a:miter lim="800000"/>
+                <a:headEnd/>
+                <a:tailEnd/>
+              </a14:hiddenLine>
+            </a:ext>
+            <a:ext uri="{AF507438-7753-43E0-B8FC-AC1667EBCBE1}">
+              <a14:hiddenEffects xmlns:a14="http://schemas.microsoft.com/office/drawing/2010/main">
+                <a:effectLst>
+                  <a:outerShdw dist="35921" dir="2700000" algn="ctr" rotWithShape="0">
+                    <a:schemeClr val="bg2"/>
+                  </a:outerShdw>
+                </a:effectLst>
+              </a14:hiddenEffects>
+            </a:ext>
+          </a:extLst>
+        </p:spPr>
+        <p:txBody>
+          <a:bodyPr vert="horz" wrap="square" lIns="91440" tIns="45720" rIns="91440" bIns="45720" numCol="1" anchor="ctr" anchorCtr="0" compatLnSpc="1">
+            <a:prstTxWarp prst="textNoShape">
+              <a:avLst/>
+            </a:prstTxWarp>
+            <a:spAutoFit/>
+          </a:bodyPr>
+          <a:lstStyle>
+            <a:lvl1pPr>
+              <a:defRPr>
+                <a:solidFill>
+                  <a:schemeClr val="tx1"/>
+                </a:solidFill>
+                <a:latin typeface="Arial" panose="020B0604020202020204" pitchFamily="34" charset="0"/>
+              </a:defRPr>
+            </a:lvl1pPr>
+            <a:lvl2pPr>
+              <a:defRPr>
+                <a:solidFill>
+                  <a:schemeClr val="tx1"/>
+                </a:solidFill>
+                <a:latin typeface="Arial" panose="020B0604020202020204" pitchFamily="34" charset="0"/>
+              </a:defRPr>
+            </a:lvl2pPr>
+            <a:lvl3pPr>
+              <a:defRPr>
+                <a:solidFill>
+                  <a:schemeClr val="tx1"/>
+                </a:solidFill>
+                <a:latin typeface="Arial" panose="020B0604020202020204" pitchFamily="34" charset="0"/>
+              </a:defRPr>
+            </a:lvl3pPr>
+            <a:lvl4pPr>
+              <a:defRPr>
+                <a:solidFill>
+                  <a:schemeClr val="tx1"/>
+                </a:solidFill>
+                <a:latin typeface="Arial" panose="020B0604020202020204" pitchFamily="34" charset="0"/>
+              </a:defRPr>
+            </a:lvl4pPr>
+            <a:lvl5pPr>
+              <a:defRPr>
+                <a:solidFill>
+                  <a:schemeClr val="tx1"/>
+                </a:solidFill>
+                <a:latin typeface="Arial" panose="020B0604020202020204" pitchFamily="34" charset="0"/>
+              </a:defRPr>
+            </a:lvl5pPr>
+            <a:lvl6pPr eaLnBrk="0" fontAlgn="base" hangingPunct="0">
+              <a:spcBef>
+                <a:spcPct val="0"/>
+              </a:spcBef>
+              <a:spcAft>
+                <a:spcPct val="0"/>
+              </a:spcAft>
+              <a:defRPr>
+                <a:solidFill>
+                  <a:schemeClr val="tx1"/>
+                </a:solidFill>
+                <a:latin typeface="Arial" panose="020B0604020202020204" pitchFamily="34" charset="0"/>
+              </a:defRPr>
+            </a:lvl6pPr>
+            <a:lvl7pPr eaLnBrk="0" fontAlgn="base" hangingPunct="0">
+              <a:spcBef>
+                <a:spcPct val="0"/>
+              </a:spcBef>
+              <a:spcAft>
+                <a:spcPct val="0"/>
+              </a:spcAft>
+              <a:defRPr>
+                <a:solidFill>
+                  <a:schemeClr val="tx1"/>
+                </a:solidFill>
+                <a:latin typeface="Arial" panose="020B0604020202020204" pitchFamily="34" charset="0"/>
+              </a:defRPr>
+            </a:lvl7pPr>
+            <a:lvl8pPr eaLnBrk="0" fontAlgn="base" hangingPunct="0">
+              <a:spcBef>
+                <a:spcPct val="0"/>
+              </a:spcBef>
+              <a:spcAft>
+                <a:spcPct val="0"/>
+              </a:spcAft>
+              <a:defRPr>
+                <a:solidFill>
+                  <a:schemeClr val="tx1"/>
+                </a:solidFill>
+                <a:latin typeface="Arial" panose="020B0604020202020204" pitchFamily="34" charset="0"/>
+              </a:defRPr>
+            </a:lvl8pPr>
+            <a:lvl9pPr eaLnBrk="0" fontAlgn="base" hangingPunct="0">
+              <a:spcBef>
+                <a:spcPct val="0"/>
+              </a:spcBef>
+              <a:spcAft>
+                <a:spcPct val="0"/>
+              </a:spcAft>
+              <a:defRPr>
+                <a:solidFill>
+                  <a:schemeClr val="tx1"/>
+                </a:solidFill>
+                <a:latin typeface="Arial" panose="020B0604020202020204" pitchFamily="34" charset="0"/>
+              </a:defRPr>
+            </a:lvl9pPr>
+          </a:lstStyle>
+          <a:p>
+            <a:pPr marL="0" marR="0" lvl="0" indent="0" defTabSz="914400" rtl="0" eaLnBrk="0" fontAlgn="base" latinLnBrk="0" hangingPunct="0">
+              <a:lnSpc>
+                <a:spcPct val="100000"/>
+              </a:lnSpc>
+              <a:spcBef>
+                <a:spcPct val="0"/>
+              </a:spcBef>
+              <a:spcAft>
+                <a:spcPts val="1200"/>
+              </a:spcAft>
+              <a:buClrTx/>
+              <a:buSzTx/>
+              <a:buFontTx/>
+              <a:buNone/>
+              <a:tabLst/>
+            </a:pPr>
+            <a:r>
+              <a:rPr kumimoji="0" lang="cs-CZ" altLang="cs-CZ" sz="1100" b="0" i="0" u="none" strike="noStrike" cap="none" normalizeH="0" baseline="0" dirty="0">
+                <a:ln>
+                  <a:noFill/>
+                </a:ln>
+                <a:solidFill>
+                  <a:schemeClr val="tx1"/>
+                </a:solidFill>
+                <a:effectLst/>
+                <a:latin typeface="Aptos" panose="020B0004020202020204" pitchFamily="34" charset="0"/>
+                <a:ea typeface="Times New Roman" panose="02020603050405020304" pitchFamily="18" charset="0"/>
+                <a:cs typeface="Times New Roman" panose="02020603050405020304" pitchFamily="18" charset="0"/>
+              </a:rPr>
+              <a:t>[1] 	</a:t>
+            </a:r>
+            <a:r>
+              <a:rPr kumimoji="0" lang="cs-CZ" altLang="cs-CZ" sz="1100" b="0" i="1" u="none" strike="noStrike" cap="none" normalizeH="0" baseline="0" dirty="0">
+                <a:ln>
+                  <a:noFill/>
+                </a:ln>
+                <a:solidFill>
+                  <a:schemeClr val="tx1"/>
+                </a:solidFill>
+                <a:effectLst/>
+                <a:latin typeface="Aptos" panose="020B0004020202020204" pitchFamily="34" charset="0"/>
+                <a:ea typeface="Times New Roman" panose="02020603050405020304" pitchFamily="18" charset="0"/>
+                <a:cs typeface="Times New Roman" panose="02020603050405020304" pitchFamily="18" charset="0"/>
+              </a:rPr>
+              <a:t>20210111080102!STM32_logo.png (166×166)</a:t>
+            </a:r>
+            <a:r>
+              <a:rPr kumimoji="0" lang="cs-CZ" altLang="cs-CZ" sz="1100" b="0" i="0" u="none" strike="noStrike" cap="none" normalizeH="0" baseline="0" dirty="0">
+                <a:ln>
+                  <a:noFill/>
+                </a:ln>
+                <a:solidFill>
+                  <a:schemeClr val="tx1"/>
+                </a:solidFill>
+                <a:effectLst/>
+                <a:latin typeface="Aptos" panose="020B0004020202020204" pitchFamily="34" charset="0"/>
+                <a:ea typeface="Times New Roman" panose="02020603050405020304" pitchFamily="18" charset="0"/>
+                <a:cs typeface="Times New Roman" panose="02020603050405020304" pitchFamily="18" charset="0"/>
+              </a:rPr>
+              <a:t> [online]. [</a:t>
+            </a:r>
+            <a:r>
+              <a:rPr kumimoji="0" lang="cs-CZ" altLang="cs-CZ" sz="1100" b="0" i="0" u="none" strike="noStrike" cap="none" normalizeH="0" baseline="0" dirty="0" err="1">
+                <a:ln>
+                  <a:noFill/>
+                </a:ln>
+                <a:solidFill>
+                  <a:schemeClr val="tx1"/>
+                </a:solidFill>
+                <a:effectLst/>
+                <a:latin typeface="Aptos" panose="020B0004020202020204" pitchFamily="34" charset="0"/>
+                <a:ea typeface="Times New Roman" panose="02020603050405020304" pitchFamily="18" charset="0"/>
+                <a:cs typeface="Times New Roman" panose="02020603050405020304" pitchFamily="18" charset="0"/>
+              </a:rPr>
+              <a:t>accessed</a:t>
+            </a:r>
+            <a:r>
+              <a:rPr kumimoji="0" lang="cs-CZ" altLang="cs-CZ" sz="1100" b="0" i="0" u="none" strike="noStrike" cap="none" normalizeH="0" baseline="0" dirty="0">
+                <a:ln>
+                  <a:noFill/>
+                </a:ln>
+                <a:solidFill>
+                  <a:schemeClr val="tx1"/>
+                </a:solidFill>
+                <a:effectLst/>
+                <a:latin typeface="Aptos" panose="020B0004020202020204" pitchFamily="34" charset="0"/>
+                <a:ea typeface="Times New Roman" panose="02020603050405020304" pitchFamily="18" charset="0"/>
+                <a:cs typeface="Times New Roman" panose="02020603050405020304" pitchFamily="18" charset="0"/>
+              </a:rPr>
+              <a:t>. 2025-05-11]. </a:t>
+            </a:r>
+            <a:r>
+              <a:rPr kumimoji="0" lang="cs-CZ" altLang="cs-CZ" sz="1100" b="0" i="0" u="none" strike="noStrike" cap="none" normalizeH="0" baseline="0" dirty="0" err="1">
+                <a:ln>
+                  <a:noFill/>
+                </a:ln>
+                <a:solidFill>
+                  <a:schemeClr val="tx1"/>
+                </a:solidFill>
+                <a:effectLst/>
+                <a:latin typeface="Aptos" panose="020B0004020202020204" pitchFamily="34" charset="0"/>
+                <a:ea typeface="Times New Roman" panose="02020603050405020304" pitchFamily="18" charset="0"/>
+                <a:cs typeface="Times New Roman" panose="02020603050405020304" pitchFamily="18" charset="0"/>
+              </a:rPr>
+              <a:t>Available</a:t>
+            </a:r>
+            <a:r>
+              <a:rPr kumimoji="0" lang="cs-CZ" altLang="cs-CZ" sz="1100" b="0" i="0" u="none" strike="noStrike" cap="none" normalizeH="0" baseline="0" dirty="0">
+                <a:ln>
+                  <a:noFill/>
+                </a:ln>
+                <a:solidFill>
+                  <a:schemeClr val="tx1"/>
+                </a:solidFill>
+                <a:effectLst/>
+                <a:latin typeface="Aptos" panose="020B0004020202020204" pitchFamily="34" charset="0"/>
+                <a:ea typeface="Times New Roman" panose="02020603050405020304" pitchFamily="18" charset="0"/>
+                <a:cs typeface="Times New Roman" panose="02020603050405020304" pitchFamily="18" charset="0"/>
+              </a:rPr>
+              <a:t> 	</a:t>
+            </a:r>
+            <a:r>
+              <a:rPr kumimoji="0" lang="cs-CZ" altLang="cs-CZ" sz="1100" b="0" i="0" u="none" strike="noStrike" cap="none" normalizeH="0" baseline="0" dirty="0" err="1">
+                <a:ln>
+                  <a:noFill/>
+                </a:ln>
+                <a:solidFill>
+                  <a:schemeClr val="tx1"/>
+                </a:solidFill>
+                <a:effectLst/>
+                <a:latin typeface="Aptos" panose="020B0004020202020204" pitchFamily="34" charset="0"/>
+                <a:ea typeface="Times New Roman" panose="02020603050405020304" pitchFamily="18" charset="0"/>
+                <a:cs typeface="Times New Roman" panose="02020603050405020304" pitchFamily="18" charset="0"/>
+              </a:rPr>
+              <a:t>at</a:t>
+            </a:r>
+            <a:r>
+              <a:rPr kumimoji="0" lang="cs-CZ" altLang="cs-CZ" sz="1100" b="0" i="0" u="none" strike="noStrike" cap="none" normalizeH="0" baseline="0" dirty="0">
+                <a:ln>
+                  <a:noFill/>
+                </a:ln>
+                <a:solidFill>
+                  <a:schemeClr val="tx1"/>
+                </a:solidFill>
+                <a:effectLst/>
+                <a:latin typeface="Aptos" panose="020B0004020202020204" pitchFamily="34" charset="0"/>
+                <a:ea typeface="Times New Roman" panose="02020603050405020304" pitchFamily="18" charset="0"/>
+                <a:cs typeface="Times New Roman" panose="02020603050405020304" pitchFamily="18" charset="0"/>
+              </a:rPr>
+              <a:t>: https://wiki.st.com/stm32mpu/nsfr_img_auth.php/archive/2/2f/20210111080102%21STM32_logo.png</a:t>
+            </a:r>
+            <a:endParaRPr kumimoji="0" lang="cs-CZ" altLang="cs-CZ" sz="600" b="0" i="0" u="none" strike="noStrike" cap="none" normalizeH="0" baseline="0" dirty="0">
+              <a:ln>
+                <a:noFill/>
+              </a:ln>
+              <a:solidFill>
+                <a:schemeClr val="tx1"/>
+              </a:solidFill>
+              <a:effectLst/>
+            </a:endParaRPr>
+          </a:p>
+          <a:p>
+            <a:pPr marL="0" marR="0" lvl="0" indent="0" defTabSz="914400" rtl="0" eaLnBrk="0" fontAlgn="base" latinLnBrk="0" hangingPunct="0">
+              <a:lnSpc>
+                <a:spcPct val="100000"/>
+              </a:lnSpc>
+              <a:spcBef>
+                <a:spcPct val="0"/>
+              </a:spcBef>
+              <a:spcAft>
+                <a:spcPts val="1200"/>
+              </a:spcAft>
+              <a:buClrTx/>
+              <a:buSzTx/>
+              <a:buFontTx/>
+              <a:buNone/>
+              <a:tabLst/>
+            </a:pPr>
+            <a:r>
+              <a:rPr kumimoji="0" lang="cs-CZ" altLang="cs-CZ" sz="1100" b="0" i="0" u="none" strike="noStrike" cap="none" normalizeH="0" baseline="0" dirty="0">
+                <a:ln>
+                  <a:noFill/>
+                </a:ln>
+                <a:solidFill>
+                  <a:schemeClr val="tx1"/>
+                </a:solidFill>
+                <a:effectLst/>
+                <a:latin typeface="Aptos" panose="020B0004020202020204" pitchFamily="34" charset="0"/>
+                <a:ea typeface="Times New Roman" panose="02020603050405020304" pitchFamily="18" charset="0"/>
+                <a:cs typeface="Times New Roman" panose="02020603050405020304" pitchFamily="18" charset="0"/>
+              </a:rPr>
+              <a:t>[2] 	</a:t>
+            </a:r>
+            <a:r>
+              <a:rPr kumimoji="0" lang="cs-CZ" altLang="cs-CZ" sz="1100" b="0" i="1" u="none" strike="noStrike" cap="none" normalizeH="0" baseline="0" dirty="0">
+                <a:ln>
+                  <a:noFill/>
+                </a:ln>
+                <a:solidFill>
+                  <a:schemeClr val="tx1"/>
+                </a:solidFill>
+                <a:effectLst/>
+                <a:latin typeface="Aptos" panose="020B0004020202020204" pitchFamily="34" charset="0"/>
+                <a:ea typeface="Times New Roman" panose="02020603050405020304" pitchFamily="18" charset="0"/>
+                <a:cs typeface="Times New Roman" panose="02020603050405020304" pitchFamily="18" charset="0"/>
+              </a:rPr>
+              <a:t>logo-ai.png (200×200)</a:t>
+            </a:r>
+            <a:r>
+              <a:rPr kumimoji="0" lang="cs-CZ" altLang="cs-CZ" sz="1100" b="0" i="0" u="none" strike="noStrike" cap="none" normalizeH="0" baseline="0" dirty="0">
+                <a:ln>
+                  <a:noFill/>
+                </a:ln>
+                <a:solidFill>
+                  <a:schemeClr val="tx1"/>
+                </a:solidFill>
+                <a:effectLst/>
+                <a:latin typeface="Aptos" panose="020B0004020202020204" pitchFamily="34" charset="0"/>
+                <a:ea typeface="Times New Roman" panose="02020603050405020304" pitchFamily="18" charset="0"/>
+                <a:cs typeface="Times New Roman" panose="02020603050405020304" pitchFamily="18" charset="0"/>
+              </a:rPr>
+              <a:t> [online]. [</a:t>
+            </a:r>
+            <a:r>
+              <a:rPr kumimoji="0" lang="cs-CZ" altLang="cs-CZ" sz="1100" b="0" i="0" u="none" strike="noStrike" cap="none" normalizeH="0" baseline="0" dirty="0" err="1">
+                <a:ln>
+                  <a:noFill/>
+                </a:ln>
+                <a:solidFill>
+                  <a:schemeClr val="tx1"/>
+                </a:solidFill>
+                <a:effectLst/>
+                <a:latin typeface="Aptos" panose="020B0004020202020204" pitchFamily="34" charset="0"/>
+                <a:ea typeface="Times New Roman" panose="02020603050405020304" pitchFamily="18" charset="0"/>
+                <a:cs typeface="Times New Roman" panose="02020603050405020304" pitchFamily="18" charset="0"/>
+              </a:rPr>
+              <a:t>accessed</a:t>
+            </a:r>
+            <a:r>
+              <a:rPr kumimoji="0" lang="cs-CZ" altLang="cs-CZ" sz="1100" b="0" i="0" u="none" strike="noStrike" cap="none" normalizeH="0" baseline="0" dirty="0">
+                <a:ln>
+                  <a:noFill/>
+                </a:ln>
+                <a:solidFill>
+                  <a:schemeClr val="tx1"/>
+                </a:solidFill>
+                <a:effectLst/>
+                <a:latin typeface="Aptos" panose="020B0004020202020204" pitchFamily="34" charset="0"/>
+                <a:ea typeface="Times New Roman" panose="02020603050405020304" pitchFamily="18" charset="0"/>
+                <a:cs typeface="Times New Roman" panose="02020603050405020304" pitchFamily="18" charset="0"/>
+              </a:rPr>
+              <a:t>. 2025-05-11]. </a:t>
+            </a:r>
+            <a:r>
+              <a:rPr kumimoji="0" lang="cs-CZ" altLang="cs-CZ" sz="1100" b="0" i="0" u="none" strike="noStrike" cap="none" normalizeH="0" baseline="0" dirty="0" err="1">
+                <a:ln>
+                  <a:noFill/>
+                </a:ln>
+                <a:solidFill>
+                  <a:schemeClr val="tx1"/>
+                </a:solidFill>
+                <a:effectLst/>
+                <a:latin typeface="Aptos" panose="020B0004020202020204" pitchFamily="34" charset="0"/>
+                <a:ea typeface="Times New Roman" panose="02020603050405020304" pitchFamily="18" charset="0"/>
+                <a:cs typeface="Times New Roman" panose="02020603050405020304" pitchFamily="18" charset="0"/>
+              </a:rPr>
+              <a:t>Available</a:t>
+            </a:r>
+            <a:r>
+              <a:rPr kumimoji="0" lang="cs-CZ" altLang="cs-CZ" sz="1100" b="0" i="0" u="none" strike="noStrike" cap="none" normalizeH="0" baseline="0" dirty="0">
+                <a:ln>
+                  <a:noFill/>
+                </a:ln>
+                <a:solidFill>
+                  <a:schemeClr val="tx1"/>
+                </a:solidFill>
+                <a:effectLst/>
+                <a:latin typeface="Aptos" panose="020B0004020202020204" pitchFamily="34" charset="0"/>
+                <a:ea typeface="Times New Roman" panose="02020603050405020304" pitchFamily="18" charset="0"/>
+                <a:cs typeface="Times New Roman" panose="02020603050405020304" pitchFamily="18" charset="0"/>
+              </a:rPr>
+              <a:t> 	</a:t>
+            </a:r>
+            <a:r>
+              <a:rPr kumimoji="0" lang="cs-CZ" altLang="cs-CZ" sz="1100" b="0" i="0" u="none" strike="noStrike" cap="none" normalizeH="0" baseline="0" dirty="0" err="1">
+                <a:ln>
+                  <a:noFill/>
+                </a:ln>
+                <a:solidFill>
+                  <a:schemeClr val="tx1"/>
+                </a:solidFill>
+                <a:effectLst/>
+                <a:latin typeface="Aptos" panose="020B0004020202020204" pitchFamily="34" charset="0"/>
+                <a:ea typeface="Times New Roman" panose="02020603050405020304" pitchFamily="18" charset="0"/>
+                <a:cs typeface="Times New Roman" panose="02020603050405020304" pitchFamily="18" charset="0"/>
+              </a:rPr>
+              <a:t>at</a:t>
+            </a:r>
+            <a:r>
+              <a:rPr kumimoji="0" lang="cs-CZ" altLang="cs-CZ" sz="1100" b="0" i="0" u="none" strike="noStrike" cap="none" normalizeH="0" baseline="0" dirty="0">
+                <a:ln>
+                  <a:noFill/>
+                </a:ln>
+                <a:solidFill>
+                  <a:schemeClr val="tx1"/>
+                </a:solidFill>
+                <a:effectLst/>
+                <a:latin typeface="Aptos" panose="020B0004020202020204" pitchFamily="34" charset="0"/>
+                <a:ea typeface="Times New Roman" panose="02020603050405020304" pitchFamily="18" charset="0"/>
+                <a:cs typeface="Times New Roman" panose="02020603050405020304" pitchFamily="18" charset="0"/>
+              </a:rPr>
+              <a:t>: https://www.espressif.com/sites/all/themes/espressif/images/logo-ai.png</a:t>
+            </a:r>
+            <a:endParaRPr kumimoji="0" lang="cs-CZ" altLang="cs-CZ" sz="600" b="0" i="0" u="none" strike="noStrike" cap="none" normalizeH="0" baseline="0" dirty="0">
+              <a:ln>
+                <a:noFill/>
+              </a:ln>
+              <a:solidFill>
+                <a:schemeClr val="tx1"/>
+              </a:solidFill>
+              <a:effectLst/>
+            </a:endParaRPr>
+          </a:p>
+          <a:p>
+            <a:pPr marL="0" marR="0" lvl="0" indent="0" defTabSz="914400" rtl="0" eaLnBrk="0" fontAlgn="base" latinLnBrk="0" hangingPunct="0">
+              <a:lnSpc>
+                <a:spcPct val="100000"/>
+              </a:lnSpc>
+              <a:spcBef>
+                <a:spcPct val="0"/>
+              </a:spcBef>
+              <a:spcAft>
+                <a:spcPts val="1200"/>
+              </a:spcAft>
+              <a:buClrTx/>
+              <a:buSzTx/>
+              <a:buFontTx/>
+              <a:buNone/>
+              <a:tabLst/>
+            </a:pPr>
+            <a:r>
+              <a:rPr kumimoji="0" lang="cs-CZ" altLang="cs-CZ" sz="1100" b="0" i="0" u="none" strike="noStrike" cap="none" normalizeH="0" baseline="0" dirty="0">
+                <a:ln>
+                  <a:noFill/>
+                </a:ln>
+                <a:solidFill>
+                  <a:schemeClr val="tx1"/>
+                </a:solidFill>
+                <a:effectLst/>
+                <a:latin typeface="Aptos" panose="020B0004020202020204" pitchFamily="34" charset="0"/>
+                <a:ea typeface="Times New Roman" panose="02020603050405020304" pitchFamily="18" charset="0"/>
+                <a:cs typeface="Times New Roman" panose="02020603050405020304" pitchFamily="18" charset="0"/>
+              </a:rPr>
+              <a:t>[3] 	</a:t>
+            </a:r>
+            <a:r>
+              <a:rPr kumimoji="0" lang="cs-CZ" altLang="cs-CZ" sz="1100" b="0" i="1" u="none" strike="noStrike" cap="none" normalizeH="0" baseline="0" dirty="0">
+                <a:ln>
+                  <a:noFill/>
+                </a:ln>
+                <a:solidFill>
+                  <a:schemeClr val="tx1"/>
+                </a:solidFill>
+                <a:effectLst/>
+                <a:latin typeface="Aptos" panose="020B0004020202020204" pitchFamily="34" charset="0"/>
+                <a:ea typeface="Times New Roman" panose="02020603050405020304" pitchFamily="18" charset="0"/>
+                <a:cs typeface="Times New Roman" panose="02020603050405020304" pitchFamily="18" charset="0"/>
+              </a:rPr>
+              <a:t>uk-SMART-THINGS-541426874 (624×624)</a:t>
+            </a:r>
+            <a:r>
+              <a:rPr kumimoji="0" lang="cs-CZ" altLang="cs-CZ" sz="1100" b="0" i="0" u="none" strike="noStrike" cap="none" normalizeH="0" baseline="0" dirty="0">
+                <a:ln>
+                  <a:noFill/>
+                </a:ln>
+                <a:solidFill>
+                  <a:schemeClr val="tx1"/>
+                </a:solidFill>
+                <a:effectLst/>
+                <a:latin typeface="Aptos" panose="020B0004020202020204" pitchFamily="34" charset="0"/>
+                <a:ea typeface="Times New Roman" panose="02020603050405020304" pitchFamily="18" charset="0"/>
+                <a:cs typeface="Times New Roman" panose="02020603050405020304" pitchFamily="18" charset="0"/>
+              </a:rPr>
+              <a:t> [online]. [</a:t>
+            </a:r>
+            <a:r>
+              <a:rPr kumimoji="0" lang="cs-CZ" altLang="cs-CZ" sz="1100" b="0" i="0" u="none" strike="noStrike" cap="none" normalizeH="0" baseline="0" dirty="0" err="1">
+                <a:ln>
+                  <a:noFill/>
+                </a:ln>
+                <a:solidFill>
+                  <a:schemeClr val="tx1"/>
+                </a:solidFill>
+                <a:effectLst/>
+                <a:latin typeface="Aptos" panose="020B0004020202020204" pitchFamily="34" charset="0"/>
+                <a:ea typeface="Times New Roman" panose="02020603050405020304" pitchFamily="18" charset="0"/>
+                <a:cs typeface="Times New Roman" panose="02020603050405020304" pitchFamily="18" charset="0"/>
+              </a:rPr>
+              <a:t>accessed</a:t>
+            </a:r>
+            <a:r>
+              <a:rPr kumimoji="0" lang="cs-CZ" altLang="cs-CZ" sz="1100" b="0" i="0" u="none" strike="noStrike" cap="none" normalizeH="0" baseline="0" dirty="0">
+                <a:ln>
+                  <a:noFill/>
+                </a:ln>
+                <a:solidFill>
+                  <a:schemeClr val="tx1"/>
+                </a:solidFill>
+                <a:effectLst/>
+                <a:latin typeface="Aptos" panose="020B0004020202020204" pitchFamily="34" charset="0"/>
+                <a:ea typeface="Times New Roman" panose="02020603050405020304" pitchFamily="18" charset="0"/>
+                <a:cs typeface="Times New Roman" panose="02020603050405020304" pitchFamily="18" charset="0"/>
+              </a:rPr>
+              <a:t>. 2025-05-11]. </a:t>
+            </a:r>
+            <a:r>
+              <a:rPr kumimoji="0" lang="cs-CZ" altLang="cs-CZ" sz="1100" b="0" i="0" u="none" strike="noStrike" cap="none" normalizeH="0" baseline="0" dirty="0" err="1">
+                <a:ln>
+                  <a:noFill/>
+                </a:ln>
+                <a:solidFill>
+                  <a:schemeClr val="tx1"/>
+                </a:solidFill>
+                <a:effectLst/>
+                <a:latin typeface="Aptos" panose="020B0004020202020204" pitchFamily="34" charset="0"/>
+                <a:ea typeface="Times New Roman" panose="02020603050405020304" pitchFamily="18" charset="0"/>
+                <a:cs typeface="Times New Roman" panose="02020603050405020304" pitchFamily="18" charset="0"/>
+              </a:rPr>
+              <a:t>Available</a:t>
+            </a:r>
+            <a:r>
+              <a:rPr kumimoji="0" lang="cs-CZ" altLang="cs-CZ" sz="1100" b="0" i="0" u="none" strike="noStrike" cap="none" normalizeH="0" baseline="0" dirty="0">
+                <a:ln>
+                  <a:noFill/>
+                </a:ln>
+                <a:solidFill>
+                  <a:schemeClr val="tx1"/>
+                </a:solidFill>
+                <a:effectLst/>
+                <a:latin typeface="Aptos" panose="020B0004020202020204" pitchFamily="34" charset="0"/>
+                <a:ea typeface="Times New Roman" panose="02020603050405020304" pitchFamily="18" charset="0"/>
+                <a:cs typeface="Times New Roman" panose="02020603050405020304" pitchFamily="18" charset="0"/>
+              </a:rPr>
+              <a:t> 	</a:t>
+            </a:r>
+            <a:r>
+              <a:rPr kumimoji="0" lang="cs-CZ" altLang="cs-CZ" sz="1100" b="0" i="0" u="none" strike="noStrike" cap="none" normalizeH="0" baseline="0" dirty="0" err="1">
+                <a:ln>
+                  <a:noFill/>
+                </a:ln>
+                <a:solidFill>
+                  <a:schemeClr val="tx1"/>
+                </a:solidFill>
+                <a:effectLst/>
+                <a:latin typeface="Aptos" panose="020B0004020202020204" pitchFamily="34" charset="0"/>
+                <a:ea typeface="Times New Roman" panose="02020603050405020304" pitchFamily="18" charset="0"/>
+                <a:cs typeface="Times New Roman" panose="02020603050405020304" pitchFamily="18" charset="0"/>
+              </a:rPr>
+              <a:t>at</a:t>
+            </a:r>
+            <a:r>
+              <a:rPr kumimoji="0" lang="cs-CZ" altLang="cs-CZ" sz="1100" b="0" i="0" u="none" strike="noStrike" cap="none" normalizeH="0" baseline="0" dirty="0">
+                <a:ln>
+                  <a:noFill/>
+                </a:ln>
+                <a:solidFill>
+                  <a:schemeClr val="tx1"/>
+                </a:solidFill>
+                <a:effectLst/>
+                <a:latin typeface="Aptos" panose="020B0004020202020204" pitchFamily="34" charset="0"/>
+                <a:ea typeface="Times New Roman" panose="02020603050405020304" pitchFamily="18" charset="0"/>
+                <a:cs typeface="Times New Roman" panose="02020603050405020304" pitchFamily="18" charset="0"/>
+              </a:rPr>
+              <a:t>: https://images.samsung.com/is/image/samsung/p6pim/uk/support/uk-SMART-THINGS-541426874?$624_624_PNG$</a:t>
+            </a:r>
+            <a:endParaRPr kumimoji="0" lang="cs-CZ" altLang="cs-CZ" sz="600" b="0" i="0" u="none" strike="noStrike" cap="none" normalizeH="0" baseline="0" dirty="0">
+              <a:ln>
+                <a:noFill/>
+              </a:ln>
+              <a:solidFill>
+                <a:schemeClr val="tx1"/>
+              </a:solidFill>
+              <a:effectLst/>
+            </a:endParaRPr>
+          </a:p>
+          <a:p>
+            <a:pPr marL="0" marR="0" lvl="0" indent="0" defTabSz="914400" rtl="0" eaLnBrk="0" fontAlgn="base" latinLnBrk="0" hangingPunct="0">
+              <a:lnSpc>
+                <a:spcPct val="100000"/>
+              </a:lnSpc>
+              <a:spcBef>
+                <a:spcPct val="0"/>
+              </a:spcBef>
+              <a:spcAft>
+                <a:spcPts val="1200"/>
+              </a:spcAft>
+              <a:buClrTx/>
+              <a:buSzTx/>
+              <a:buFontTx/>
+              <a:buNone/>
+              <a:tabLst/>
+            </a:pPr>
+            <a:r>
+              <a:rPr kumimoji="0" lang="cs-CZ" altLang="cs-CZ" sz="1100" b="0" i="0" u="none" strike="noStrike" cap="none" normalizeH="0" baseline="0" dirty="0">
+                <a:ln>
+                  <a:noFill/>
+                </a:ln>
+                <a:solidFill>
+                  <a:schemeClr val="tx1"/>
+                </a:solidFill>
+                <a:effectLst/>
+                <a:latin typeface="Aptos" panose="020B0004020202020204" pitchFamily="34" charset="0"/>
+                <a:ea typeface="Times New Roman" panose="02020603050405020304" pitchFamily="18" charset="0"/>
+                <a:cs typeface="Times New Roman" panose="02020603050405020304" pitchFamily="18" charset="0"/>
+              </a:rPr>
+              <a:t>[4] 	</a:t>
+            </a:r>
+            <a:r>
+              <a:rPr kumimoji="0" lang="cs-CZ" altLang="cs-CZ" sz="1100" b="0" i="1" u="none" strike="noStrike" cap="none" normalizeH="0" baseline="0" dirty="0">
+                <a:ln>
+                  <a:noFill/>
+                </a:ln>
+                <a:solidFill>
+                  <a:schemeClr val="tx1"/>
+                </a:solidFill>
+                <a:effectLst/>
+                <a:latin typeface="Aptos" panose="020B0004020202020204" pitchFamily="34" charset="0"/>
+                <a:ea typeface="Times New Roman" panose="02020603050405020304" pitchFamily="18" charset="0"/>
+                <a:cs typeface="Times New Roman" panose="02020603050405020304" pitchFamily="18" charset="0"/>
+              </a:rPr>
+              <a:t>ESP8266 </a:t>
+            </a:r>
+            <a:r>
+              <a:rPr kumimoji="0" lang="cs-CZ" altLang="cs-CZ" sz="1100" b="0" i="1" u="none" strike="noStrike" cap="none" normalizeH="0" baseline="0" dirty="0" err="1">
+                <a:ln>
+                  <a:noFill/>
+                </a:ln>
+                <a:solidFill>
+                  <a:schemeClr val="tx1"/>
+                </a:solidFill>
+                <a:effectLst/>
+                <a:latin typeface="Aptos" panose="020B0004020202020204" pitchFamily="34" charset="0"/>
+                <a:ea typeface="Times New Roman" panose="02020603050405020304" pitchFamily="18" charset="0"/>
+                <a:cs typeface="Times New Roman" panose="02020603050405020304" pitchFamily="18" charset="0"/>
+              </a:rPr>
+              <a:t>Pinout</a:t>
+            </a:r>
+            <a:r>
+              <a:rPr kumimoji="0" lang="cs-CZ" altLang="cs-CZ" sz="1100" b="0" i="1" u="none" strike="noStrike" cap="none" normalizeH="0" baseline="0" dirty="0">
+                <a:ln>
+                  <a:noFill/>
+                </a:ln>
+                <a:solidFill>
+                  <a:schemeClr val="tx1"/>
+                </a:solidFill>
+                <a:effectLst/>
+                <a:latin typeface="Aptos" panose="020B0004020202020204" pitchFamily="34" charset="0"/>
+                <a:ea typeface="Times New Roman" panose="02020603050405020304" pitchFamily="18" charset="0"/>
+                <a:cs typeface="Times New Roman" panose="02020603050405020304" pitchFamily="18" charset="0"/>
+              </a:rPr>
+              <a:t> Reference: </a:t>
+            </a:r>
+            <a:r>
+              <a:rPr kumimoji="0" lang="cs-CZ" altLang="cs-CZ" sz="1100" b="0" i="1" u="none" strike="noStrike" cap="none" normalizeH="0" baseline="0" dirty="0" err="1">
+                <a:ln>
+                  <a:noFill/>
+                </a:ln>
+                <a:solidFill>
+                  <a:schemeClr val="tx1"/>
+                </a:solidFill>
+                <a:effectLst/>
+                <a:latin typeface="Aptos" panose="020B0004020202020204" pitchFamily="34" charset="0"/>
+                <a:ea typeface="Times New Roman" panose="02020603050405020304" pitchFamily="18" charset="0"/>
+                <a:cs typeface="Times New Roman" panose="02020603050405020304" pitchFamily="18" charset="0"/>
+              </a:rPr>
+              <a:t>How</a:t>
+            </a:r>
+            <a:r>
+              <a:rPr kumimoji="0" lang="cs-CZ" altLang="cs-CZ" sz="1100" b="0" i="1" u="none" strike="noStrike" cap="none" normalizeH="0" baseline="0" dirty="0">
+                <a:ln>
+                  <a:noFill/>
+                </a:ln>
+                <a:solidFill>
+                  <a:schemeClr val="tx1"/>
+                </a:solidFill>
+                <a:effectLst/>
+                <a:latin typeface="Aptos" panose="020B0004020202020204" pitchFamily="34" charset="0"/>
+                <a:ea typeface="Times New Roman" panose="02020603050405020304" pitchFamily="18" charset="0"/>
+                <a:cs typeface="Times New Roman" panose="02020603050405020304" pitchFamily="18" charset="0"/>
+              </a:rPr>
+              <a:t> To Use ESP8266 GPIO </a:t>
+            </a:r>
+            <a:r>
+              <a:rPr kumimoji="0" lang="cs-CZ" altLang="cs-CZ" sz="1100" b="0" i="1" u="none" strike="noStrike" cap="none" normalizeH="0" baseline="0" dirty="0" err="1">
+                <a:ln>
+                  <a:noFill/>
+                </a:ln>
+                <a:solidFill>
+                  <a:schemeClr val="tx1"/>
+                </a:solidFill>
+                <a:effectLst/>
+                <a:latin typeface="Aptos" panose="020B0004020202020204" pitchFamily="34" charset="0"/>
+                <a:ea typeface="Times New Roman" panose="02020603050405020304" pitchFamily="18" charset="0"/>
+                <a:cs typeface="Times New Roman" panose="02020603050405020304" pitchFamily="18" charset="0"/>
+              </a:rPr>
+              <a:t>Pins</a:t>
+            </a:r>
+            <a:r>
+              <a:rPr kumimoji="0" lang="cs-CZ" altLang="cs-CZ" sz="1100" b="0" i="0" u="none" strike="noStrike" cap="none" normalizeH="0" baseline="0" dirty="0">
+                <a:ln>
+                  <a:noFill/>
+                </a:ln>
+                <a:solidFill>
+                  <a:schemeClr val="tx1"/>
+                </a:solidFill>
+                <a:effectLst/>
+                <a:latin typeface="Aptos" panose="020B0004020202020204" pitchFamily="34" charset="0"/>
+                <a:ea typeface="Times New Roman" panose="02020603050405020304" pitchFamily="18" charset="0"/>
+                <a:cs typeface="Times New Roman" panose="02020603050405020304" pitchFamily="18" charset="0"/>
+              </a:rPr>
+              <a:t> [online]. [</a:t>
+            </a:r>
+            <a:r>
+              <a:rPr kumimoji="0" lang="cs-CZ" altLang="cs-CZ" sz="1100" b="0" i="0" u="none" strike="noStrike" cap="none" normalizeH="0" baseline="0" dirty="0" err="1">
+                <a:ln>
+                  <a:noFill/>
+                </a:ln>
+                <a:solidFill>
+                  <a:schemeClr val="tx1"/>
+                </a:solidFill>
+                <a:effectLst/>
+                <a:latin typeface="Aptos" panose="020B0004020202020204" pitchFamily="34" charset="0"/>
+                <a:ea typeface="Times New Roman" panose="02020603050405020304" pitchFamily="18" charset="0"/>
+                <a:cs typeface="Times New Roman" panose="02020603050405020304" pitchFamily="18" charset="0"/>
+              </a:rPr>
+              <a:t>accessed</a:t>
+            </a:r>
+            <a:r>
+              <a:rPr kumimoji="0" lang="cs-CZ" altLang="cs-CZ" sz="1100" b="0" i="0" u="none" strike="noStrike" cap="none" normalizeH="0" baseline="0" dirty="0">
+                <a:ln>
+                  <a:noFill/>
+                </a:ln>
+                <a:solidFill>
+                  <a:schemeClr val="tx1"/>
+                </a:solidFill>
+                <a:effectLst/>
+                <a:latin typeface="Aptos" panose="020B0004020202020204" pitchFamily="34" charset="0"/>
+                <a:ea typeface="Times New Roman" panose="02020603050405020304" pitchFamily="18" charset="0"/>
+                <a:cs typeface="Times New Roman" panose="02020603050405020304" pitchFamily="18" charset="0"/>
+              </a:rPr>
+              <a:t>. 2025-03-19]. </a:t>
+            </a:r>
+            <a:r>
+              <a:rPr kumimoji="0" lang="cs-CZ" altLang="cs-CZ" sz="1100" b="0" i="0" u="none" strike="noStrike" cap="none" normalizeH="0" baseline="0" dirty="0" err="1">
+                <a:ln>
+                  <a:noFill/>
+                </a:ln>
+                <a:solidFill>
+                  <a:schemeClr val="tx1"/>
+                </a:solidFill>
+                <a:effectLst/>
+                <a:latin typeface="Aptos" panose="020B0004020202020204" pitchFamily="34" charset="0"/>
+                <a:ea typeface="Times New Roman" panose="02020603050405020304" pitchFamily="18" charset="0"/>
+                <a:cs typeface="Times New Roman" panose="02020603050405020304" pitchFamily="18" charset="0"/>
+              </a:rPr>
+              <a:t>Available</a:t>
+            </a:r>
+            <a:r>
+              <a:rPr kumimoji="0" lang="cs-CZ" altLang="cs-CZ" sz="1100" b="0" i="0" u="none" strike="noStrike" cap="none" normalizeH="0" baseline="0" dirty="0">
+                <a:ln>
+                  <a:noFill/>
+                </a:ln>
+                <a:solidFill>
+                  <a:schemeClr val="tx1"/>
+                </a:solidFill>
+                <a:effectLst/>
+                <a:latin typeface="Aptos" panose="020B0004020202020204" pitchFamily="34" charset="0"/>
+                <a:ea typeface="Times New Roman" panose="02020603050405020304" pitchFamily="18" charset="0"/>
+                <a:cs typeface="Times New Roman" panose="02020603050405020304" pitchFamily="18" charset="0"/>
+              </a:rPr>
+              <a:t> 	</a:t>
+            </a:r>
+            <a:r>
+              <a:rPr kumimoji="0" lang="cs-CZ" altLang="cs-CZ" sz="1100" b="0" i="0" u="none" strike="noStrike" cap="none" normalizeH="0" baseline="0" dirty="0" err="1">
+                <a:ln>
+                  <a:noFill/>
+                </a:ln>
+                <a:solidFill>
+                  <a:schemeClr val="tx1"/>
+                </a:solidFill>
+                <a:effectLst/>
+                <a:latin typeface="Aptos" panose="020B0004020202020204" pitchFamily="34" charset="0"/>
+                <a:ea typeface="Times New Roman" panose="02020603050405020304" pitchFamily="18" charset="0"/>
+                <a:cs typeface="Times New Roman" panose="02020603050405020304" pitchFamily="18" charset="0"/>
+              </a:rPr>
+              <a:t>at</a:t>
+            </a:r>
+            <a:r>
+              <a:rPr kumimoji="0" lang="cs-CZ" altLang="cs-CZ" sz="1100" b="0" i="0" u="none" strike="noStrike" cap="none" normalizeH="0" baseline="0" dirty="0">
+                <a:ln>
+                  <a:noFill/>
+                </a:ln>
+                <a:solidFill>
+                  <a:schemeClr val="tx1"/>
+                </a:solidFill>
+                <a:effectLst/>
+                <a:latin typeface="Aptos" panose="020B0004020202020204" pitchFamily="34" charset="0"/>
+                <a:ea typeface="Times New Roman" panose="02020603050405020304" pitchFamily="18" charset="0"/>
+                <a:cs typeface="Times New Roman" panose="02020603050405020304" pitchFamily="18" charset="0"/>
+              </a:rPr>
+              <a:t>: https://electropeak.com/learn/esp8266-pinout-reference-how-to-use-esp8266-gpio-pins/</a:t>
+            </a:r>
+            <a:endParaRPr kumimoji="0" lang="cs-CZ" altLang="cs-CZ" sz="600" b="0" i="0" u="none" strike="noStrike" cap="none" normalizeH="0" baseline="0" dirty="0">
+              <a:ln>
+                <a:noFill/>
+              </a:ln>
+              <a:solidFill>
+                <a:schemeClr val="tx1"/>
+              </a:solidFill>
+              <a:effectLst/>
+            </a:endParaRPr>
+          </a:p>
+          <a:p>
+            <a:pPr marL="0" marR="0" lvl="0" indent="0" defTabSz="914400" rtl="0" eaLnBrk="0" fontAlgn="base" latinLnBrk="0" hangingPunct="0">
+              <a:lnSpc>
+                <a:spcPct val="100000"/>
+              </a:lnSpc>
+              <a:spcBef>
+                <a:spcPct val="0"/>
+              </a:spcBef>
+              <a:spcAft>
+                <a:spcPts val="1200"/>
+              </a:spcAft>
+              <a:buClrTx/>
+              <a:buSzTx/>
+              <a:buFontTx/>
+              <a:buNone/>
+              <a:tabLst/>
+            </a:pPr>
+            <a:r>
+              <a:rPr kumimoji="0" lang="cs-CZ" altLang="cs-CZ" sz="1100" b="0" i="0" u="none" strike="noStrike" cap="none" normalizeH="0" baseline="0" dirty="0">
+                <a:ln>
+                  <a:noFill/>
+                </a:ln>
+                <a:solidFill>
+                  <a:schemeClr val="tx1"/>
+                </a:solidFill>
+                <a:effectLst/>
+                <a:latin typeface="Aptos" panose="020B0004020202020204" pitchFamily="34" charset="0"/>
+                <a:ea typeface="Times New Roman" panose="02020603050405020304" pitchFamily="18" charset="0"/>
+                <a:cs typeface="Times New Roman" panose="02020603050405020304" pitchFamily="18" charset="0"/>
+              </a:rPr>
+              <a:t> </a:t>
+            </a:r>
+            <a:endParaRPr kumimoji="0" lang="cs-CZ" altLang="cs-CZ" sz="1800" b="0" i="0" u="none" strike="noStrike" cap="none" normalizeH="0" baseline="0" dirty="0">
+              <a:ln>
+                <a:noFill/>
+              </a:ln>
+              <a:solidFill>
+                <a:schemeClr val="tx1"/>
+              </a:solidFill>
+              <a:effectLst/>
+              <a:latin typeface="Arial" panose="020B0604020202020204" pitchFamily="34" charset="0"/>
+            </a:endParaRPr>
+          </a:p>
+        </p:txBody>
+      </p:sp>
+    </p:spTree>
+    <p:extLst>
+      <p:ext uri="{BB962C8B-B14F-4D97-AF65-F5344CB8AC3E}">
+        <p14:creationId xmlns:p14="http://schemas.microsoft.com/office/powerpoint/2010/main" val="915357966"/>
+      </p:ext>
+    </p:extLst>
+  </p:cSld>
+  <p:clrMapOvr>
+    <a:masterClrMapping/>
+  </p:clrMapOvr>
+  <p:transition>
+    <p:fade/>
+  </p:transition>
+  <p:timing>
+    <p:tnLst>
+      <p:par>
+        <p:cTn id="1" dur="indefinite" restart="never" nodeType="tmRoot">
+          <p:childTnLst>
+            <p:seq concurrent="1" nextAc="seek">
+              <p:cTn id="2" dur="indefinite" nodeType="mainSeq"/>
+              <p:prevCondLst>
+                <p:cond evt="onPrev" delay="0">
+                  <p:tgtEl>
+                    <p:sldTgt/>
+                  </p:tgtEl>
+                </p:cond>
+              </p:prevCondLst>
+              <p:nextCondLst>
+                <p:cond evt="onNext" delay="0">
+                  <p:tgtEl>
+                    <p:sldTgt/>
+                  </p:tgtEl>
+                </p:cond>
+              </p:nextCondLst>
+            </p:seq>
+          </p:childTnLst>
+        </p:cTn>
+      </p:par>
+    </p:tnLst>
+  </p:timing>
+</p:sld>
+</file>
+
+<file path=ppt/slides/slide12.xml><?xml version="1.0" encoding="utf-8"?>
+<p:sld xmlns:a="http://schemas.openxmlformats.org/drawingml/2006/main" xmlns:r="http://schemas.openxmlformats.org/officeDocument/2006/relationships" xmlns:p="http://schemas.openxmlformats.org/presentationml/2006/main">
+  <p:cSld>
+    <p:spTree>
+      <p:nvGrpSpPr>
+        <p:cNvPr id="1" name="">
+          <a:extLst>
+            <a:ext uri="{FF2B5EF4-FFF2-40B4-BE49-F238E27FC236}">
               <a16:creationId xmlns:a16="http://schemas.microsoft.com/office/drawing/2014/main" id="{0295ED8F-5130-BB7A-A89F-2C6D72FCC2CB}"/>
             </a:ext>
           </a:extLst>
@@ -22137,7 +26001,7 @@
 </p:sld>
 </file>
 
-<file path=ppt/slides/slide12.xml><?xml version="1.0" encoding="utf-8"?>
+<file path=ppt/slides/slide13.xml><?xml version="1.0" encoding="utf-8"?>
 <p:sld xmlns:a="http://schemas.openxmlformats.org/drawingml/2006/main" xmlns:r="http://schemas.openxmlformats.org/officeDocument/2006/relationships" xmlns:p="http://schemas.openxmlformats.org/presentationml/2006/main">
   <p:cSld>
     <p:spTree>
@@ -24355,7 +28219,7 @@
 </p:sld>
 </file>
 
-<file path=ppt/slides/slide13.xml><?xml version="1.0" encoding="utf-8"?>
+<file path=ppt/slides/slide14.xml><?xml version="1.0" encoding="utf-8"?>
 <p:sld xmlns:a="http://schemas.openxmlformats.org/drawingml/2006/main" xmlns:r="http://schemas.openxmlformats.org/officeDocument/2006/relationships" xmlns:p="http://schemas.openxmlformats.org/presentationml/2006/main">
   <p:cSld>
     <p:spTree>
